--- a/p2.pptx
+++ b/p2.pptx
@@ -5,29 +5,49 @@
     <p:sldMasterId id="2147483696" r:id="rId1"/>
   </p:sldMasterIdLst>
   <p:notesMasterIdLst>
-    <p:notesMasterId r:id="rId22"/>
+    <p:notesMasterId r:id="rId42"/>
   </p:notesMasterIdLst>
   <p:sldIdLst>
     <p:sldId id="256" r:id="rId2"/>
     <p:sldId id="258" r:id="rId3"/>
     <p:sldId id="264" r:id="rId4"/>
     <p:sldId id="265" r:id="rId5"/>
-    <p:sldId id="268" r:id="rId6"/>
-    <p:sldId id="269" r:id="rId7"/>
-    <p:sldId id="259" r:id="rId8"/>
-    <p:sldId id="257" r:id="rId9"/>
-    <p:sldId id="260" r:id="rId10"/>
-    <p:sldId id="266" r:id="rId11"/>
-    <p:sldId id="261" r:id="rId12"/>
-    <p:sldId id="270" r:id="rId13"/>
-    <p:sldId id="275" r:id="rId14"/>
-    <p:sldId id="276" r:id="rId15"/>
-    <p:sldId id="277" r:id="rId16"/>
-    <p:sldId id="262" r:id="rId17"/>
-    <p:sldId id="263" r:id="rId18"/>
-    <p:sldId id="273" r:id="rId19"/>
-    <p:sldId id="278" r:id="rId20"/>
-    <p:sldId id="279" r:id="rId21"/>
+    <p:sldId id="280" r:id="rId6"/>
+    <p:sldId id="268" r:id="rId7"/>
+    <p:sldId id="269" r:id="rId8"/>
+    <p:sldId id="259" r:id="rId9"/>
+    <p:sldId id="257" r:id="rId10"/>
+    <p:sldId id="260" r:id="rId11"/>
+    <p:sldId id="266" r:id="rId12"/>
+    <p:sldId id="261" r:id="rId13"/>
+    <p:sldId id="270" r:id="rId14"/>
+    <p:sldId id="275" r:id="rId15"/>
+    <p:sldId id="276" r:id="rId16"/>
+    <p:sldId id="273" r:id="rId17"/>
+    <p:sldId id="262" r:id="rId18"/>
+    <p:sldId id="263" r:id="rId19"/>
+    <p:sldId id="281" r:id="rId20"/>
+    <p:sldId id="282" r:id="rId21"/>
+    <p:sldId id="283" r:id="rId22"/>
+    <p:sldId id="284" r:id="rId23"/>
+    <p:sldId id="285" r:id="rId24"/>
+    <p:sldId id="286" r:id="rId25"/>
+    <p:sldId id="287" r:id="rId26"/>
+    <p:sldId id="288" r:id="rId27"/>
+    <p:sldId id="289" r:id="rId28"/>
+    <p:sldId id="290" r:id="rId29"/>
+    <p:sldId id="291" r:id="rId30"/>
+    <p:sldId id="292" r:id="rId31"/>
+    <p:sldId id="293" r:id="rId32"/>
+    <p:sldId id="294" r:id="rId33"/>
+    <p:sldId id="295" r:id="rId34"/>
+    <p:sldId id="296" r:id="rId35"/>
+    <p:sldId id="297" r:id="rId36"/>
+    <p:sldId id="278" r:id="rId37"/>
+    <p:sldId id="279" r:id="rId38"/>
+    <p:sldId id="301" r:id="rId39"/>
+    <p:sldId id="299" r:id="rId40"/>
+    <p:sldId id="300" r:id="rId41"/>
   </p:sldIdLst>
   <p:sldSz cx="12192000" cy="6858000"/>
   <p:notesSz cx="6858000" cy="9144000"/>
@@ -633,7 +653,7 @@
           <a:p>
             <a:fld id="{894D4214-1CB4-4B06-8ECB-CDCB06B574BD}" type="slidenum">
               <a:rPr lang="de-AT" smtClean="0"/>
-              <a:t>18</a:t>
+              <a:t>16</a:t>
             </a:fld>
             <a:endParaRPr lang="de-AT"/>
           </a:p>
@@ -3643,6 +3663,176 @@
 </file>
 
 <file path=ppt/slides/slide10.xml><?xml version="1.0" encoding="utf-8"?>
+<p:sld xmlns:a="http://schemas.openxmlformats.org/drawingml/2006/main" xmlns:r="http://schemas.openxmlformats.org/officeDocument/2006/relationships" xmlns:p="http://schemas.openxmlformats.org/presentationml/2006/main" show="0">
+  <p:cSld>
+    <p:spTree>
+      <p:nvGrpSpPr>
+        <p:cNvPr id="1" name=""/>
+        <p:cNvGrpSpPr/>
+        <p:nvPr/>
+      </p:nvGrpSpPr>
+      <p:grpSpPr>
+        <a:xfrm>
+          <a:off x="0" y="0"/>
+          <a:ext cx="0" cy="0"/>
+          <a:chOff x="0" y="0"/>
+          <a:chExt cx="0" cy="0"/>
+        </a:xfrm>
+      </p:grpSpPr>
+      <p:sp>
+        <p:nvSpPr>
+          <p:cNvPr id="2" name="Title 1"/>
+          <p:cNvSpPr>
+            <a:spLocks noGrp="1"/>
+          </p:cNvSpPr>
+          <p:nvPr>
+            <p:ph type="title"/>
+          </p:nvPr>
+        </p:nvSpPr>
+        <p:spPr/>
+        <p:txBody>
+          <a:bodyPr/>
+          <a:lstStyle/>
+          <a:p>
+            <a:endParaRPr lang="de-AT"/>
+          </a:p>
+        </p:txBody>
+      </p:sp>
+      <p:sp>
+        <p:nvSpPr>
+          <p:cNvPr id="3" name="Content Placeholder 2"/>
+          <p:cNvSpPr>
+            <a:spLocks noGrp="1"/>
+          </p:cNvSpPr>
+          <p:nvPr>
+            <p:ph idx="1"/>
+          </p:nvPr>
+        </p:nvSpPr>
+        <p:spPr/>
+        <p:txBody>
+          <a:bodyPr/>
+          <a:lstStyle/>
+          <a:p>
+            <a:endParaRPr lang="de-AT"/>
+          </a:p>
+        </p:txBody>
+      </p:sp>
+      <p:pic>
+        <p:nvPicPr>
+          <p:cNvPr id="4" name="Picture 3"/>
+          <p:cNvPicPr>
+            <a:picLocks noChangeAspect="1"/>
+          </p:cNvPicPr>
+          <p:nvPr/>
+        </p:nvPicPr>
+        <p:blipFill rotWithShape="1">
+          <a:blip r:embed="rId2"/>
+          <a:srcRect l="7602" r="35384" b="35255"/>
+          <a:stretch/>
+        </p:blipFill>
+        <p:spPr>
+          <a:xfrm>
+            <a:off x="579549" y="-228600"/>
+            <a:ext cx="7418231" cy="4736206"/>
+          </a:xfrm>
+          <a:prstGeom prst="rect">
+            <a:avLst/>
+          </a:prstGeom>
+        </p:spPr>
+      </p:pic>
+      <p:sp>
+        <p:nvSpPr>
+          <p:cNvPr id="5" name="Date Placeholder 4"/>
+          <p:cNvSpPr>
+            <a:spLocks noGrp="1"/>
+          </p:cNvSpPr>
+          <p:nvPr>
+            <p:ph type="dt" sz="half" idx="10"/>
+          </p:nvPr>
+        </p:nvSpPr>
+        <p:spPr/>
+        <p:txBody>
+          <a:bodyPr/>
+          <a:lstStyle/>
+          <a:p>
+            <a:r>
+              <a:rPr lang="de-AT" smtClean="0"/>
+              <a:t>20.03.2015</a:t>
+            </a:r>
+            <a:endParaRPr lang="de-AT"/>
+          </a:p>
+        </p:txBody>
+      </p:sp>
+      <p:sp>
+        <p:nvSpPr>
+          <p:cNvPr id="6" name="Footer Placeholder 5"/>
+          <p:cNvSpPr>
+            <a:spLocks noGrp="1"/>
+          </p:cNvSpPr>
+          <p:nvPr>
+            <p:ph type="ftr" sz="quarter" idx="11"/>
+          </p:nvPr>
+        </p:nvSpPr>
+        <p:spPr/>
+        <p:txBody>
+          <a:bodyPr/>
+          <a:lstStyle/>
+          <a:p>
+            <a:r>
+              <a:rPr lang="de-AT" smtClean="0"/>
+              <a:t>SOA, REST &amp; JSON</a:t>
+            </a:r>
+            <a:endParaRPr lang="de-AT"/>
+          </a:p>
+        </p:txBody>
+      </p:sp>
+      <p:sp>
+        <p:nvSpPr>
+          <p:cNvPr id="7" name="Slide Number Placeholder 6"/>
+          <p:cNvSpPr>
+            <a:spLocks noGrp="1"/>
+          </p:cNvSpPr>
+          <p:nvPr>
+            <p:ph type="sldNum" sz="quarter" idx="12"/>
+          </p:nvPr>
+        </p:nvSpPr>
+        <p:spPr/>
+        <p:txBody>
+          <a:bodyPr/>
+          <a:lstStyle/>
+          <a:p>
+            <a:fld id="{0582A2BA-FDDD-4C1C-9C58-E41C263E2DD2}" type="slidenum">
+              <a:rPr lang="de-AT" smtClean="0"/>
+              <a:t>10</a:t>
+            </a:fld>
+            <a:endParaRPr lang="de-AT"/>
+          </a:p>
+        </p:txBody>
+      </p:sp>
+    </p:spTree>
+    <p:extLst>
+      <p:ext uri="{BB962C8B-B14F-4D97-AF65-F5344CB8AC3E}">
+        <p14:creationId xmlns:p14="http://schemas.microsoft.com/office/powerpoint/2010/main" val="2173474422"/>
+      </p:ext>
+    </p:extLst>
+  </p:cSld>
+  <p:clrMapOvr>
+    <a:masterClrMapping/>
+  </p:clrMapOvr>
+  <p:transition spd="slow">
+    <p:push dir="u"/>
+  </p:transition>
+  <p:timing>
+    <p:tnLst>
+      <p:par>
+        <p:cTn id="1" dur="indefinite" restart="never" nodeType="tmRoot"/>
+      </p:par>
+    </p:tnLst>
+  </p:timing>
+</p:sld>
+</file>
+
+<file path=ppt/slides/slide11.xml><?xml version="1.0" encoding="utf-8"?>
 <p:sld xmlns:a="http://schemas.openxmlformats.org/drawingml/2006/main" xmlns:r="http://schemas.openxmlformats.org/officeDocument/2006/relationships" xmlns:p="http://schemas.openxmlformats.org/presentationml/2006/main">
   <p:cSld>
     <p:spTree>
@@ -4078,7 +4268,7 @@
                   </a:outerShdw>
                 </a:effectLst>
               </a:rPr>
-              <a:t>10</a:t>
+              <a:t>11</a:t>
             </a:fld>
             <a:endParaRPr lang="de-AT" sz="2000" dirty="0">
               <a:ln w="0"/>
@@ -4838,7 +5028,7 @@
 </p:sld>
 </file>
 
-<file path=ppt/slides/slide11.xml><?xml version="1.0" encoding="utf-8"?>
+<file path=ppt/slides/slide12.xml><?xml version="1.0" encoding="utf-8"?>
 <p:sld xmlns:a="http://schemas.openxmlformats.org/drawingml/2006/main" xmlns:r="http://schemas.openxmlformats.org/officeDocument/2006/relationships" xmlns:p="http://schemas.openxmlformats.org/presentationml/2006/main" show="0">
   <p:cSld>
     <p:spTree>
@@ -4979,7 +5169,7 @@
           <a:p>
             <a:fld id="{0582A2BA-FDDD-4C1C-9C58-E41C263E2DD2}" type="slidenum">
               <a:rPr lang="de-AT" smtClean="0"/>
-              <a:t>11</a:t>
+              <a:t>12</a:t>
             </a:fld>
             <a:endParaRPr lang="de-AT"/>
           </a:p>
@@ -4989,235 +5179,6 @@
     <p:extLst>
       <p:ext uri="{BB962C8B-B14F-4D97-AF65-F5344CB8AC3E}">
         <p14:creationId xmlns:p14="http://schemas.microsoft.com/office/powerpoint/2010/main" val="2901394838"/>
-      </p:ext>
-    </p:extLst>
-  </p:cSld>
-  <p:clrMapOvr>
-    <a:masterClrMapping/>
-  </p:clrMapOvr>
-  <p:transition spd="slow">
-    <p:push dir="u"/>
-  </p:transition>
-  <p:timing>
-    <p:tnLst>
-      <p:par>
-        <p:cTn id="1" dur="indefinite" restart="never" nodeType="tmRoot"/>
-      </p:par>
-    </p:tnLst>
-  </p:timing>
-</p:sld>
-</file>
-
-<file path=ppt/slides/slide12.xml><?xml version="1.0" encoding="utf-8"?>
-<p:sld xmlns:a="http://schemas.openxmlformats.org/drawingml/2006/main" xmlns:r="http://schemas.openxmlformats.org/officeDocument/2006/relationships" xmlns:p="http://schemas.openxmlformats.org/presentationml/2006/main">
-  <p:cSld>
-    <p:spTree>
-      <p:nvGrpSpPr>
-        <p:cNvPr id="1" name=""/>
-        <p:cNvGrpSpPr/>
-        <p:nvPr/>
-      </p:nvGrpSpPr>
-      <p:grpSpPr>
-        <a:xfrm>
-          <a:off x="0" y="0"/>
-          <a:ext cx="0" cy="0"/>
-          <a:chOff x="0" y="0"/>
-          <a:chExt cx="0" cy="0"/>
-        </a:xfrm>
-      </p:grpSpPr>
-      <p:pic>
-        <p:nvPicPr>
-          <p:cNvPr id="4" name="Content Placeholder 3"/>
-          <p:cNvPicPr>
-            <a:picLocks noGrp="1" noChangeAspect="1"/>
-          </p:cNvPicPr>
-          <p:nvPr>
-            <p:ph idx="1"/>
-          </p:nvPr>
-        </p:nvPicPr>
-        <p:blipFill>
-          <a:blip r:embed="rId2">
-            <a:extLst>
-              <a:ext uri="{28A0092B-C50C-407E-A947-70E740481C1C}">
-                <a14:useLocalDpi xmlns:a14="http://schemas.microsoft.com/office/drawing/2010/main" val="0"/>
-              </a:ext>
-            </a:extLst>
-          </a:blip>
-          <a:stretch>
-            <a:fillRect/>
-          </a:stretch>
-        </p:blipFill>
-        <p:spPr>
-          <a:xfrm>
-            <a:off x="3186698" y="-375305"/>
-            <a:ext cx="6795502" cy="7096780"/>
-          </a:xfrm>
-        </p:spPr>
-      </p:pic>
-      <p:sp>
-        <p:nvSpPr>
-          <p:cNvPr id="2" name="Title 1"/>
-          <p:cNvSpPr>
-            <a:spLocks noGrp="1"/>
-          </p:cNvSpPr>
-          <p:nvPr>
-            <p:ph type="title"/>
-          </p:nvPr>
-        </p:nvSpPr>
-        <p:spPr/>
-        <p:txBody>
-          <a:bodyPr/>
-          <a:lstStyle/>
-          <a:p>
-            <a:endParaRPr lang="de-AT"/>
-          </a:p>
-        </p:txBody>
-      </p:sp>
-      <p:sp>
-        <p:nvSpPr>
-          <p:cNvPr id="5" name="Date Placeholder 4"/>
-          <p:cNvSpPr>
-            <a:spLocks noGrp="1"/>
-          </p:cNvSpPr>
-          <p:nvPr>
-            <p:ph type="dt" sz="half" idx="10"/>
-          </p:nvPr>
-        </p:nvSpPr>
-        <p:spPr/>
-        <p:txBody>
-          <a:bodyPr/>
-          <a:lstStyle/>
-          <a:p>
-            <a:r>
-              <a:rPr lang="de-AT" sz="2000" dirty="0" smtClean="0">
-                <a:ln w="0"/>
-                <a:solidFill>
-                  <a:schemeClr val="tx1"/>
-                </a:solidFill>
-                <a:effectLst>
-                  <a:outerShdw blurRad="38100" dist="19050" dir="2700000" algn="tl" rotWithShape="0">
-                    <a:schemeClr val="dk1">
-                      <a:alpha val="40000"/>
-                    </a:schemeClr>
-                  </a:outerShdw>
-                </a:effectLst>
-              </a:rPr>
-              <a:t>20.03.2015</a:t>
-            </a:r>
-            <a:endParaRPr lang="de-AT" sz="2000" dirty="0">
-              <a:ln w="0"/>
-              <a:solidFill>
-                <a:schemeClr val="tx1"/>
-              </a:solidFill>
-              <a:effectLst>
-                <a:outerShdw blurRad="38100" dist="19050" dir="2700000" algn="tl" rotWithShape="0">
-                  <a:schemeClr val="dk1">
-                    <a:alpha val="40000"/>
-                  </a:schemeClr>
-                </a:outerShdw>
-              </a:effectLst>
-            </a:endParaRPr>
-          </a:p>
-        </p:txBody>
-      </p:sp>
-      <p:sp>
-        <p:nvSpPr>
-          <p:cNvPr id="6" name="Footer Placeholder 5"/>
-          <p:cNvSpPr>
-            <a:spLocks noGrp="1"/>
-          </p:cNvSpPr>
-          <p:nvPr>
-            <p:ph type="ftr" sz="quarter" idx="11"/>
-          </p:nvPr>
-        </p:nvSpPr>
-        <p:spPr/>
-        <p:txBody>
-          <a:bodyPr/>
-          <a:lstStyle/>
-          <a:p>
-            <a:r>
-              <a:rPr lang="de-AT" sz="2000" dirty="0" smtClean="0">
-                <a:ln w="0"/>
-                <a:solidFill>
-                  <a:schemeClr val="tx1"/>
-                </a:solidFill>
-                <a:effectLst>
-                  <a:outerShdw blurRad="38100" dist="19050" dir="2700000" algn="tl" rotWithShape="0">
-                    <a:schemeClr val="dk1">
-                      <a:alpha val="40000"/>
-                    </a:schemeClr>
-                  </a:outerShdw>
-                </a:effectLst>
-              </a:rPr>
-              <a:t>SOA, REST &amp; JSON</a:t>
-            </a:r>
-            <a:endParaRPr lang="de-AT" sz="2000" dirty="0">
-              <a:ln w="0"/>
-              <a:solidFill>
-                <a:schemeClr val="tx1"/>
-              </a:solidFill>
-              <a:effectLst>
-                <a:outerShdw blurRad="38100" dist="19050" dir="2700000" algn="tl" rotWithShape="0">
-                  <a:schemeClr val="dk1">
-                    <a:alpha val="40000"/>
-                  </a:schemeClr>
-                </a:outerShdw>
-              </a:effectLst>
-            </a:endParaRPr>
-          </a:p>
-        </p:txBody>
-      </p:sp>
-      <p:sp>
-        <p:nvSpPr>
-          <p:cNvPr id="7" name="Slide Number Placeholder 6"/>
-          <p:cNvSpPr>
-            <a:spLocks noGrp="1"/>
-          </p:cNvSpPr>
-          <p:nvPr>
-            <p:ph type="sldNum" sz="quarter" idx="12"/>
-          </p:nvPr>
-        </p:nvSpPr>
-        <p:spPr/>
-        <p:txBody>
-          <a:bodyPr/>
-          <a:lstStyle/>
-          <a:p>
-            <a:fld id="{0582A2BA-FDDD-4C1C-9C58-E41C263E2DD2}" type="slidenum">
-              <a:rPr lang="de-AT" sz="2000" smtClean="0">
-                <a:ln w="0"/>
-                <a:solidFill>
-                  <a:schemeClr val="tx1"/>
-                </a:solidFill>
-                <a:effectLst>
-                  <a:outerShdw blurRad="38100" dist="19050" dir="2700000" algn="tl" rotWithShape="0">
-                    <a:schemeClr val="dk1">
-                      <a:alpha val="40000"/>
-                    </a:schemeClr>
-                  </a:outerShdw>
-                </a:effectLst>
-              </a:rPr>
-              <a:t>12</a:t>
-            </a:fld>
-            <a:endParaRPr lang="de-AT" sz="2000">
-              <a:ln w="0"/>
-              <a:solidFill>
-                <a:schemeClr val="tx1"/>
-              </a:solidFill>
-              <a:effectLst>
-                <a:outerShdw blurRad="38100" dist="19050" dir="2700000" algn="tl" rotWithShape="0">
-                  <a:schemeClr val="dk1">
-                    <a:alpha val="40000"/>
-                  </a:schemeClr>
-                </a:outerShdw>
-              </a:effectLst>
-            </a:endParaRPr>
-          </a:p>
-        </p:txBody>
-      </p:sp>
-    </p:spTree>
-    <p:extLst>
-      <p:ext uri="{BB962C8B-B14F-4D97-AF65-F5344CB8AC3E}">
-        <p14:creationId xmlns:p14="http://schemas.microsoft.com/office/powerpoint/2010/main" val="4215237943"/>
       </p:ext>
     </p:extLst>
   </p:cSld>
@@ -5254,6 +5215,35 @@
           <a:chExt cx="0" cy="0"/>
         </a:xfrm>
       </p:grpSpPr>
+      <p:pic>
+        <p:nvPicPr>
+          <p:cNvPr id="4" name="Content Placeholder 3"/>
+          <p:cNvPicPr>
+            <a:picLocks noGrp="1" noChangeAspect="1"/>
+          </p:cNvPicPr>
+          <p:nvPr>
+            <p:ph idx="1"/>
+          </p:nvPr>
+        </p:nvPicPr>
+        <p:blipFill>
+          <a:blip r:embed="rId2">
+            <a:extLst>
+              <a:ext uri="{28A0092B-C50C-407E-A947-70E740481C1C}">
+                <a14:useLocalDpi xmlns:a14="http://schemas.microsoft.com/office/drawing/2010/main" val="0"/>
+              </a:ext>
+            </a:extLst>
+          </a:blip>
+          <a:stretch>
+            <a:fillRect/>
+          </a:stretch>
+        </p:blipFill>
+        <p:spPr>
+          <a:xfrm>
+            <a:off x="3186698" y="-375305"/>
+            <a:ext cx="6795502" cy="7096780"/>
+          </a:xfrm>
+        </p:spPr>
+      </p:pic>
       <p:sp>
         <p:nvSpPr>
           <p:cNvPr id="2" name="Title 1"/>
@@ -5269,11 +5259,7 @@
           <a:bodyPr/>
           <a:lstStyle/>
           <a:p>
-            <a:r>
-              <a:rPr lang="de-AT" dirty="0" smtClean="0"/>
-              <a:t>BPM</a:t>
-            </a:r>
-            <a:endParaRPr lang="de-AT" dirty="0"/>
+            <a:endParaRPr lang="de-AT"/>
           </a:p>
         </p:txBody>
       </p:sp>
@@ -5418,29 +5404,10 @@
           </a:p>
         </p:txBody>
       </p:sp>
-      <p:sp>
-        <p:nvSpPr>
-          <p:cNvPr id="3" name="Content Placeholder 2"/>
-          <p:cNvSpPr>
-            <a:spLocks noGrp="1"/>
-          </p:cNvSpPr>
-          <p:nvPr>
-            <p:ph idx="1"/>
-          </p:nvPr>
-        </p:nvSpPr>
-        <p:spPr/>
-        <p:txBody>
-          <a:bodyPr/>
-          <a:lstStyle/>
-          <a:p>
-            <a:endParaRPr lang="de-AT" dirty="0"/>
-          </a:p>
-        </p:txBody>
-      </p:sp>
     </p:spTree>
     <p:extLst>
       <p:ext uri="{BB962C8B-B14F-4D97-AF65-F5344CB8AC3E}">
-        <p14:creationId xmlns:p14="http://schemas.microsoft.com/office/powerpoint/2010/main" val="2200822534"/>
+        <p14:creationId xmlns:p14="http://schemas.microsoft.com/office/powerpoint/2010/main" val="4215237943"/>
       </p:ext>
     </p:extLst>
   </p:cSld>
@@ -5494,7 +5461,7 @@
           <a:p>
             <a:r>
               <a:rPr lang="de-AT" dirty="0" smtClean="0"/>
-              <a:t>BPEL</a:t>
+              <a:t>Orchestration</a:t>
             </a:r>
             <a:endParaRPr lang="de-AT" dirty="0"/>
           </a:p>
@@ -5653,17 +5620,62 @@
         </p:nvSpPr>
         <p:spPr/>
         <p:txBody>
-          <a:bodyPr/>
-          <a:lstStyle/>
-          <a:p>
-            <a:endParaRPr lang="de-AT"/>
+          <a:bodyPr>
+            <a:normAutofit/>
+          </a:bodyPr>
+          <a:lstStyle/>
+          <a:p>
+            <a:r>
+              <a:rPr lang="de-AT" dirty="0" smtClean="0"/>
+              <a:t>BPEL</a:t>
+            </a:r>
+          </a:p>
+          <a:p>
+            <a:endParaRPr lang="de-AT" sz="800" dirty="0"/>
+          </a:p>
+          <a:p>
+            <a:r>
+              <a:rPr lang="de-AT" dirty="0" smtClean="0"/>
+              <a:t>Graphically composing services from a very business process view</a:t>
+            </a:r>
+          </a:p>
+          <a:p>
+            <a:endParaRPr lang="de-AT" sz="800" dirty="0"/>
+          </a:p>
+          <a:p>
+            <a:r>
+              <a:rPr lang="de-AT" dirty="0" smtClean="0"/>
+              <a:t>Generating new processes without coding</a:t>
+            </a:r>
+          </a:p>
+          <a:p>
+            <a:endParaRPr lang="de-AT" sz="800" dirty="0"/>
+          </a:p>
+          <a:p>
+            <a:r>
+              <a:rPr lang="de-AT" dirty="0" smtClean="0"/>
+              <a:t>Generating compositions</a:t>
+            </a:r>
+          </a:p>
+          <a:p>
+            <a:endParaRPr lang="de-AT" sz="800" dirty="0" smtClean="0"/>
+          </a:p>
+          <a:p>
+            <a:r>
+              <a:rPr lang="de-AT" dirty="0" smtClean="0"/>
+              <a:t>Power of SOA</a:t>
+            </a:r>
+            <a:endParaRPr lang="de-AT" dirty="0"/>
+          </a:p>
+          <a:p>
+            <a:endParaRPr lang="de-AT" dirty="0"/>
           </a:p>
         </p:txBody>
       </p:sp>
     </p:spTree>
     <p:extLst>
       <p:ext uri="{BB962C8B-B14F-4D97-AF65-F5344CB8AC3E}">
-        <p14:creationId xmlns:p14="http://schemas.microsoft.com/office/powerpoint/2010/main" val="104321427"/>
+        <p14:creationId xmlns:p14="http://schemas.microsoft.com/office/powerpoint/2010/main" val="2200822534"/>
       </p:ext>
     </p:extLst>
   </p:cSld>
@@ -5700,6 +5712,35 @@
           <a:chExt cx="0" cy="0"/>
         </a:xfrm>
       </p:grpSpPr>
+      <p:pic>
+        <p:nvPicPr>
+          <p:cNvPr id="4" name="Picture 3"/>
+          <p:cNvPicPr>
+            <a:picLocks noChangeAspect="1"/>
+          </p:cNvPicPr>
+          <p:nvPr/>
+        </p:nvPicPr>
+        <p:blipFill rotWithShape="1">
+          <a:blip r:embed="rId2">
+            <a:extLst>
+              <a:ext uri="{28A0092B-C50C-407E-A947-70E740481C1C}">
+                <a14:useLocalDpi xmlns:a14="http://schemas.microsoft.com/office/drawing/2010/main" val="0"/>
+              </a:ext>
+            </a:extLst>
+          </a:blip>
+          <a:srcRect l="1260" r="12947" b="1784"/>
+          <a:stretch/>
+        </p:blipFill>
+        <p:spPr>
+          <a:xfrm>
+            <a:off x="5191259" y="0"/>
+            <a:ext cx="5924282" cy="6735651"/>
+          </a:xfrm>
+          <a:prstGeom prst="rect">
+            <a:avLst/>
+          </a:prstGeom>
+        </p:spPr>
+      </p:pic>
       <p:sp>
         <p:nvSpPr>
           <p:cNvPr id="2" name="Title 1"/>
@@ -5717,7 +5758,7 @@
           <a:p>
             <a:r>
               <a:rPr lang="de-AT" dirty="0" smtClean="0"/>
-              <a:t>Orchestration</a:t>
+              <a:t>BPEL</a:t>
             </a:r>
             <a:endParaRPr lang="de-AT" dirty="0"/>
           </a:p>
@@ -5864,29 +5905,10 @@
           </a:p>
         </p:txBody>
       </p:sp>
-      <p:sp>
-        <p:nvSpPr>
-          <p:cNvPr id="10" name="Content Placeholder 9"/>
-          <p:cNvSpPr>
-            <a:spLocks noGrp="1"/>
-          </p:cNvSpPr>
-          <p:nvPr>
-            <p:ph idx="1"/>
-          </p:nvPr>
-        </p:nvSpPr>
-        <p:spPr/>
-        <p:txBody>
-          <a:bodyPr/>
-          <a:lstStyle/>
-          <a:p>
-            <a:endParaRPr lang="de-AT"/>
-          </a:p>
-        </p:txBody>
-      </p:sp>
     </p:spTree>
     <p:extLst>
       <p:ext uri="{BB962C8B-B14F-4D97-AF65-F5344CB8AC3E}">
-        <p14:creationId xmlns:p14="http://schemas.microsoft.com/office/powerpoint/2010/main" val="626397151"/>
+        <p14:creationId xmlns:p14="http://schemas.microsoft.com/office/powerpoint/2010/main" val="104321427"/>
       </p:ext>
     </p:extLst>
   </p:cSld>
@@ -5907,346 +5929,6 @@
 </file>
 
 <file path=ppt/slides/slide16.xml><?xml version="1.0" encoding="utf-8"?>
-<p:sld xmlns:a="http://schemas.openxmlformats.org/drawingml/2006/main" xmlns:r="http://schemas.openxmlformats.org/officeDocument/2006/relationships" xmlns:p="http://schemas.openxmlformats.org/presentationml/2006/main" show="0">
-  <p:cSld>
-    <p:spTree>
-      <p:nvGrpSpPr>
-        <p:cNvPr id="1" name=""/>
-        <p:cNvGrpSpPr/>
-        <p:nvPr/>
-      </p:nvGrpSpPr>
-      <p:grpSpPr>
-        <a:xfrm>
-          <a:off x="0" y="0"/>
-          <a:ext cx="0" cy="0"/>
-          <a:chOff x="0" y="0"/>
-          <a:chExt cx="0" cy="0"/>
-        </a:xfrm>
-      </p:grpSpPr>
-      <p:sp>
-        <p:nvSpPr>
-          <p:cNvPr id="2" name="Title 1"/>
-          <p:cNvSpPr>
-            <a:spLocks noGrp="1"/>
-          </p:cNvSpPr>
-          <p:nvPr>
-            <p:ph type="title"/>
-          </p:nvPr>
-        </p:nvSpPr>
-        <p:spPr/>
-        <p:txBody>
-          <a:bodyPr/>
-          <a:lstStyle/>
-          <a:p>
-            <a:endParaRPr lang="de-AT"/>
-          </a:p>
-        </p:txBody>
-      </p:sp>
-      <p:sp>
-        <p:nvSpPr>
-          <p:cNvPr id="3" name="Content Placeholder 2"/>
-          <p:cNvSpPr>
-            <a:spLocks noGrp="1"/>
-          </p:cNvSpPr>
-          <p:nvPr>
-            <p:ph idx="1"/>
-          </p:nvPr>
-        </p:nvSpPr>
-        <p:spPr/>
-        <p:txBody>
-          <a:bodyPr/>
-          <a:lstStyle/>
-          <a:p>
-            <a:endParaRPr lang="de-AT"/>
-          </a:p>
-        </p:txBody>
-      </p:sp>
-      <p:pic>
-        <p:nvPicPr>
-          <p:cNvPr id="4" name="Picture 3"/>
-          <p:cNvPicPr>
-            <a:picLocks noChangeAspect="1"/>
-          </p:cNvPicPr>
-          <p:nvPr/>
-        </p:nvPicPr>
-        <p:blipFill rotWithShape="1">
-          <a:blip r:embed="rId2"/>
-          <a:srcRect l="8790" t="1893" r="10241" b="6734"/>
-          <a:stretch/>
-        </p:blipFill>
-        <p:spPr>
-          <a:xfrm>
-            <a:off x="649689" y="528826"/>
-            <a:ext cx="10534919" cy="6684135"/>
-          </a:xfrm>
-          <a:prstGeom prst="rect">
-            <a:avLst/>
-          </a:prstGeom>
-        </p:spPr>
-      </p:pic>
-      <p:sp>
-        <p:nvSpPr>
-          <p:cNvPr id="5" name="Date Placeholder 4"/>
-          <p:cNvSpPr>
-            <a:spLocks noGrp="1"/>
-          </p:cNvSpPr>
-          <p:nvPr>
-            <p:ph type="dt" sz="half" idx="10"/>
-          </p:nvPr>
-        </p:nvSpPr>
-        <p:spPr/>
-        <p:txBody>
-          <a:bodyPr/>
-          <a:lstStyle/>
-          <a:p>
-            <a:r>
-              <a:rPr lang="de-AT" smtClean="0"/>
-              <a:t>20.03.2015</a:t>
-            </a:r>
-            <a:endParaRPr lang="de-AT"/>
-          </a:p>
-        </p:txBody>
-      </p:sp>
-      <p:sp>
-        <p:nvSpPr>
-          <p:cNvPr id="6" name="Footer Placeholder 5"/>
-          <p:cNvSpPr>
-            <a:spLocks noGrp="1"/>
-          </p:cNvSpPr>
-          <p:nvPr>
-            <p:ph type="ftr" sz="quarter" idx="11"/>
-          </p:nvPr>
-        </p:nvSpPr>
-        <p:spPr/>
-        <p:txBody>
-          <a:bodyPr/>
-          <a:lstStyle/>
-          <a:p>
-            <a:r>
-              <a:rPr lang="de-AT" smtClean="0"/>
-              <a:t>SOA, REST &amp; JSON</a:t>
-            </a:r>
-            <a:endParaRPr lang="de-AT"/>
-          </a:p>
-        </p:txBody>
-      </p:sp>
-      <p:sp>
-        <p:nvSpPr>
-          <p:cNvPr id="7" name="Slide Number Placeholder 6"/>
-          <p:cNvSpPr>
-            <a:spLocks noGrp="1"/>
-          </p:cNvSpPr>
-          <p:nvPr>
-            <p:ph type="sldNum" sz="quarter" idx="12"/>
-          </p:nvPr>
-        </p:nvSpPr>
-        <p:spPr/>
-        <p:txBody>
-          <a:bodyPr/>
-          <a:lstStyle/>
-          <a:p>
-            <a:fld id="{0582A2BA-FDDD-4C1C-9C58-E41C263E2DD2}" type="slidenum">
-              <a:rPr lang="de-AT" smtClean="0"/>
-              <a:t>16</a:t>
-            </a:fld>
-            <a:endParaRPr lang="de-AT"/>
-          </a:p>
-        </p:txBody>
-      </p:sp>
-    </p:spTree>
-    <p:extLst>
-      <p:ext uri="{BB962C8B-B14F-4D97-AF65-F5344CB8AC3E}">
-        <p14:creationId xmlns:p14="http://schemas.microsoft.com/office/powerpoint/2010/main" val="1293805629"/>
-      </p:ext>
-    </p:extLst>
-  </p:cSld>
-  <p:clrMapOvr>
-    <a:masterClrMapping/>
-  </p:clrMapOvr>
-  <p:transition spd="slow">
-    <p:push dir="u"/>
-  </p:transition>
-  <p:timing>
-    <p:tnLst>
-      <p:par>
-        <p:cTn id="1" dur="indefinite" restart="never" nodeType="tmRoot"/>
-      </p:par>
-    </p:tnLst>
-  </p:timing>
-</p:sld>
-</file>
-
-<file path=ppt/slides/slide17.xml><?xml version="1.0" encoding="utf-8"?>
-<p:sld xmlns:a="http://schemas.openxmlformats.org/drawingml/2006/main" xmlns:r="http://schemas.openxmlformats.org/officeDocument/2006/relationships" xmlns:p="http://schemas.openxmlformats.org/presentationml/2006/main" show="0">
-  <p:cSld>
-    <p:spTree>
-      <p:nvGrpSpPr>
-        <p:cNvPr id="1" name=""/>
-        <p:cNvGrpSpPr/>
-        <p:nvPr/>
-      </p:nvGrpSpPr>
-      <p:grpSpPr>
-        <a:xfrm>
-          <a:off x="0" y="0"/>
-          <a:ext cx="0" cy="0"/>
-          <a:chOff x="0" y="0"/>
-          <a:chExt cx="0" cy="0"/>
-        </a:xfrm>
-      </p:grpSpPr>
-      <p:sp>
-        <p:nvSpPr>
-          <p:cNvPr id="2" name="Title 1"/>
-          <p:cNvSpPr>
-            <a:spLocks noGrp="1"/>
-          </p:cNvSpPr>
-          <p:nvPr>
-            <p:ph type="title"/>
-          </p:nvPr>
-        </p:nvSpPr>
-        <p:spPr/>
-        <p:txBody>
-          <a:bodyPr/>
-          <a:lstStyle/>
-          <a:p>
-            <a:endParaRPr lang="de-AT"/>
-          </a:p>
-        </p:txBody>
-      </p:sp>
-      <p:sp>
-        <p:nvSpPr>
-          <p:cNvPr id="3" name="Content Placeholder 2"/>
-          <p:cNvSpPr>
-            <a:spLocks noGrp="1"/>
-          </p:cNvSpPr>
-          <p:nvPr>
-            <p:ph idx="1"/>
-          </p:nvPr>
-        </p:nvSpPr>
-        <p:spPr/>
-        <p:txBody>
-          <a:bodyPr/>
-          <a:lstStyle/>
-          <a:p>
-            <a:endParaRPr lang="de-AT"/>
-          </a:p>
-        </p:txBody>
-      </p:sp>
-      <p:pic>
-        <p:nvPicPr>
-          <p:cNvPr id="4" name="Picture 3"/>
-          <p:cNvPicPr>
-            <a:picLocks noChangeAspect="1"/>
-          </p:cNvPicPr>
-          <p:nvPr/>
-        </p:nvPicPr>
-        <p:blipFill rotWithShape="1">
-          <a:blip r:embed="rId2"/>
-          <a:srcRect l="10670" t="1541" r="9747" b="6734"/>
-          <a:stretch/>
-        </p:blipFill>
-        <p:spPr>
-          <a:xfrm>
-            <a:off x="0" y="285896"/>
-            <a:ext cx="9295327" cy="6023464"/>
-          </a:xfrm>
-          <a:prstGeom prst="rect">
-            <a:avLst/>
-          </a:prstGeom>
-        </p:spPr>
-      </p:pic>
-      <p:sp>
-        <p:nvSpPr>
-          <p:cNvPr id="5" name="Date Placeholder 4"/>
-          <p:cNvSpPr>
-            <a:spLocks noGrp="1"/>
-          </p:cNvSpPr>
-          <p:nvPr>
-            <p:ph type="dt" sz="half" idx="10"/>
-          </p:nvPr>
-        </p:nvSpPr>
-        <p:spPr/>
-        <p:txBody>
-          <a:bodyPr/>
-          <a:lstStyle/>
-          <a:p>
-            <a:r>
-              <a:rPr lang="de-AT" smtClean="0"/>
-              <a:t>20.03.2015</a:t>
-            </a:r>
-            <a:endParaRPr lang="de-AT"/>
-          </a:p>
-        </p:txBody>
-      </p:sp>
-      <p:sp>
-        <p:nvSpPr>
-          <p:cNvPr id="6" name="Footer Placeholder 5"/>
-          <p:cNvSpPr>
-            <a:spLocks noGrp="1"/>
-          </p:cNvSpPr>
-          <p:nvPr>
-            <p:ph type="ftr" sz="quarter" idx="11"/>
-          </p:nvPr>
-        </p:nvSpPr>
-        <p:spPr/>
-        <p:txBody>
-          <a:bodyPr/>
-          <a:lstStyle/>
-          <a:p>
-            <a:r>
-              <a:rPr lang="de-AT" smtClean="0"/>
-              <a:t>SOA, REST &amp; JSON</a:t>
-            </a:r>
-            <a:endParaRPr lang="de-AT"/>
-          </a:p>
-        </p:txBody>
-      </p:sp>
-      <p:sp>
-        <p:nvSpPr>
-          <p:cNvPr id="7" name="Slide Number Placeholder 6"/>
-          <p:cNvSpPr>
-            <a:spLocks noGrp="1"/>
-          </p:cNvSpPr>
-          <p:nvPr>
-            <p:ph type="sldNum" sz="quarter" idx="12"/>
-          </p:nvPr>
-        </p:nvSpPr>
-        <p:spPr/>
-        <p:txBody>
-          <a:bodyPr/>
-          <a:lstStyle/>
-          <a:p>
-            <a:fld id="{0582A2BA-FDDD-4C1C-9C58-E41C263E2DD2}" type="slidenum">
-              <a:rPr lang="de-AT" smtClean="0"/>
-              <a:t>17</a:t>
-            </a:fld>
-            <a:endParaRPr lang="de-AT"/>
-          </a:p>
-        </p:txBody>
-      </p:sp>
-    </p:spTree>
-    <p:extLst>
-      <p:ext uri="{BB962C8B-B14F-4D97-AF65-F5344CB8AC3E}">
-        <p14:creationId xmlns:p14="http://schemas.microsoft.com/office/powerpoint/2010/main" val="3222940463"/>
-      </p:ext>
-    </p:extLst>
-  </p:cSld>
-  <p:clrMapOvr>
-    <a:masterClrMapping/>
-  </p:clrMapOvr>
-  <p:transition spd="slow">
-    <p:push dir="u"/>
-  </p:transition>
-  <p:timing>
-    <p:tnLst>
-      <p:par>
-        <p:cTn id="1" dur="indefinite" restart="never" nodeType="tmRoot"/>
-      </p:par>
-    </p:tnLst>
-  </p:timing>
-</p:sld>
-</file>
-
-<file path=ppt/slides/slide18.xml><?xml version="1.0" encoding="utf-8"?>
 <p:sld xmlns:a="http://schemas.openxmlformats.org/drawingml/2006/main" xmlns:r="http://schemas.openxmlformats.org/officeDocument/2006/relationships" xmlns:p="http://schemas.openxmlformats.org/presentationml/2006/main">
   <p:cSld>
     <p:spTree>
@@ -6439,7 +6121,7 @@
                   </a:outerShdw>
                 </a:effectLst>
               </a:rPr>
-              <a:t>18</a:t>
+              <a:t>16</a:t>
             </a:fld>
             <a:endParaRPr lang="de-AT" sz="2000">
               <a:ln w="0"/>
@@ -6461,6 +6143,346 @@
     <p:extLst>
       <p:ext uri="{BB962C8B-B14F-4D97-AF65-F5344CB8AC3E}">
         <p14:creationId xmlns:p14="http://schemas.microsoft.com/office/powerpoint/2010/main" val="3427027712"/>
+      </p:ext>
+    </p:extLst>
+  </p:cSld>
+  <p:clrMapOvr>
+    <a:masterClrMapping/>
+  </p:clrMapOvr>
+  <p:transition spd="slow">
+    <p:push dir="u"/>
+  </p:transition>
+  <p:timing>
+    <p:tnLst>
+      <p:par>
+        <p:cTn id="1" dur="indefinite" restart="never" nodeType="tmRoot"/>
+      </p:par>
+    </p:tnLst>
+  </p:timing>
+</p:sld>
+</file>
+
+<file path=ppt/slides/slide17.xml><?xml version="1.0" encoding="utf-8"?>
+<p:sld xmlns:a="http://schemas.openxmlformats.org/drawingml/2006/main" xmlns:r="http://schemas.openxmlformats.org/officeDocument/2006/relationships" xmlns:p="http://schemas.openxmlformats.org/presentationml/2006/main" show="0">
+  <p:cSld>
+    <p:spTree>
+      <p:nvGrpSpPr>
+        <p:cNvPr id="1" name=""/>
+        <p:cNvGrpSpPr/>
+        <p:nvPr/>
+      </p:nvGrpSpPr>
+      <p:grpSpPr>
+        <a:xfrm>
+          <a:off x="0" y="0"/>
+          <a:ext cx="0" cy="0"/>
+          <a:chOff x="0" y="0"/>
+          <a:chExt cx="0" cy="0"/>
+        </a:xfrm>
+      </p:grpSpPr>
+      <p:sp>
+        <p:nvSpPr>
+          <p:cNvPr id="2" name="Title 1"/>
+          <p:cNvSpPr>
+            <a:spLocks noGrp="1"/>
+          </p:cNvSpPr>
+          <p:nvPr>
+            <p:ph type="title"/>
+          </p:nvPr>
+        </p:nvSpPr>
+        <p:spPr/>
+        <p:txBody>
+          <a:bodyPr/>
+          <a:lstStyle/>
+          <a:p>
+            <a:endParaRPr lang="de-AT"/>
+          </a:p>
+        </p:txBody>
+      </p:sp>
+      <p:sp>
+        <p:nvSpPr>
+          <p:cNvPr id="3" name="Content Placeholder 2"/>
+          <p:cNvSpPr>
+            <a:spLocks noGrp="1"/>
+          </p:cNvSpPr>
+          <p:nvPr>
+            <p:ph idx="1"/>
+          </p:nvPr>
+        </p:nvSpPr>
+        <p:spPr/>
+        <p:txBody>
+          <a:bodyPr/>
+          <a:lstStyle/>
+          <a:p>
+            <a:endParaRPr lang="de-AT"/>
+          </a:p>
+        </p:txBody>
+      </p:sp>
+      <p:pic>
+        <p:nvPicPr>
+          <p:cNvPr id="4" name="Picture 3"/>
+          <p:cNvPicPr>
+            <a:picLocks noChangeAspect="1"/>
+          </p:cNvPicPr>
+          <p:nvPr/>
+        </p:nvPicPr>
+        <p:blipFill rotWithShape="1">
+          <a:blip r:embed="rId2"/>
+          <a:srcRect l="8790" t="1893" r="10241" b="6734"/>
+          <a:stretch/>
+        </p:blipFill>
+        <p:spPr>
+          <a:xfrm>
+            <a:off x="649689" y="528826"/>
+            <a:ext cx="10534919" cy="6684135"/>
+          </a:xfrm>
+          <a:prstGeom prst="rect">
+            <a:avLst/>
+          </a:prstGeom>
+        </p:spPr>
+      </p:pic>
+      <p:sp>
+        <p:nvSpPr>
+          <p:cNvPr id="5" name="Date Placeholder 4"/>
+          <p:cNvSpPr>
+            <a:spLocks noGrp="1"/>
+          </p:cNvSpPr>
+          <p:nvPr>
+            <p:ph type="dt" sz="half" idx="10"/>
+          </p:nvPr>
+        </p:nvSpPr>
+        <p:spPr/>
+        <p:txBody>
+          <a:bodyPr/>
+          <a:lstStyle/>
+          <a:p>
+            <a:r>
+              <a:rPr lang="de-AT" smtClean="0"/>
+              <a:t>20.03.2015</a:t>
+            </a:r>
+            <a:endParaRPr lang="de-AT"/>
+          </a:p>
+        </p:txBody>
+      </p:sp>
+      <p:sp>
+        <p:nvSpPr>
+          <p:cNvPr id="6" name="Footer Placeholder 5"/>
+          <p:cNvSpPr>
+            <a:spLocks noGrp="1"/>
+          </p:cNvSpPr>
+          <p:nvPr>
+            <p:ph type="ftr" sz="quarter" idx="11"/>
+          </p:nvPr>
+        </p:nvSpPr>
+        <p:spPr/>
+        <p:txBody>
+          <a:bodyPr/>
+          <a:lstStyle/>
+          <a:p>
+            <a:r>
+              <a:rPr lang="de-AT" smtClean="0"/>
+              <a:t>SOA, REST &amp; JSON</a:t>
+            </a:r>
+            <a:endParaRPr lang="de-AT"/>
+          </a:p>
+        </p:txBody>
+      </p:sp>
+      <p:sp>
+        <p:nvSpPr>
+          <p:cNvPr id="7" name="Slide Number Placeholder 6"/>
+          <p:cNvSpPr>
+            <a:spLocks noGrp="1"/>
+          </p:cNvSpPr>
+          <p:nvPr>
+            <p:ph type="sldNum" sz="quarter" idx="12"/>
+          </p:nvPr>
+        </p:nvSpPr>
+        <p:spPr/>
+        <p:txBody>
+          <a:bodyPr/>
+          <a:lstStyle/>
+          <a:p>
+            <a:fld id="{0582A2BA-FDDD-4C1C-9C58-E41C263E2DD2}" type="slidenum">
+              <a:rPr lang="de-AT" smtClean="0"/>
+              <a:t>17</a:t>
+            </a:fld>
+            <a:endParaRPr lang="de-AT"/>
+          </a:p>
+        </p:txBody>
+      </p:sp>
+    </p:spTree>
+    <p:extLst>
+      <p:ext uri="{BB962C8B-B14F-4D97-AF65-F5344CB8AC3E}">
+        <p14:creationId xmlns:p14="http://schemas.microsoft.com/office/powerpoint/2010/main" val="1293805629"/>
+      </p:ext>
+    </p:extLst>
+  </p:cSld>
+  <p:clrMapOvr>
+    <a:masterClrMapping/>
+  </p:clrMapOvr>
+  <p:transition spd="slow">
+    <p:push dir="u"/>
+  </p:transition>
+  <p:timing>
+    <p:tnLst>
+      <p:par>
+        <p:cTn id="1" dur="indefinite" restart="never" nodeType="tmRoot"/>
+      </p:par>
+    </p:tnLst>
+  </p:timing>
+</p:sld>
+</file>
+
+<file path=ppt/slides/slide18.xml><?xml version="1.0" encoding="utf-8"?>
+<p:sld xmlns:a="http://schemas.openxmlformats.org/drawingml/2006/main" xmlns:r="http://schemas.openxmlformats.org/officeDocument/2006/relationships" xmlns:p="http://schemas.openxmlformats.org/presentationml/2006/main" show="0">
+  <p:cSld>
+    <p:spTree>
+      <p:nvGrpSpPr>
+        <p:cNvPr id="1" name=""/>
+        <p:cNvGrpSpPr/>
+        <p:nvPr/>
+      </p:nvGrpSpPr>
+      <p:grpSpPr>
+        <a:xfrm>
+          <a:off x="0" y="0"/>
+          <a:ext cx="0" cy="0"/>
+          <a:chOff x="0" y="0"/>
+          <a:chExt cx="0" cy="0"/>
+        </a:xfrm>
+      </p:grpSpPr>
+      <p:sp>
+        <p:nvSpPr>
+          <p:cNvPr id="2" name="Title 1"/>
+          <p:cNvSpPr>
+            <a:spLocks noGrp="1"/>
+          </p:cNvSpPr>
+          <p:nvPr>
+            <p:ph type="title"/>
+          </p:nvPr>
+        </p:nvSpPr>
+        <p:spPr/>
+        <p:txBody>
+          <a:bodyPr/>
+          <a:lstStyle/>
+          <a:p>
+            <a:endParaRPr lang="de-AT"/>
+          </a:p>
+        </p:txBody>
+      </p:sp>
+      <p:sp>
+        <p:nvSpPr>
+          <p:cNvPr id="3" name="Content Placeholder 2"/>
+          <p:cNvSpPr>
+            <a:spLocks noGrp="1"/>
+          </p:cNvSpPr>
+          <p:nvPr>
+            <p:ph idx="1"/>
+          </p:nvPr>
+        </p:nvSpPr>
+        <p:spPr/>
+        <p:txBody>
+          <a:bodyPr/>
+          <a:lstStyle/>
+          <a:p>
+            <a:endParaRPr lang="de-AT"/>
+          </a:p>
+        </p:txBody>
+      </p:sp>
+      <p:pic>
+        <p:nvPicPr>
+          <p:cNvPr id="4" name="Picture 3"/>
+          <p:cNvPicPr>
+            <a:picLocks noChangeAspect="1"/>
+          </p:cNvPicPr>
+          <p:nvPr/>
+        </p:nvPicPr>
+        <p:blipFill rotWithShape="1">
+          <a:blip r:embed="rId2"/>
+          <a:srcRect l="10670" t="1541" r="9747" b="6734"/>
+          <a:stretch/>
+        </p:blipFill>
+        <p:spPr>
+          <a:xfrm>
+            <a:off x="0" y="285896"/>
+            <a:ext cx="9295327" cy="6023464"/>
+          </a:xfrm>
+          <a:prstGeom prst="rect">
+            <a:avLst/>
+          </a:prstGeom>
+        </p:spPr>
+      </p:pic>
+      <p:sp>
+        <p:nvSpPr>
+          <p:cNvPr id="5" name="Date Placeholder 4"/>
+          <p:cNvSpPr>
+            <a:spLocks noGrp="1"/>
+          </p:cNvSpPr>
+          <p:nvPr>
+            <p:ph type="dt" sz="half" idx="10"/>
+          </p:nvPr>
+        </p:nvSpPr>
+        <p:spPr/>
+        <p:txBody>
+          <a:bodyPr/>
+          <a:lstStyle/>
+          <a:p>
+            <a:r>
+              <a:rPr lang="de-AT" smtClean="0"/>
+              <a:t>20.03.2015</a:t>
+            </a:r>
+            <a:endParaRPr lang="de-AT"/>
+          </a:p>
+        </p:txBody>
+      </p:sp>
+      <p:sp>
+        <p:nvSpPr>
+          <p:cNvPr id="6" name="Footer Placeholder 5"/>
+          <p:cNvSpPr>
+            <a:spLocks noGrp="1"/>
+          </p:cNvSpPr>
+          <p:nvPr>
+            <p:ph type="ftr" sz="quarter" idx="11"/>
+          </p:nvPr>
+        </p:nvSpPr>
+        <p:spPr/>
+        <p:txBody>
+          <a:bodyPr/>
+          <a:lstStyle/>
+          <a:p>
+            <a:r>
+              <a:rPr lang="de-AT" smtClean="0"/>
+              <a:t>SOA, REST &amp; JSON</a:t>
+            </a:r>
+            <a:endParaRPr lang="de-AT"/>
+          </a:p>
+        </p:txBody>
+      </p:sp>
+      <p:sp>
+        <p:nvSpPr>
+          <p:cNvPr id="7" name="Slide Number Placeholder 6"/>
+          <p:cNvSpPr>
+            <a:spLocks noGrp="1"/>
+          </p:cNvSpPr>
+          <p:nvPr>
+            <p:ph type="sldNum" sz="quarter" idx="12"/>
+          </p:nvPr>
+        </p:nvSpPr>
+        <p:spPr/>
+        <p:txBody>
+          <a:bodyPr/>
+          <a:lstStyle/>
+          <a:p>
+            <a:fld id="{0582A2BA-FDDD-4C1C-9C58-E41C263E2DD2}" type="slidenum">
+              <a:rPr lang="de-AT" smtClean="0"/>
+              <a:t>18</a:t>
+            </a:fld>
+            <a:endParaRPr lang="de-AT"/>
+          </a:p>
+        </p:txBody>
+      </p:sp>
+    </p:spTree>
+    <p:extLst>
+      <p:ext uri="{BB962C8B-B14F-4D97-AF65-F5344CB8AC3E}">
+        <p14:creationId xmlns:p14="http://schemas.microsoft.com/office/powerpoint/2010/main" val="3222940463"/>
       </p:ext>
     </p:extLst>
   </p:cSld>
@@ -6499,6 +6521,169 @@
       </p:grpSpPr>
       <p:sp>
         <p:nvSpPr>
+          <p:cNvPr id="2" name="Titel 1"/>
+          <p:cNvSpPr>
+            <a:spLocks noGrp="1"/>
+          </p:cNvSpPr>
+          <p:nvPr>
+            <p:ph type="title"/>
+          </p:nvPr>
+        </p:nvSpPr>
+        <p:spPr/>
+        <p:txBody>
+          <a:bodyPr/>
+          <a:lstStyle/>
+          <a:p>
+            <a:r>
+              <a:rPr lang="de-AT" dirty="0" smtClean="0"/>
+              <a:t>REST</a:t>
+            </a:r>
+            <a:endParaRPr lang="de-AT" dirty="0"/>
+          </a:p>
+        </p:txBody>
+      </p:sp>
+      <p:sp>
+        <p:nvSpPr>
+          <p:cNvPr id="3" name="Inhaltsplatzhalter 2"/>
+          <p:cNvSpPr>
+            <a:spLocks noGrp="1"/>
+          </p:cNvSpPr>
+          <p:nvPr>
+            <p:ph idx="1"/>
+          </p:nvPr>
+        </p:nvSpPr>
+        <p:spPr/>
+        <p:txBody>
+          <a:bodyPr/>
+          <a:lstStyle/>
+          <a:p>
+            <a:r>
+              <a:rPr lang="de-AT" dirty="0" err="1"/>
+              <a:t>REpresentational</a:t>
+            </a:r>
+            <a:r>
+              <a:rPr lang="de-AT" dirty="0"/>
+              <a:t> State Transfer</a:t>
+            </a:r>
+          </a:p>
+          <a:p>
+            <a:endParaRPr lang="de-AT" dirty="0" smtClean="0"/>
+          </a:p>
+          <a:p>
+            <a:r>
+              <a:rPr lang="de-AT" dirty="0" smtClean="0"/>
+              <a:t>Guidelines </a:t>
+            </a:r>
+            <a:r>
+              <a:rPr lang="de-AT" dirty="0" err="1" smtClean="0"/>
+              <a:t>and</a:t>
+            </a:r>
+            <a:r>
+              <a:rPr lang="de-AT" dirty="0" smtClean="0"/>
+              <a:t> </a:t>
+            </a:r>
+            <a:r>
+              <a:rPr lang="de-AT" dirty="0" err="1" smtClean="0"/>
+              <a:t>best</a:t>
+            </a:r>
+            <a:r>
+              <a:rPr lang="de-AT" dirty="0" smtClean="0"/>
+              <a:t> </a:t>
+            </a:r>
+            <a:r>
+              <a:rPr lang="de-AT" dirty="0" err="1" smtClean="0"/>
+              <a:t>practices</a:t>
+            </a:r>
+            <a:r>
+              <a:rPr lang="de-AT" dirty="0" smtClean="0"/>
+              <a:t> </a:t>
+            </a:r>
+            <a:r>
+              <a:rPr lang="de-AT" dirty="0" err="1" smtClean="0"/>
+              <a:t>For</a:t>
+            </a:r>
+            <a:r>
+              <a:rPr lang="de-AT" dirty="0" smtClean="0"/>
+              <a:t> </a:t>
+            </a:r>
+            <a:r>
+              <a:rPr lang="de-AT" dirty="0" err="1" smtClean="0"/>
+              <a:t>Creating</a:t>
+            </a:r>
+            <a:r>
+              <a:rPr lang="de-AT" dirty="0" smtClean="0"/>
+              <a:t> Web-Services</a:t>
+            </a:r>
+          </a:p>
+          <a:p>
+            <a:endParaRPr lang="de-AT" dirty="0"/>
+          </a:p>
+          <a:p>
+            <a:r>
+              <a:rPr lang="de-AT" dirty="0" smtClean="0"/>
+              <a:t>Work </a:t>
+            </a:r>
+            <a:r>
+              <a:rPr lang="de-AT" dirty="0" err="1" smtClean="0"/>
+              <a:t>with</a:t>
+            </a:r>
+            <a:r>
+              <a:rPr lang="de-AT" dirty="0" smtClean="0"/>
+              <a:t> HTTP-Protocol</a:t>
+            </a:r>
+          </a:p>
+          <a:p>
+            <a:endParaRPr lang="de-AT" dirty="0"/>
+          </a:p>
+          <a:p>
+            <a:r>
+              <a:rPr lang="en-US" dirty="0" smtClean="0"/>
+              <a:t> Rest is </a:t>
+            </a:r>
+            <a:r>
+              <a:rPr lang="en-US" dirty="0" err="1" smtClean="0"/>
+              <a:t>basicly</a:t>
+            </a:r>
+            <a:r>
+              <a:rPr lang="en-US" dirty="0" smtClean="0"/>
+              <a:t> using HTTP Requests </a:t>
+            </a:r>
+            <a:endParaRPr lang="de-AT" dirty="0"/>
+          </a:p>
+        </p:txBody>
+      </p:sp>
+    </p:spTree>
+    <p:extLst>
+      <p:ext uri="{BB962C8B-B14F-4D97-AF65-F5344CB8AC3E}">
+        <p14:creationId xmlns:p14="http://schemas.microsoft.com/office/powerpoint/2010/main" val="4048546839"/>
+      </p:ext>
+    </p:extLst>
+  </p:cSld>
+  <p:clrMapOvr>
+    <a:masterClrMapping/>
+  </p:clrMapOvr>
+</p:sld>
+</file>
+
+<file path=ppt/slides/slide2.xml><?xml version="1.0" encoding="utf-8"?>
+<p:sld xmlns:a="http://schemas.openxmlformats.org/drawingml/2006/main" xmlns:r="http://schemas.openxmlformats.org/officeDocument/2006/relationships" xmlns:p="http://schemas.openxmlformats.org/presentationml/2006/main" show="0">
+  <p:cSld>
+    <p:spTree>
+      <p:nvGrpSpPr>
+        <p:cNvPr id="1" name=""/>
+        <p:cNvGrpSpPr/>
+        <p:nvPr/>
+      </p:nvGrpSpPr>
+      <p:grpSpPr>
+        <a:xfrm>
+          <a:off x="0" y="0"/>
+          <a:ext cx="0" cy="0"/>
+          <a:chOff x="0" y="0"/>
+          <a:chExt cx="0" cy="0"/>
+        </a:xfrm>
+      </p:grpSpPr>
+      <p:sp>
+        <p:nvSpPr>
           <p:cNvPr id="2" name="Title 1"/>
           <p:cNvSpPr>
             <a:spLocks noGrp="1"/>
@@ -6512,11 +6697,7 @@
           <a:bodyPr/>
           <a:lstStyle/>
           <a:p>
-            <a:r>
-              <a:rPr lang="de-AT" dirty="0" smtClean="0"/>
-              <a:t>Enterprise Service Bus</a:t>
-            </a:r>
-            <a:endParaRPr lang="de-AT" dirty="0"/>
+            <a:endParaRPr lang="de-AT"/>
           </a:p>
         </p:txBody>
       </p:sp>
@@ -6532,58 +6713,39 @@
         </p:nvSpPr>
         <p:spPr/>
         <p:txBody>
-          <a:bodyPr>
-            <a:normAutofit/>
-          </a:bodyPr>
-          <a:lstStyle/>
-          <a:p>
-            <a:r>
-              <a:rPr lang="de-AT" dirty="0" smtClean="0"/>
-              <a:t>Distribute information</a:t>
-            </a:r>
-          </a:p>
-          <a:p>
-            <a:endParaRPr lang="de-AT" sz="800" dirty="0" smtClean="0"/>
-          </a:p>
-          <a:p>
-            <a:r>
-              <a:rPr lang="de-AT" dirty="0" smtClean="0"/>
-              <a:t>Routing</a:t>
-            </a:r>
-          </a:p>
-          <a:p>
-            <a:endParaRPr lang="de-AT" sz="800" dirty="0" smtClean="0"/>
-          </a:p>
-          <a:p>
-            <a:r>
-              <a:rPr lang="de-AT" dirty="0" smtClean="0"/>
-              <a:t>Mask differences among underlying platforms</a:t>
-            </a:r>
-          </a:p>
-          <a:p>
-            <a:endParaRPr lang="de-AT" sz="800" dirty="0" smtClean="0"/>
-          </a:p>
-          <a:p>
-            <a:r>
-              <a:rPr lang="de-AT" dirty="0" smtClean="0"/>
-              <a:t>Ensure information delivery</a:t>
-            </a:r>
-          </a:p>
-          <a:p>
-            <a:endParaRPr lang="de-AT" sz="800" dirty="0" smtClean="0"/>
-          </a:p>
-          <a:p>
-            <a:r>
-              <a:rPr lang="de-AT" dirty="0" smtClean="0"/>
-              <a:t>Re-route, log, and enrich information </a:t>
-            </a:r>
-            <a:endParaRPr lang="de-AT" dirty="0"/>
-          </a:p>
-        </p:txBody>
-      </p:sp>
-      <p:sp>
-        <p:nvSpPr>
-          <p:cNvPr id="4" name="Date Placeholder 3"/>
+          <a:bodyPr/>
+          <a:lstStyle/>
+          <a:p>
+            <a:endParaRPr lang="de-AT"/>
+          </a:p>
+        </p:txBody>
+      </p:sp>
+      <p:pic>
+        <p:nvPicPr>
+          <p:cNvPr id="4" name="Picture 3"/>
+          <p:cNvPicPr>
+            <a:picLocks noChangeAspect="1"/>
+          </p:cNvPicPr>
+          <p:nvPr/>
+        </p:nvPicPr>
+        <p:blipFill rotWithShape="1">
+          <a:blip r:embed="rId2"/>
+          <a:srcRect l="41355" t="-1408" r="30830" b="67649"/>
+          <a:stretch/>
+        </p:blipFill>
+        <p:spPr>
+          <a:xfrm>
+            <a:off x="4816699" y="100262"/>
+            <a:ext cx="3618962" cy="2469524"/>
+          </a:xfrm>
+          <a:prstGeom prst="rect">
+            <a:avLst/>
+          </a:prstGeom>
+        </p:spPr>
+      </p:pic>
+      <p:sp>
+        <p:nvSpPr>
+          <p:cNvPr id="5" name="Date Placeholder 4"/>
           <p:cNvSpPr>
             <a:spLocks noGrp="1"/>
           </p:cNvSpPr>
@@ -6630,7 +6792,7 @@
       </p:sp>
       <p:sp>
         <p:nvSpPr>
-          <p:cNvPr id="5" name="Footer Placeholder 4"/>
+          <p:cNvPr id="6" name="Footer Placeholder 5"/>
           <p:cNvSpPr>
             <a:spLocks noGrp="1"/>
           </p:cNvSpPr>
@@ -6677,7 +6839,7 @@
       </p:sp>
       <p:sp>
         <p:nvSpPr>
-          <p:cNvPr id="6" name="Slide Number Placeholder 5"/>
+          <p:cNvPr id="7" name="Slide Number Placeholder 6"/>
           <p:cNvSpPr>
             <a:spLocks noGrp="1"/>
           </p:cNvSpPr>
@@ -6704,7 +6866,2965 @@
                   </a:outerShdw>
                 </a:effectLst>
               </a:rPr>
-              <a:t>19</a:t>
+              <a:t>2</a:t>
+            </a:fld>
+            <a:endParaRPr lang="de-AT" sz="2000">
+              <a:ln w="0"/>
+              <a:solidFill>
+                <a:schemeClr val="tx1"/>
+              </a:solidFill>
+              <a:effectLst>
+                <a:outerShdw blurRad="38100" dist="19050" dir="2700000" algn="tl" rotWithShape="0">
+                  <a:schemeClr val="dk1">
+                    <a:alpha val="40000"/>
+                  </a:schemeClr>
+                </a:outerShdw>
+              </a:effectLst>
+            </a:endParaRPr>
+          </a:p>
+        </p:txBody>
+      </p:sp>
+    </p:spTree>
+    <p:extLst>
+      <p:ext uri="{BB962C8B-B14F-4D97-AF65-F5344CB8AC3E}">
+        <p14:creationId xmlns:p14="http://schemas.microsoft.com/office/powerpoint/2010/main" val="483078963"/>
+      </p:ext>
+    </p:extLst>
+  </p:cSld>
+  <p:clrMapOvr>
+    <a:masterClrMapping/>
+  </p:clrMapOvr>
+  <p:transition spd="slow">
+    <p:push dir="u"/>
+  </p:transition>
+  <p:timing>
+    <p:tnLst>
+      <p:par>
+        <p:cTn id="1" dur="indefinite" restart="never" nodeType="tmRoot"/>
+      </p:par>
+    </p:tnLst>
+  </p:timing>
+</p:sld>
+</file>
+
+<file path=ppt/slides/slide20.xml><?xml version="1.0" encoding="utf-8"?>
+<p:sld xmlns:a="http://schemas.openxmlformats.org/drawingml/2006/main" xmlns:r="http://schemas.openxmlformats.org/officeDocument/2006/relationships" xmlns:p="http://schemas.openxmlformats.org/presentationml/2006/main">
+  <p:cSld>
+    <p:spTree>
+      <p:nvGrpSpPr>
+        <p:cNvPr id="1" name=""/>
+        <p:cNvGrpSpPr/>
+        <p:nvPr/>
+      </p:nvGrpSpPr>
+      <p:grpSpPr>
+        <a:xfrm>
+          <a:off x="0" y="0"/>
+          <a:ext cx="0" cy="0"/>
+          <a:chOff x="0" y="0"/>
+          <a:chExt cx="0" cy="0"/>
+        </a:xfrm>
+      </p:grpSpPr>
+      <p:sp>
+        <p:nvSpPr>
+          <p:cNvPr id="2" name="Titel 1"/>
+          <p:cNvSpPr>
+            <a:spLocks noGrp="1"/>
+          </p:cNvSpPr>
+          <p:nvPr>
+            <p:ph type="title"/>
+          </p:nvPr>
+        </p:nvSpPr>
+        <p:spPr/>
+        <p:txBody>
+          <a:bodyPr/>
+          <a:lstStyle/>
+          <a:p>
+            <a:r>
+              <a:rPr lang="de-AT" dirty="0" smtClean="0"/>
+              <a:t>HTTP </a:t>
+            </a:r>
+            <a:r>
+              <a:rPr lang="de-AT" dirty="0" err="1" smtClean="0"/>
+              <a:t>Methods</a:t>
+            </a:r>
+            <a:endParaRPr lang="de-AT" dirty="0"/>
+          </a:p>
+        </p:txBody>
+      </p:sp>
+      <p:sp>
+        <p:nvSpPr>
+          <p:cNvPr id="3" name="Inhaltsplatzhalter 2"/>
+          <p:cNvSpPr>
+            <a:spLocks noGrp="1"/>
+          </p:cNvSpPr>
+          <p:nvPr>
+            <p:ph idx="1"/>
+          </p:nvPr>
+        </p:nvSpPr>
+        <p:spPr/>
+        <p:txBody>
+          <a:bodyPr/>
+          <a:lstStyle/>
+          <a:p>
+            <a:r>
+              <a:rPr lang="en-US" dirty="0" smtClean="0"/>
+              <a:t>GET : </a:t>
+            </a:r>
+            <a:r>
+              <a:rPr lang="en-US" dirty="0"/>
+              <a:t>used to a representation of a resource (READ</a:t>
+            </a:r>
+            <a:r>
+              <a:rPr lang="en-US" dirty="0" smtClean="0"/>
+              <a:t>)</a:t>
+            </a:r>
+          </a:p>
+          <a:p>
+            <a:endParaRPr lang="en-US" dirty="0"/>
+          </a:p>
+          <a:p>
+            <a:r>
+              <a:rPr lang="en-US" dirty="0" smtClean="0"/>
+              <a:t>PUT : is </a:t>
+            </a:r>
+            <a:r>
+              <a:rPr lang="en-US" dirty="0"/>
+              <a:t>most-often utilized for update </a:t>
+            </a:r>
+            <a:r>
+              <a:rPr lang="en-US" dirty="0" smtClean="0"/>
+              <a:t>capabilities(UPDATE)</a:t>
+            </a:r>
+          </a:p>
+          <a:p>
+            <a:endParaRPr lang="en-US" dirty="0"/>
+          </a:p>
+          <a:p>
+            <a:r>
+              <a:rPr lang="en-US" dirty="0" smtClean="0"/>
+              <a:t>POST :most-often </a:t>
+            </a:r>
+            <a:r>
+              <a:rPr lang="en-US" dirty="0"/>
+              <a:t>utilized for creation of new </a:t>
+            </a:r>
+            <a:r>
+              <a:rPr lang="en-US" dirty="0" smtClean="0"/>
+              <a:t>resources(CREATE)</a:t>
+            </a:r>
+          </a:p>
+          <a:p>
+            <a:endParaRPr lang="en-US" dirty="0"/>
+          </a:p>
+          <a:p>
+            <a:r>
+              <a:rPr lang="en-US" dirty="0" smtClean="0"/>
+              <a:t>DELTE : It </a:t>
+            </a:r>
+            <a:r>
+              <a:rPr lang="en-US" dirty="0"/>
+              <a:t>is used to delete a resource identified by a </a:t>
+            </a:r>
+            <a:r>
+              <a:rPr lang="en-US" dirty="0" smtClean="0"/>
+              <a:t>URI(DELETE)</a:t>
+            </a:r>
+            <a:endParaRPr lang="de-AT" dirty="0"/>
+          </a:p>
+        </p:txBody>
+      </p:sp>
+    </p:spTree>
+    <p:extLst>
+      <p:ext uri="{BB962C8B-B14F-4D97-AF65-F5344CB8AC3E}">
+        <p14:creationId xmlns:p14="http://schemas.microsoft.com/office/powerpoint/2010/main" val="3486808907"/>
+      </p:ext>
+    </p:extLst>
+  </p:cSld>
+  <p:clrMapOvr>
+    <a:masterClrMapping/>
+  </p:clrMapOvr>
+</p:sld>
+</file>
+
+<file path=ppt/slides/slide21.xml><?xml version="1.0" encoding="utf-8"?>
+<p:sld xmlns:a="http://schemas.openxmlformats.org/drawingml/2006/main" xmlns:r="http://schemas.openxmlformats.org/officeDocument/2006/relationships" xmlns:p="http://schemas.openxmlformats.org/presentationml/2006/main">
+  <p:cSld>
+    <p:spTree>
+      <p:nvGrpSpPr>
+        <p:cNvPr id="1" name=""/>
+        <p:cNvGrpSpPr/>
+        <p:nvPr/>
+      </p:nvGrpSpPr>
+      <p:grpSpPr>
+        <a:xfrm>
+          <a:off x="0" y="0"/>
+          <a:ext cx="0" cy="0"/>
+          <a:chOff x="0" y="0"/>
+          <a:chExt cx="0" cy="0"/>
+        </a:xfrm>
+      </p:grpSpPr>
+      <p:sp>
+        <p:nvSpPr>
+          <p:cNvPr id="2" name="Titel 1"/>
+          <p:cNvSpPr>
+            <a:spLocks noGrp="1"/>
+          </p:cNvSpPr>
+          <p:nvPr>
+            <p:ph type="title"/>
+          </p:nvPr>
+        </p:nvSpPr>
+        <p:spPr/>
+        <p:txBody>
+          <a:bodyPr/>
+          <a:lstStyle/>
+          <a:p>
+            <a:r>
+              <a:rPr lang="de-AT" dirty="0" err="1" smtClean="0"/>
+              <a:t>RESTful</a:t>
+            </a:r>
+            <a:r>
+              <a:rPr lang="de-AT" dirty="0" smtClean="0"/>
+              <a:t> Web-Services</a:t>
+            </a:r>
+            <a:endParaRPr lang="de-AT" dirty="0"/>
+          </a:p>
+        </p:txBody>
+      </p:sp>
+      <p:sp>
+        <p:nvSpPr>
+          <p:cNvPr id="3" name="Inhaltsplatzhalter 2"/>
+          <p:cNvSpPr>
+            <a:spLocks noGrp="1"/>
+          </p:cNvSpPr>
+          <p:nvPr>
+            <p:ph idx="1"/>
+          </p:nvPr>
+        </p:nvSpPr>
+        <p:spPr/>
+        <p:txBody>
+          <a:bodyPr>
+            <a:normAutofit/>
+          </a:bodyPr>
+          <a:lstStyle/>
+          <a:p>
+            <a:r>
+              <a:rPr lang="de-AT" dirty="0" err="1" smtClean="0"/>
+              <a:t>Restful</a:t>
+            </a:r>
+            <a:r>
+              <a:rPr lang="de-AT" dirty="0" smtClean="0"/>
+              <a:t> </a:t>
+            </a:r>
+            <a:r>
+              <a:rPr lang="de-AT" dirty="0" err="1" smtClean="0"/>
+              <a:t>applications</a:t>
+            </a:r>
+            <a:r>
+              <a:rPr lang="de-AT" dirty="0" smtClean="0"/>
+              <a:t> </a:t>
+            </a:r>
+            <a:r>
+              <a:rPr lang="de-AT" dirty="0" err="1" smtClean="0"/>
+              <a:t>use</a:t>
+            </a:r>
+            <a:r>
+              <a:rPr lang="de-AT" dirty="0" smtClean="0"/>
+              <a:t> HTTP </a:t>
+            </a:r>
+            <a:r>
+              <a:rPr lang="de-AT" dirty="0" err="1" smtClean="0"/>
+              <a:t>requests</a:t>
+            </a:r>
+            <a:endParaRPr lang="de-AT" dirty="0" smtClean="0"/>
+          </a:p>
+          <a:p>
+            <a:endParaRPr lang="de-AT" dirty="0"/>
+          </a:p>
+          <a:p>
+            <a:r>
+              <a:rPr lang="de-AT" dirty="0" smtClean="0"/>
+              <a:t>HTTP </a:t>
+            </a:r>
+            <a:r>
+              <a:rPr lang="de-AT" dirty="0" err="1" smtClean="0"/>
+              <a:t>Requests</a:t>
+            </a:r>
+            <a:r>
+              <a:rPr lang="de-AT" dirty="0" smtClean="0"/>
+              <a:t> GET,PUT,POST,DELETE</a:t>
+            </a:r>
+          </a:p>
+          <a:p>
+            <a:endParaRPr lang="de-AT" dirty="0"/>
+          </a:p>
+          <a:p>
+            <a:r>
+              <a:rPr lang="de-AT" dirty="0" err="1" smtClean="0"/>
+              <a:t>To</a:t>
+            </a:r>
+            <a:r>
+              <a:rPr lang="de-AT" dirty="0" smtClean="0"/>
+              <a:t> </a:t>
+            </a:r>
+            <a:r>
+              <a:rPr lang="de-AT" dirty="0" err="1" smtClean="0"/>
+              <a:t>access</a:t>
+            </a:r>
+            <a:r>
+              <a:rPr lang="de-AT" dirty="0" smtClean="0"/>
+              <a:t> </a:t>
+            </a:r>
+            <a:r>
+              <a:rPr lang="de-AT" dirty="0" err="1" smtClean="0"/>
+              <a:t>Recoures</a:t>
+            </a:r>
+            <a:r>
+              <a:rPr lang="de-AT" dirty="0" smtClean="0"/>
+              <a:t> </a:t>
+            </a:r>
+            <a:r>
+              <a:rPr lang="de-AT" dirty="0" err="1" smtClean="0"/>
+              <a:t>use</a:t>
+            </a:r>
+            <a:r>
+              <a:rPr lang="de-AT" dirty="0" smtClean="0"/>
+              <a:t> URI</a:t>
+            </a:r>
+          </a:p>
+          <a:p>
+            <a:pPr marL="0" indent="0">
+              <a:buNone/>
+            </a:pPr>
+            <a:r>
+              <a:rPr lang="de-AT" dirty="0"/>
+              <a:t>(Uniform </a:t>
+            </a:r>
+            <a:r>
+              <a:rPr lang="de-AT" dirty="0" err="1"/>
+              <a:t>Resource</a:t>
+            </a:r>
+            <a:r>
+              <a:rPr lang="de-AT" dirty="0"/>
+              <a:t> </a:t>
+            </a:r>
+            <a:r>
+              <a:rPr lang="de-AT" dirty="0" err="1"/>
+              <a:t>Identifiers</a:t>
+            </a:r>
+            <a:r>
+              <a:rPr lang="de-AT" dirty="0"/>
+              <a:t>)</a:t>
+            </a:r>
+            <a:endParaRPr lang="de-AT" dirty="0" smtClean="0"/>
+          </a:p>
+          <a:p>
+            <a:endParaRPr lang="de-AT" dirty="0"/>
+          </a:p>
+          <a:p>
+            <a:r>
+              <a:rPr lang="de-AT" dirty="0" smtClean="0"/>
+              <a:t>Exchange </a:t>
+            </a:r>
+            <a:r>
+              <a:rPr lang="de-AT" dirty="0" err="1" smtClean="0"/>
+              <a:t>of</a:t>
+            </a:r>
+            <a:r>
+              <a:rPr lang="de-AT" dirty="0" smtClean="0"/>
+              <a:t> </a:t>
+            </a:r>
+            <a:r>
+              <a:rPr lang="en-US" dirty="0" smtClean="0"/>
+              <a:t>representations of resources</a:t>
+            </a:r>
+            <a:endParaRPr lang="de-AT" dirty="0" smtClean="0"/>
+          </a:p>
+        </p:txBody>
+      </p:sp>
+    </p:spTree>
+    <p:extLst>
+      <p:ext uri="{BB962C8B-B14F-4D97-AF65-F5344CB8AC3E}">
+        <p14:creationId xmlns:p14="http://schemas.microsoft.com/office/powerpoint/2010/main" val="3744568695"/>
+      </p:ext>
+    </p:extLst>
+  </p:cSld>
+  <p:clrMapOvr>
+    <a:masterClrMapping/>
+  </p:clrMapOvr>
+</p:sld>
+</file>
+
+<file path=ppt/slides/slide22.xml><?xml version="1.0" encoding="utf-8"?>
+<p:sld xmlns:a="http://schemas.openxmlformats.org/drawingml/2006/main" xmlns:r="http://schemas.openxmlformats.org/officeDocument/2006/relationships" xmlns:p="http://schemas.openxmlformats.org/presentationml/2006/main">
+  <p:cSld>
+    <p:spTree>
+      <p:nvGrpSpPr>
+        <p:cNvPr id="1" name=""/>
+        <p:cNvGrpSpPr/>
+        <p:nvPr/>
+      </p:nvGrpSpPr>
+      <p:grpSpPr>
+        <a:xfrm>
+          <a:off x="0" y="0"/>
+          <a:ext cx="0" cy="0"/>
+          <a:chOff x="0" y="0"/>
+          <a:chExt cx="0" cy="0"/>
+        </a:xfrm>
+      </p:grpSpPr>
+      <p:sp>
+        <p:nvSpPr>
+          <p:cNvPr id="2" name="Titel 1"/>
+          <p:cNvSpPr>
+            <a:spLocks noGrp="1"/>
+          </p:cNvSpPr>
+          <p:nvPr>
+            <p:ph type="title"/>
+          </p:nvPr>
+        </p:nvSpPr>
+        <p:spPr/>
+        <p:txBody>
+          <a:bodyPr/>
+          <a:lstStyle/>
+          <a:p>
+            <a:r>
+              <a:rPr lang="de-AT" b="1" dirty="0" smtClean="0"/>
+              <a:t>Migration </a:t>
+            </a:r>
+            <a:r>
+              <a:rPr lang="de-AT" b="1" dirty="0" err="1" smtClean="0"/>
+              <a:t>of</a:t>
+            </a:r>
+            <a:r>
+              <a:rPr lang="de-AT" b="1" dirty="0" smtClean="0"/>
+              <a:t> Legacy Systems</a:t>
+            </a:r>
+            <a:endParaRPr lang="de-AT" b="1" dirty="0"/>
+          </a:p>
+        </p:txBody>
+      </p:sp>
+      <p:sp>
+        <p:nvSpPr>
+          <p:cNvPr id="3" name="Inhaltsplatzhalter 2"/>
+          <p:cNvSpPr>
+            <a:spLocks noGrp="1"/>
+          </p:cNvSpPr>
+          <p:nvPr>
+            <p:ph idx="1"/>
+          </p:nvPr>
+        </p:nvSpPr>
+        <p:spPr/>
+        <p:txBody>
+          <a:bodyPr>
+            <a:normAutofit/>
+          </a:bodyPr>
+          <a:lstStyle/>
+          <a:p>
+            <a:r>
+              <a:rPr lang="en-US" dirty="0"/>
+              <a:t>50% applications designed </a:t>
+            </a:r>
+            <a:r>
+              <a:rPr lang="en-US" dirty="0" smtClean="0"/>
+              <a:t>SOA</a:t>
+            </a:r>
+          </a:p>
+          <a:p>
+            <a:endParaRPr lang="en-US" dirty="0" smtClean="0"/>
+          </a:p>
+          <a:p>
+            <a:r>
+              <a:rPr lang="en-US" dirty="0" smtClean="0"/>
+              <a:t>Rarely </a:t>
+            </a:r>
+            <a:r>
+              <a:rPr lang="en-US" dirty="0"/>
+              <a:t>start from </a:t>
+            </a:r>
+            <a:r>
+              <a:rPr lang="en-US" dirty="0" smtClean="0"/>
+              <a:t>scratch</a:t>
+            </a:r>
+          </a:p>
+          <a:p>
+            <a:endParaRPr lang="en-US" dirty="0" smtClean="0"/>
+          </a:p>
+          <a:p>
+            <a:r>
+              <a:rPr lang="en-US" dirty="0" smtClean="0"/>
+              <a:t>Existing </a:t>
+            </a:r>
+            <a:r>
+              <a:rPr lang="en-US" dirty="0"/>
+              <a:t>legacy systems -&gt; </a:t>
+            </a:r>
+            <a:r>
+              <a:rPr lang="en-US" dirty="0" smtClean="0"/>
+              <a:t>Services</a:t>
+            </a:r>
+          </a:p>
+          <a:p>
+            <a:endParaRPr lang="en-US" dirty="0" smtClean="0"/>
+          </a:p>
+          <a:p>
+            <a:r>
+              <a:rPr lang="en-US" dirty="0" smtClean="0"/>
+              <a:t>Already </a:t>
+            </a:r>
+            <a:r>
+              <a:rPr lang="en-US" dirty="0"/>
+              <a:t>achieved different domains</a:t>
+            </a:r>
+            <a:endParaRPr lang="de-AT" dirty="0"/>
+          </a:p>
+        </p:txBody>
+      </p:sp>
+    </p:spTree>
+    <p:extLst>
+      <p:ext uri="{BB962C8B-B14F-4D97-AF65-F5344CB8AC3E}">
+        <p14:creationId xmlns:p14="http://schemas.microsoft.com/office/powerpoint/2010/main" val="1795485074"/>
+      </p:ext>
+    </p:extLst>
+  </p:cSld>
+  <p:clrMapOvr>
+    <a:masterClrMapping/>
+  </p:clrMapOvr>
+</p:sld>
+</file>
+
+<file path=ppt/slides/slide23.xml><?xml version="1.0" encoding="utf-8"?>
+<p:sld xmlns:a="http://schemas.openxmlformats.org/drawingml/2006/main" xmlns:r="http://schemas.openxmlformats.org/officeDocument/2006/relationships" xmlns:p="http://schemas.openxmlformats.org/presentationml/2006/main">
+  <p:cSld>
+    <p:spTree>
+      <p:nvGrpSpPr>
+        <p:cNvPr id="1" name=""/>
+        <p:cNvGrpSpPr/>
+        <p:nvPr/>
+      </p:nvGrpSpPr>
+      <p:grpSpPr>
+        <a:xfrm>
+          <a:off x="0" y="0"/>
+          <a:ext cx="0" cy="0"/>
+          <a:chOff x="0" y="0"/>
+          <a:chExt cx="0" cy="0"/>
+        </a:xfrm>
+      </p:grpSpPr>
+      <p:pic>
+        <p:nvPicPr>
+          <p:cNvPr id="1026" name="Picture 2" descr="http://prideparrot.com/Source-Codes/Images/REST.png"/>
+          <p:cNvPicPr>
+            <a:picLocks noChangeAspect="1" noChangeArrowheads="1"/>
+          </p:cNvPicPr>
+          <p:nvPr/>
+        </p:nvPicPr>
+        <p:blipFill>
+          <a:blip r:embed="rId2">
+            <a:extLst>
+              <a:ext uri="{28A0092B-C50C-407E-A947-70E740481C1C}">
+                <a14:useLocalDpi xmlns:a14="http://schemas.microsoft.com/office/drawing/2010/main" val="0"/>
+              </a:ext>
+            </a:extLst>
+          </a:blip>
+          <a:srcRect/>
+          <a:stretch>
+            <a:fillRect/>
+          </a:stretch>
+        </p:blipFill>
+        <p:spPr bwMode="auto">
+          <a:xfrm>
+            <a:off x="1629727" y="1126648"/>
+            <a:ext cx="8800269" cy="4611211"/>
+          </a:xfrm>
+          <a:prstGeom prst="rect">
+            <a:avLst/>
+          </a:prstGeom>
+          <a:noFill/>
+          <a:extLst>
+            <a:ext uri="{909E8E84-426E-40DD-AFC4-6F175D3DCCD1}">
+              <a14:hiddenFill xmlns:a14="http://schemas.microsoft.com/office/drawing/2010/main">
+                <a:solidFill>
+                  <a:srgbClr val="FFFFFF"/>
+                </a:solidFill>
+              </a14:hiddenFill>
+            </a:ext>
+          </a:extLst>
+        </p:spPr>
+      </p:pic>
+    </p:spTree>
+    <p:extLst>
+      <p:ext uri="{BB962C8B-B14F-4D97-AF65-F5344CB8AC3E}">
+        <p14:creationId xmlns:p14="http://schemas.microsoft.com/office/powerpoint/2010/main" val="2382175756"/>
+      </p:ext>
+    </p:extLst>
+  </p:cSld>
+  <p:clrMapOvr>
+    <a:masterClrMapping/>
+  </p:clrMapOvr>
+</p:sld>
+</file>
+
+<file path=ppt/slides/slide24.xml><?xml version="1.0" encoding="utf-8"?>
+<p:sld xmlns:a="http://schemas.openxmlformats.org/drawingml/2006/main" xmlns:r="http://schemas.openxmlformats.org/officeDocument/2006/relationships" xmlns:p="http://schemas.openxmlformats.org/presentationml/2006/main">
+  <p:cSld>
+    <p:spTree>
+      <p:nvGrpSpPr>
+        <p:cNvPr id="1" name=""/>
+        <p:cNvGrpSpPr/>
+        <p:nvPr/>
+      </p:nvGrpSpPr>
+      <p:grpSpPr>
+        <a:xfrm>
+          <a:off x="0" y="0"/>
+          <a:ext cx="0" cy="0"/>
+          <a:chOff x="0" y="0"/>
+          <a:chExt cx="0" cy="0"/>
+        </a:xfrm>
+      </p:grpSpPr>
+      <p:sp>
+        <p:nvSpPr>
+          <p:cNvPr id="2" name="Titel 1"/>
+          <p:cNvSpPr>
+            <a:spLocks noGrp="1"/>
+          </p:cNvSpPr>
+          <p:nvPr>
+            <p:ph type="title"/>
+          </p:nvPr>
+        </p:nvSpPr>
+        <p:spPr/>
+        <p:txBody>
+          <a:bodyPr/>
+          <a:lstStyle/>
+          <a:p>
+            <a:r>
+              <a:rPr lang="de-AT" dirty="0" smtClean="0"/>
+              <a:t>XML</a:t>
+            </a:r>
+            <a:endParaRPr lang="de-AT" dirty="0"/>
+          </a:p>
+        </p:txBody>
+      </p:sp>
+      <p:sp>
+        <p:nvSpPr>
+          <p:cNvPr id="3" name="Inhaltsplatzhalter 2"/>
+          <p:cNvSpPr>
+            <a:spLocks noGrp="1"/>
+          </p:cNvSpPr>
+          <p:nvPr>
+            <p:ph idx="1"/>
+          </p:nvPr>
+        </p:nvSpPr>
+        <p:spPr/>
+        <p:txBody>
+          <a:bodyPr/>
+          <a:lstStyle/>
+          <a:p>
+            <a:r>
+              <a:rPr lang="de-AT" dirty="0" err="1" smtClean="0"/>
+              <a:t>EXtensible</a:t>
+            </a:r>
+            <a:r>
+              <a:rPr lang="de-AT" dirty="0" smtClean="0"/>
+              <a:t> Markup Language</a:t>
+            </a:r>
+          </a:p>
+          <a:p>
+            <a:endParaRPr lang="de-AT" dirty="0"/>
+          </a:p>
+          <a:p>
+            <a:r>
+              <a:rPr lang="de-AT" dirty="0" err="1" smtClean="0"/>
+              <a:t>Designed</a:t>
+            </a:r>
+            <a:r>
+              <a:rPr lang="de-AT" dirty="0" smtClean="0"/>
+              <a:t> </a:t>
+            </a:r>
+            <a:r>
+              <a:rPr lang="de-AT" dirty="0" err="1" smtClean="0"/>
+              <a:t>to</a:t>
+            </a:r>
+            <a:r>
+              <a:rPr lang="de-AT" dirty="0" smtClean="0"/>
+              <a:t> </a:t>
+            </a:r>
+            <a:r>
+              <a:rPr lang="de-AT" dirty="0" err="1" smtClean="0"/>
+              <a:t>describe</a:t>
+            </a:r>
+            <a:r>
+              <a:rPr lang="de-AT" dirty="0" smtClean="0"/>
+              <a:t> </a:t>
+            </a:r>
+            <a:r>
+              <a:rPr lang="de-AT" dirty="0" err="1" smtClean="0"/>
+              <a:t>data</a:t>
+            </a:r>
+            <a:endParaRPr lang="de-AT" dirty="0" smtClean="0"/>
+          </a:p>
+          <a:p>
+            <a:endParaRPr lang="de-AT" dirty="0"/>
+          </a:p>
+          <a:p>
+            <a:r>
+              <a:rPr lang="en-US" dirty="0"/>
+              <a:t>S</a:t>
+            </a:r>
+            <a:r>
+              <a:rPr lang="en-US" dirty="0" smtClean="0"/>
+              <a:t>oftware- and hardware-independent tool for carrying information</a:t>
+            </a:r>
+          </a:p>
+          <a:p>
+            <a:endParaRPr lang="en-US" dirty="0"/>
+          </a:p>
+          <a:p>
+            <a:r>
+              <a:rPr lang="en-US" dirty="0" smtClean="0"/>
+              <a:t>Nearly all other standards originate from XML</a:t>
+            </a:r>
+            <a:endParaRPr lang="de-AT" dirty="0"/>
+          </a:p>
+        </p:txBody>
+      </p:sp>
+    </p:spTree>
+    <p:extLst>
+      <p:ext uri="{BB962C8B-B14F-4D97-AF65-F5344CB8AC3E}">
+        <p14:creationId xmlns:p14="http://schemas.microsoft.com/office/powerpoint/2010/main" val="837258022"/>
+      </p:ext>
+    </p:extLst>
+  </p:cSld>
+  <p:clrMapOvr>
+    <a:masterClrMapping/>
+  </p:clrMapOvr>
+</p:sld>
+</file>
+
+<file path=ppt/slides/slide25.xml><?xml version="1.0" encoding="utf-8"?>
+<p:sld xmlns:a="http://schemas.openxmlformats.org/drawingml/2006/main" xmlns:r="http://schemas.openxmlformats.org/officeDocument/2006/relationships" xmlns:p="http://schemas.openxmlformats.org/presentationml/2006/main">
+  <p:cSld>
+    <p:spTree>
+      <p:nvGrpSpPr>
+        <p:cNvPr id="1" name=""/>
+        <p:cNvGrpSpPr/>
+        <p:nvPr/>
+      </p:nvGrpSpPr>
+      <p:grpSpPr>
+        <a:xfrm>
+          <a:off x="0" y="0"/>
+          <a:ext cx="0" cy="0"/>
+          <a:chOff x="0" y="0"/>
+          <a:chExt cx="0" cy="0"/>
+        </a:xfrm>
+      </p:grpSpPr>
+      <p:sp>
+        <p:nvSpPr>
+          <p:cNvPr id="2" name="Titel 1"/>
+          <p:cNvSpPr>
+            <a:spLocks noGrp="1"/>
+          </p:cNvSpPr>
+          <p:nvPr>
+            <p:ph type="title"/>
+          </p:nvPr>
+        </p:nvSpPr>
+        <p:spPr/>
+        <p:txBody>
+          <a:bodyPr/>
+          <a:lstStyle/>
+          <a:p>
+            <a:r>
+              <a:rPr lang="de-AT" dirty="0" smtClean="0"/>
+              <a:t>JSON</a:t>
+            </a:r>
+            <a:endParaRPr lang="de-AT" dirty="0"/>
+          </a:p>
+        </p:txBody>
+      </p:sp>
+      <p:sp>
+        <p:nvSpPr>
+          <p:cNvPr id="3" name="Inhaltsplatzhalter 2"/>
+          <p:cNvSpPr>
+            <a:spLocks noGrp="1"/>
+          </p:cNvSpPr>
+          <p:nvPr>
+            <p:ph idx="1"/>
+          </p:nvPr>
+        </p:nvSpPr>
+        <p:spPr/>
+        <p:txBody>
+          <a:bodyPr/>
+          <a:lstStyle/>
+          <a:p>
+            <a:r>
+              <a:rPr lang="de-AT" dirty="0" smtClean="0"/>
+              <a:t>JavaScript </a:t>
+            </a:r>
+            <a:r>
+              <a:rPr lang="de-AT" dirty="0" err="1" smtClean="0"/>
+              <a:t>Object</a:t>
+            </a:r>
+            <a:r>
+              <a:rPr lang="de-AT" dirty="0" smtClean="0"/>
+              <a:t> Notation</a:t>
+            </a:r>
+          </a:p>
+          <a:p>
+            <a:endParaRPr lang="de-AT" dirty="0"/>
+          </a:p>
+          <a:p>
+            <a:r>
+              <a:rPr lang="de-AT" dirty="0" smtClean="0"/>
+              <a:t>Lightweight </a:t>
+            </a:r>
+            <a:r>
+              <a:rPr lang="de-AT" dirty="0" err="1" smtClean="0"/>
+              <a:t>data-interchange</a:t>
+            </a:r>
+            <a:r>
+              <a:rPr lang="de-AT" dirty="0" smtClean="0"/>
+              <a:t> </a:t>
+            </a:r>
+            <a:r>
+              <a:rPr lang="de-AT" dirty="0" err="1" smtClean="0"/>
+              <a:t>format</a:t>
+            </a:r>
+            <a:endParaRPr lang="de-AT" dirty="0" smtClean="0"/>
+          </a:p>
+          <a:p>
+            <a:endParaRPr lang="de-AT" dirty="0"/>
+          </a:p>
+          <a:p>
+            <a:r>
+              <a:rPr lang="de-AT" dirty="0" err="1" smtClean="0"/>
+              <a:t>Easier</a:t>
+            </a:r>
+            <a:r>
+              <a:rPr lang="de-AT" dirty="0" smtClean="0"/>
+              <a:t> </a:t>
+            </a:r>
+            <a:r>
+              <a:rPr lang="de-AT" dirty="0" err="1" smtClean="0"/>
+              <a:t>to</a:t>
+            </a:r>
+            <a:r>
+              <a:rPr lang="de-AT" dirty="0" smtClean="0"/>
+              <a:t> </a:t>
+            </a:r>
+            <a:r>
+              <a:rPr lang="de-AT" dirty="0" err="1" smtClean="0"/>
+              <a:t>understand</a:t>
+            </a:r>
+            <a:r>
+              <a:rPr lang="de-AT" dirty="0" smtClean="0"/>
+              <a:t> </a:t>
+            </a:r>
+            <a:r>
+              <a:rPr lang="de-AT" dirty="0" err="1" smtClean="0"/>
+              <a:t>than</a:t>
+            </a:r>
+            <a:r>
+              <a:rPr lang="de-AT" dirty="0" smtClean="0"/>
+              <a:t> XML</a:t>
+            </a:r>
+          </a:p>
+          <a:p>
+            <a:endParaRPr lang="de-AT" dirty="0"/>
+          </a:p>
+          <a:p>
+            <a:r>
+              <a:rPr lang="en-US" dirty="0" smtClean="0"/>
+              <a:t>text format that is completely language independent</a:t>
+            </a:r>
+            <a:endParaRPr lang="de-AT" dirty="0"/>
+          </a:p>
+        </p:txBody>
+      </p:sp>
+    </p:spTree>
+    <p:extLst>
+      <p:ext uri="{BB962C8B-B14F-4D97-AF65-F5344CB8AC3E}">
+        <p14:creationId xmlns:p14="http://schemas.microsoft.com/office/powerpoint/2010/main" val="3389759605"/>
+      </p:ext>
+    </p:extLst>
+  </p:cSld>
+  <p:clrMapOvr>
+    <a:masterClrMapping/>
+  </p:clrMapOvr>
+  <p:timing>
+    <p:tnLst>
+      <p:par>
+        <p:cTn id="1" dur="indefinite" restart="never" nodeType="tmRoot"/>
+      </p:par>
+    </p:tnLst>
+  </p:timing>
+</p:sld>
+</file>
+
+<file path=ppt/slides/slide26.xml><?xml version="1.0" encoding="utf-8"?>
+<p:sld xmlns:a="http://schemas.openxmlformats.org/drawingml/2006/main" xmlns:r="http://schemas.openxmlformats.org/officeDocument/2006/relationships" xmlns:p="http://schemas.openxmlformats.org/presentationml/2006/main">
+  <p:cSld>
+    <p:spTree>
+      <p:nvGrpSpPr>
+        <p:cNvPr id="1" name=""/>
+        <p:cNvGrpSpPr/>
+        <p:nvPr/>
+      </p:nvGrpSpPr>
+      <p:grpSpPr>
+        <a:xfrm>
+          <a:off x="0" y="0"/>
+          <a:ext cx="0" cy="0"/>
+          <a:chOff x="0" y="0"/>
+          <a:chExt cx="0" cy="0"/>
+        </a:xfrm>
+      </p:grpSpPr>
+      <p:sp>
+        <p:nvSpPr>
+          <p:cNvPr id="2" name="Titel 1"/>
+          <p:cNvSpPr>
+            <a:spLocks noGrp="1"/>
+          </p:cNvSpPr>
+          <p:nvPr>
+            <p:ph type="title"/>
+          </p:nvPr>
+        </p:nvSpPr>
+        <p:spPr/>
+        <p:txBody>
+          <a:bodyPr/>
+          <a:lstStyle/>
+          <a:p>
+            <a:r>
+              <a:rPr lang="de-AT" dirty="0" smtClean="0"/>
+              <a:t>SOA-</a:t>
+            </a:r>
+            <a:r>
+              <a:rPr lang="de-AT" dirty="0" err="1" smtClean="0"/>
+              <a:t>Triangle</a:t>
+            </a:r>
+            <a:endParaRPr lang="de-AT" dirty="0"/>
+          </a:p>
+        </p:txBody>
+      </p:sp>
+      <p:sp>
+        <p:nvSpPr>
+          <p:cNvPr id="3" name="Inhaltsplatzhalter 2"/>
+          <p:cNvSpPr>
+            <a:spLocks noGrp="1"/>
+          </p:cNvSpPr>
+          <p:nvPr>
+            <p:ph idx="1"/>
+          </p:nvPr>
+        </p:nvSpPr>
+        <p:spPr/>
+        <p:txBody>
+          <a:bodyPr>
+            <a:normAutofit/>
+          </a:bodyPr>
+          <a:lstStyle/>
+          <a:p>
+            <a:pPr marL="0" indent="0">
+              <a:buNone/>
+            </a:pPr>
+            <a:endParaRPr lang="de-AT" dirty="0"/>
+          </a:p>
+          <a:p>
+            <a:r>
+              <a:rPr lang="de-AT" dirty="0" smtClean="0"/>
+              <a:t>Würde gerne nach-</a:t>
+            </a:r>
+          </a:p>
+          <a:p>
+            <a:pPr marL="0" indent="0">
+              <a:buNone/>
+            </a:pPr>
+            <a:r>
+              <a:rPr lang="de-AT" dirty="0" smtClean="0"/>
+              <a:t>dem du das erklärt</a:t>
+            </a:r>
+          </a:p>
+          <a:p>
+            <a:pPr marL="0" indent="0">
+              <a:buNone/>
+            </a:pPr>
+            <a:r>
+              <a:rPr lang="de-AT" dirty="0" smtClean="0"/>
+              <a:t>Hast SOAP WSDL und</a:t>
+            </a:r>
+          </a:p>
+          <a:p>
+            <a:pPr marL="0" indent="0">
+              <a:buNone/>
+            </a:pPr>
+            <a:r>
+              <a:rPr lang="de-AT" dirty="0" smtClean="0"/>
+              <a:t>UDDI machen falls du</a:t>
+            </a:r>
+          </a:p>
+          <a:p>
+            <a:pPr marL="0" indent="0">
+              <a:buNone/>
+            </a:pPr>
+            <a:r>
+              <a:rPr lang="de-AT" dirty="0" smtClean="0"/>
+              <a:t>Das Dreieck am </a:t>
+            </a:r>
+            <a:r>
+              <a:rPr lang="de-AT" dirty="0" err="1" smtClean="0"/>
+              <a:t>schluss</a:t>
+            </a:r>
+            <a:endParaRPr lang="de-AT" dirty="0" smtClean="0"/>
+          </a:p>
+          <a:p>
+            <a:pPr marL="0" indent="0">
+              <a:buNone/>
+            </a:pPr>
+            <a:r>
+              <a:rPr lang="de-AT" dirty="0" smtClean="0"/>
+              <a:t>Erklären willst</a:t>
+            </a:r>
+          </a:p>
+        </p:txBody>
+      </p:sp>
+      <p:pic>
+        <p:nvPicPr>
+          <p:cNvPr id="5" name="Grafik 4"/>
+          <p:cNvPicPr>
+            <a:picLocks noChangeAspect="1"/>
+          </p:cNvPicPr>
+          <p:nvPr/>
+        </p:nvPicPr>
+        <p:blipFill>
+          <a:blip r:embed="rId2">
+            <a:extLst>
+              <a:ext uri="{28A0092B-C50C-407E-A947-70E740481C1C}">
+                <a14:useLocalDpi xmlns:a14="http://schemas.microsoft.com/office/drawing/2010/main" val="0"/>
+              </a:ext>
+            </a:extLst>
+          </a:blip>
+          <a:stretch>
+            <a:fillRect/>
+          </a:stretch>
+        </p:blipFill>
+        <p:spPr>
+          <a:xfrm>
+            <a:off x="4218399" y="1690688"/>
+            <a:ext cx="7638656" cy="4834784"/>
+          </a:xfrm>
+          <a:prstGeom prst="rect">
+            <a:avLst/>
+          </a:prstGeom>
+        </p:spPr>
+      </p:pic>
+    </p:spTree>
+    <p:extLst>
+      <p:ext uri="{BB962C8B-B14F-4D97-AF65-F5344CB8AC3E}">
+        <p14:creationId xmlns:p14="http://schemas.microsoft.com/office/powerpoint/2010/main" val="1043217056"/>
+      </p:ext>
+    </p:extLst>
+  </p:cSld>
+  <p:clrMapOvr>
+    <a:masterClrMapping/>
+  </p:clrMapOvr>
+  <p:timing>
+    <p:tnLst>
+      <p:par>
+        <p:cTn id="1" dur="indefinite" restart="never" nodeType="tmRoot"/>
+      </p:par>
+    </p:tnLst>
+  </p:timing>
+</p:sld>
+</file>
+
+<file path=ppt/slides/slide27.xml><?xml version="1.0" encoding="utf-8"?>
+<p:sld xmlns:a="http://schemas.openxmlformats.org/drawingml/2006/main" xmlns:r="http://schemas.openxmlformats.org/officeDocument/2006/relationships" xmlns:p="http://schemas.openxmlformats.org/presentationml/2006/main">
+  <p:cSld>
+    <p:spTree>
+      <p:nvGrpSpPr>
+        <p:cNvPr id="1" name=""/>
+        <p:cNvGrpSpPr/>
+        <p:nvPr/>
+      </p:nvGrpSpPr>
+      <p:grpSpPr>
+        <a:xfrm>
+          <a:off x="0" y="0"/>
+          <a:ext cx="0" cy="0"/>
+          <a:chOff x="0" y="0"/>
+          <a:chExt cx="0" cy="0"/>
+        </a:xfrm>
+      </p:grpSpPr>
+      <p:sp>
+        <p:nvSpPr>
+          <p:cNvPr id="2" name="Titel 1"/>
+          <p:cNvSpPr>
+            <a:spLocks noGrp="1"/>
+          </p:cNvSpPr>
+          <p:nvPr>
+            <p:ph type="title"/>
+          </p:nvPr>
+        </p:nvSpPr>
+        <p:spPr/>
+        <p:txBody>
+          <a:bodyPr/>
+          <a:lstStyle/>
+          <a:p>
+            <a:r>
+              <a:rPr lang="de-AT" dirty="0" smtClean="0"/>
+              <a:t>SOAP</a:t>
+            </a:r>
+            <a:endParaRPr lang="de-AT" dirty="0"/>
+          </a:p>
+        </p:txBody>
+      </p:sp>
+      <p:sp>
+        <p:nvSpPr>
+          <p:cNvPr id="3" name="Inhaltsplatzhalter 2"/>
+          <p:cNvSpPr>
+            <a:spLocks noGrp="1"/>
+          </p:cNvSpPr>
+          <p:nvPr>
+            <p:ph idx="1"/>
+          </p:nvPr>
+        </p:nvSpPr>
+        <p:spPr/>
+        <p:txBody>
+          <a:bodyPr/>
+          <a:lstStyle/>
+          <a:p>
+            <a:r>
+              <a:rPr lang="en-US" dirty="0" smtClean="0"/>
+              <a:t>SOAP is an XML based protocol for accessing Web Services</a:t>
+            </a:r>
+          </a:p>
+          <a:p>
+            <a:endParaRPr lang="en-US" dirty="0"/>
+          </a:p>
+          <a:p>
+            <a:r>
+              <a:rPr lang="en-US" dirty="0" smtClean="0"/>
+              <a:t>Originally shortcut for "Simple Object Access Protocol“</a:t>
+            </a:r>
+          </a:p>
+          <a:p>
+            <a:endParaRPr lang="en-US" dirty="0"/>
+          </a:p>
+          <a:p>
+            <a:r>
+              <a:rPr lang="en-US" dirty="0" smtClean="0"/>
+              <a:t>Stand for itself now</a:t>
+            </a:r>
+          </a:p>
+          <a:p>
+            <a:endParaRPr lang="en-US" dirty="0"/>
+          </a:p>
+          <a:p>
+            <a:r>
+              <a:rPr lang="en-US" dirty="0" smtClean="0"/>
+              <a:t>Ordinary XML document</a:t>
+            </a:r>
+          </a:p>
+          <a:p>
+            <a:pPr marL="0" indent="0">
+              <a:buNone/>
+            </a:pPr>
+            <a:endParaRPr lang="en-US" dirty="0" smtClean="0"/>
+          </a:p>
+          <a:p>
+            <a:pPr marL="0" indent="0">
+              <a:buNone/>
+            </a:pPr>
+            <a:endParaRPr lang="en-US" dirty="0"/>
+          </a:p>
+          <a:p>
+            <a:endParaRPr lang="de-AT" dirty="0"/>
+          </a:p>
+        </p:txBody>
+      </p:sp>
+    </p:spTree>
+    <p:extLst>
+      <p:ext uri="{BB962C8B-B14F-4D97-AF65-F5344CB8AC3E}">
+        <p14:creationId xmlns:p14="http://schemas.microsoft.com/office/powerpoint/2010/main" val="2766777177"/>
+      </p:ext>
+    </p:extLst>
+  </p:cSld>
+  <p:clrMapOvr>
+    <a:masterClrMapping/>
+  </p:clrMapOvr>
+  <p:timing>
+    <p:tnLst>
+      <p:par>
+        <p:cTn id="1" dur="indefinite" restart="never" nodeType="tmRoot"/>
+      </p:par>
+    </p:tnLst>
+  </p:timing>
+</p:sld>
+</file>
+
+<file path=ppt/slides/slide28.xml><?xml version="1.0" encoding="utf-8"?>
+<p:sld xmlns:a="http://schemas.openxmlformats.org/drawingml/2006/main" xmlns:r="http://schemas.openxmlformats.org/officeDocument/2006/relationships" xmlns:p="http://schemas.openxmlformats.org/presentationml/2006/main">
+  <p:cSld>
+    <p:spTree>
+      <p:nvGrpSpPr>
+        <p:cNvPr id="1" name=""/>
+        <p:cNvGrpSpPr/>
+        <p:nvPr/>
+      </p:nvGrpSpPr>
+      <p:grpSpPr>
+        <a:xfrm>
+          <a:off x="0" y="0"/>
+          <a:ext cx="0" cy="0"/>
+          <a:chOff x="0" y="0"/>
+          <a:chExt cx="0" cy="0"/>
+        </a:xfrm>
+      </p:grpSpPr>
+      <p:sp>
+        <p:nvSpPr>
+          <p:cNvPr id="2" name="Titel 1"/>
+          <p:cNvSpPr>
+            <a:spLocks noGrp="1"/>
+          </p:cNvSpPr>
+          <p:nvPr>
+            <p:ph type="title"/>
+          </p:nvPr>
+        </p:nvSpPr>
+        <p:spPr/>
+        <p:txBody>
+          <a:bodyPr/>
+          <a:lstStyle/>
+          <a:p>
+            <a:r>
+              <a:rPr lang="de-AT" dirty="0" smtClean="0"/>
+              <a:t>SOAP Message Information</a:t>
+            </a:r>
+            <a:endParaRPr lang="de-AT" dirty="0"/>
+          </a:p>
+        </p:txBody>
+      </p:sp>
+      <p:sp>
+        <p:nvSpPr>
+          <p:cNvPr id="3" name="Inhaltsplatzhalter 2"/>
+          <p:cNvSpPr>
+            <a:spLocks noGrp="1"/>
+          </p:cNvSpPr>
+          <p:nvPr>
+            <p:ph idx="1"/>
+          </p:nvPr>
+        </p:nvSpPr>
+        <p:spPr/>
+        <p:txBody>
+          <a:bodyPr/>
+          <a:lstStyle/>
+          <a:p>
+            <a:r>
+              <a:rPr lang="en-US" dirty="0" smtClean="0"/>
+              <a:t>An Envelope element that identifies the XML document as a SOAP message</a:t>
+            </a:r>
+          </a:p>
+          <a:p>
+            <a:endParaRPr lang="en-US" dirty="0" smtClean="0"/>
+          </a:p>
+          <a:p>
+            <a:r>
+              <a:rPr lang="en-US" dirty="0" smtClean="0"/>
+              <a:t>A Header element that contains header information</a:t>
+            </a:r>
+          </a:p>
+          <a:p>
+            <a:endParaRPr lang="en-US" dirty="0" smtClean="0"/>
+          </a:p>
+          <a:p>
+            <a:r>
+              <a:rPr lang="en-US" dirty="0" smtClean="0"/>
+              <a:t>A Body element that contains call and response information</a:t>
+            </a:r>
+          </a:p>
+          <a:p>
+            <a:endParaRPr lang="en-US" dirty="0" smtClean="0"/>
+          </a:p>
+          <a:p>
+            <a:r>
+              <a:rPr lang="en-US" dirty="0" smtClean="0"/>
+              <a:t> A Fault element containing errors and status information"</a:t>
+            </a:r>
+            <a:endParaRPr lang="de-AT" dirty="0"/>
+          </a:p>
+        </p:txBody>
+      </p:sp>
+    </p:spTree>
+    <p:extLst>
+      <p:ext uri="{BB962C8B-B14F-4D97-AF65-F5344CB8AC3E}">
+        <p14:creationId xmlns:p14="http://schemas.microsoft.com/office/powerpoint/2010/main" val="2970067731"/>
+      </p:ext>
+    </p:extLst>
+  </p:cSld>
+  <p:clrMapOvr>
+    <a:masterClrMapping/>
+  </p:clrMapOvr>
+</p:sld>
+</file>
+
+<file path=ppt/slides/slide29.xml><?xml version="1.0" encoding="utf-8"?>
+<p:sld xmlns:a="http://schemas.openxmlformats.org/drawingml/2006/main" xmlns:r="http://schemas.openxmlformats.org/officeDocument/2006/relationships" xmlns:p="http://schemas.openxmlformats.org/presentationml/2006/main">
+  <p:cSld>
+    <p:spTree>
+      <p:nvGrpSpPr>
+        <p:cNvPr id="1" name=""/>
+        <p:cNvGrpSpPr/>
+        <p:nvPr/>
+      </p:nvGrpSpPr>
+      <p:grpSpPr>
+        <a:xfrm>
+          <a:off x="0" y="0"/>
+          <a:ext cx="0" cy="0"/>
+          <a:chOff x="0" y="0"/>
+          <a:chExt cx="0" cy="0"/>
+        </a:xfrm>
+      </p:grpSpPr>
+      <p:sp>
+        <p:nvSpPr>
+          <p:cNvPr id="2" name="Titel 1"/>
+          <p:cNvSpPr>
+            <a:spLocks noGrp="1"/>
+          </p:cNvSpPr>
+          <p:nvPr>
+            <p:ph type="title"/>
+          </p:nvPr>
+        </p:nvSpPr>
+        <p:spPr/>
+        <p:txBody>
+          <a:bodyPr/>
+          <a:lstStyle/>
+          <a:p>
+            <a:endParaRPr lang="de-AT" dirty="0"/>
+          </a:p>
+        </p:txBody>
+      </p:sp>
+      <p:pic>
+        <p:nvPicPr>
+          <p:cNvPr id="4" name="Inhaltsplatzhalter 3"/>
+          <p:cNvPicPr>
+            <a:picLocks noGrp="1" noChangeAspect="1"/>
+          </p:cNvPicPr>
+          <p:nvPr>
+            <p:ph idx="1"/>
+          </p:nvPr>
+        </p:nvPicPr>
+        <p:blipFill>
+          <a:blip r:embed="rId2">
+            <a:extLst>
+              <a:ext uri="{28A0092B-C50C-407E-A947-70E740481C1C}">
+                <a14:useLocalDpi xmlns:a14="http://schemas.microsoft.com/office/drawing/2010/main" val="0"/>
+              </a:ext>
+            </a:extLst>
+          </a:blip>
+          <a:stretch>
+            <a:fillRect/>
+          </a:stretch>
+        </p:blipFill>
+        <p:spPr>
+          <a:xfrm>
+            <a:off x="2354580" y="0"/>
+            <a:ext cx="7482840" cy="6856001"/>
+          </a:xfrm>
+        </p:spPr>
+      </p:pic>
+    </p:spTree>
+    <p:extLst>
+      <p:ext uri="{BB962C8B-B14F-4D97-AF65-F5344CB8AC3E}">
+        <p14:creationId xmlns:p14="http://schemas.microsoft.com/office/powerpoint/2010/main" val="4225363237"/>
+      </p:ext>
+    </p:extLst>
+  </p:cSld>
+  <p:clrMapOvr>
+    <a:masterClrMapping/>
+  </p:clrMapOvr>
+  <p:timing>
+    <p:tnLst>
+      <p:par>
+        <p:cTn id="1" dur="indefinite" restart="never" nodeType="tmRoot"/>
+      </p:par>
+    </p:tnLst>
+  </p:timing>
+</p:sld>
+</file>
+
+<file path=ppt/slides/slide3.xml><?xml version="1.0" encoding="utf-8"?>
+<p:sld xmlns:a="http://schemas.openxmlformats.org/drawingml/2006/main" xmlns:r="http://schemas.openxmlformats.org/officeDocument/2006/relationships" xmlns:p="http://schemas.openxmlformats.org/presentationml/2006/main">
+  <p:cSld>
+    <p:spTree>
+      <p:nvGrpSpPr>
+        <p:cNvPr id="1" name=""/>
+        <p:cNvGrpSpPr/>
+        <p:nvPr/>
+      </p:nvGrpSpPr>
+      <p:grpSpPr>
+        <a:xfrm>
+          <a:off x="0" y="0"/>
+          <a:ext cx="0" cy="0"/>
+          <a:chOff x="0" y="0"/>
+          <a:chExt cx="0" cy="0"/>
+        </a:xfrm>
+      </p:grpSpPr>
+      <p:sp>
+        <p:nvSpPr>
+          <p:cNvPr id="2" name="Title 1"/>
+          <p:cNvSpPr>
+            <a:spLocks noGrp="1"/>
+          </p:cNvSpPr>
+          <p:nvPr>
+            <p:ph type="title"/>
+          </p:nvPr>
+        </p:nvSpPr>
+        <p:spPr/>
+        <p:txBody>
+          <a:bodyPr/>
+          <a:lstStyle/>
+          <a:p>
+            <a:r>
+              <a:rPr lang="de-AT" dirty="0" smtClean="0"/>
+              <a:t>Service Oriented Architecture</a:t>
+            </a:r>
+            <a:endParaRPr lang="de-AT" dirty="0"/>
+          </a:p>
+        </p:txBody>
+      </p:sp>
+      <p:sp>
+        <p:nvSpPr>
+          <p:cNvPr id="3" name="Content Placeholder 2"/>
+          <p:cNvSpPr>
+            <a:spLocks noGrp="1"/>
+          </p:cNvSpPr>
+          <p:nvPr>
+            <p:ph idx="1"/>
+          </p:nvPr>
+        </p:nvSpPr>
+        <p:spPr/>
+        <p:txBody>
+          <a:bodyPr>
+            <a:normAutofit/>
+          </a:bodyPr>
+          <a:lstStyle/>
+          <a:p>
+            <a:r>
+              <a:rPr lang="de-AT" dirty="0" smtClean="0"/>
+              <a:t>Service – Orientation</a:t>
+            </a:r>
+          </a:p>
+          <a:p>
+            <a:endParaRPr lang="de-AT" sz="900" dirty="0" smtClean="0"/>
+          </a:p>
+          <a:p>
+            <a:r>
+              <a:rPr lang="de-AT" dirty="0" smtClean="0"/>
+              <a:t>Service </a:t>
+            </a:r>
+            <a:r>
+              <a:rPr lang="de-AT" dirty="0" smtClean="0"/>
+              <a:t>Oriented </a:t>
+            </a:r>
+            <a:r>
+              <a:rPr lang="de-AT" dirty="0" smtClean="0"/>
+              <a:t>Computing</a:t>
+            </a:r>
+          </a:p>
+          <a:p>
+            <a:endParaRPr lang="de-AT" sz="900" dirty="0" smtClean="0"/>
+          </a:p>
+          <a:p>
+            <a:r>
+              <a:rPr lang="de-AT" dirty="0" smtClean="0"/>
+              <a:t>Actors</a:t>
+            </a:r>
+          </a:p>
+          <a:p>
+            <a:endParaRPr lang="de-AT" sz="900" dirty="0" smtClean="0"/>
+          </a:p>
+          <a:p>
+            <a:r>
+              <a:rPr lang="de-AT" dirty="0" smtClean="0"/>
+              <a:t>Platforms</a:t>
+            </a:r>
+          </a:p>
+          <a:p>
+            <a:endParaRPr lang="de-AT" sz="900" dirty="0" smtClean="0"/>
+          </a:p>
+          <a:p>
+            <a:r>
+              <a:rPr lang="de-AT" dirty="0" smtClean="0"/>
+              <a:t>Success </a:t>
+            </a:r>
+            <a:r>
+              <a:rPr lang="de-AT" dirty="0" smtClean="0"/>
+              <a:t>Formula</a:t>
+            </a:r>
+          </a:p>
+          <a:p>
+            <a:endParaRPr lang="de-AT" sz="800" dirty="0" smtClean="0"/>
+          </a:p>
+          <a:p>
+            <a:r>
+              <a:rPr lang="de-AT" dirty="0" smtClean="0"/>
+              <a:t>Contributors</a:t>
+            </a:r>
+            <a:endParaRPr lang="de-AT" dirty="0"/>
+          </a:p>
+        </p:txBody>
+      </p:sp>
+      <p:pic>
+        <p:nvPicPr>
+          <p:cNvPr id="4" name="Content Placeholder 8"/>
+          <p:cNvPicPr>
+            <a:picLocks noChangeAspect="1"/>
+          </p:cNvPicPr>
+          <p:nvPr/>
+        </p:nvPicPr>
+        <p:blipFill>
+          <a:blip r:embed="rId2">
+            <a:extLst>
+              <a:ext uri="{28A0092B-C50C-407E-A947-70E740481C1C}">
+                <a14:useLocalDpi xmlns:a14="http://schemas.microsoft.com/office/drawing/2010/main" val="0"/>
+              </a:ext>
+            </a:extLst>
+          </a:blip>
+          <a:stretch>
+            <a:fillRect/>
+          </a:stretch>
+        </p:blipFill>
+        <p:spPr>
+          <a:xfrm>
+            <a:off x="-81967" y="1690688"/>
+            <a:ext cx="12355933" cy="4461520"/>
+          </a:xfrm>
+          <a:prstGeom prst="rect">
+            <a:avLst/>
+          </a:prstGeom>
+        </p:spPr>
+      </p:pic>
+      <p:sp>
+        <p:nvSpPr>
+          <p:cNvPr id="5" name="Date Placeholder 4"/>
+          <p:cNvSpPr>
+            <a:spLocks noGrp="1"/>
+          </p:cNvSpPr>
+          <p:nvPr>
+            <p:ph type="dt" sz="half" idx="10"/>
+          </p:nvPr>
+        </p:nvSpPr>
+        <p:spPr/>
+        <p:txBody>
+          <a:bodyPr/>
+          <a:lstStyle/>
+          <a:p>
+            <a:r>
+              <a:rPr lang="de-AT" smtClean="0"/>
+              <a:t>20.03.2015</a:t>
+            </a:r>
+            <a:endParaRPr lang="de-AT"/>
+          </a:p>
+        </p:txBody>
+      </p:sp>
+      <p:sp>
+        <p:nvSpPr>
+          <p:cNvPr id="6" name="Footer Placeholder 5"/>
+          <p:cNvSpPr>
+            <a:spLocks noGrp="1"/>
+          </p:cNvSpPr>
+          <p:nvPr>
+            <p:ph type="ftr" sz="quarter" idx="11"/>
+          </p:nvPr>
+        </p:nvSpPr>
+        <p:spPr/>
+        <p:txBody>
+          <a:bodyPr/>
+          <a:lstStyle/>
+          <a:p>
+            <a:r>
+              <a:rPr lang="de-AT" smtClean="0"/>
+              <a:t>SOA, REST &amp; JSON</a:t>
+            </a:r>
+            <a:endParaRPr lang="de-AT"/>
+          </a:p>
+        </p:txBody>
+      </p:sp>
+      <p:sp>
+        <p:nvSpPr>
+          <p:cNvPr id="7" name="Slide Number Placeholder 6"/>
+          <p:cNvSpPr>
+            <a:spLocks noGrp="1"/>
+          </p:cNvSpPr>
+          <p:nvPr>
+            <p:ph type="sldNum" sz="quarter" idx="12"/>
+          </p:nvPr>
+        </p:nvSpPr>
+        <p:spPr/>
+        <p:txBody>
+          <a:bodyPr/>
+          <a:lstStyle/>
+          <a:p>
+            <a:fld id="{0582A2BA-FDDD-4C1C-9C58-E41C263E2DD2}" type="slidenum">
+              <a:rPr lang="de-AT" smtClean="0"/>
+              <a:t>3</a:t>
+            </a:fld>
+            <a:endParaRPr lang="de-AT"/>
+          </a:p>
+        </p:txBody>
+      </p:sp>
+    </p:spTree>
+    <p:extLst>
+      <p:ext uri="{BB962C8B-B14F-4D97-AF65-F5344CB8AC3E}">
+        <p14:creationId xmlns:p14="http://schemas.microsoft.com/office/powerpoint/2010/main" val="350288394"/>
+      </p:ext>
+    </p:extLst>
+  </p:cSld>
+  <p:clrMapOvr>
+    <a:masterClrMapping/>
+  </p:clrMapOvr>
+  <p:transition spd="slow">
+    <p:push dir="u"/>
+  </p:transition>
+  <p:timing>
+    <p:tnLst>
+      <p:par>
+        <p:cTn id="1" dur="indefinite" restart="never" nodeType="tmRoot">
+          <p:childTnLst>
+            <p:seq concurrent="1" nextAc="seek">
+              <p:cTn id="2" dur="indefinite" nodeType="mainSeq">
+                <p:childTnLst>
+                  <p:par>
+                    <p:cTn id="3" fill="hold">
+                      <p:stCondLst>
+                        <p:cond delay="indefinite"/>
+                      </p:stCondLst>
+                      <p:childTnLst>
+                        <p:par>
+                          <p:cTn id="4" fill="hold">
+                            <p:stCondLst>
+                              <p:cond delay="0"/>
+                            </p:stCondLst>
+                            <p:childTnLst>
+                              <p:par>
+                                <p:cTn id="5" presetID="1" presetClass="entr" presetSubtype="0" fill="hold" nodeType="clickEffect">
+                                  <p:stCondLst>
+                                    <p:cond delay="0"/>
+                                  </p:stCondLst>
+                                  <p:childTnLst>
+                                    <p:set>
+                                      <p:cBhvr>
+                                        <p:cTn id="6" dur="1" fill="hold">
+                                          <p:stCondLst>
+                                            <p:cond delay="0"/>
+                                          </p:stCondLst>
+                                        </p:cTn>
+                                        <p:tgtEl>
+                                          <p:spTgt spid="4"/>
+                                        </p:tgtEl>
+                                        <p:attrNameLst>
+                                          <p:attrName>style.visibility</p:attrName>
+                                        </p:attrNameLst>
+                                      </p:cBhvr>
+                                      <p:to>
+                                        <p:strVal val="visible"/>
+                                      </p:to>
+                                    </p:set>
+                                  </p:childTnLst>
+                                </p:cTn>
+                              </p:par>
+                            </p:childTnLst>
+                          </p:cTn>
+                        </p:par>
+                      </p:childTnLst>
+                    </p:cTn>
+                  </p:par>
+                </p:childTnLst>
+              </p:cTn>
+              <p:prevCondLst>
+                <p:cond evt="onPrev" delay="0">
+                  <p:tgtEl>
+                    <p:sldTgt/>
+                  </p:tgtEl>
+                </p:cond>
+              </p:prevCondLst>
+              <p:nextCondLst>
+                <p:cond evt="onNext" delay="0">
+                  <p:tgtEl>
+                    <p:sldTgt/>
+                  </p:tgtEl>
+                </p:cond>
+              </p:nextCondLst>
+            </p:seq>
+          </p:childTnLst>
+        </p:cTn>
+      </p:par>
+    </p:tnLst>
+  </p:timing>
+</p:sld>
+</file>
+
+<file path=ppt/slides/slide30.xml><?xml version="1.0" encoding="utf-8"?>
+<p:sld xmlns:a="http://schemas.openxmlformats.org/drawingml/2006/main" xmlns:r="http://schemas.openxmlformats.org/officeDocument/2006/relationships" xmlns:p="http://schemas.openxmlformats.org/presentationml/2006/main">
+  <p:cSld>
+    <p:spTree>
+      <p:nvGrpSpPr>
+        <p:cNvPr id="1" name=""/>
+        <p:cNvGrpSpPr/>
+        <p:nvPr/>
+      </p:nvGrpSpPr>
+      <p:grpSpPr>
+        <a:xfrm>
+          <a:off x="0" y="0"/>
+          <a:ext cx="0" cy="0"/>
+          <a:chOff x="0" y="0"/>
+          <a:chExt cx="0" cy="0"/>
+        </a:xfrm>
+      </p:grpSpPr>
+      <p:sp>
+        <p:nvSpPr>
+          <p:cNvPr id="2" name="Titel 1"/>
+          <p:cNvSpPr>
+            <a:spLocks noGrp="1"/>
+          </p:cNvSpPr>
+          <p:nvPr>
+            <p:ph type="title"/>
+          </p:nvPr>
+        </p:nvSpPr>
+        <p:spPr/>
+        <p:txBody>
+          <a:bodyPr/>
+          <a:lstStyle/>
+          <a:p>
+            <a:r>
+              <a:rPr lang="de-AT" dirty="0" smtClean="0"/>
+              <a:t>Response</a:t>
+            </a:r>
+            <a:endParaRPr lang="de-AT" dirty="0"/>
+          </a:p>
+        </p:txBody>
+      </p:sp>
+      <p:sp>
+        <p:nvSpPr>
+          <p:cNvPr id="4" name="Rechteck 3"/>
+          <p:cNvSpPr/>
+          <p:nvPr/>
+        </p:nvSpPr>
+        <p:spPr>
+          <a:xfrm>
+            <a:off x="594360" y="1690688"/>
+            <a:ext cx="11003280" cy="4832092"/>
+          </a:xfrm>
+          <a:prstGeom prst="rect">
+            <a:avLst/>
+          </a:prstGeom>
+        </p:spPr>
+        <p:txBody>
+          <a:bodyPr wrap="square">
+            <a:spAutoFit/>
+          </a:bodyPr>
+          <a:lstStyle/>
+          <a:p>
+            <a:r>
+              <a:rPr lang="de-AT" sz="2800" dirty="0"/>
+              <a:t>&lt;</a:t>
+            </a:r>
+            <a:r>
+              <a:rPr lang="de-AT" sz="2800" dirty="0" err="1"/>
+              <a:t>soap:Envelopexmlns:soap</a:t>
+            </a:r>
+            <a:r>
+              <a:rPr lang="de-AT" sz="2800" dirty="0"/>
+              <a:t>="http://www.w3.org/2001/12/soap-envelope"soap:encodingStyle="http://www.w3.org/2001/12/soap-encoding</a:t>
+            </a:r>
+            <a:r>
+              <a:rPr lang="de-AT" sz="2800" dirty="0" smtClean="0"/>
+              <a:t>"&gt;</a:t>
+            </a:r>
+          </a:p>
+          <a:p>
+            <a:endParaRPr lang="de-AT" sz="2800" dirty="0" smtClean="0"/>
+          </a:p>
+          <a:p>
+            <a:r>
+              <a:rPr lang="de-AT" sz="2800" dirty="0" smtClean="0"/>
+              <a:t>&lt;</a:t>
+            </a:r>
+            <a:r>
+              <a:rPr lang="de-AT" sz="2800" dirty="0"/>
+              <a:t>soap:Body </a:t>
+            </a:r>
+            <a:r>
+              <a:rPr lang="de-AT" sz="2800" dirty="0" err="1"/>
+              <a:t>xmlns:m</a:t>
+            </a:r>
+            <a:r>
+              <a:rPr lang="de-AT" sz="2800" dirty="0"/>
+              <a:t>="http://www.example.org/stock"&gt;  &lt;</a:t>
+            </a:r>
+            <a:r>
+              <a:rPr lang="de-AT" sz="2800" dirty="0" err="1"/>
+              <a:t>m:GetStockPriceResponse</a:t>
+            </a:r>
+            <a:r>
+              <a:rPr lang="de-AT" sz="2800" dirty="0"/>
+              <a:t>&gt; </a:t>
+            </a:r>
+            <a:endParaRPr lang="de-AT" sz="2800" dirty="0" smtClean="0"/>
+          </a:p>
+          <a:p>
+            <a:r>
+              <a:rPr lang="de-AT" sz="2800" dirty="0" smtClean="0"/>
+              <a:t>   </a:t>
+            </a:r>
+            <a:r>
+              <a:rPr lang="de-AT" sz="2800" dirty="0"/>
+              <a:t>&lt;</a:t>
+            </a:r>
+            <a:r>
+              <a:rPr lang="de-AT" sz="2800" dirty="0" err="1"/>
+              <a:t>m:Price</a:t>
+            </a:r>
+            <a:r>
+              <a:rPr lang="de-AT" sz="2800" dirty="0"/>
+              <a:t>&gt;34.5&lt;/</a:t>
+            </a:r>
+            <a:r>
+              <a:rPr lang="de-AT" sz="2800" dirty="0" err="1"/>
+              <a:t>m:Price</a:t>
+            </a:r>
+            <a:r>
+              <a:rPr lang="de-AT" sz="2800" dirty="0"/>
+              <a:t>&gt;  </a:t>
+            </a:r>
+            <a:endParaRPr lang="de-AT" sz="2800" dirty="0" smtClean="0"/>
+          </a:p>
+          <a:p>
+            <a:r>
+              <a:rPr lang="de-AT" sz="2800" dirty="0" smtClean="0"/>
+              <a:t>&lt;/</a:t>
+            </a:r>
+            <a:r>
+              <a:rPr lang="de-AT" sz="2800" dirty="0" err="1"/>
+              <a:t>m:GetStockPriceResponse</a:t>
+            </a:r>
+            <a:r>
+              <a:rPr lang="de-AT" sz="2800" dirty="0" smtClean="0"/>
+              <a:t>&gt;</a:t>
+            </a:r>
+          </a:p>
+          <a:p>
+            <a:r>
+              <a:rPr lang="de-AT" sz="2800" dirty="0" smtClean="0"/>
+              <a:t>&lt;/</a:t>
+            </a:r>
+            <a:r>
+              <a:rPr lang="de-AT" sz="2800" dirty="0" err="1"/>
+              <a:t>soap:Body</a:t>
+            </a:r>
+            <a:r>
+              <a:rPr lang="de-AT" sz="2800" dirty="0" smtClean="0"/>
+              <a:t>&gt;</a:t>
+            </a:r>
+          </a:p>
+          <a:p>
+            <a:endParaRPr lang="de-AT" sz="2800" dirty="0" smtClean="0"/>
+          </a:p>
+          <a:p>
+            <a:r>
+              <a:rPr lang="de-AT" sz="2800" dirty="0" smtClean="0"/>
+              <a:t>&lt;/</a:t>
+            </a:r>
+            <a:r>
+              <a:rPr lang="de-AT" sz="2800" dirty="0" err="1"/>
+              <a:t>soap:Envelope</a:t>
+            </a:r>
+            <a:r>
+              <a:rPr lang="de-AT" sz="2800" dirty="0"/>
+              <a:t>&gt;</a:t>
+            </a:r>
+          </a:p>
+        </p:txBody>
+      </p:sp>
+    </p:spTree>
+    <p:extLst>
+      <p:ext uri="{BB962C8B-B14F-4D97-AF65-F5344CB8AC3E}">
+        <p14:creationId xmlns:p14="http://schemas.microsoft.com/office/powerpoint/2010/main" val="1801411520"/>
+      </p:ext>
+    </p:extLst>
+  </p:cSld>
+  <p:clrMapOvr>
+    <a:masterClrMapping/>
+  </p:clrMapOvr>
+  <p:timing>
+    <p:tnLst>
+      <p:par>
+        <p:cTn id="1" dur="indefinite" restart="never" nodeType="tmRoot"/>
+      </p:par>
+    </p:tnLst>
+  </p:timing>
+</p:sld>
+</file>
+
+<file path=ppt/slides/slide31.xml><?xml version="1.0" encoding="utf-8"?>
+<p:sld xmlns:a="http://schemas.openxmlformats.org/drawingml/2006/main" xmlns:r="http://schemas.openxmlformats.org/officeDocument/2006/relationships" xmlns:p="http://schemas.openxmlformats.org/presentationml/2006/main">
+  <p:cSld>
+    <p:spTree>
+      <p:nvGrpSpPr>
+        <p:cNvPr id="1" name=""/>
+        <p:cNvGrpSpPr/>
+        <p:nvPr/>
+      </p:nvGrpSpPr>
+      <p:grpSpPr>
+        <a:xfrm>
+          <a:off x="0" y="0"/>
+          <a:ext cx="0" cy="0"/>
+          <a:chOff x="0" y="0"/>
+          <a:chExt cx="0" cy="0"/>
+        </a:xfrm>
+      </p:grpSpPr>
+      <p:sp>
+        <p:nvSpPr>
+          <p:cNvPr id="2" name="Titel 1"/>
+          <p:cNvSpPr>
+            <a:spLocks noGrp="1"/>
+          </p:cNvSpPr>
+          <p:nvPr>
+            <p:ph type="title"/>
+          </p:nvPr>
+        </p:nvSpPr>
+        <p:spPr/>
+        <p:txBody>
+          <a:bodyPr/>
+          <a:lstStyle/>
+          <a:p>
+            <a:r>
+              <a:rPr lang="de-AT" dirty="0" smtClean="0"/>
+              <a:t>Request</a:t>
+            </a:r>
+            <a:endParaRPr lang="de-AT" dirty="0"/>
+          </a:p>
+        </p:txBody>
+      </p:sp>
+      <p:sp>
+        <p:nvSpPr>
+          <p:cNvPr id="4" name="Rechteck 3"/>
+          <p:cNvSpPr/>
+          <p:nvPr/>
+        </p:nvSpPr>
+        <p:spPr>
+          <a:xfrm>
+            <a:off x="419100" y="1348800"/>
+            <a:ext cx="11353800" cy="4832092"/>
+          </a:xfrm>
+          <a:prstGeom prst="rect">
+            <a:avLst/>
+          </a:prstGeom>
+        </p:spPr>
+        <p:txBody>
+          <a:bodyPr wrap="square">
+            <a:spAutoFit/>
+          </a:bodyPr>
+          <a:lstStyle/>
+          <a:p>
+            <a:r>
+              <a:rPr lang="de-AT" sz="2800" dirty="0"/>
+              <a:t>&lt;</a:t>
+            </a:r>
+            <a:r>
+              <a:rPr lang="de-AT" sz="2800" dirty="0" err="1"/>
+              <a:t>soap:Envelopexmlns:soap</a:t>
+            </a:r>
+            <a:r>
+              <a:rPr lang="de-AT" sz="2800" dirty="0"/>
+              <a:t>="http://www.w3.org/2001/12/soap-envelope"soap:encodingStyle="http://www.w3.org/2001/12/soap-encoding</a:t>
+            </a:r>
+            <a:r>
+              <a:rPr lang="de-AT" sz="2800" dirty="0" smtClean="0"/>
+              <a:t>"&gt;</a:t>
+            </a:r>
+          </a:p>
+          <a:p>
+            <a:endParaRPr lang="de-AT" sz="2800" dirty="0" smtClean="0"/>
+          </a:p>
+          <a:p>
+            <a:r>
+              <a:rPr lang="de-AT" sz="2800" dirty="0" smtClean="0"/>
+              <a:t>&lt;</a:t>
+            </a:r>
+            <a:r>
+              <a:rPr lang="de-AT" sz="2800" dirty="0"/>
+              <a:t>soap:Body </a:t>
+            </a:r>
+            <a:r>
+              <a:rPr lang="de-AT" sz="2800" dirty="0" err="1"/>
+              <a:t>xmlns:m</a:t>
+            </a:r>
+            <a:r>
+              <a:rPr lang="de-AT" sz="2800" dirty="0"/>
+              <a:t>="http://www.example.org/stock"&gt; </a:t>
+            </a:r>
+            <a:endParaRPr lang="de-AT" sz="2800" dirty="0" smtClean="0"/>
+          </a:p>
+          <a:p>
+            <a:r>
+              <a:rPr lang="de-AT" sz="2800" dirty="0" smtClean="0"/>
+              <a:t> </a:t>
+            </a:r>
+            <a:r>
+              <a:rPr lang="de-AT" sz="2800" dirty="0"/>
+              <a:t>&lt;</a:t>
+            </a:r>
+            <a:r>
+              <a:rPr lang="de-AT" sz="2800" dirty="0" err="1"/>
+              <a:t>m:GetStockPrice</a:t>
+            </a:r>
+            <a:r>
+              <a:rPr lang="de-AT" sz="2800" dirty="0"/>
+              <a:t>&gt;  </a:t>
+            </a:r>
+            <a:endParaRPr lang="de-AT" sz="2800" dirty="0" smtClean="0"/>
+          </a:p>
+          <a:p>
+            <a:r>
+              <a:rPr lang="de-AT" sz="2800" dirty="0" smtClean="0"/>
+              <a:t>  </a:t>
+            </a:r>
+            <a:r>
+              <a:rPr lang="de-AT" sz="2800" dirty="0"/>
+              <a:t>&lt;</a:t>
+            </a:r>
+            <a:r>
+              <a:rPr lang="de-AT" sz="2800" dirty="0" err="1"/>
+              <a:t>m:StockName</a:t>
+            </a:r>
+            <a:r>
+              <a:rPr lang="de-AT" sz="2800" dirty="0"/>
+              <a:t>&gt;IBM&lt;/</a:t>
+            </a:r>
+            <a:r>
+              <a:rPr lang="de-AT" sz="2800" dirty="0" err="1"/>
+              <a:t>m:StockName</a:t>
+            </a:r>
+            <a:r>
+              <a:rPr lang="de-AT" sz="2800" dirty="0" smtClean="0"/>
+              <a:t>&gt;</a:t>
+            </a:r>
+          </a:p>
+          <a:p>
+            <a:r>
+              <a:rPr lang="de-AT" sz="2800" dirty="0" smtClean="0"/>
+              <a:t>  </a:t>
+            </a:r>
+            <a:r>
+              <a:rPr lang="de-AT" sz="2800" dirty="0"/>
+              <a:t>&lt;/</a:t>
+            </a:r>
+            <a:r>
+              <a:rPr lang="de-AT" sz="2800" dirty="0" err="1"/>
+              <a:t>m:GetStockPrice</a:t>
+            </a:r>
+            <a:r>
+              <a:rPr lang="de-AT" sz="2800" dirty="0" smtClean="0"/>
+              <a:t>&gt;</a:t>
+            </a:r>
+          </a:p>
+          <a:p>
+            <a:r>
+              <a:rPr lang="de-AT" sz="2800" dirty="0" smtClean="0"/>
+              <a:t>&lt;/</a:t>
+            </a:r>
+            <a:r>
+              <a:rPr lang="de-AT" sz="2800" dirty="0" err="1" smtClean="0"/>
+              <a:t>soap:Body</a:t>
+            </a:r>
+            <a:r>
+              <a:rPr lang="de-AT" sz="2800" dirty="0" smtClean="0"/>
+              <a:t>&gt;</a:t>
+            </a:r>
+          </a:p>
+          <a:p>
+            <a:endParaRPr lang="de-AT" sz="2800" dirty="0"/>
+          </a:p>
+          <a:p>
+            <a:r>
+              <a:rPr lang="de-AT" sz="2800" dirty="0" smtClean="0"/>
+              <a:t>&lt;/</a:t>
+            </a:r>
+            <a:r>
+              <a:rPr lang="de-AT" sz="2800" dirty="0" err="1"/>
+              <a:t>soap:Envelope</a:t>
+            </a:r>
+            <a:r>
+              <a:rPr lang="de-AT" sz="2800" dirty="0"/>
+              <a:t>&gt;</a:t>
+            </a:r>
+          </a:p>
+        </p:txBody>
+      </p:sp>
+    </p:spTree>
+    <p:extLst>
+      <p:ext uri="{BB962C8B-B14F-4D97-AF65-F5344CB8AC3E}">
+        <p14:creationId xmlns:p14="http://schemas.microsoft.com/office/powerpoint/2010/main" val="3153833551"/>
+      </p:ext>
+    </p:extLst>
+  </p:cSld>
+  <p:clrMapOvr>
+    <a:masterClrMapping/>
+  </p:clrMapOvr>
+  <p:timing>
+    <p:tnLst>
+      <p:par>
+        <p:cTn id="1" dur="indefinite" restart="never" nodeType="tmRoot"/>
+      </p:par>
+    </p:tnLst>
+  </p:timing>
+</p:sld>
+</file>
+
+<file path=ppt/slides/slide32.xml><?xml version="1.0" encoding="utf-8"?>
+<p:sld xmlns:a="http://schemas.openxmlformats.org/drawingml/2006/main" xmlns:r="http://schemas.openxmlformats.org/officeDocument/2006/relationships" xmlns:p="http://schemas.openxmlformats.org/presentationml/2006/main">
+  <p:cSld>
+    <p:spTree>
+      <p:nvGrpSpPr>
+        <p:cNvPr id="1" name=""/>
+        <p:cNvGrpSpPr/>
+        <p:nvPr/>
+      </p:nvGrpSpPr>
+      <p:grpSpPr>
+        <a:xfrm>
+          <a:off x="0" y="0"/>
+          <a:ext cx="0" cy="0"/>
+          <a:chOff x="0" y="0"/>
+          <a:chExt cx="0" cy="0"/>
+        </a:xfrm>
+      </p:grpSpPr>
+      <p:sp>
+        <p:nvSpPr>
+          <p:cNvPr id="2" name="Titel 1"/>
+          <p:cNvSpPr>
+            <a:spLocks noGrp="1"/>
+          </p:cNvSpPr>
+          <p:nvPr>
+            <p:ph type="title"/>
+          </p:nvPr>
+        </p:nvSpPr>
+        <p:spPr/>
+        <p:txBody>
+          <a:bodyPr/>
+          <a:lstStyle/>
+          <a:p>
+            <a:r>
+              <a:rPr lang="de-AT" dirty="0" smtClean="0"/>
+              <a:t>WSDL</a:t>
+            </a:r>
+            <a:endParaRPr lang="de-AT" dirty="0"/>
+          </a:p>
+        </p:txBody>
+      </p:sp>
+      <p:sp>
+        <p:nvSpPr>
+          <p:cNvPr id="3" name="Inhaltsplatzhalter 2"/>
+          <p:cNvSpPr>
+            <a:spLocks noGrp="1"/>
+          </p:cNvSpPr>
+          <p:nvPr>
+            <p:ph idx="1"/>
+          </p:nvPr>
+        </p:nvSpPr>
+        <p:spPr/>
+        <p:txBody>
+          <a:bodyPr>
+            <a:normAutofit/>
+          </a:bodyPr>
+          <a:lstStyle/>
+          <a:p>
+            <a:r>
+              <a:rPr lang="de-AT" dirty="0" smtClean="0"/>
+              <a:t>Web Service Description Language</a:t>
+            </a:r>
+          </a:p>
+          <a:p>
+            <a:endParaRPr lang="de-AT" dirty="0" smtClean="0"/>
+          </a:p>
+          <a:p>
+            <a:r>
+              <a:rPr lang="de-AT" dirty="0" smtClean="0"/>
+              <a:t>XML </a:t>
+            </a:r>
+            <a:r>
+              <a:rPr lang="de-AT" dirty="0" err="1" smtClean="0"/>
+              <a:t>based</a:t>
+            </a:r>
+            <a:r>
+              <a:rPr lang="de-AT" dirty="0" smtClean="0"/>
+              <a:t> Interface </a:t>
+            </a:r>
+            <a:r>
+              <a:rPr lang="de-AT" dirty="0" err="1" smtClean="0"/>
+              <a:t>communicationinterface</a:t>
+            </a:r>
+            <a:r>
+              <a:rPr lang="de-AT" dirty="0" smtClean="0"/>
+              <a:t> </a:t>
+            </a:r>
+            <a:r>
+              <a:rPr lang="de-AT" dirty="0" err="1" smtClean="0"/>
+              <a:t>description</a:t>
+            </a:r>
+            <a:r>
+              <a:rPr lang="de-AT" dirty="0" smtClean="0"/>
+              <a:t> </a:t>
+            </a:r>
+            <a:r>
+              <a:rPr lang="de-AT" dirty="0" err="1" smtClean="0"/>
+              <a:t>language</a:t>
+            </a:r>
+            <a:endParaRPr lang="de-AT" dirty="0" smtClean="0"/>
+          </a:p>
+          <a:p>
+            <a:endParaRPr lang="de-AT" dirty="0" smtClean="0"/>
+          </a:p>
+          <a:p>
+            <a:r>
+              <a:rPr lang="en-US" dirty="0" smtClean="0"/>
+              <a:t>Used to describe web services which are called by SOAP-Messages</a:t>
+            </a:r>
+          </a:p>
+          <a:p>
+            <a:endParaRPr lang="en-US" dirty="0" smtClean="0"/>
+          </a:p>
+          <a:p>
+            <a:r>
+              <a:rPr lang="en-US" dirty="0" smtClean="0"/>
+              <a:t>Specifies location and operations the service exposes</a:t>
+            </a:r>
+          </a:p>
+        </p:txBody>
+      </p:sp>
+    </p:spTree>
+    <p:extLst>
+      <p:ext uri="{BB962C8B-B14F-4D97-AF65-F5344CB8AC3E}">
+        <p14:creationId xmlns:p14="http://schemas.microsoft.com/office/powerpoint/2010/main" val="2589566165"/>
+      </p:ext>
+    </p:extLst>
+  </p:cSld>
+  <p:clrMapOvr>
+    <a:masterClrMapping/>
+  </p:clrMapOvr>
+</p:sld>
+</file>
+
+<file path=ppt/slides/slide33.xml><?xml version="1.0" encoding="utf-8"?>
+<p:sld xmlns:a="http://schemas.openxmlformats.org/drawingml/2006/main" xmlns:r="http://schemas.openxmlformats.org/officeDocument/2006/relationships" xmlns:p="http://schemas.openxmlformats.org/presentationml/2006/main">
+  <p:cSld>
+    <p:spTree>
+      <p:nvGrpSpPr>
+        <p:cNvPr id="1" name=""/>
+        <p:cNvGrpSpPr/>
+        <p:nvPr/>
+      </p:nvGrpSpPr>
+      <p:grpSpPr>
+        <a:xfrm>
+          <a:off x="0" y="0"/>
+          <a:ext cx="0" cy="0"/>
+          <a:chOff x="0" y="0"/>
+          <a:chExt cx="0" cy="0"/>
+        </a:xfrm>
+      </p:grpSpPr>
+      <p:sp>
+        <p:nvSpPr>
+          <p:cNvPr id="2" name="Titel 1"/>
+          <p:cNvSpPr>
+            <a:spLocks noGrp="1"/>
+          </p:cNvSpPr>
+          <p:nvPr>
+            <p:ph type="title"/>
+          </p:nvPr>
+        </p:nvSpPr>
+        <p:spPr/>
+        <p:txBody>
+          <a:bodyPr/>
+          <a:lstStyle/>
+          <a:p>
+            <a:r>
+              <a:rPr lang="de-AT" dirty="0" smtClean="0"/>
+              <a:t>WSDL File Contents</a:t>
+            </a:r>
+            <a:endParaRPr lang="de-AT" dirty="0"/>
+          </a:p>
+        </p:txBody>
+      </p:sp>
+      <p:sp>
+        <p:nvSpPr>
+          <p:cNvPr id="3" name="Inhaltsplatzhalter 2"/>
+          <p:cNvSpPr>
+            <a:spLocks noGrp="1"/>
+          </p:cNvSpPr>
+          <p:nvPr>
+            <p:ph idx="1"/>
+          </p:nvPr>
+        </p:nvSpPr>
+        <p:spPr/>
+        <p:txBody>
+          <a:bodyPr>
+            <a:normAutofit/>
+          </a:bodyPr>
+          <a:lstStyle/>
+          <a:p>
+            <a:r>
+              <a:rPr lang="en-US" b="1" dirty="0" smtClean="0"/>
+              <a:t>Definition : </a:t>
+            </a:r>
+            <a:r>
+              <a:rPr lang="en-US" dirty="0" smtClean="0"/>
+              <a:t>Defines </a:t>
+            </a:r>
+            <a:r>
+              <a:rPr lang="en-US" dirty="0" err="1"/>
+              <a:t>s</a:t>
+            </a:r>
+            <a:r>
+              <a:rPr lang="en-US" dirty="0" err="1" smtClean="0"/>
+              <a:t>ervicename</a:t>
+            </a:r>
+            <a:endParaRPr lang="en-US" b="1" dirty="0" smtClean="0"/>
+          </a:p>
+          <a:p>
+            <a:r>
+              <a:rPr lang="en-US" b="1" dirty="0" smtClean="0"/>
+              <a:t>Message</a:t>
+            </a:r>
+            <a:r>
+              <a:rPr lang="en-US" dirty="0" smtClean="0"/>
+              <a:t> : Describes data being exchanges (in-</a:t>
+            </a:r>
+            <a:r>
+              <a:rPr lang="en-US" dirty="0" err="1" smtClean="0"/>
+              <a:t>ouput</a:t>
+            </a:r>
+            <a:r>
+              <a:rPr lang="en-US" dirty="0" smtClean="0"/>
+              <a:t>)</a:t>
+            </a:r>
+          </a:p>
+          <a:p>
+            <a:r>
+              <a:rPr lang="en-US" b="1" dirty="0" smtClean="0"/>
+              <a:t>Type</a:t>
+            </a:r>
+            <a:r>
+              <a:rPr lang="en-US" dirty="0" smtClean="0"/>
+              <a:t> : Define data types </a:t>
+            </a:r>
+          </a:p>
+          <a:p>
+            <a:r>
+              <a:rPr lang="en-US" b="1" dirty="0" smtClean="0"/>
+              <a:t>Port </a:t>
+            </a:r>
+            <a:r>
+              <a:rPr lang="en-US" b="1" dirty="0"/>
+              <a:t>Type</a:t>
+            </a:r>
+            <a:r>
+              <a:rPr lang="en-US" dirty="0"/>
+              <a:t> </a:t>
+            </a:r>
+            <a:r>
+              <a:rPr lang="en-US" dirty="0" smtClean="0"/>
+              <a:t>: Combines message elements to one </a:t>
+            </a:r>
+            <a:r>
+              <a:rPr lang="en-US" dirty="0"/>
+              <a:t>o</a:t>
+            </a:r>
+            <a:r>
+              <a:rPr lang="en-US" dirty="0" smtClean="0"/>
+              <a:t>peration</a:t>
+            </a:r>
+          </a:p>
+          <a:p>
+            <a:r>
+              <a:rPr lang="en-US" b="1" dirty="0" smtClean="0"/>
+              <a:t>Binding</a:t>
+            </a:r>
+            <a:r>
+              <a:rPr lang="en-US" dirty="0"/>
+              <a:t> : </a:t>
+            </a:r>
+            <a:r>
+              <a:rPr lang="en-US" dirty="0" smtClean="0"/>
+              <a:t>How Port Type will be transmitted </a:t>
+            </a:r>
+            <a:endParaRPr lang="en-US" dirty="0"/>
+          </a:p>
+          <a:p>
+            <a:r>
+              <a:rPr lang="en-US" b="1" dirty="0"/>
+              <a:t>Port</a:t>
+            </a:r>
+            <a:r>
+              <a:rPr lang="en-US" dirty="0"/>
+              <a:t> : </a:t>
+            </a:r>
+            <a:r>
+              <a:rPr lang="en-US" dirty="0" smtClean="0"/>
+              <a:t>Where the service can be accessed </a:t>
+            </a:r>
+          </a:p>
+          <a:p>
+            <a:r>
+              <a:rPr lang="en-US" b="1" dirty="0" smtClean="0"/>
+              <a:t>Service: </a:t>
+            </a:r>
+            <a:r>
+              <a:rPr lang="en-US" dirty="0" smtClean="0"/>
+              <a:t>What Ports support the web service</a:t>
+            </a:r>
+            <a:endParaRPr lang="en-US" b="1" dirty="0"/>
+          </a:p>
+          <a:p>
+            <a:endParaRPr lang="de-AT" dirty="0"/>
+          </a:p>
+        </p:txBody>
+      </p:sp>
+    </p:spTree>
+    <p:extLst>
+      <p:ext uri="{BB962C8B-B14F-4D97-AF65-F5344CB8AC3E}">
+        <p14:creationId xmlns:p14="http://schemas.microsoft.com/office/powerpoint/2010/main" val="185081793"/>
+      </p:ext>
+    </p:extLst>
+  </p:cSld>
+  <p:clrMapOvr>
+    <a:masterClrMapping/>
+  </p:clrMapOvr>
+  <p:timing>
+    <p:tnLst>
+      <p:par>
+        <p:cTn id="1" dur="indefinite" restart="never" nodeType="tmRoot"/>
+      </p:par>
+    </p:tnLst>
+  </p:timing>
+</p:sld>
+</file>
+
+<file path=ppt/slides/slide34.xml><?xml version="1.0" encoding="utf-8"?>
+<p:sld xmlns:a="http://schemas.openxmlformats.org/drawingml/2006/main" xmlns:r="http://schemas.openxmlformats.org/officeDocument/2006/relationships" xmlns:p="http://schemas.openxmlformats.org/presentationml/2006/main">
+  <p:cSld>
+    <p:spTree>
+      <p:nvGrpSpPr>
+        <p:cNvPr id="1" name=""/>
+        <p:cNvGrpSpPr/>
+        <p:nvPr/>
+      </p:nvGrpSpPr>
+      <p:grpSpPr>
+        <a:xfrm>
+          <a:off x="0" y="0"/>
+          <a:ext cx="0" cy="0"/>
+          <a:chOff x="0" y="0"/>
+          <a:chExt cx="0" cy="0"/>
+        </a:xfrm>
+      </p:grpSpPr>
+      <p:sp>
+        <p:nvSpPr>
+          <p:cNvPr id="2" name="Titel 1"/>
+          <p:cNvSpPr>
+            <a:spLocks noGrp="1"/>
+          </p:cNvSpPr>
+          <p:nvPr>
+            <p:ph type="title"/>
+          </p:nvPr>
+        </p:nvSpPr>
+        <p:spPr/>
+        <p:txBody>
+          <a:bodyPr/>
+          <a:lstStyle/>
+          <a:p>
+            <a:r>
+              <a:rPr lang="de-AT" dirty="0" smtClean="0"/>
+              <a:t>UDDI</a:t>
+            </a:r>
+            <a:endParaRPr lang="de-AT" dirty="0"/>
+          </a:p>
+        </p:txBody>
+      </p:sp>
+      <p:sp>
+        <p:nvSpPr>
+          <p:cNvPr id="3" name="Inhaltsplatzhalter 2"/>
+          <p:cNvSpPr>
+            <a:spLocks noGrp="1"/>
+          </p:cNvSpPr>
+          <p:nvPr>
+            <p:ph idx="1"/>
+          </p:nvPr>
+        </p:nvSpPr>
+        <p:spPr/>
+        <p:txBody>
+          <a:bodyPr>
+            <a:normAutofit lnSpcReduction="10000"/>
+          </a:bodyPr>
+          <a:lstStyle/>
+          <a:p>
+            <a:r>
+              <a:rPr lang="en-US" dirty="0" smtClean="0"/>
+              <a:t>Universal Description, Discovery and Integration</a:t>
+            </a:r>
+          </a:p>
+          <a:p>
+            <a:endParaRPr lang="en-US" dirty="0"/>
+          </a:p>
+          <a:p>
+            <a:r>
+              <a:rPr lang="en-US" dirty="0" smtClean="0"/>
+              <a:t>Businesses can register and search for Web services</a:t>
+            </a:r>
+          </a:p>
+          <a:p>
+            <a:endParaRPr lang="en-US" dirty="0"/>
+          </a:p>
+          <a:p>
+            <a:r>
+              <a:rPr lang="de-AT" dirty="0" err="1" smtClean="0"/>
+              <a:t>Communicates</a:t>
+            </a:r>
+            <a:r>
+              <a:rPr lang="de-AT" dirty="0" smtClean="0"/>
+              <a:t> via SOAP</a:t>
+            </a:r>
+          </a:p>
+          <a:p>
+            <a:endParaRPr lang="de-AT" dirty="0"/>
+          </a:p>
+          <a:p>
+            <a:r>
+              <a:rPr lang="en-US" dirty="0" smtClean="0"/>
+              <a:t>Uses WSDL to describe interfaces to web services</a:t>
+            </a:r>
+          </a:p>
+          <a:p>
+            <a:endParaRPr lang="en-US" dirty="0"/>
+          </a:p>
+          <a:p>
+            <a:r>
+              <a:rPr lang="en-US" dirty="0" smtClean="0"/>
+              <a:t>Tools : </a:t>
+            </a:r>
+            <a:r>
+              <a:rPr lang="de-AT" dirty="0"/>
+              <a:t>Apache: </a:t>
+            </a:r>
+            <a:r>
+              <a:rPr lang="de-AT" dirty="0" err="1" smtClean="0"/>
+              <a:t>jUDDI</a:t>
+            </a:r>
+            <a:r>
+              <a:rPr lang="de-AT" dirty="0" smtClean="0"/>
+              <a:t>, </a:t>
+            </a:r>
+            <a:r>
+              <a:rPr lang="de-AT" dirty="0"/>
+              <a:t>INFRAVIO X-Registry </a:t>
+            </a:r>
+            <a:r>
+              <a:rPr lang="de-AT" dirty="0" err="1" smtClean="0"/>
+              <a:t>Platform</a:t>
+            </a:r>
+            <a:endParaRPr lang="de-AT" dirty="0"/>
+          </a:p>
+          <a:p>
+            <a:endParaRPr lang="de-AT" b="1" dirty="0"/>
+          </a:p>
+          <a:p>
+            <a:endParaRPr lang="en-US" dirty="0" smtClean="0"/>
+          </a:p>
+        </p:txBody>
+      </p:sp>
+    </p:spTree>
+    <p:extLst>
+      <p:ext uri="{BB962C8B-B14F-4D97-AF65-F5344CB8AC3E}">
+        <p14:creationId xmlns:p14="http://schemas.microsoft.com/office/powerpoint/2010/main" val="3704759029"/>
+      </p:ext>
+    </p:extLst>
+  </p:cSld>
+  <p:clrMapOvr>
+    <a:masterClrMapping/>
+  </p:clrMapOvr>
+  <p:timing>
+    <p:tnLst>
+      <p:par>
+        <p:cTn id="1" dur="indefinite" restart="never" nodeType="tmRoot"/>
+      </p:par>
+    </p:tnLst>
+  </p:timing>
+</p:sld>
+</file>
+
+<file path=ppt/slides/slide35.xml><?xml version="1.0" encoding="utf-8"?>
+<p:sld xmlns:a="http://schemas.openxmlformats.org/drawingml/2006/main" xmlns:r="http://schemas.openxmlformats.org/officeDocument/2006/relationships" xmlns:p="http://schemas.openxmlformats.org/presentationml/2006/main">
+  <p:cSld>
+    <p:spTree>
+      <p:nvGrpSpPr>
+        <p:cNvPr id="1" name=""/>
+        <p:cNvGrpSpPr/>
+        <p:nvPr/>
+      </p:nvGrpSpPr>
+      <p:grpSpPr>
+        <a:xfrm>
+          <a:off x="0" y="0"/>
+          <a:ext cx="0" cy="0"/>
+          <a:chOff x="0" y="0"/>
+          <a:chExt cx="0" cy="0"/>
+        </a:xfrm>
+      </p:grpSpPr>
+      <p:sp>
+        <p:nvSpPr>
+          <p:cNvPr id="2" name="Titel 1"/>
+          <p:cNvSpPr>
+            <a:spLocks noGrp="1"/>
+          </p:cNvSpPr>
+          <p:nvPr>
+            <p:ph type="title"/>
+          </p:nvPr>
+        </p:nvSpPr>
+        <p:spPr/>
+        <p:txBody>
+          <a:bodyPr/>
+          <a:lstStyle/>
+          <a:p>
+            <a:r>
+              <a:rPr lang="de-AT" dirty="0" smtClean="0"/>
+              <a:t>REST EXAMPLE</a:t>
+            </a:r>
+            <a:endParaRPr lang="de-AT" dirty="0"/>
+          </a:p>
+        </p:txBody>
+      </p:sp>
+      <p:sp>
+        <p:nvSpPr>
+          <p:cNvPr id="3" name="Inhaltsplatzhalter 2"/>
+          <p:cNvSpPr>
+            <a:spLocks noGrp="1"/>
+          </p:cNvSpPr>
+          <p:nvPr>
+            <p:ph idx="1"/>
+          </p:nvPr>
+        </p:nvSpPr>
+        <p:spPr/>
+        <p:txBody>
+          <a:bodyPr/>
+          <a:lstStyle/>
+          <a:p>
+            <a:endParaRPr lang="de-AT" dirty="0"/>
+          </a:p>
+        </p:txBody>
+      </p:sp>
+      <p:pic>
+        <p:nvPicPr>
+          <p:cNvPr id="1026" name="Picture 2" descr="http://www.worldling.de/wp-content/uploads/2012/06/Logo_Spring_258x151.png"/>
+          <p:cNvPicPr>
+            <a:picLocks noChangeAspect="1" noChangeArrowheads="1"/>
+          </p:cNvPicPr>
+          <p:nvPr/>
+        </p:nvPicPr>
+        <p:blipFill>
+          <a:blip r:embed="rId2">
+            <a:extLst>
+              <a:ext uri="{28A0092B-C50C-407E-A947-70E740481C1C}">
+                <a14:useLocalDpi xmlns:a14="http://schemas.microsoft.com/office/drawing/2010/main" val="0"/>
+              </a:ext>
+            </a:extLst>
+          </a:blip>
+          <a:srcRect/>
+          <a:stretch>
+            <a:fillRect/>
+          </a:stretch>
+        </p:blipFill>
+        <p:spPr bwMode="auto">
+          <a:xfrm>
+            <a:off x="2095500" y="1685977"/>
+            <a:ext cx="7673340" cy="4490986"/>
+          </a:xfrm>
+          <a:prstGeom prst="rect">
+            <a:avLst/>
+          </a:prstGeom>
+          <a:noFill/>
+          <a:extLst>
+            <a:ext uri="{909E8E84-426E-40DD-AFC4-6F175D3DCCD1}">
+              <a14:hiddenFill xmlns:a14="http://schemas.microsoft.com/office/drawing/2010/main">
+                <a:solidFill>
+                  <a:srgbClr val="FFFFFF"/>
+                </a:solidFill>
+              </a14:hiddenFill>
+            </a:ext>
+          </a:extLst>
+        </p:spPr>
+      </p:pic>
+      <p:sp>
+        <p:nvSpPr>
+          <p:cNvPr id="7" name="Slide Number Placeholder 5"/>
+          <p:cNvSpPr>
+            <a:spLocks noGrp="1"/>
+          </p:cNvSpPr>
+          <p:nvPr>
+            <p:ph type="sldNum" sz="quarter" idx="12"/>
+          </p:nvPr>
+        </p:nvSpPr>
+        <p:spPr>
+          <a:xfrm>
+            <a:off x="8610600" y="6356350"/>
+            <a:ext cx="2743200" cy="365125"/>
+          </a:xfrm>
+        </p:spPr>
+        <p:txBody>
+          <a:bodyPr/>
+          <a:lstStyle/>
+          <a:p>
+            <a:endParaRPr lang="de-AT" sz="2000" dirty="0">
+              <a:ln w="0"/>
+              <a:solidFill>
+                <a:schemeClr val="tx1"/>
+              </a:solidFill>
+              <a:effectLst>
+                <a:outerShdw blurRad="38100" dist="19050" dir="2700000" algn="tl" rotWithShape="0">
+                  <a:schemeClr val="dk1">
+                    <a:alpha val="40000"/>
+                  </a:schemeClr>
+                </a:outerShdw>
+              </a:effectLst>
+            </a:endParaRPr>
+          </a:p>
+        </p:txBody>
+      </p:sp>
+    </p:spTree>
+    <p:extLst>
+      <p:ext uri="{BB962C8B-B14F-4D97-AF65-F5344CB8AC3E}">
+        <p14:creationId xmlns:p14="http://schemas.microsoft.com/office/powerpoint/2010/main" val="37426822"/>
+      </p:ext>
+    </p:extLst>
+  </p:cSld>
+  <p:clrMapOvr>
+    <a:masterClrMapping/>
+  </p:clrMapOvr>
+</p:sld>
+</file>
+
+<file path=ppt/slides/slide36.xml><?xml version="1.0" encoding="utf-8"?>
+<p:sld xmlns:a="http://schemas.openxmlformats.org/drawingml/2006/main" xmlns:r="http://schemas.openxmlformats.org/officeDocument/2006/relationships" xmlns:p="http://schemas.openxmlformats.org/presentationml/2006/main">
+  <p:cSld>
+    <p:spTree>
+      <p:nvGrpSpPr>
+        <p:cNvPr id="1" name=""/>
+        <p:cNvGrpSpPr/>
+        <p:nvPr/>
+      </p:nvGrpSpPr>
+      <p:grpSpPr>
+        <a:xfrm>
+          <a:off x="0" y="0"/>
+          <a:ext cx="0" cy="0"/>
+          <a:chOff x="0" y="0"/>
+          <a:chExt cx="0" cy="0"/>
+        </a:xfrm>
+      </p:grpSpPr>
+      <p:sp>
+        <p:nvSpPr>
+          <p:cNvPr id="2" name="Title 1"/>
+          <p:cNvSpPr>
+            <a:spLocks noGrp="1"/>
+          </p:cNvSpPr>
+          <p:nvPr>
+            <p:ph type="title"/>
+          </p:nvPr>
+        </p:nvSpPr>
+        <p:spPr/>
+        <p:txBody>
+          <a:bodyPr/>
+          <a:lstStyle/>
+          <a:p>
+            <a:r>
+              <a:rPr lang="de-AT" dirty="0" smtClean="0"/>
+              <a:t>Enterprise Service Bus</a:t>
+            </a:r>
+            <a:endParaRPr lang="de-AT" dirty="0"/>
+          </a:p>
+        </p:txBody>
+      </p:sp>
+      <p:sp>
+        <p:nvSpPr>
+          <p:cNvPr id="3" name="Content Placeholder 2"/>
+          <p:cNvSpPr>
+            <a:spLocks noGrp="1"/>
+          </p:cNvSpPr>
+          <p:nvPr>
+            <p:ph idx="1"/>
+          </p:nvPr>
+        </p:nvSpPr>
+        <p:spPr/>
+        <p:txBody>
+          <a:bodyPr>
+            <a:normAutofit/>
+          </a:bodyPr>
+          <a:lstStyle/>
+          <a:p>
+            <a:r>
+              <a:rPr lang="de-AT" dirty="0" smtClean="0"/>
+              <a:t>Distribute information</a:t>
+            </a:r>
+          </a:p>
+          <a:p>
+            <a:endParaRPr lang="de-AT" sz="800" dirty="0" smtClean="0"/>
+          </a:p>
+          <a:p>
+            <a:r>
+              <a:rPr lang="de-AT" dirty="0" smtClean="0"/>
+              <a:t>Routing</a:t>
+            </a:r>
+          </a:p>
+          <a:p>
+            <a:endParaRPr lang="de-AT" sz="800" dirty="0" smtClean="0"/>
+          </a:p>
+          <a:p>
+            <a:r>
+              <a:rPr lang="de-AT" dirty="0" smtClean="0"/>
+              <a:t>Mask differences among underlying platforms</a:t>
+            </a:r>
+          </a:p>
+          <a:p>
+            <a:endParaRPr lang="de-AT" sz="800" dirty="0" smtClean="0"/>
+          </a:p>
+          <a:p>
+            <a:r>
+              <a:rPr lang="de-AT" dirty="0" smtClean="0"/>
+              <a:t>Ensure information delivery</a:t>
+            </a:r>
+          </a:p>
+          <a:p>
+            <a:endParaRPr lang="de-AT" sz="800" dirty="0" smtClean="0"/>
+          </a:p>
+          <a:p>
+            <a:r>
+              <a:rPr lang="de-AT" dirty="0" smtClean="0"/>
+              <a:t>Re-route, log, and enrich information </a:t>
+            </a:r>
+            <a:endParaRPr lang="de-AT" dirty="0"/>
+          </a:p>
+        </p:txBody>
+      </p:sp>
+      <p:sp>
+        <p:nvSpPr>
+          <p:cNvPr id="4" name="Date Placeholder 3"/>
+          <p:cNvSpPr>
+            <a:spLocks noGrp="1"/>
+          </p:cNvSpPr>
+          <p:nvPr>
+            <p:ph type="dt" sz="half" idx="10"/>
+          </p:nvPr>
+        </p:nvSpPr>
+        <p:spPr/>
+        <p:txBody>
+          <a:bodyPr/>
+          <a:lstStyle/>
+          <a:p>
+            <a:r>
+              <a:rPr lang="de-AT" sz="2000" smtClean="0">
+                <a:ln w="0"/>
+                <a:solidFill>
+                  <a:schemeClr val="tx1"/>
+                </a:solidFill>
+                <a:effectLst>
+                  <a:outerShdw blurRad="38100" dist="19050" dir="2700000" algn="tl" rotWithShape="0">
+                    <a:schemeClr val="dk1">
+                      <a:alpha val="40000"/>
+                    </a:schemeClr>
+                  </a:outerShdw>
+                </a:effectLst>
+              </a:rPr>
+              <a:t>20.03.2015</a:t>
+            </a:r>
+            <a:endParaRPr lang="de-AT" sz="2000">
+              <a:ln w="0"/>
+              <a:solidFill>
+                <a:schemeClr val="tx1"/>
+              </a:solidFill>
+              <a:effectLst>
+                <a:outerShdw blurRad="38100" dist="19050" dir="2700000" algn="tl" rotWithShape="0">
+                  <a:schemeClr val="dk1">
+                    <a:alpha val="40000"/>
+                  </a:schemeClr>
+                </a:outerShdw>
+              </a:effectLst>
+            </a:endParaRPr>
+          </a:p>
+        </p:txBody>
+      </p:sp>
+      <p:sp>
+        <p:nvSpPr>
+          <p:cNvPr id="5" name="Footer Placeholder 4"/>
+          <p:cNvSpPr>
+            <a:spLocks noGrp="1"/>
+          </p:cNvSpPr>
+          <p:nvPr>
+            <p:ph type="ftr" sz="quarter" idx="11"/>
+          </p:nvPr>
+        </p:nvSpPr>
+        <p:spPr/>
+        <p:txBody>
+          <a:bodyPr/>
+          <a:lstStyle/>
+          <a:p>
+            <a:r>
+              <a:rPr lang="de-AT" sz="2000" smtClean="0">
+                <a:ln w="0"/>
+                <a:solidFill>
+                  <a:schemeClr val="tx1"/>
+                </a:solidFill>
+                <a:effectLst>
+                  <a:outerShdw blurRad="38100" dist="19050" dir="2700000" algn="tl" rotWithShape="0">
+                    <a:schemeClr val="dk1">
+                      <a:alpha val="40000"/>
+                    </a:schemeClr>
+                  </a:outerShdw>
+                </a:effectLst>
+              </a:rPr>
+              <a:t>SOA, REST &amp; JSON</a:t>
+            </a:r>
+            <a:endParaRPr lang="de-AT" sz="2000">
+              <a:ln w="0"/>
+              <a:solidFill>
+                <a:schemeClr val="tx1"/>
+              </a:solidFill>
+              <a:effectLst>
+                <a:outerShdw blurRad="38100" dist="19050" dir="2700000" algn="tl" rotWithShape="0">
+                  <a:schemeClr val="dk1">
+                    <a:alpha val="40000"/>
+                  </a:schemeClr>
+                </a:outerShdw>
+              </a:effectLst>
+            </a:endParaRPr>
+          </a:p>
+        </p:txBody>
+      </p:sp>
+      <p:sp>
+        <p:nvSpPr>
+          <p:cNvPr id="6" name="Slide Number Placeholder 5"/>
+          <p:cNvSpPr>
+            <a:spLocks noGrp="1"/>
+          </p:cNvSpPr>
+          <p:nvPr>
+            <p:ph type="sldNum" sz="quarter" idx="12"/>
+          </p:nvPr>
+        </p:nvSpPr>
+        <p:spPr/>
+        <p:txBody>
+          <a:bodyPr/>
+          <a:lstStyle/>
+          <a:p>
+            <a:fld id="{0582A2BA-FDDD-4C1C-9C58-E41C263E2DD2}" type="slidenum">
+              <a:rPr lang="de-AT" sz="2000" smtClean="0">
+                <a:ln w="0"/>
+                <a:solidFill>
+                  <a:schemeClr val="tx1"/>
+                </a:solidFill>
+                <a:effectLst>
+                  <a:outerShdw blurRad="38100" dist="19050" dir="2700000" algn="tl" rotWithShape="0">
+                    <a:schemeClr val="dk1">
+                      <a:alpha val="40000"/>
+                    </a:schemeClr>
+                  </a:outerShdw>
+                </a:effectLst>
+              </a:rPr>
+              <a:t>36</a:t>
             </a:fld>
             <a:endParaRPr lang="de-AT" sz="2000">
               <a:ln w="0"/>
@@ -7128,249 +10248,7 @@
 </p:sld>
 </file>
 
-<file path=ppt/slides/slide2.xml><?xml version="1.0" encoding="utf-8"?>
-<p:sld xmlns:a="http://schemas.openxmlformats.org/drawingml/2006/main" xmlns:r="http://schemas.openxmlformats.org/officeDocument/2006/relationships" xmlns:p="http://schemas.openxmlformats.org/presentationml/2006/main" show="0">
-  <p:cSld>
-    <p:spTree>
-      <p:nvGrpSpPr>
-        <p:cNvPr id="1" name=""/>
-        <p:cNvGrpSpPr/>
-        <p:nvPr/>
-      </p:nvGrpSpPr>
-      <p:grpSpPr>
-        <a:xfrm>
-          <a:off x="0" y="0"/>
-          <a:ext cx="0" cy="0"/>
-          <a:chOff x="0" y="0"/>
-          <a:chExt cx="0" cy="0"/>
-        </a:xfrm>
-      </p:grpSpPr>
-      <p:sp>
-        <p:nvSpPr>
-          <p:cNvPr id="2" name="Title 1"/>
-          <p:cNvSpPr>
-            <a:spLocks noGrp="1"/>
-          </p:cNvSpPr>
-          <p:nvPr>
-            <p:ph type="title"/>
-          </p:nvPr>
-        </p:nvSpPr>
-        <p:spPr/>
-        <p:txBody>
-          <a:bodyPr/>
-          <a:lstStyle/>
-          <a:p>
-            <a:endParaRPr lang="de-AT"/>
-          </a:p>
-        </p:txBody>
-      </p:sp>
-      <p:sp>
-        <p:nvSpPr>
-          <p:cNvPr id="3" name="Content Placeholder 2"/>
-          <p:cNvSpPr>
-            <a:spLocks noGrp="1"/>
-          </p:cNvSpPr>
-          <p:nvPr>
-            <p:ph idx="1"/>
-          </p:nvPr>
-        </p:nvSpPr>
-        <p:spPr/>
-        <p:txBody>
-          <a:bodyPr/>
-          <a:lstStyle/>
-          <a:p>
-            <a:endParaRPr lang="de-AT"/>
-          </a:p>
-        </p:txBody>
-      </p:sp>
-      <p:pic>
-        <p:nvPicPr>
-          <p:cNvPr id="4" name="Picture 3"/>
-          <p:cNvPicPr>
-            <a:picLocks noChangeAspect="1"/>
-          </p:cNvPicPr>
-          <p:nvPr/>
-        </p:nvPicPr>
-        <p:blipFill rotWithShape="1">
-          <a:blip r:embed="rId2"/>
-          <a:srcRect l="41355" t="-1408" r="30830" b="67649"/>
-          <a:stretch/>
-        </p:blipFill>
-        <p:spPr>
-          <a:xfrm>
-            <a:off x="4816699" y="100262"/>
-            <a:ext cx="3618962" cy="2469524"/>
-          </a:xfrm>
-          <a:prstGeom prst="rect">
-            <a:avLst/>
-          </a:prstGeom>
-        </p:spPr>
-      </p:pic>
-      <p:sp>
-        <p:nvSpPr>
-          <p:cNvPr id="5" name="Date Placeholder 4"/>
-          <p:cNvSpPr>
-            <a:spLocks noGrp="1"/>
-          </p:cNvSpPr>
-          <p:nvPr>
-            <p:ph type="dt" sz="half" idx="10"/>
-          </p:nvPr>
-        </p:nvSpPr>
-        <p:spPr/>
-        <p:txBody>
-          <a:bodyPr/>
-          <a:lstStyle/>
-          <a:p>
-            <a:r>
-              <a:rPr lang="de-AT" sz="2000" smtClean="0">
-                <a:ln w="0"/>
-                <a:solidFill>
-                  <a:schemeClr val="tx1"/>
-                </a:solidFill>
-                <a:effectLst>
-                  <a:outerShdw blurRad="38100" dist="19050" dir="2700000" algn="tl" rotWithShape="0">
-                    <a:schemeClr val="dk1">
-                      <a:alpha val="40000"/>
-                    </a:schemeClr>
-                  </a:outerShdw>
-                </a:effectLst>
-              </a:rPr>
-              <a:t>20.03.2015</a:t>
-            </a:r>
-            <a:endParaRPr lang="de-AT" sz="2000">
-              <a:ln w="0"/>
-              <a:solidFill>
-                <a:schemeClr val="tx1"/>
-              </a:solidFill>
-              <a:effectLst>
-                <a:outerShdw blurRad="38100" dist="19050" dir="2700000" algn="tl" rotWithShape="0">
-                  <a:schemeClr val="dk1">
-                    <a:alpha val="40000"/>
-                  </a:schemeClr>
-                </a:outerShdw>
-              </a:effectLst>
-            </a:endParaRPr>
-          </a:p>
-        </p:txBody>
-      </p:sp>
-      <p:sp>
-        <p:nvSpPr>
-          <p:cNvPr id="6" name="Footer Placeholder 5"/>
-          <p:cNvSpPr>
-            <a:spLocks noGrp="1"/>
-          </p:cNvSpPr>
-          <p:nvPr>
-            <p:ph type="ftr" sz="quarter" idx="11"/>
-          </p:nvPr>
-        </p:nvSpPr>
-        <p:spPr/>
-        <p:txBody>
-          <a:bodyPr/>
-          <a:lstStyle/>
-          <a:p>
-            <a:r>
-              <a:rPr lang="de-AT" sz="2000" smtClean="0">
-                <a:ln w="0"/>
-                <a:solidFill>
-                  <a:schemeClr val="tx1"/>
-                </a:solidFill>
-                <a:effectLst>
-                  <a:outerShdw blurRad="38100" dist="19050" dir="2700000" algn="tl" rotWithShape="0">
-                    <a:schemeClr val="dk1">
-                      <a:alpha val="40000"/>
-                    </a:schemeClr>
-                  </a:outerShdw>
-                </a:effectLst>
-              </a:rPr>
-              <a:t>SOA, REST &amp; JSON</a:t>
-            </a:r>
-            <a:endParaRPr lang="de-AT" sz="2000">
-              <a:ln w="0"/>
-              <a:solidFill>
-                <a:schemeClr val="tx1"/>
-              </a:solidFill>
-              <a:effectLst>
-                <a:outerShdw blurRad="38100" dist="19050" dir="2700000" algn="tl" rotWithShape="0">
-                  <a:schemeClr val="dk1">
-                    <a:alpha val="40000"/>
-                  </a:schemeClr>
-                </a:outerShdw>
-              </a:effectLst>
-            </a:endParaRPr>
-          </a:p>
-        </p:txBody>
-      </p:sp>
-      <p:sp>
-        <p:nvSpPr>
-          <p:cNvPr id="7" name="Slide Number Placeholder 6"/>
-          <p:cNvSpPr>
-            <a:spLocks noGrp="1"/>
-          </p:cNvSpPr>
-          <p:nvPr>
-            <p:ph type="sldNum" sz="quarter" idx="12"/>
-          </p:nvPr>
-        </p:nvSpPr>
-        <p:spPr/>
-        <p:txBody>
-          <a:bodyPr/>
-          <a:lstStyle/>
-          <a:p>
-            <a:fld id="{0582A2BA-FDDD-4C1C-9C58-E41C263E2DD2}" type="slidenum">
-              <a:rPr lang="de-AT" sz="2000" smtClean="0">
-                <a:ln w="0"/>
-                <a:solidFill>
-                  <a:schemeClr val="tx1"/>
-                </a:solidFill>
-                <a:effectLst>
-                  <a:outerShdw blurRad="38100" dist="19050" dir="2700000" algn="tl" rotWithShape="0">
-                    <a:schemeClr val="dk1">
-                      <a:alpha val="40000"/>
-                    </a:schemeClr>
-                  </a:outerShdw>
-                </a:effectLst>
-              </a:rPr>
-              <a:t>2</a:t>
-            </a:fld>
-            <a:endParaRPr lang="de-AT" sz="2000">
-              <a:ln w="0"/>
-              <a:solidFill>
-                <a:schemeClr val="tx1"/>
-              </a:solidFill>
-              <a:effectLst>
-                <a:outerShdw blurRad="38100" dist="19050" dir="2700000" algn="tl" rotWithShape="0">
-                  <a:schemeClr val="dk1">
-                    <a:alpha val="40000"/>
-                  </a:schemeClr>
-                </a:outerShdw>
-              </a:effectLst>
-            </a:endParaRPr>
-          </a:p>
-        </p:txBody>
-      </p:sp>
-    </p:spTree>
-    <p:extLst>
-      <p:ext uri="{BB962C8B-B14F-4D97-AF65-F5344CB8AC3E}">
-        <p14:creationId xmlns:p14="http://schemas.microsoft.com/office/powerpoint/2010/main" val="483078963"/>
-      </p:ext>
-    </p:extLst>
-  </p:cSld>
-  <p:clrMapOvr>
-    <a:masterClrMapping/>
-  </p:clrMapOvr>
-  <p:transition spd="slow">
-    <p:push dir="u"/>
-  </p:transition>
-  <p:timing>
-    <p:tnLst>
-      <p:par>
-        <p:cTn id="1" dur="indefinite" restart="never" nodeType="tmRoot"/>
-      </p:par>
-    </p:tnLst>
-  </p:timing>
-</p:sld>
-</file>
-
-<file path=ppt/slides/slide20.xml><?xml version="1.0" encoding="utf-8"?>
+<file path=ppt/slides/slide37.xml><?xml version="1.0" encoding="utf-8"?>
 <p:sld xmlns:a="http://schemas.openxmlformats.org/drawingml/2006/main" xmlns:r="http://schemas.openxmlformats.org/officeDocument/2006/relationships" xmlns:p="http://schemas.openxmlformats.org/presentationml/2006/main">
   <p:cSld>
     <p:spTree>
@@ -7569,7 +10447,7 @@
                   </a:outerShdw>
                 </a:effectLst>
               </a:rPr>
-              <a:t>20</a:t>
+              <a:t>37</a:t>
             </a:fld>
             <a:endParaRPr lang="de-AT" sz="2000">
               <a:ln w="0"/>
@@ -7744,7 +10622,7 @@
 </p:sld>
 </file>
 
-<file path=ppt/slides/slide3.xml><?xml version="1.0" encoding="utf-8"?>
+<file path=ppt/slides/slide38.xml><?xml version="1.0" encoding="utf-8"?>
 <p:sld xmlns:a="http://schemas.openxmlformats.org/drawingml/2006/main" xmlns:r="http://schemas.openxmlformats.org/officeDocument/2006/relationships" xmlns:p="http://schemas.openxmlformats.org/presentationml/2006/main">
   <p:cSld>
     <p:spTree>
@@ -7777,8 +10655,8 @@
           <a:lstStyle/>
           <a:p>
             <a:r>
-              <a:rPr lang="de-AT" dirty="0" smtClean="0"/>
-              <a:t>Service Oriented Architecture</a:t>
+              <a:rPr lang="de-AT" dirty="0"/>
+              <a:t>Conclusion</a:t>
             </a:r>
             <a:endParaRPr lang="de-AT" dirty="0"/>
           </a:p>
@@ -7803,43 +10681,465 @@
           <a:p>
             <a:r>
               <a:rPr lang="de-AT" dirty="0" smtClean="0"/>
-              <a:t>Service – Orientation</a:t>
-            </a:r>
-          </a:p>
-          <a:p>
-            <a:endParaRPr lang="de-AT" sz="900" dirty="0" smtClean="0"/>
+              <a:t>Powerful</a:t>
+            </a:r>
+            <a:endParaRPr lang="de-AT" dirty="0" smtClean="0"/>
+          </a:p>
+          <a:p>
+            <a:endParaRPr lang="de-AT" sz="800" dirty="0" smtClean="0"/>
           </a:p>
           <a:p>
             <a:r>
               <a:rPr lang="de-AT" dirty="0" smtClean="0"/>
-              <a:t>Service Orientated Computing</a:t>
-            </a:r>
-          </a:p>
-          <a:p>
-            <a:endParaRPr lang="de-AT" sz="900" dirty="0" smtClean="0"/>
+              <a:t>Return of Investment</a:t>
+            </a:r>
+            <a:endParaRPr lang="de-AT" dirty="0" smtClean="0"/>
+          </a:p>
+          <a:p>
+            <a:endParaRPr lang="de-AT" sz="800" dirty="0" smtClean="0"/>
           </a:p>
           <a:p>
             <a:r>
               <a:rPr lang="de-AT" dirty="0" smtClean="0"/>
-              <a:t>Actors</a:t>
-            </a:r>
-          </a:p>
-          <a:p>
-            <a:endParaRPr lang="de-AT" sz="900" dirty="0" smtClean="0"/>
-          </a:p>
-          <a:p>
+              <a:t>System might be hard to debug / manage </a:t>
+            </a:r>
+            <a:endParaRPr lang="de-AT" dirty="0"/>
+          </a:p>
+        </p:txBody>
+      </p:sp>
+      <p:sp>
+        <p:nvSpPr>
+          <p:cNvPr id="4" name="Date Placeholder 3"/>
+          <p:cNvSpPr>
+            <a:spLocks noGrp="1"/>
+          </p:cNvSpPr>
+          <p:nvPr>
+            <p:ph type="dt" sz="half" idx="10"/>
+          </p:nvPr>
+        </p:nvSpPr>
+        <p:spPr/>
+        <p:txBody>
+          <a:bodyPr/>
+          <a:lstStyle/>
+          <a:p>
+            <a:r>
+              <a:rPr lang="de-AT" sz="2000" smtClean="0">
+                <a:ln w="0"/>
+                <a:solidFill>
+                  <a:schemeClr val="tx1"/>
+                </a:solidFill>
+                <a:effectLst>
+                  <a:outerShdw blurRad="38100" dist="19050" dir="2700000" algn="tl" rotWithShape="0">
+                    <a:schemeClr val="dk1">
+                      <a:alpha val="40000"/>
+                    </a:schemeClr>
+                  </a:outerShdw>
+                </a:effectLst>
+              </a:rPr>
+              <a:t>20.03.2015</a:t>
+            </a:r>
+            <a:endParaRPr lang="de-AT" sz="2000">
+              <a:ln w="0"/>
+              <a:solidFill>
+                <a:schemeClr val="tx1"/>
+              </a:solidFill>
+              <a:effectLst>
+                <a:outerShdw blurRad="38100" dist="19050" dir="2700000" algn="tl" rotWithShape="0">
+                  <a:schemeClr val="dk1">
+                    <a:alpha val="40000"/>
+                  </a:schemeClr>
+                </a:outerShdw>
+              </a:effectLst>
+            </a:endParaRPr>
+          </a:p>
+        </p:txBody>
+      </p:sp>
+      <p:sp>
+        <p:nvSpPr>
+          <p:cNvPr id="5" name="Footer Placeholder 4"/>
+          <p:cNvSpPr>
+            <a:spLocks noGrp="1"/>
+          </p:cNvSpPr>
+          <p:nvPr>
+            <p:ph type="ftr" sz="quarter" idx="11"/>
+          </p:nvPr>
+        </p:nvSpPr>
+        <p:spPr/>
+        <p:txBody>
+          <a:bodyPr/>
+          <a:lstStyle/>
+          <a:p>
+            <a:r>
+              <a:rPr lang="de-AT" sz="2000" smtClean="0">
+                <a:ln w="0"/>
+                <a:solidFill>
+                  <a:schemeClr val="tx1"/>
+                </a:solidFill>
+                <a:effectLst>
+                  <a:outerShdw blurRad="38100" dist="19050" dir="2700000" algn="tl" rotWithShape="0">
+                    <a:schemeClr val="dk1">
+                      <a:alpha val="40000"/>
+                    </a:schemeClr>
+                  </a:outerShdw>
+                </a:effectLst>
+              </a:rPr>
+              <a:t>SOA, REST &amp; JSON</a:t>
+            </a:r>
+            <a:endParaRPr lang="de-AT" sz="2000">
+              <a:ln w="0"/>
+              <a:solidFill>
+                <a:schemeClr val="tx1"/>
+              </a:solidFill>
+              <a:effectLst>
+                <a:outerShdw blurRad="38100" dist="19050" dir="2700000" algn="tl" rotWithShape="0">
+                  <a:schemeClr val="dk1">
+                    <a:alpha val="40000"/>
+                  </a:schemeClr>
+                </a:outerShdw>
+              </a:effectLst>
+            </a:endParaRPr>
+          </a:p>
+        </p:txBody>
+      </p:sp>
+      <p:sp>
+        <p:nvSpPr>
+          <p:cNvPr id="6" name="Slide Number Placeholder 5"/>
+          <p:cNvSpPr>
+            <a:spLocks noGrp="1"/>
+          </p:cNvSpPr>
+          <p:nvPr>
+            <p:ph type="sldNum" sz="quarter" idx="12"/>
+          </p:nvPr>
+        </p:nvSpPr>
+        <p:spPr/>
+        <p:txBody>
+          <a:bodyPr/>
+          <a:lstStyle/>
+          <a:p>
+            <a:fld id="{0582A2BA-FDDD-4C1C-9C58-E41C263E2DD2}" type="slidenum">
+              <a:rPr lang="de-AT" sz="2000" smtClean="0">
+                <a:ln w="0"/>
+                <a:solidFill>
+                  <a:schemeClr val="tx1"/>
+                </a:solidFill>
+                <a:effectLst>
+                  <a:outerShdw blurRad="38100" dist="19050" dir="2700000" algn="tl" rotWithShape="0">
+                    <a:schemeClr val="dk1">
+                      <a:alpha val="40000"/>
+                    </a:schemeClr>
+                  </a:outerShdw>
+                </a:effectLst>
+              </a:rPr>
+              <a:t>38</a:t>
+            </a:fld>
+            <a:endParaRPr lang="de-AT" sz="2000">
+              <a:ln w="0"/>
+              <a:solidFill>
+                <a:schemeClr val="tx1"/>
+              </a:solidFill>
+              <a:effectLst>
+                <a:outerShdw blurRad="38100" dist="19050" dir="2700000" algn="tl" rotWithShape="0">
+                  <a:schemeClr val="dk1">
+                    <a:alpha val="40000"/>
+                  </a:schemeClr>
+                </a:outerShdw>
+              </a:effectLst>
+            </a:endParaRPr>
+          </a:p>
+        </p:txBody>
+      </p:sp>
+    </p:spTree>
+    <p:extLst>
+      <p:ext uri="{BB962C8B-B14F-4D97-AF65-F5344CB8AC3E}">
+        <p14:creationId xmlns:p14="http://schemas.microsoft.com/office/powerpoint/2010/main" val="1604820126"/>
+      </p:ext>
+    </p:extLst>
+  </p:cSld>
+  <p:clrMapOvr>
+    <a:masterClrMapping/>
+  </p:clrMapOvr>
+  <p:timing>
+    <p:tnLst>
+      <p:par>
+        <p:cTn id="1" dur="indefinite" restart="never" nodeType="tmRoot"/>
+      </p:par>
+    </p:tnLst>
+  </p:timing>
+</p:sld>
+</file>
+
+<file path=ppt/slides/slide39.xml><?xml version="1.0" encoding="utf-8"?>
+<p:sld xmlns:a="http://schemas.openxmlformats.org/drawingml/2006/main" xmlns:r="http://schemas.openxmlformats.org/officeDocument/2006/relationships" xmlns:p="http://schemas.openxmlformats.org/presentationml/2006/main">
+  <p:cSld>
+    <p:spTree>
+      <p:nvGrpSpPr>
+        <p:cNvPr id="1" name=""/>
+        <p:cNvGrpSpPr/>
+        <p:nvPr/>
+      </p:nvGrpSpPr>
+      <p:grpSpPr>
+        <a:xfrm>
+          <a:off x="0" y="0"/>
+          <a:ext cx="0" cy="0"/>
+          <a:chOff x="0" y="0"/>
+          <a:chExt cx="0" cy="0"/>
+        </a:xfrm>
+      </p:grpSpPr>
+      <p:sp>
+        <p:nvSpPr>
+          <p:cNvPr id="2" name="Title 1"/>
+          <p:cNvSpPr>
+            <a:spLocks noGrp="1"/>
+          </p:cNvSpPr>
+          <p:nvPr>
+            <p:ph type="title"/>
+          </p:nvPr>
+        </p:nvSpPr>
+        <p:spPr>
+          <a:xfrm>
+            <a:off x="838200" y="2387108"/>
+            <a:ext cx="10515600" cy="1325563"/>
+          </a:xfrm>
+        </p:spPr>
+        <p:txBody>
+          <a:bodyPr/>
+          <a:lstStyle/>
+          <a:p>
+            <a:pPr algn="ctr"/>
             <a:r>
               <a:rPr lang="de-AT" dirty="0" smtClean="0"/>
-              <a:t>Platforms</a:t>
-            </a:r>
-          </a:p>
-          <a:p>
-            <a:endParaRPr lang="de-AT" sz="900" dirty="0" smtClean="0"/>
-          </a:p>
-          <a:p>
-            <a:r>
+              <a:t>Thank you for your attention!</a:t>
+            </a:r>
+            <a:br>
               <a:rPr lang="de-AT" dirty="0" smtClean="0"/>
-              <a:t>Sucess Formula</a:t>
+            </a:br>
+            <a:r>
+              <a:rPr lang="de-AT" dirty="0" smtClean="0"/>
+              <a:t>Questions?</a:t>
+            </a:r>
+            <a:endParaRPr lang="de-AT" dirty="0"/>
+          </a:p>
+        </p:txBody>
+      </p:sp>
+      <p:sp>
+        <p:nvSpPr>
+          <p:cNvPr id="4" name="Date Placeholder 3"/>
+          <p:cNvSpPr>
+            <a:spLocks noGrp="1"/>
+          </p:cNvSpPr>
+          <p:nvPr>
+            <p:ph type="dt" sz="half" idx="10"/>
+          </p:nvPr>
+        </p:nvSpPr>
+        <p:spPr/>
+        <p:txBody>
+          <a:bodyPr/>
+          <a:lstStyle/>
+          <a:p>
+            <a:r>
+              <a:rPr lang="de-AT" sz="2000" dirty="0" smtClean="0">
+                <a:ln w="0"/>
+                <a:solidFill>
+                  <a:schemeClr val="tx1"/>
+                </a:solidFill>
+                <a:effectLst>
+                  <a:outerShdw blurRad="38100" dist="19050" dir="2700000" algn="tl" rotWithShape="0">
+                    <a:schemeClr val="dk1">
+                      <a:alpha val="40000"/>
+                    </a:schemeClr>
+                  </a:outerShdw>
+                </a:effectLst>
+              </a:rPr>
+              <a:t>20.03.2015</a:t>
+            </a:r>
+            <a:endParaRPr lang="de-AT" sz="2000" dirty="0">
+              <a:ln w="0"/>
+              <a:solidFill>
+                <a:schemeClr val="tx1"/>
+              </a:solidFill>
+              <a:effectLst>
+                <a:outerShdw blurRad="38100" dist="19050" dir="2700000" algn="tl" rotWithShape="0">
+                  <a:schemeClr val="dk1">
+                    <a:alpha val="40000"/>
+                  </a:schemeClr>
+                </a:outerShdw>
+              </a:effectLst>
+            </a:endParaRPr>
+          </a:p>
+        </p:txBody>
+      </p:sp>
+      <p:sp>
+        <p:nvSpPr>
+          <p:cNvPr id="5" name="Footer Placeholder 4"/>
+          <p:cNvSpPr>
+            <a:spLocks noGrp="1"/>
+          </p:cNvSpPr>
+          <p:nvPr>
+            <p:ph type="ftr" sz="quarter" idx="11"/>
+          </p:nvPr>
+        </p:nvSpPr>
+        <p:spPr/>
+        <p:txBody>
+          <a:bodyPr/>
+          <a:lstStyle/>
+          <a:p>
+            <a:r>
+              <a:rPr lang="de-AT" sz="2000" smtClean="0">
+                <a:ln w="0"/>
+                <a:solidFill>
+                  <a:schemeClr val="tx1"/>
+                </a:solidFill>
+                <a:effectLst>
+                  <a:outerShdw blurRad="38100" dist="19050" dir="2700000" algn="tl" rotWithShape="0">
+                    <a:schemeClr val="dk1">
+                      <a:alpha val="40000"/>
+                    </a:schemeClr>
+                  </a:outerShdw>
+                </a:effectLst>
+              </a:rPr>
+              <a:t>SOA, REST &amp; JSON</a:t>
+            </a:r>
+            <a:endParaRPr lang="de-AT" sz="2000">
+              <a:ln w="0"/>
+              <a:solidFill>
+                <a:schemeClr val="tx1"/>
+              </a:solidFill>
+              <a:effectLst>
+                <a:outerShdw blurRad="38100" dist="19050" dir="2700000" algn="tl" rotWithShape="0">
+                  <a:schemeClr val="dk1">
+                    <a:alpha val="40000"/>
+                  </a:schemeClr>
+                </a:outerShdw>
+              </a:effectLst>
+            </a:endParaRPr>
+          </a:p>
+        </p:txBody>
+      </p:sp>
+      <p:sp>
+        <p:nvSpPr>
+          <p:cNvPr id="6" name="Slide Number Placeholder 5"/>
+          <p:cNvSpPr>
+            <a:spLocks noGrp="1"/>
+          </p:cNvSpPr>
+          <p:nvPr>
+            <p:ph type="sldNum" sz="quarter" idx="12"/>
+          </p:nvPr>
+        </p:nvSpPr>
+        <p:spPr/>
+        <p:txBody>
+          <a:bodyPr/>
+          <a:lstStyle/>
+          <a:p>
+            <a:fld id="{0582A2BA-FDDD-4C1C-9C58-E41C263E2DD2}" type="slidenum">
+              <a:rPr lang="de-AT" sz="2000" smtClean="0">
+                <a:ln w="0"/>
+                <a:solidFill>
+                  <a:schemeClr val="tx1"/>
+                </a:solidFill>
+                <a:effectLst>
+                  <a:outerShdw blurRad="38100" dist="19050" dir="2700000" algn="tl" rotWithShape="0">
+                    <a:schemeClr val="dk1">
+                      <a:alpha val="40000"/>
+                    </a:schemeClr>
+                  </a:outerShdw>
+                </a:effectLst>
+              </a:rPr>
+              <a:t>39</a:t>
+            </a:fld>
+            <a:endParaRPr lang="de-AT" sz="2000">
+              <a:ln w="0"/>
+              <a:solidFill>
+                <a:schemeClr val="tx1"/>
+              </a:solidFill>
+              <a:effectLst>
+                <a:outerShdw blurRad="38100" dist="19050" dir="2700000" algn="tl" rotWithShape="0">
+                  <a:schemeClr val="dk1">
+                    <a:alpha val="40000"/>
+                  </a:schemeClr>
+                </a:outerShdw>
+              </a:effectLst>
+            </a:endParaRPr>
+          </a:p>
+        </p:txBody>
+      </p:sp>
+    </p:spTree>
+    <p:extLst>
+      <p:ext uri="{BB962C8B-B14F-4D97-AF65-F5344CB8AC3E}">
+        <p14:creationId xmlns:p14="http://schemas.microsoft.com/office/powerpoint/2010/main" val="65879272"/>
+      </p:ext>
+    </p:extLst>
+  </p:cSld>
+  <p:clrMapOvr>
+    <a:masterClrMapping/>
+  </p:clrMapOvr>
+  <p:timing>
+    <p:tnLst>
+      <p:par>
+        <p:cTn id="1" dur="indefinite" restart="never" nodeType="tmRoot"/>
+      </p:par>
+    </p:tnLst>
+  </p:timing>
+</p:sld>
+</file>
+
+<file path=ppt/slides/slide4.xml><?xml version="1.0" encoding="utf-8"?>
+<p:sld xmlns:a="http://schemas.openxmlformats.org/drawingml/2006/main" xmlns:r="http://schemas.openxmlformats.org/officeDocument/2006/relationships" xmlns:p="http://schemas.openxmlformats.org/presentationml/2006/main">
+  <p:cSld>
+    <p:spTree>
+      <p:nvGrpSpPr>
+        <p:cNvPr id="1" name=""/>
+        <p:cNvGrpSpPr/>
+        <p:nvPr/>
+      </p:nvGrpSpPr>
+      <p:grpSpPr>
+        <a:xfrm>
+          <a:off x="0" y="0"/>
+          <a:ext cx="0" cy="0"/>
+          <a:chOff x="0" y="0"/>
+          <a:chExt cx="0" cy="0"/>
+        </a:xfrm>
+      </p:grpSpPr>
+      <p:sp>
+        <p:nvSpPr>
+          <p:cNvPr id="2" name="Title 1"/>
+          <p:cNvSpPr>
+            <a:spLocks noGrp="1"/>
+          </p:cNvSpPr>
+          <p:nvPr>
+            <p:ph type="title"/>
+          </p:nvPr>
+        </p:nvSpPr>
+        <p:spPr/>
+        <p:txBody>
+          <a:bodyPr/>
+          <a:lstStyle/>
+          <a:p>
+            <a:r>
+              <a:rPr lang="de-AT" dirty="0" smtClean="0"/>
+              <a:t>Problems?</a:t>
+            </a:r>
+            <a:endParaRPr lang="de-AT" dirty="0"/>
+          </a:p>
+        </p:txBody>
+      </p:sp>
+      <p:sp>
+        <p:nvSpPr>
+          <p:cNvPr id="3" name="Content Placeholder 2"/>
+          <p:cNvSpPr>
+            <a:spLocks noGrp="1"/>
+          </p:cNvSpPr>
+          <p:nvPr>
+            <p:ph idx="1"/>
+          </p:nvPr>
+        </p:nvSpPr>
+        <p:spPr/>
+        <p:txBody>
+          <a:bodyPr/>
+          <a:lstStyle/>
+          <a:p>
+            <a:r>
+              <a:rPr lang="de-AT" dirty="0" smtClean="0"/>
+              <a:t>Resistant to change</a:t>
             </a:r>
           </a:p>
           <a:p>
@@ -7848,7 +11148,430 @@
           <a:p>
             <a:r>
               <a:rPr lang="de-AT" dirty="0" smtClean="0"/>
-              <a:t>Contributors</a:t>
+              <a:t>Communication and data transmission</a:t>
+            </a:r>
+          </a:p>
+          <a:p>
+            <a:endParaRPr lang="de-AT" sz="800" dirty="0" smtClean="0"/>
+          </a:p>
+          <a:p>
+            <a:r>
+              <a:rPr lang="de-AT" dirty="0" smtClean="0"/>
+              <a:t>Vendor dependency</a:t>
+            </a:r>
+          </a:p>
+          <a:p>
+            <a:endParaRPr lang="de-AT" sz="800" dirty="0" smtClean="0"/>
+          </a:p>
+          <a:p>
+            <a:r>
+              <a:rPr lang="de-AT" dirty="0" smtClean="0"/>
+              <a:t>Not enough support to BPM</a:t>
+            </a:r>
+            <a:endParaRPr lang="de-AT" dirty="0"/>
+          </a:p>
+        </p:txBody>
+      </p:sp>
+      <p:sp>
+        <p:nvSpPr>
+          <p:cNvPr id="5" name="Date Placeholder 4"/>
+          <p:cNvSpPr>
+            <a:spLocks noGrp="1"/>
+          </p:cNvSpPr>
+          <p:nvPr>
+            <p:ph type="dt" sz="half" idx="10"/>
+          </p:nvPr>
+        </p:nvSpPr>
+        <p:spPr/>
+        <p:txBody>
+          <a:bodyPr/>
+          <a:lstStyle/>
+          <a:p>
+            <a:r>
+              <a:rPr lang="de-AT" sz="2000" dirty="0" smtClean="0">
+                <a:ln w="0"/>
+                <a:solidFill>
+                  <a:schemeClr val="tx1"/>
+                </a:solidFill>
+                <a:effectLst>
+                  <a:outerShdw blurRad="38100" dist="19050" dir="2700000" algn="tl" rotWithShape="0">
+                    <a:schemeClr val="dk1">
+                      <a:alpha val="40000"/>
+                    </a:schemeClr>
+                  </a:outerShdw>
+                </a:effectLst>
+              </a:rPr>
+              <a:t>20.03.2015</a:t>
+            </a:r>
+            <a:endParaRPr lang="de-AT" sz="2000" dirty="0">
+              <a:ln w="0"/>
+              <a:solidFill>
+                <a:schemeClr val="tx1"/>
+              </a:solidFill>
+              <a:effectLst>
+                <a:outerShdw blurRad="38100" dist="19050" dir="2700000" algn="tl" rotWithShape="0">
+                  <a:schemeClr val="dk1">
+                    <a:alpha val="40000"/>
+                  </a:schemeClr>
+                </a:outerShdw>
+              </a:effectLst>
+            </a:endParaRPr>
+          </a:p>
+        </p:txBody>
+      </p:sp>
+      <p:sp>
+        <p:nvSpPr>
+          <p:cNvPr id="6" name="Footer Placeholder 5"/>
+          <p:cNvSpPr>
+            <a:spLocks noGrp="1"/>
+          </p:cNvSpPr>
+          <p:nvPr>
+            <p:ph type="ftr" sz="quarter" idx="11"/>
+          </p:nvPr>
+        </p:nvSpPr>
+        <p:spPr/>
+        <p:txBody>
+          <a:bodyPr/>
+          <a:lstStyle/>
+          <a:p>
+            <a:r>
+              <a:rPr lang="de-AT" sz="2000" smtClean="0">
+                <a:ln w="0"/>
+                <a:solidFill>
+                  <a:schemeClr val="tx1"/>
+                </a:solidFill>
+                <a:effectLst>
+                  <a:outerShdw blurRad="38100" dist="19050" dir="2700000" algn="tl" rotWithShape="0">
+                    <a:schemeClr val="dk1">
+                      <a:alpha val="40000"/>
+                    </a:schemeClr>
+                  </a:outerShdw>
+                </a:effectLst>
+              </a:rPr>
+              <a:t>SOA, REST &amp; JSON</a:t>
+            </a:r>
+            <a:endParaRPr lang="de-AT" sz="2000">
+              <a:ln w="0"/>
+              <a:solidFill>
+                <a:schemeClr val="tx1"/>
+              </a:solidFill>
+              <a:effectLst>
+                <a:outerShdw blurRad="38100" dist="19050" dir="2700000" algn="tl" rotWithShape="0">
+                  <a:schemeClr val="dk1">
+                    <a:alpha val="40000"/>
+                  </a:schemeClr>
+                </a:outerShdw>
+              </a:effectLst>
+            </a:endParaRPr>
+          </a:p>
+        </p:txBody>
+      </p:sp>
+      <p:sp>
+        <p:nvSpPr>
+          <p:cNvPr id="7" name="Slide Number Placeholder 6"/>
+          <p:cNvSpPr>
+            <a:spLocks noGrp="1"/>
+          </p:cNvSpPr>
+          <p:nvPr>
+            <p:ph type="sldNum" sz="quarter" idx="12"/>
+          </p:nvPr>
+        </p:nvSpPr>
+        <p:spPr/>
+        <p:txBody>
+          <a:bodyPr/>
+          <a:lstStyle/>
+          <a:p>
+            <a:fld id="{0582A2BA-FDDD-4C1C-9C58-E41C263E2DD2}" type="slidenum">
+              <a:rPr lang="de-AT" sz="2000" smtClean="0">
+                <a:ln w="0"/>
+                <a:solidFill>
+                  <a:schemeClr val="tx1"/>
+                </a:solidFill>
+                <a:effectLst>
+                  <a:outerShdw blurRad="38100" dist="19050" dir="2700000" algn="tl" rotWithShape="0">
+                    <a:schemeClr val="dk1">
+                      <a:alpha val="40000"/>
+                    </a:schemeClr>
+                  </a:outerShdw>
+                </a:effectLst>
+              </a:rPr>
+              <a:t>4</a:t>
+            </a:fld>
+            <a:endParaRPr lang="de-AT" sz="2000">
+              <a:ln w="0"/>
+              <a:solidFill>
+                <a:schemeClr val="tx1"/>
+              </a:solidFill>
+              <a:effectLst>
+                <a:outerShdw blurRad="38100" dist="19050" dir="2700000" algn="tl" rotWithShape="0">
+                  <a:schemeClr val="dk1">
+                    <a:alpha val="40000"/>
+                  </a:schemeClr>
+                </a:outerShdw>
+              </a:effectLst>
+            </a:endParaRPr>
+          </a:p>
+        </p:txBody>
+      </p:sp>
+    </p:spTree>
+    <p:extLst>
+      <p:ext uri="{BB962C8B-B14F-4D97-AF65-F5344CB8AC3E}">
+        <p14:creationId xmlns:p14="http://schemas.microsoft.com/office/powerpoint/2010/main" val="2558781691"/>
+      </p:ext>
+    </p:extLst>
+  </p:cSld>
+  <p:clrMapOvr>
+    <a:masterClrMapping/>
+  </p:clrMapOvr>
+  <p:transition spd="slow">
+    <p:push dir="u"/>
+  </p:transition>
+  <p:timing>
+    <p:tnLst>
+      <p:par>
+        <p:cTn id="1" dur="indefinite" restart="never" nodeType="tmRoot"/>
+      </p:par>
+    </p:tnLst>
+  </p:timing>
+</p:sld>
+</file>
+
+<file path=ppt/slides/slide40.xml><?xml version="1.0" encoding="utf-8"?>
+<p:sld xmlns:a="http://schemas.openxmlformats.org/drawingml/2006/main" xmlns:r="http://schemas.openxmlformats.org/officeDocument/2006/relationships" xmlns:p="http://schemas.openxmlformats.org/presentationml/2006/main">
+  <p:cSld>
+    <p:spTree>
+      <p:nvGrpSpPr>
+        <p:cNvPr id="1" name=""/>
+        <p:cNvGrpSpPr/>
+        <p:nvPr/>
+      </p:nvGrpSpPr>
+      <p:grpSpPr>
+        <a:xfrm>
+          <a:off x="0" y="0"/>
+          <a:ext cx="0" cy="0"/>
+          <a:chOff x="0" y="0"/>
+          <a:chExt cx="0" cy="0"/>
+        </a:xfrm>
+      </p:grpSpPr>
+      <p:sp>
+        <p:nvSpPr>
+          <p:cNvPr id="2" name="Title 1"/>
+          <p:cNvSpPr>
+            <a:spLocks noGrp="1"/>
+          </p:cNvSpPr>
+          <p:nvPr>
+            <p:ph type="title"/>
+          </p:nvPr>
+        </p:nvSpPr>
+        <p:spPr/>
+        <p:txBody>
+          <a:bodyPr/>
+          <a:lstStyle/>
+          <a:p>
+            <a:r>
+              <a:rPr lang="de-AT" dirty="0" smtClean="0"/>
+              <a:t>Sources</a:t>
+            </a:r>
+            <a:endParaRPr lang="de-AT" dirty="0"/>
+          </a:p>
+        </p:txBody>
+      </p:sp>
+      <p:sp>
+        <p:nvSpPr>
+          <p:cNvPr id="4" name="Date Placeholder 3"/>
+          <p:cNvSpPr>
+            <a:spLocks noGrp="1"/>
+          </p:cNvSpPr>
+          <p:nvPr>
+            <p:ph type="dt" sz="half" idx="10"/>
+          </p:nvPr>
+        </p:nvSpPr>
+        <p:spPr/>
+        <p:txBody>
+          <a:bodyPr/>
+          <a:lstStyle/>
+          <a:p>
+            <a:r>
+              <a:rPr lang="de-AT" sz="2000" smtClean="0">
+                <a:ln w="0"/>
+                <a:solidFill>
+                  <a:schemeClr val="tx1"/>
+                </a:solidFill>
+                <a:effectLst>
+                  <a:outerShdw blurRad="38100" dist="19050" dir="2700000" algn="tl" rotWithShape="0">
+                    <a:schemeClr val="dk1">
+                      <a:alpha val="40000"/>
+                    </a:schemeClr>
+                  </a:outerShdw>
+                </a:effectLst>
+              </a:rPr>
+              <a:t>20.03.2015</a:t>
+            </a:r>
+            <a:endParaRPr lang="de-AT" sz="2000">
+              <a:ln w="0"/>
+              <a:solidFill>
+                <a:schemeClr val="tx1"/>
+              </a:solidFill>
+              <a:effectLst>
+                <a:outerShdw blurRad="38100" dist="19050" dir="2700000" algn="tl" rotWithShape="0">
+                  <a:schemeClr val="dk1">
+                    <a:alpha val="40000"/>
+                  </a:schemeClr>
+                </a:outerShdw>
+              </a:effectLst>
+            </a:endParaRPr>
+          </a:p>
+        </p:txBody>
+      </p:sp>
+      <p:sp>
+        <p:nvSpPr>
+          <p:cNvPr id="5" name="Footer Placeholder 4"/>
+          <p:cNvSpPr>
+            <a:spLocks noGrp="1"/>
+          </p:cNvSpPr>
+          <p:nvPr>
+            <p:ph type="ftr" sz="quarter" idx="11"/>
+          </p:nvPr>
+        </p:nvSpPr>
+        <p:spPr/>
+        <p:txBody>
+          <a:bodyPr/>
+          <a:lstStyle/>
+          <a:p>
+            <a:r>
+              <a:rPr lang="de-AT" sz="2000" smtClean="0">
+                <a:ln w="0"/>
+                <a:solidFill>
+                  <a:schemeClr val="tx1"/>
+                </a:solidFill>
+                <a:effectLst>
+                  <a:outerShdw blurRad="38100" dist="19050" dir="2700000" algn="tl" rotWithShape="0">
+                    <a:schemeClr val="dk1">
+                      <a:alpha val="40000"/>
+                    </a:schemeClr>
+                  </a:outerShdw>
+                </a:effectLst>
+              </a:rPr>
+              <a:t>SOA, REST &amp; JSON</a:t>
+            </a:r>
+            <a:endParaRPr lang="de-AT" sz="2000">
+              <a:ln w="0"/>
+              <a:solidFill>
+                <a:schemeClr val="tx1"/>
+              </a:solidFill>
+              <a:effectLst>
+                <a:outerShdw blurRad="38100" dist="19050" dir="2700000" algn="tl" rotWithShape="0">
+                  <a:schemeClr val="dk1">
+                    <a:alpha val="40000"/>
+                  </a:schemeClr>
+                </a:outerShdw>
+              </a:effectLst>
+            </a:endParaRPr>
+          </a:p>
+        </p:txBody>
+      </p:sp>
+      <p:sp>
+        <p:nvSpPr>
+          <p:cNvPr id="6" name="Slide Number Placeholder 5"/>
+          <p:cNvSpPr>
+            <a:spLocks noGrp="1"/>
+          </p:cNvSpPr>
+          <p:nvPr>
+            <p:ph type="sldNum" sz="quarter" idx="12"/>
+          </p:nvPr>
+        </p:nvSpPr>
+        <p:spPr/>
+        <p:txBody>
+          <a:bodyPr/>
+          <a:lstStyle/>
+          <a:p>
+            <a:fld id="{0582A2BA-FDDD-4C1C-9C58-E41C263E2DD2}" type="slidenum">
+              <a:rPr lang="de-AT" sz="2000" smtClean="0">
+                <a:ln w="0"/>
+                <a:solidFill>
+                  <a:schemeClr val="tx1"/>
+                </a:solidFill>
+                <a:effectLst>
+                  <a:outerShdw blurRad="38100" dist="19050" dir="2700000" algn="tl" rotWithShape="0">
+                    <a:schemeClr val="dk1">
+                      <a:alpha val="40000"/>
+                    </a:schemeClr>
+                  </a:outerShdw>
+                </a:effectLst>
+              </a:rPr>
+              <a:t>40</a:t>
+            </a:fld>
+            <a:endParaRPr lang="de-AT" sz="2000">
+              <a:ln w="0"/>
+              <a:solidFill>
+                <a:schemeClr val="tx1"/>
+              </a:solidFill>
+              <a:effectLst>
+                <a:outerShdw blurRad="38100" dist="19050" dir="2700000" algn="tl" rotWithShape="0">
+                  <a:schemeClr val="dk1">
+                    <a:alpha val="40000"/>
+                  </a:schemeClr>
+                </a:outerShdw>
+              </a:effectLst>
+            </a:endParaRPr>
+          </a:p>
+        </p:txBody>
+      </p:sp>
+    </p:spTree>
+    <p:extLst>
+      <p:ext uri="{BB962C8B-B14F-4D97-AF65-F5344CB8AC3E}">
+        <p14:creationId xmlns:p14="http://schemas.microsoft.com/office/powerpoint/2010/main" val="1057391958"/>
+      </p:ext>
+    </p:extLst>
+  </p:cSld>
+  <p:clrMapOvr>
+    <a:masterClrMapping/>
+  </p:clrMapOvr>
+  <p:timing>
+    <p:tnLst>
+      <p:par>
+        <p:cTn id="1" dur="indefinite" restart="never" nodeType="tmRoot"/>
+      </p:par>
+    </p:tnLst>
+  </p:timing>
+</p:sld>
+</file>
+
+<file path=ppt/slides/slide5.xml><?xml version="1.0" encoding="utf-8"?>
+<p:sld xmlns:a="http://schemas.openxmlformats.org/drawingml/2006/main" xmlns:r="http://schemas.openxmlformats.org/officeDocument/2006/relationships" xmlns:p="http://schemas.openxmlformats.org/presentationml/2006/main">
+  <p:cSld>
+    <p:spTree>
+      <p:nvGrpSpPr>
+        <p:cNvPr id="1" name=""/>
+        <p:cNvGrpSpPr/>
+        <p:nvPr/>
+      </p:nvGrpSpPr>
+      <p:grpSpPr>
+        <a:xfrm>
+          <a:off x="0" y="0"/>
+          <a:ext cx="0" cy="0"/>
+          <a:chOff x="0" y="0"/>
+          <a:chExt cx="0" cy="0"/>
+        </a:xfrm>
+      </p:grpSpPr>
+      <p:sp>
+        <p:nvSpPr>
+          <p:cNvPr id="2" name="Title 1"/>
+          <p:cNvSpPr>
+            <a:spLocks noGrp="1"/>
+          </p:cNvSpPr>
+          <p:nvPr>
+            <p:ph type="title"/>
+          </p:nvPr>
+        </p:nvSpPr>
+        <p:spPr/>
+        <p:txBody>
+          <a:bodyPr/>
+          <a:lstStyle/>
+          <a:p>
+            <a:r>
+              <a:rPr lang="de-AT" dirty="0" smtClean="0"/>
+              <a:t>Solution</a:t>
             </a:r>
             <a:endParaRPr lang="de-AT" dirty="0"/>
           </a:p>
@@ -7856,7 +11579,7 @@
       </p:sp>
       <p:pic>
         <p:nvPicPr>
-          <p:cNvPr id="4" name="Content Placeholder 8"/>
+          <p:cNvPr id="4" name="Picture 3"/>
           <p:cNvPicPr>
             <a:picLocks noChangeAspect="1"/>
           </p:cNvPicPr>
@@ -7876,8 +11599,8 @@
         </p:blipFill>
         <p:spPr>
           <a:xfrm>
-            <a:off x="-81967" y="1690688"/>
-            <a:ext cx="12355933" cy="4461520"/>
+            <a:off x="-160365" y="1311242"/>
+            <a:ext cx="12564246" cy="4448714"/>
           </a:xfrm>
           <a:prstGeom prst="rect">
             <a:avLst/>
@@ -7900,10 +11623,34 @@
           <a:lstStyle/>
           <a:p>
             <a:r>
-              <a:rPr lang="de-AT" smtClean="0"/>
+              <a:rPr lang="de-AT" sz="2000" dirty="0" smtClean="0">
+                <a:ln w="0"/>
+                <a:solidFill>
+                  <a:schemeClr val="tx1"/>
+                </a:solidFill>
+                <a:effectLst>
+                  <a:outerShdw blurRad="38100" dist="19050" dir="2700000" algn="tl" rotWithShape="0">
+                    <a:schemeClr val="dk1">
+                      <a:alpha val="40000"/>
+                    </a:schemeClr>
+                  </a:outerShdw>
+                </a:effectLst>
+              </a:rPr>
               <a:t>20.03.2015</a:t>
             </a:r>
-            <a:endParaRPr lang="de-AT"/>
+            <a:endParaRPr lang="de-AT" sz="2000" dirty="0">
+              <a:ln w="0"/>
+              <a:solidFill>
+                <a:schemeClr val="tx1"/>
+              </a:solidFill>
+              <a:effectLst>
+                <a:outerShdw blurRad="38100" dist="19050" dir="2700000" algn="tl" rotWithShape="0">
+                  <a:schemeClr val="dk1">
+                    <a:alpha val="40000"/>
+                  </a:schemeClr>
+                </a:outerShdw>
+              </a:effectLst>
+            </a:endParaRPr>
           </a:p>
         </p:txBody>
       </p:sp>
@@ -7923,10 +11670,34 @@
           <a:lstStyle/>
           <a:p>
             <a:r>
-              <a:rPr lang="de-AT" smtClean="0"/>
+              <a:rPr lang="de-AT" sz="2000" smtClean="0">
+                <a:ln w="0"/>
+                <a:solidFill>
+                  <a:schemeClr val="tx1"/>
+                </a:solidFill>
+                <a:effectLst>
+                  <a:outerShdw blurRad="38100" dist="19050" dir="2700000" algn="tl" rotWithShape="0">
+                    <a:schemeClr val="dk1">
+                      <a:alpha val="40000"/>
+                    </a:schemeClr>
+                  </a:outerShdw>
+                </a:effectLst>
+              </a:rPr>
               <a:t>SOA, REST &amp; JSON</a:t>
             </a:r>
-            <a:endParaRPr lang="de-AT"/>
+            <a:endParaRPr lang="de-AT" sz="2000">
+              <a:ln w="0"/>
+              <a:solidFill>
+                <a:schemeClr val="tx1"/>
+              </a:solidFill>
+              <a:effectLst>
+                <a:outerShdw blurRad="38100" dist="19050" dir="2700000" algn="tl" rotWithShape="0">
+                  <a:schemeClr val="dk1">
+                    <a:alpha val="40000"/>
+                  </a:schemeClr>
+                </a:outerShdw>
+              </a:effectLst>
+            </a:endParaRPr>
           </a:p>
         </p:txBody>
       </p:sp>
@@ -7946,17 +11717,41 @@
           <a:lstStyle/>
           <a:p>
             <a:fld id="{0582A2BA-FDDD-4C1C-9C58-E41C263E2DD2}" type="slidenum">
-              <a:rPr lang="de-AT" smtClean="0"/>
-              <a:t>3</a:t>
+              <a:rPr lang="de-AT" sz="2000" smtClean="0">
+                <a:ln w="0"/>
+                <a:solidFill>
+                  <a:schemeClr val="tx1"/>
+                </a:solidFill>
+                <a:effectLst>
+                  <a:outerShdw blurRad="38100" dist="19050" dir="2700000" algn="tl" rotWithShape="0">
+                    <a:schemeClr val="dk1">
+                      <a:alpha val="40000"/>
+                    </a:schemeClr>
+                  </a:outerShdw>
+                </a:effectLst>
+              </a:rPr>
+              <a:t>5</a:t>
             </a:fld>
-            <a:endParaRPr lang="de-AT"/>
+            <a:endParaRPr lang="de-AT" sz="2000">
+              <a:ln w="0"/>
+              <a:solidFill>
+                <a:schemeClr val="tx1"/>
+              </a:solidFill>
+              <a:effectLst>
+                <a:outerShdw blurRad="38100" dist="19050" dir="2700000" algn="tl" rotWithShape="0">
+                  <a:schemeClr val="dk1">
+                    <a:alpha val="40000"/>
+                  </a:schemeClr>
+                </a:outerShdw>
+              </a:effectLst>
+            </a:endParaRPr>
           </a:p>
         </p:txBody>
       </p:sp>
     </p:spTree>
     <p:extLst>
       <p:ext uri="{BB962C8B-B14F-4D97-AF65-F5344CB8AC3E}">
-        <p14:creationId xmlns:p14="http://schemas.microsoft.com/office/powerpoint/2010/main" val="350288394"/>
+        <p14:creationId xmlns:p14="http://schemas.microsoft.com/office/powerpoint/2010/main" val="2615698480"/>
       </p:ext>
     </p:extLst>
   </p:cSld>
@@ -8044,7 +11839,7 @@
 </p:sld>
 </file>
 
-<file path=ppt/slides/slide4.xml><?xml version="1.0" encoding="utf-8"?>
+<file path=ppt/slides/slide6.xml><?xml version="1.0" encoding="utf-8"?>
 <p:sld xmlns:a="http://schemas.openxmlformats.org/drawingml/2006/main" xmlns:r="http://schemas.openxmlformats.org/officeDocument/2006/relationships" xmlns:p="http://schemas.openxmlformats.org/presentationml/2006/main">
   <p:cSld>
     <p:spTree>
@@ -8078,7 +11873,7 @@
           <a:p>
             <a:r>
               <a:rPr lang="de-AT" dirty="0" smtClean="0"/>
-              <a:t>Why SOA?</a:t>
+              <a:t>SOA Manifesto</a:t>
             </a:r>
             <a:endParaRPr lang="de-AT" dirty="0"/>
           </a:p>
@@ -8096,12 +11891,263 @@
         </p:nvSpPr>
         <p:spPr/>
         <p:txBody>
+          <a:bodyPr>
+            <a:normAutofit/>
+          </a:bodyPr>
+          <a:lstStyle/>
+          <a:p>
+            <a:r>
+              <a:rPr lang="en-US" dirty="0" smtClean="0"/>
+              <a:t>Business value over technical strategy</a:t>
+            </a:r>
+          </a:p>
+          <a:p>
+            <a:endParaRPr lang="en-US" sz="800" dirty="0" smtClean="0"/>
+          </a:p>
+          <a:p>
+            <a:r>
+              <a:rPr lang="en-US" dirty="0" smtClean="0"/>
+              <a:t>Strategic goals over project-specific benefits</a:t>
+            </a:r>
+          </a:p>
+          <a:p>
+            <a:endParaRPr lang="en-US" sz="800" dirty="0" smtClean="0"/>
+          </a:p>
+          <a:p>
+            <a:r>
+              <a:rPr lang="en-US" dirty="0" smtClean="0"/>
+              <a:t>Intrinsic interoperability over custom integration</a:t>
+            </a:r>
+          </a:p>
+          <a:p>
+            <a:endParaRPr lang="en-US" sz="800" dirty="0" smtClean="0"/>
+          </a:p>
+          <a:p>
+            <a:r>
+              <a:rPr lang="en-US" dirty="0" smtClean="0"/>
+              <a:t>Shared services over specific-purpose implementations</a:t>
+            </a:r>
+          </a:p>
+          <a:p>
+            <a:endParaRPr lang="en-US" sz="900" dirty="0" smtClean="0"/>
+          </a:p>
+          <a:p>
+            <a:r>
+              <a:rPr lang="en-US" dirty="0" smtClean="0"/>
+              <a:t>Flexibility over optimization</a:t>
+            </a:r>
+          </a:p>
+          <a:p>
+            <a:endParaRPr lang="en-US" sz="800" dirty="0" smtClean="0"/>
+          </a:p>
+          <a:p>
+            <a:r>
+              <a:rPr lang="en-US" dirty="0" smtClean="0"/>
+              <a:t>Evolutionary refinement over pursuit of initial perfection</a:t>
+            </a:r>
+            <a:endParaRPr lang="de-AT" dirty="0"/>
+          </a:p>
+        </p:txBody>
+      </p:sp>
+      <p:sp>
+        <p:nvSpPr>
+          <p:cNvPr id="4" name="Date Placeholder 3"/>
+          <p:cNvSpPr>
+            <a:spLocks noGrp="1"/>
+          </p:cNvSpPr>
+          <p:nvPr>
+            <p:ph type="dt" sz="half" idx="10"/>
+          </p:nvPr>
+        </p:nvSpPr>
+        <p:spPr/>
+        <p:txBody>
+          <a:bodyPr/>
+          <a:lstStyle/>
+          <a:p>
+            <a:r>
+              <a:rPr lang="de-AT" sz="2000" smtClean="0">
+                <a:ln w="0"/>
+                <a:solidFill>
+                  <a:schemeClr val="tx1"/>
+                </a:solidFill>
+                <a:effectLst>
+                  <a:outerShdw blurRad="38100" dist="19050" dir="2700000" algn="tl" rotWithShape="0">
+                    <a:schemeClr val="dk1">
+                      <a:alpha val="40000"/>
+                    </a:schemeClr>
+                  </a:outerShdw>
+                </a:effectLst>
+              </a:rPr>
+              <a:t>20.03.2015</a:t>
+            </a:r>
+            <a:endParaRPr lang="de-AT" sz="2000">
+              <a:ln w="0"/>
+              <a:solidFill>
+                <a:schemeClr val="tx1"/>
+              </a:solidFill>
+              <a:effectLst>
+                <a:outerShdw blurRad="38100" dist="19050" dir="2700000" algn="tl" rotWithShape="0">
+                  <a:schemeClr val="dk1">
+                    <a:alpha val="40000"/>
+                  </a:schemeClr>
+                </a:outerShdw>
+              </a:effectLst>
+            </a:endParaRPr>
+          </a:p>
+        </p:txBody>
+      </p:sp>
+      <p:sp>
+        <p:nvSpPr>
+          <p:cNvPr id="5" name="Footer Placeholder 4"/>
+          <p:cNvSpPr>
+            <a:spLocks noGrp="1"/>
+          </p:cNvSpPr>
+          <p:nvPr>
+            <p:ph type="ftr" sz="quarter" idx="11"/>
+          </p:nvPr>
+        </p:nvSpPr>
+        <p:spPr/>
+        <p:txBody>
+          <a:bodyPr/>
+          <a:lstStyle/>
+          <a:p>
+            <a:r>
+              <a:rPr lang="de-AT" sz="2000" smtClean="0">
+                <a:ln w="0"/>
+                <a:solidFill>
+                  <a:schemeClr val="tx1"/>
+                </a:solidFill>
+                <a:effectLst>
+                  <a:outerShdw blurRad="38100" dist="19050" dir="2700000" algn="tl" rotWithShape="0">
+                    <a:schemeClr val="dk1">
+                      <a:alpha val="40000"/>
+                    </a:schemeClr>
+                  </a:outerShdw>
+                </a:effectLst>
+              </a:rPr>
+              <a:t>SOA, REST &amp; JSON</a:t>
+            </a:r>
+            <a:endParaRPr lang="de-AT" sz="2000">
+              <a:ln w="0"/>
+              <a:solidFill>
+                <a:schemeClr val="tx1"/>
+              </a:solidFill>
+              <a:effectLst>
+                <a:outerShdw blurRad="38100" dist="19050" dir="2700000" algn="tl" rotWithShape="0">
+                  <a:schemeClr val="dk1">
+                    <a:alpha val="40000"/>
+                  </a:schemeClr>
+                </a:outerShdw>
+              </a:effectLst>
+            </a:endParaRPr>
+          </a:p>
+        </p:txBody>
+      </p:sp>
+      <p:sp>
+        <p:nvSpPr>
+          <p:cNvPr id="6" name="Slide Number Placeholder 5"/>
+          <p:cNvSpPr>
+            <a:spLocks noGrp="1"/>
+          </p:cNvSpPr>
+          <p:nvPr>
+            <p:ph type="sldNum" sz="quarter" idx="12"/>
+          </p:nvPr>
+        </p:nvSpPr>
+        <p:spPr/>
+        <p:txBody>
+          <a:bodyPr/>
+          <a:lstStyle/>
+          <a:p>
+            <a:fld id="{0582A2BA-FDDD-4C1C-9C58-E41C263E2DD2}" type="slidenum">
+              <a:rPr lang="de-AT" sz="2000" smtClean="0">
+                <a:ln w="0"/>
+                <a:solidFill>
+                  <a:schemeClr val="tx1"/>
+                </a:solidFill>
+                <a:effectLst>
+                  <a:outerShdw blurRad="38100" dist="19050" dir="2700000" algn="tl" rotWithShape="0">
+                    <a:schemeClr val="dk1">
+                      <a:alpha val="40000"/>
+                    </a:schemeClr>
+                  </a:outerShdw>
+                </a:effectLst>
+              </a:rPr>
+              <a:t>6</a:t>
+            </a:fld>
+            <a:endParaRPr lang="de-AT" sz="2000">
+              <a:ln w="0"/>
+              <a:solidFill>
+                <a:schemeClr val="tx1"/>
+              </a:solidFill>
+              <a:effectLst>
+                <a:outerShdw blurRad="38100" dist="19050" dir="2700000" algn="tl" rotWithShape="0">
+                  <a:schemeClr val="dk1">
+                    <a:alpha val="40000"/>
+                  </a:schemeClr>
+                </a:outerShdw>
+              </a:effectLst>
+            </a:endParaRPr>
+          </a:p>
+        </p:txBody>
+      </p:sp>
+    </p:spTree>
+    <p:extLst>
+      <p:ext uri="{BB962C8B-B14F-4D97-AF65-F5344CB8AC3E}">
+        <p14:creationId xmlns:p14="http://schemas.microsoft.com/office/powerpoint/2010/main" val="1098491142"/>
+      </p:ext>
+    </p:extLst>
+  </p:cSld>
+  <p:clrMapOvr>
+    <a:masterClrMapping/>
+  </p:clrMapOvr>
+  <p:transition spd="slow">
+    <p:push dir="u"/>
+  </p:transition>
+  <p:timing>
+    <p:tnLst>
+      <p:par>
+        <p:cTn id="1" dur="indefinite" restart="never" nodeType="tmRoot"/>
+      </p:par>
+    </p:tnLst>
+  </p:timing>
+</p:sld>
+</file>
+
+<file path=ppt/slides/slide7.xml><?xml version="1.0" encoding="utf-8"?>
+<p:sld xmlns:a="http://schemas.openxmlformats.org/drawingml/2006/main" xmlns:r="http://schemas.openxmlformats.org/officeDocument/2006/relationships" xmlns:p="http://schemas.openxmlformats.org/presentationml/2006/main">
+  <p:cSld>
+    <p:spTree>
+      <p:nvGrpSpPr>
+        <p:cNvPr id="1" name=""/>
+        <p:cNvGrpSpPr/>
+        <p:nvPr/>
+      </p:nvGrpSpPr>
+      <p:grpSpPr>
+        <a:xfrm>
+          <a:off x="0" y="0"/>
+          <a:ext cx="0" cy="0"/>
+          <a:chOff x="0" y="0"/>
+          <a:chExt cx="0" cy="0"/>
+        </a:xfrm>
+      </p:grpSpPr>
+      <p:sp>
+        <p:nvSpPr>
+          <p:cNvPr id="4" name="Content Placeholder 3"/>
+          <p:cNvSpPr>
+            <a:spLocks noGrp="1"/>
+          </p:cNvSpPr>
+          <p:nvPr>
+            <p:ph idx="1"/>
+          </p:nvPr>
+        </p:nvSpPr>
+        <p:spPr/>
+        <p:txBody>
           <a:bodyPr/>
           <a:lstStyle/>
           <a:p>
             <a:r>
               <a:rPr lang="de-AT" dirty="0" smtClean="0"/>
-              <a:t>Resistant to change</a:t>
+              <a:t>Normal Lifcycle + Service Lifecycle</a:t>
             </a:r>
           </a:p>
           <a:p>
@@ -8110,33 +12156,239 @@
           <a:p>
             <a:r>
               <a:rPr lang="de-AT" dirty="0" smtClean="0"/>
-              <a:t>Communication and data transmission</a:t>
-            </a:r>
-          </a:p>
-          <a:p>
-            <a:endParaRPr lang="de-AT" sz="800" dirty="0" smtClean="0"/>
-          </a:p>
-          <a:p>
+              <a:t>Differences from normal software development:</a:t>
+            </a:r>
+          </a:p>
+          <a:p>
+            <a:pPr lvl="1"/>
             <a:r>
               <a:rPr lang="de-AT" dirty="0" smtClean="0"/>
-              <a:t>Vendor dependency</a:t>
-            </a:r>
-          </a:p>
-          <a:p>
-            <a:endParaRPr lang="de-AT" sz="800" dirty="0" smtClean="0"/>
-          </a:p>
-          <a:p>
+              <a:t>Identifying the Business Process</a:t>
+            </a:r>
+          </a:p>
+          <a:p>
+            <a:pPr lvl="1"/>
             <a:r>
               <a:rPr lang="de-AT" dirty="0" smtClean="0"/>
-              <a:t>Not enough support to BPM</a:t>
+              <a:t>Build and compose </a:t>
+            </a:r>
+          </a:p>
+          <a:p>
+            <a:pPr lvl="1"/>
+            <a:r>
+              <a:rPr lang="de-AT" dirty="0" smtClean="0"/>
+              <a:t>Change</a:t>
+            </a:r>
+          </a:p>
+          <a:p>
+            <a:pPr lvl="1"/>
+            <a:r>
+              <a:rPr lang="de-AT" dirty="0" smtClean="0"/>
+              <a:t>Retirement</a:t>
             </a:r>
             <a:endParaRPr lang="de-AT" dirty="0"/>
+          </a:p>
+          <a:p>
+            <a:endParaRPr lang="de-AT" dirty="0"/>
+          </a:p>
+        </p:txBody>
+      </p:sp>
+      <p:sp>
+        <p:nvSpPr>
+          <p:cNvPr id="5" name="Date Placeholder 4"/>
+          <p:cNvSpPr>
+            <a:spLocks noGrp="1"/>
+          </p:cNvSpPr>
+          <p:nvPr>
+            <p:ph type="dt" sz="half" idx="10"/>
+          </p:nvPr>
+        </p:nvSpPr>
+        <p:spPr/>
+        <p:txBody>
+          <a:bodyPr/>
+          <a:lstStyle/>
+          <a:p>
+            <a:r>
+              <a:rPr lang="de-AT" sz="2000" dirty="0" smtClean="0">
+                <a:ln w="0"/>
+                <a:solidFill>
+                  <a:schemeClr val="tx1"/>
+                </a:solidFill>
+                <a:effectLst>
+                  <a:outerShdw blurRad="38100" dist="19050" dir="2700000" algn="tl" rotWithShape="0">
+                    <a:schemeClr val="dk1">
+                      <a:alpha val="40000"/>
+                    </a:schemeClr>
+                  </a:outerShdw>
+                </a:effectLst>
+              </a:rPr>
+              <a:t>20.03.2015</a:t>
+            </a:r>
+            <a:endParaRPr lang="de-AT" sz="2000" dirty="0">
+              <a:ln w="0"/>
+              <a:solidFill>
+                <a:schemeClr val="tx1"/>
+              </a:solidFill>
+              <a:effectLst>
+                <a:outerShdw blurRad="38100" dist="19050" dir="2700000" algn="tl" rotWithShape="0">
+                  <a:schemeClr val="dk1">
+                    <a:alpha val="40000"/>
+                  </a:schemeClr>
+                </a:outerShdw>
+              </a:effectLst>
+            </a:endParaRPr>
+          </a:p>
+        </p:txBody>
+      </p:sp>
+      <p:sp>
+        <p:nvSpPr>
+          <p:cNvPr id="6" name="Footer Placeholder 5"/>
+          <p:cNvSpPr>
+            <a:spLocks noGrp="1"/>
+          </p:cNvSpPr>
+          <p:nvPr>
+            <p:ph type="ftr" sz="quarter" idx="11"/>
+          </p:nvPr>
+        </p:nvSpPr>
+        <p:spPr/>
+        <p:txBody>
+          <a:bodyPr/>
+          <a:lstStyle/>
+          <a:p>
+            <a:r>
+              <a:rPr lang="de-AT" sz="2000" dirty="0" smtClean="0">
+                <a:ln w="0"/>
+                <a:solidFill>
+                  <a:schemeClr val="tx1"/>
+                </a:solidFill>
+                <a:effectLst>
+                  <a:outerShdw blurRad="38100" dist="19050" dir="2700000" algn="tl" rotWithShape="0">
+                    <a:schemeClr val="dk1">
+                      <a:alpha val="40000"/>
+                    </a:schemeClr>
+                  </a:outerShdw>
+                </a:effectLst>
+              </a:rPr>
+              <a:t>SOA, REST &amp; JSON</a:t>
+            </a:r>
+            <a:endParaRPr lang="de-AT" sz="2000" dirty="0">
+              <a:ln w="0"/>
+              <a:solidFill>
+                <a:schemeClr val="tx1"/>
+              </a:solidFill>
+              <a:effectLst>
+                <a:outerShdw blurRad="38100" dist="19050" dir="2700000" algn="tl" rotWithShape="0">
+                  <a:schemeClr val="dk1">
+                    <a:alpha val="40000"/>
+                  </a:schemeClr>
+                </a:outerShdw>
+              </a:effectLst>
+            </a:endParaRPr>
+          </a:p>
+        </p:txBody>
+      </p:sp>
+      <p:sp>
+        <p:nvSpPr>
+          <p:cNvPr id="7" name="Slide Number Placeholder 6"/>
+          <p:cNvSpPr>
+            <a:spLocks noGrp="1"/>
+          </p:cNvSpPr>
+          <p:nvPr>
+            <p:ph type="sldNum" sz="quarter" idx="12"/>
+          </p:nvPr>
+        </p:nvSpPr>
+        <p:spPr/>
+        <p:txBody>
+          <a:bodyPr/>
+          <a:lstStyle/>
+          <a:p>
+            <a:fld id="{0582A2BA-FDDD-4C1C-9C58-E41C263E2DD2}" type="slidenum">
+              <a:rPr lang="de-AT" sz="2000" smtClean="0">
+                <a:ln w="0"/>
+                <a:solidFill>
+                  <a:schemeClr val="tx1"/>
+                </a:solidFill>
+                <a:effectLst>
+                  <a:outerShdw blurRad="38100" dist="19050" dir="2700000" algn="tl" rotWithShape="0">
+                    <a:schemeClr val="dk1">
+                      <a:alpha val="40000"/>
+                    </a:schemeClr>
+                  </a:outerShdw>
+                </a:effectLst>
+              </a:rPr>
+              <a:t>7</a:t>
+            </a:fld>
+            <a:endParaRPr lang="de-AT" sz="2000">
+              <a:ln w="0"/>
+              <a:solidFill>
+                <a:schemeClr val="tx1"/>
+              </a:solidFill>
+              <a:effectLst>
+                <a:outerShdw blurRad="38100" dist="19050" dir="2700000" algn="tl" rotWithShape="0">
+                  <a:schemeClr val="dk1">
+                    <a:alpha val="40000"/>
+                  </a:schemeClr>
+                </a:outerShdw>
+              </a:effectLst>
+            </a:endParaRPr>
           </a:p>
         </p:txBody>
       </p:sp>
       <p:pic>
         <p:nvPicPr>
-          <p:cNvPr id="4" name="Picture 3"/>
+          <p:cNvPr id="8" name="Picture 7"/>
+          <p:cNvPicPr>
+            <a:picLocks noChangeAspect="1"/>
+          </p:cNvPicPr>
+          <p:nvPr/>
+        </p:nvPicPr>
+        <p:blipFill rotWithShape="1">
+          <a:blip r:embed="rId2">
+            <a:extLst>
+              <a:ext uri="{28A0092B-C50C-407E-A947-70E740481C1C}">
+                <a14:useLocalDpi xmlns:a14="http://schemas.microsoft.com/office/drawing/2010/main" val="0"/>
+              </a:ext>
+            </a:extLst>
+          </a:blip>
+          <a:srcRect b="37085"/>
+          <a:stretch/>
+        </p:blipFill>
+        <p:spPr>
+          <a:xfrm>
+            <a:off x="227347" y="1162654"/>
+            <a:ext cx="9110909" cy="5184373"/>
+          </a:xfrm>
+          <a:prstGeom prst="rect">
+            <a:avLst/>
+          </a:prstGeom>
+        </p:spPr>
+      </p:pic>
+      <p:sp>
+        <p:nvSpPr>
+          <p:cNvPr id="2" name="Title 1"/>
+          <p:cNvSpPr>
+            <a:spLocks noGrp="1"/>
+          </p:cNvSpPr>
+          <p:nvPr>
+            <p:ph type="title"/>
+          </p:nvPr>
+        </p:nvSpPr>
+        <p:spPr/>
+        <p:txBody>
+          <a:bodyPr/>
+          <a:lstStyle/>
+          <a:p>
+            <a:r>
+              <a:rPr lang="de-AT" dirty="0" smtClean="0"/>
+              <a:t>SOA Lifecycle</a:t>
+            </a:r>
+            <a:endParaRPr lang="de-AT" dirty="0"/>
+          </a:p>
+        </p:txBody>
+      </p:sp>
+      <p:pic>
+        <p:nvPicPr>
+          <p:cNvPr id="3" name="Picture 2"/>
           <p:cNvPicPr>
             <a:picLocks noChangeAspect="1"/>
           </p:cNvPicPr>
@@ -8156,159 +12408,18 @@
         </p:blipFill>
         <p:spPr>
           <a:xfrm>
-            <a:off x="-128790" y="1690688"/>
-            <a:ext cx="12670327" cy="4486275"/>
+            <a:off x="5918915" y="628370"/>
+            <a:ext cx="5582429" cy="5048955"/>
           </a:xfrm>
           <a:prstGeom prst="rect">
             <a:avLst/>
           </a:prstGeom>
         </p:spPr>
       </p:pic>
-      <p:sp>
-        <p:nvSpPr>
-          <p:cNvPr id="5" name="Date Placeholder 4"/>
-          <p:cNvSpPr>
-            <a:spLocks noGrp="1"/>
-          </p:cNvSpPr>
-          <p:nvPr>
-            <p:ph type="dt" sz="half" idx="10"/>
-          </p:nvPr>
-        </p:nvSpPr>
-        <p:spPr/>
-        <p:txBody>
-          <a:bodyPr/>
-          <a:lstStyle/>
-          <a:p>
-            <a:r>
-              <a:rPr lang="de-AT" sz="2000" dirty="0" smtClean="0">
-                <a:ln w="0"/>
-                <a:solidFill>
-                  <a:schemeClr val="tx1"/>
-                </a:solidFill>
-                <a:effectLst>
-                  <a:outerShdw blurRad="38100" dist="19050" dir="2700000" algn="tl" rotWithShape="0">
-                    <a:schemeClr val="dk1">
-                      <a:alpha val="40000"/>
-                    </a:schemeClr>
-                  </a:outerShdw>
-                </a:effectLst>
-              </a:rPr>
-              <a:t>20.03.2015</a:t>
-            </a:r>
-            <a:endParaRPr lang="de-AT" sz="2000" dirty="0">
-              <a:ln w="0"/>
-              <a:solidFill>
-                <a:schemeClr val="tx1"/>
-              </a:solidFill>
-              <a:effectLst>
-                <a:outerShdw blurRad="38100" dist="19050" dir="2700000" algn="tl" rotWithShape="0">
-                  <a:schemeClr val="dk1">
-                    <a:alpha val="40000"/>
-                  </a:schemeClr>
-                </a:outerShdw>
-              </a:effectLst>
-            </a:endParaRPr>
-          </a:p>
-        </p:txBody>
-      </p:sp>
-      <p:sp>
-        <p:nvSpPr>
-          <p:cNvPr id="6" name="Footer Placeholder 5"/>
-          <p:cNvSpPr>
-            <a:spLocks noGrp="1"/>
-          </p:cNvSpPr>
-          <p:nvPr>
-            <p:ph type="ftr" sz="quarter" idx="11"/>
-          </p:nvPr>
-        </p:nvSpPr>
-        <p:spPr/>
-        <p:txBody>
-          <a:bodyPr/>
-          <a:lstStyle/>
-          <a:p>
-            <a:r>
-              <a:rPr lang="de-AT" sz="2000" smtClean="0">
-                <a:ln w="0"/>
-                <a:solidFill>
-                  <a:schemeClr val="tx1"/>
-                </a:solidFill>
-                <a:effectLst>
-                  <a:outerShdw blurRad="38100" dist="19050" dir="2700000" algn="tl" rotWithShape="0">
-                    <a:schemeClr val="dk1">
-                      <a:alpha val="40000"/>
-                    </a:schemeClr>
-                  </a:outerShdw>
-                </a:effectLst>
-              </a:rPr>
-              <a:t>SOA, REST &amp; JSON</a:t>
-            </a:r>
-            <a:endParaRPr lang="de-AT" sz="2000">
-              <a:ln w="0"/>
-              <a:solidFill>
-                <a:schemeClr val="tx1"/>
-              </a:solidFill>
-              <a:effectLst>
-                <a:outerShdw blurRad="38100" dist="19050" dir="2700000" algn="tl" rotWithShape="0">
-                  <a:schemeClr val="dk1">
-                    <a:alpha val="40000"/>
-                  </a:schemeClr>
-                </a:outerShdw>
-              </a:effectLst>
-            </a:endParaRPr>
-          </a:p>
-        </p:txBody>
-      </p:sp>
-      <p:sp>
-        <p:nvSpPr>
-          <p:cNvPr id="7" name="Slide Number Placeholder 6"/>
-          <p:cNvSpPr>
-            <a:spLocks noGrp="1"/>
-          </p:cNvSpPr>
-          <p:nvPr>
-            <p:ph type="sldNum" sz="quarter" idx="12"/>
-          </p:nvPr>
-        </p:nvSpPr>
-        <p:spPr/>
-        <p:txBody>
-          <a:bodyPr/>
-          <a:lstStyle/>
-          <a:p>
-            <a:fld id="{0582A2BA-FDDD-4C1C-9C58-E41C263E2DD2}" type="slidenum">
-              <a:rPr lang="de-AT" sz="2000" smtClean="0">
-                <a:ln w="0"/>
-                <a:solidFill>
-                  <a:schemeClr val="tx1"/>
-                </a:solidFill>
-                <a:effectLst>
-                  <a:outerShdw blurRad="38100" dist="19050" dir="2700000" algn="tl" rotWithShape="0">
-                    <a:schemeClr val="dk1">
-                      <a:alpha val="40000"/>
-                    </a:schemeClr>
-                  </a:outerShdw>
-                </a:effectLst>
-              </a:rPr>
-              <a:t>4</a:t>
-            </a:fld>
-            <a:endParaRPr lang="de-AT" sz="2000">
-              <a:ln w="0"/>
-              <a:solidFill>
-                <a:schemeClr val="tx1"/>
-              </a:solidFill>
-              <a:effectLst>
-                <a:outerShdw blurRad="38100" dist="19050" dir="2700000" algn="tl" rotWithShape="0">
-                  <a:schemeClr val="dk1">
-                    <a:alpha val="40000"/>
-                  </a:schemeClr>
-                </a:outerShdw>
-              </a:effectLst>
-            </a:endParaRPr>
-          </a:p>
-        </p:txBody>
-      </p:sp>
     </p:spTree>
     <p:extLst>
       <p:ext uri="{BB962C8B-B14F-4D97-AF65-F5344CB8AC3E}">
-        <p14:creationId xmlns:p14="http://schemas.microsoft.com/office/powerpoint/2010/main" val="2558781691"/>
+        <p14:creationId xmlns:p14="http://schemas.microsoft.com/office/powerpoint/2010/main" val="2296427799"/>
       </p:ext>
     </p:extLst>
   </p:cSld>
@@ -8339,7 +12450,7 @@
                             </p:stCondLst>
                             <p:childTnLst>
                               <p:par>
-                                <p:cTn id="5" presetID="1" presetClass="entr" presetSubtype="0" fill="hold" nodeType="clickEffect">
+                                <p:cTn id="5" presetID="10" presetClass="entr" presetSubtype="0" fill="hold" nodeType="clickEffect">
                                   <p:stCondLst>
                                     <p:cond delay="0"/>
                                   </p:stCondLst>
@@ -8352,7 +12463,7 @@
                                           </p:stCondLst>
                                         </p:cTn>
                                         <p:tgtEl>
-                                          <p:spTgt spid="4"/>
+                                          <p:spTgt spid="8"/>
                                         </p:tgtEl>
                                         <p:attrNameLst>
                                           <p:attrName>style.visibility</p:attrName>
@@ -8362,6 +12473,120 @@
                                         <p:strVal val="visible"/>
                                       </p:to>
                                     </p:set>
+                                    <p:animEffect transition="in" filter="fade">
+                                      <p:cBhvr>
+                                        <p:cTn id="7" dur="500"/>
+                                        <p:tgtEl>
+                                          <p:spTgt spid="8"/>
+                                        </p:tgtEl>
+                                      </p:cBhvr>
+                                    </p:animEffect>
+                                  </p:childTnLst>
+                                </p:cTn>
+                              </p:par>
+                            </p:childTnLst>
+                          </p:cTn>
+                        </p:par>
+                      </p:childTnLst>
+                    </p:cTn>
+                  </p:par>
+                  <p:par>
+                    <p:cTn id="8" fill="hold">
+                      <p:stCondLst>
+                        <p:cond delay="indefinite"/>
+                      </p:stCondLst>
+                      <p:childTnLst>
+                        <p:par>
+                          <p:cTn id="9" fill="hold">
+                            <p:stCondLst>
+                              <p:cond delay="0"/>
+                            </p:stCondLst>
+                            <p:childTnLst>
+                              <p:par>
+                                <p:cTn id="10" presetID="10" presetClass="exit" presetSubtype="0" fill="hold" nodeType="clickEffect">
+                                  <p:stCondLst>
+                                    <p:cond delay="0"/>
+                                  </p:stCondLst>
+                                  <p:childTnLst>
+                                    <p:animEffect transition="out" filter="fade">
+                                      <p:cBhvr>
+                                        <p:cTn id="11" dur="500"/>
+                                        <p:tgtEl>
+                                          <p:spTgt spid="8"/>
+                                        </p:tgtEl>
+                                      </p:cBhvr>
+                                    </p:animEffect>
+                                    <p:set>
+                                      <p:cBhvr>
+                                        <p:cTn id="12" dur="1" fill="hold">
+                                          <p:stCondLst>
+                                            <p:cond delay="499"/>
+                                          </p:stCondLst>
+                                        </p:cTn>
+                                        <p:tgtEl>
+                                          <p:spTgt spid="8"/>
+                                        </p:tgtEl>
+                                        <p:attrNameLst>
+                                          <p:attrName>style.visibility</p:attrName>
+                                        </p:attrNameLst>
+                                      </p:cBhvr>
+                                      <p:to>
+                                        <p:strVal val="hidden"/>
+                                      </p:to>
+                                    </p:set>
+                                  </p:childTnLst>
+                                </p:cTn>
+                              </p:par>
+                            </p:childTnLst>
+                          </p:cTn>
+                        </p:par>
+                      </p:childTnLst>
+                    </p:cTn>
+                  </p:par>
+                  <p:par>
+                    <p:cTn id="13" fill="hold">
+                      <p:stCondLst>
+                        <p:cond delay="indefinite"/>
+                      </p:stCondLst>
+                      <p:childTnLst>
+                        <p:par>
+                          <p:cTn id="14" fill="hold">
+                            <p:stCondLst>
+                              <p:cond delay="0"/>
+                            </p:stCondLst>
+                            <p:childTnLst>
+                              <p:par>
+                                <p:cTn id="15" presetID="10" presetClass="entr" presetSubtype="0" fill="hold" nodeType="clickEffect">
+                                  <p:stCondLst>
+                                    <p:cond delay="0"/>
+                                  </p:stCondLst>
+                                  <p:childTnLst>
+                                    <p:set>
+                                      <p:cBhvr>
+                                        <p:cTn id="16" dur="1" fill="hold">
+                                          <p:stCondLst>
+                                            <p:cond delay="0"/>
+                                          </p:stCondLst>
+                                        </p:cTn>
+                                        <p:tgtEl>
+                                          <p:spTgt spid="3"/>
+                                        </p:tgtEl>
+                                        <p:attrNameLst>
+                                          <p:attrName>style.visibility</p:attrName>
+                                        </p:attrNameLst>
+                                      </p:cBhvr>
+                                      <p:to>
+                                        <p:strVal val="visible"/>
+                                      </p:to>
+                                    </p:set>
+                                    <p:animEffect transition="in" filter="fade">
+                                      <p:cBhvr>
+                                        <p:cTn id="17" dur="500"/>
+                                        <p:tgtEl>
+                                          <p:spTgt spid="3"/>
+                                        </p:tgtEl>
+                                      </p:cBhvr>
+                                    </p:animEffect>
                                   </p:childTnLst>
                                 </p:cTn>
                               </p:par>
@@ -8396,508 +12621,7 @@
 </p:sld>
 </file>
 
-<file path=ppt/slides/slide5.xml><?xml version="1.0" encoding="utf-8"?>
-<p:sld xmlns:a="http://schemas.openxmlformats.org/drawingml/2006/main" xmlns:r="http://schemas.openxmlformats.org/officeDocument/2006/relationships" xmlns:p="http://schemas.openxmlformats.org/presentationml/2006/main">
-  <p:cSld>
-    <p:spTree>
-      <p:nvGrpSpPr>
-        <p:cNvPr id="1" name=""/>
-        <p:cNvGrpSpPr/>
-        <p:nvPr/>
-      </p:nvGrpSpPr>
-      <p:grpSpPr>
-        <a:xfrm>
-          <a:off x="0" y="0"/>
-          <a:ext cx="0" cy="0"/>
-          <a:chOff x="0" y="0"/>
-          <a:chExt cx="0" cy="0"/>
-        </a:xfrm>
-      </p:grpSpPr>
-      <p:sp>
-        <p:nvSpPr>
-          <p:cNvPr id="2" name="Title 1"/>
-          <p:cNvSpPr>
-            <a:spLocks noGrp="1"/>
-          </p:cNvSpPr>
-          <p:nvPr>
-            <p:ph type="title"/>
-          </p:nvPr>
-        </p:nvSpPr>
-        <p:spPr/>
-        <p:txBody>
-          <a:bodyPr/>
-          <a:lstStyle/>
-          <a:p>
-            <a:r>
-              <a:rPr lang="de-AT" dirty="0" smtClean="0"/>
-              <a:t>SOA Manifesto</a:t>
-            </a:r>
-            <a:endParaRPr lang="de-AT" dirty="0"/>
-          </a:p>
-        </p:txBody>
-      </p:sp>
-      <p:sp>
-        <p:nvSpPr>
-          <p:cNvPr id="3" name="Content Placeholder 2"/>
-          <p:cNvSpPr>
-            <a:spLocks noGrp="1"/>
-          </p:cNvSpPr>
-          <p:nvPr>
-            <p:ph idx="1"/>
-          </p:nvPr>
-        </p:nvSpPr>
-        <p:spPr/>
-        <p:txBody>
-          <a:bodyPr>
-            <a:normAutofit/>
-          </a:bodyPr>
-          <a:lstStyle/>
-          <a:p>
-            <a:r>
-              <a:rPr lang="en-US" dirty="0" smtClean="0"/>
-              <a:t>Business value over technical strategy</a:t>
-            </a:r>
-          </a:p>
-          <a:p>
-            <a:endParaRPr lang="en-US" sz="800" dirty="0" smtClean="0"/>
-          </a:p>
-          <a:p>
-            <a:r>
-              <a:rPr lang="en-US" dirty="0" smtClean="0"/>
-              <a:t>Strategic goals over project-specific benefits</a:t>
-            </a:r>
-          </a:p>
-          <a:p>
-            <a:endParaRPr lang="en-US" sz="800" dirty="0" smtClean="0"/>
-          </a:p>
-          <a:p>
-            <a:r>
-              <a:rPr lang="en-US" dirty="0" smtClean="0"/>
-              <a:t>Intrinsic interoperability over custom integration</a:t>
-            </a:r>
-          </a:p>
-          <a:p>
-            <a:endParaRPr lang="en-US" sz="800" dirty="0" smtClean="0"/>
-          </a:p>
-          <a:p>
-            <a:r>
-              <a:rPr lang="en-US" dirty="0" smtClean="0"/>
-              <a:t>Shared services over specific-purpose implementations</a:t>
-            </a:r>
-          </a:p>
-          <a:p>
-            <a:endParaRPr lang="en-US" sz="900" dirty="0" smtClean="0"/>
-          </a:p>
-          <a:p>
-            <a:r>
-              <a:rPr lang="en-US" dirty="0" smtClean="0"/>
-              <a:t>Flexibility over optimization</a:t>
-            </a:r>
-          </a:p>
-          <a:p>
-            <a:endParaRPr lang="en-US" sz="800" dirty="0" smtClean="0"/>
-          </a:p>
-          <a:p>
-            <a:r>
-              <a:rPr lang="en-US" dirty="0" smtClean="0"/>
-              <a:t>Evolutionary refinement over pursuit of initial perfection</a:t>
-            </a:r>
-            <a:endParaRPr lang="de-AT" dirty="0"/>
-          </a:p>
-        </p:txBody>
-      </p:sp>
-      <p:sp>
-        <p:nvSpPr>
-          <p:cNvPr id="4" name="Date Placeholder 3"/>
-          <p:cNvSpPr>
-            <a:spLocks noGrp="1"/>
-          </p:cNvSpPr>
-          <p:nvPr>
-            <p:ph type="dt" sz="half" idx="10"/>
-          </p:nvPr>
-        </p:nvSpPr>
-        <p:spPr/>
-        <p:txBody>
-          <a:bodyPr/>
-          <a:lstStyle/>
-          <a:p>
-            <a:r>
-              <a:rPr lang="de-AT" sz="2000" smtClean="0">
-                <a:ln w="0"/>
-                <a:solidFill>
-                  <a:schemeClr val="tx1"/>
-                </a:solidFill>
-                <a:effectLst>
-                  <a:outerShdw blurRad="38100" dist="19050" dir="2700000" algn="tl" rotWithShape="0">
-                    <a:schemeClr val="dk1">
-                      <a:alpha val="40000"/>
-                    </a:schemeClr>
-                  </a:outerShdw>
-                </a:effectLst>
-              </a:rPr>
-              <a:t>20.03.2015</a:t>
-            </a:r>
-            <a:endParaRPr lang="de-AT" sz="2000">
-              <a:ln w="0"/>
-              <a:solidFill>
-                <a:schemeClr val="tx1"/>
-              </a:solidFill>
-              <a:effectLst>
-                <a:outerShdw blurRad="38100" dist="19050" dir="2700000" algn="tl" rotWithShape="0">
-                  <a:schemeClr val="dk1">
-                    <a:alpha val="40000"/>
-                  </a:schemeClr>
-                </a:outerShdw>
-              </a:effectLst>
-            </a:endParaRPr>
-          </a:p>
-        </p:txBody>
-      </p:sp>
-      <p:sp>
-        <p:nvSpPr>
-          <p:cNvPr id="5" name="Footer Placeholder 4"/>
-          <p:cNvSpPr>
-            <a:spLocks noGrp="1"/>
-          </p:cNvSpPr>
-          <p:nvPr>
-            <p:ph type="ftr" sz="quarter" idx="11"/>
-          </p:nvPr>
-        </p:nvSpPr>
-        <p:spPr/>
-        <p:txBody>
-          <a:bodyPr/>
-          <a:lstStyle/>
-          <a:p>
-            <a:r>
-              <a:rPr lang="de-AT" sz="2000" smtClean="0">
-                <a:ln w="0"/>
-                <a:solidFill>
-                  <a:schemeClr val="tx1"/>
-                </a:solidFill>
-                <a:effectLst>
-                  <a:outerShdw blurRad="38100" dist="19050" dir="2700000" algn="tl" rotWithShape="0">
-                    <a:schemeClr val="dk1">
-                      <a:alpha val="40000"/>
-                    </a:schemeClr>
-                  </a:outerShdw>
-                </a:effectLst>
-              </a:rPr>
-              <a:t>SOA, REST &amp; JSON</a:t>
-            </a:r>
-            <a:endParaRPr lang="de-AT" sz="2000">
-              <a:ln w="0"/>
-              <a:solidFill>
-                <a:schemeClr val="tx1"/>
-              </a:solidFill>
-              <a:effectLst>
-                <a:outerShdw blurRad="38100" dist="19050" dir="2700000" algn="tl" rotWithShape="0">
-                  <a:schemeClr val="dk1">
-                    <a:alpha val="40000"/>
-                  </a:schemeClr>
-                </a:outerShdw>
-              </a:effectLst>
-            </a:endParaRPr>
-          </a:p>
-        </p:txBody>
-      </p:sp>
-      <p:sp>
-        <p:nvSpPr>
-          <p:cNvPr id="6" name="Slide Number Placeholder 5"/>
-          <p:cNvSpPr>
-            <a:spLocks noGrp="1"/>
-          </p:cNvSpPr>
-          <p:nvPr>
-            <p:ph type="sldNum" sz="quarter" idx="12"/>
-          </p:nvPr>
-        </p:nvSpPr>
-        <p:spPr/>
-        <p:txBody>
-          <a:bodyPr/>
-          <a:lstStyle/>
-          <a:p>
-            <a:fld id="{0582A2BA-FDDD-4C1C-9C58-E41C263E2DD2}" type="slidenum">
-              <a:rPr lang="de-AT" sz="2000" smtClean="0">
-                <a:ln w="0"/>
-                <a:solidFill>
-                  <a:schemeClr val="tx1"/>
-                </a:solidFill>
-                <a:effectLst>
-                  <a:outerShdw blurRad="38100" dist="19050" dir="2700000" algn="tl" rotWithShape="0">
-                    <a:schemeClr val="dk1">
-                      <a:alpha val="40000"/>
-                    </a:schemeClr>
-                  </a:outerShdw>
-                </a:effectLst>
-              </a:rPr>
-              <a:t>5</a:t>
-            </a:fld>
-            <a:endParaRPr lang="de-AT" sz="2000">
-              <a:ln w="0"/>
-              <a:solidFill>
-                <a:schemeClr val="tx1"/>
-              </a:solidFill>
-              <a:effectLst>
-                <a:outerShdw blurRad="38100" dist="19050" dir="2700000" algn="tl" rotWithShape="0">
-                  <a:schemeClr val="dk1">
-                    <a:alpha val="40000"/>
-                  </a:schemeClr>
-                </a:outerShdw>
-              </a:effectLst>
-            </a:endParaRPr>
-          </a:p>
-        </p:txBody>
-      </p:sp>
-    </p:spTree>
-    <p:extLst>
-      <p:ext uri="{BB962C8B-B14F-4D97-AF65-F5344CB8AC3E}">
-        <p14:creationId xmlns:p14="http://schemas.microsoft.com/office/powerpoint/2010/main" val="1098491142"/>
-      </p:ext>
-    </p:extLst>
-  </p:cSld>
-  <p:clrMapOvr>
-    <a:masterClrMapping/>
-  </p:clrMapOvr>
-  <p:transition spd="slow">
-    <p:push dir="u"/>
-  </p:transition>
-  <p:timing>
-    <p:tnLst>
-      <p:par>
-        <p:cTn id="1" dur="indefinite" restart="never" nodeType="tmRoot"/>
-      </p:par>
-    </p:tnLst>
-  </p:timing>
-</p:sld>
-</file>
-
-<file path=ppt/slides/slide6.xml><?xml version="1.0" encoding="utf-8"?>
-<p:sld xmlns:a="http://schemas.openxmlformats.org/drawingml/2006/main" xmlns:r="http://schemas.openxmlformats.org/officeDocument/2006/relationships" xmlns:p="http://schemas.openxmlformats.org/presentationml/2006/main">
-  <p:cSld>
-    <p:spTree>
-      <p:nvGrpSpPr>
-        <p:cNvPr id="1" name=""/>
-        <p:cNvGrpSpPr/>
-        <p:nvPr/>
-      </p:nvGrpSpPr>
-      <p:grpSpPr>
-        <a:xfrm>
-          <a:off x="0" y="0"/>
-          <a:ext cx="0" cy="0"/>
-          <a:chOff x="0" y="0"/>
-          <a:chExt cx="0" cy="0"/>
-        </a:xfrm>
-      </p:grpSpPr>
-      <p:sp>
-        <p:nvSpPr>
-          <p:cNvPr id="2" name="Title 1"/>
-          <p:cNvSpPr>
-            <a:spLocks noGrp="1"/>
-          </p:cNvSpPr>
-          <p:nvPr>
-            <p:ph type="title"/>
-          </p:nvPr>
-        </p:nvSpPr>
-        <p:spPr/>
-        <p:txBody>
-          <a:bodyPr/>
-          <a:lstStyle/>
-          <a:p>
-            <a:r>
-              <a:rPr lang="de-AT" dirty="0" smtClean="0"/>
-              <a:t>SOA Lifecycle</a:t>
-            </a:r>
-            <a:endParaRPr lang="de-AT" dirty="0"/>
-          </a:p>
-        </p:txBody>
-      </p:sp>
-      <p:sp>
-        <p:nvSpPr>
-          <p:cNvPr id="4" name="Content Placeholder 3"/>
-          <p:cNvSpPr>
-            <a:spLocks noGrp="1"/>
-          </p:cNvSpPr>
-          <p:nvPr>
-            <p:ph idx="1"/>
-          </p:nvPr>
-        </p:nvSpPr>
-        <p:spPr/>
-        <p:txBody>
-          <a:bodyPr/>
-          <a:lstStyle/>
-          <a:p>
-            <a:r>
-              <a:rPr lang="de-AT" dirty="0" smtClean="0"/>
-              <a:t>TODO? Hier?</a:t>
-            </a:r>
-            <a:endParaRPr lang="de-AT" dirty="0"/>
-          </a:p>
-        </p:txBody>
-      </p:sp>
-      <p:sp>
-        <p:nvSpPr>
-          <p:cNvPr id="5" name="Date Placeholder 4"/>
-          <p:cNvSpPr>
-            <a:spLocks noGrp="1"/>
-          </p:cNvSpPr>
-          <p:nvPr>
-            <p:ph type="dt" sz="half" idx="10"/>
-          </p:nvPr>
-        </p:nvSpPr>
-        <p:spPr/>
-        <p:txBody>
-          <a:bodyPr/>
-          <a:lstStyle/>
-          <a:p>
-            <a:r>
-              <a:rPr lang="de-AT" sz="2000" smtClean="0">
-                <a:ln w="0"/>
-                <a:solidFill>
-                  <a:schemeClr val="tx1"/>
-                </a:solidFill>
-                <a:effectLst>
-                  <a:outerShdw blurRad="38100" dist="19050" dir="2700000" algn="tl" rotWithShape="0">
-                    <a:schemeClr val="dk1">
-                      <a:alpha val="40000"/>
-                    </a:schemeClr>
-                  </a:outerShdw>
-                </a:effectLst>
-              </a:rPr>
-              <a:t>20.03.2015</a:t>
-            </a:r>
-            <a:endParaRPr lang="de-AT" sz="2000">
-              <a:ln w="0"/>
-              <a:solidFill>
-                <a:schemeClr val="tx1"/>
-              </a:solidFill>
-              <a:effectLst>
-                <a:outerShdw blurRad="38100" dist="19050" dir="2700000" algn="tl" rotWithShape="0">
-                  <a:schemeClr val="dk1">
-                    <a:alpha val="40000"/>
-                  </a:schemeClr>
-                </a:outerShdw>
-              </a:effectLst>
-            </a:endParaRPr>
-          </a:p>
-        </p:txBody>
-      </p:sp>
-      <p:sp>
-        <p:nvSpPr>
-          <p:cNvPr id="6" name="Footer Placeholder 5"/>
-          <p:cNvSpPr>
-            <a:spLocks noGrp="1"/>
-          </p:cNvSpPr>
-          <p:nvPr>
-            <p:ph type="ftr" sz="quarter" idx="11"/>
-          </p:nvPr>
-        </p:nvSpPr>
-        <p:spPr/>
-        <p:txBody>
-          <a:bodyPr/>
-          <a:lstStyle/>
-          <a:p>
-            <a:r>
-              <a:rPr lang="de-AT" sz="2000" smtClean="0">
-                <a:ln w="0"/>
-                <a:solidFill>
-                  <a:schemeClr val="tx1"/>
-                </a:solidFill>
-                <a:effectLst>
-                  <a:outerShdw blurRad="38100" dist="19050" dir="2700000" algn="tl" rotWithShape="0">
-                    <a:schemeClr val="dk1">
-                      <a:alpha val="40000"/>
-                    </a:schemeClr>
-                  </a:outerShdw>
-                </a:effectLst>
-              </a:rPr>
-              <a:t>SOA, REST &amp; JSON</a:t>
-            </a:r>
-            <a:endParaRPr lang="de-AT" sz="2000">
-              <a:ln w="0"/>
-              <a:solidFill>
-                <a:schemeClr val="tx1"/>
-              </a:solidFill>
-              <a:effectLst>
-                <a:outerShdw blurRad="38100" dist="19050" dir="2700000" algn="tl" rotWithShape="0">
-                  <a:schemeClr val="dk1">
-                    <a:alpha val="40000"/>
-                  </a:schemeClr>
-                </a:outerShdw>
-              </a:effectLst>
-            </a:endParaRPr>
-          </a:p>
-        </p:txBody>
-      </p:sp>
-      <p:sp>
-        <p:nvSpPr>
-          <p:cNvPr id="7" name="Slide Number Placeholder 6"/>
-          <p:cNvSpPr>
-            <a:spLocks noGrp="1"/>
-          </p:cNvSpPr>
-          <p:nvPr>
-            <p:ph type="sldNum" sz="quarter" idx="12"/>
-          </p:nvPr>
-        </p:nvSpPr>
-        <p:spPr/>
-        <p:txBody>
-          <a:bodyPr/>
-          <a:lstStyle/>
-          <a:p>
-            <a:fld id="{0582A2BA-FDDD-4C1C-9C58-E41C263E2DD2}" type="slidenum">
-              <a:rPr lang="de-AT" sz="2000" smtClean="0">
-                <a:ln w="0"/>
-                <a:solidFill>
-                  <a:schemeClr val="tx1"/>
-                </a:solidFill>
-                <a:effectLst>
-                  <a:outerShdw blurRad="38100" dist="19050" dir="2700000" algn="tl" rotWithShape="0">
-                    <a:schemeClr val="dk1">
-                      <a:alpha val="40000"/>
-                    </a:schemeClr>
-                  </a:outerShdw>
-                </a:effectLst>
-              </a:rPr>
-              <a:t>6</a:t>
-            </a:fld>
-            <a:endParaRPr lang="de-AT" sz="2000">
-              <a:ln w="0"/>
-              <a:solidFill>
-                <a:schemeClr val="tx1"/>
-              </a:solidFill>
-              <a:effectLst>
-                <a:outerShdw blurRad="38100" dist="19050" dir="2700000" algn="tl" rotWithShape="0">
-                  <a:schemeClr val="dk1">
-                    <a:alpha val="40000"/>
-                  </a:schemeClr>
-                </a:outerShdw>
-              </a:effectLst>
-            </a:endParaRPr>
-          </a:p>
-        </p:txBody>
-      </p:sp>
-    </p:spTree>
-    <p:extLst>
-      <p:ext uri="{BB962C8B-B14F-4D97-AF65-F5344CB8AC3E}">
-        <p14:creationId xmlns:p14="http://schemas.microsoft.com/office/powerpoint/2010/main" val="2296427799"/>
-      </p:ext>
-    </p:extLst>
-  </p:cSld>
-  <p:clrMapOvr>
-    <a:masterClrMapping/>
-  </p:clrMapOvr>
-  <p:transition spd="slow">
-    <p:push dir="u"/>
-  </p:transition>
-  <p:timing>
-    <p:tnLst>
-      <p:par>
-        <p:cTn id="1" dur="indefinite" restart="never" nodeType="tmRoot"/>
-      </p:par>
-    </p:tnLst>
-  </p:timing>
-</p:sld>
-</file>
-
-<file path=ppt/slides/slide7.xml><?xml version="1.0" encoding="utf-8"?>
+<file path=ppt/slides/slide8.xml><?xml version="1.0" encoding="utf-8"?>
 <p:sld xmlns:a="http://schemas.openxmlformats.org/drawingml/2006/main" xmlns:r="http://schemas.openxmlformats.org/officeDocument/2006/relationships" xmlns:p="http://schemas.openxmlformats.org/presentationml/2006/main" show="0">
   <p:cSld>
     <p:spTree>
@@ -9038,7 +12762,7 @@
           <a:p>
             <a:fld id="{0582A2BA-FDDD-4C1C-9C58-E41C263E2DD2}" type="slidenum">
               <a:rPr lang="de-AT" smtClean="0"/>
-              <a:t>7</a:t>
+              <a:t>8</a:t>
             </a:fld>
             <a:endParaRPr lang="de-AT"/>
           </a:p>
@@ -9067,7 +12791,7 @@
 </p:sld>
 </file>
 
-<file path=ppt/slides/slide8.xml><?xml version="1.0" encoding="utf-8"?>
+<file path=ppt/slides/slide9.xml><?xml version="1.0" encoding="utf-8"?>
 <p:sld xmlns:a="http://schemas.openxmlformats.org/drawingml/2006/main" xmlns:r="http://schemas.openxmlformats.org/officeDocument/2006/relationships" xmlns:p="http://schemas.openxmlformats.org/presentationml/2006/main">
   <p:cSld>
     <p:spTree>
@@ -9310,7 +13034,7 @@
                   </a:outerShdw>
                 </a:effectLst>
               </a:rPr>
-              <a:t>8</a:t>
+              <a:t>9</a:t>
             </a:fld>
             <a:endParaRPr lang="de-AT" sz="2000">
               <a:ln w="0"/>
@@ -9332,176 +13056,6 @@
     <p:extLst>
       <p:ext uri="{BB962C8B-B14F-4D97-AF65-F5344CB8AC3E}">
         <p14:creationId xmlns:p14="http://schemas.microsoft.com/office/powerpoint/2010/main" val="137191320"/>
-      </p:ext>
-    </p:extLst>
-  </p:cSld>
-  <p:clrMapOvr>
-    <a:masterClrMapping/>
-  </p:clrMapOvr>
-  <p:transition spd="slow">
-    <p:push dir="u"/>
-  </p:transition>
-  <p:timing>
-    <p:tnLst>
-      <p:par>
-        <p:cTn id="1" dur="indefinite" restart="never" nodeType="tmRoot"/>
-      </p:par>
-    </p:tnLst>
-  </p:timing>
-</p:sld>
-</file>
-
-<file path=ppt/slides/slide9.xml><?xml version="1.0" encoding="utf-8"?>
-<p:sld xmlns:a="http://schemas.openxmlformats.org/drawingml/2006/main" xmlns:r="http://schemas.openxmlformats.org/officeDocument/2006/relationships" xmlns:p="http://schemas.openxmlformats.org/presentationml/2006/main" show="0">
-  <p:cSld>
-    <p:spTree>
-      <p:nvGrpSpPr>
-        <p:cNvPr id="1" name=""/>
-        <p:cNvGrpSpPr/>
-        <p:nvPr/>
-      </p:nvGrpSpPr>
-      <p:grpSpPr>
-        <a:xfrm>
-          <a:off x="0" y="0"/>
-          <a:ext cx="0" cy="0"/>
-          <a:chOff x="0" y="0"/>
-          <a:chExt cx="0" cy="0"/>
-        </a:xfrm>
-      </p:grpSpPr>
-      <p:sp>
-        <p:nvSpPr>
-          <p:cNvPr id="2" name="Title 1"/>
-          <p:cNvSpPr>
-            <a:spLocks noGrp="1"/>
-          </p:cNvSpPr>
-          <p:nvPr>
-            <p:ph type="title"/>
-          </p:nvPr>
-        </p:nvSpPr>
-        <p:spPr/>
-        <p:txBody>
-          <a:bodyPr/>
-          <a:lstStyle/>
-          <a:p>
-            <a:endParaRPr lang="de-AT"/>
-          </a:p>
-        </p:txBody>
-      </p:sp>
-      <p:sp>
-        <p:nvSpPr>
-          <p:cNvPr id="3" name="Content Placeholder 2"/>
-          <p:cNvSpPr>
-            <a:spLocks noGrp="1"/>
-          </p:cNvSpPr>
-          <p:nvPr>
-            <p:ph idx="1"/>
-          </p:nvPr>
-        </p:nvSpPr>
-        <p:spPr/>
-        <p:txBody>
-          <a:bodyPr/>
-          <a:lstStyle/>
-          <a:p>
-            <a:endParaRPr lang="de-AT"/>
-          </a:p>
-        </p:txBody>
-      </p:sp>
-      <p:pic>
-        <p:nvPicPr>
-          <p:cNvPr id="4" name="Picture 3"/>
-          <p:cNvPicPr>
-            <a:picLocks noChangeAspect="1"/>
-          </p:cNvPicPr>
-          <p:nvPr/>
-        </p:nvPicPr>
-        <p:blipFill rotWithShape="1">
-          <a:blip r:embed="rId2"/>
-          <a:srcRect l="7602" r="35384" b="35255"/>
-          <a:stretch/>
-        </p:blipFill>
-        <p:spPr>
-          <a:xfrm>
-            <a:off x="579549" y="-228600"/>
-            <a:ext cx="7418231" cy="4736206"/>
-          </a:xfrm>
-          <a:prstGeom prst="rect">
-            <a:avLst/>
-          </a:prstGeom>
-        </p:spPr>
-      </p:pic>
-      <p:sp>
-        <p:nvSpPr>
-          <p:cNvPr id="5" name="Date Placeholder 4"/>
-          <p:cNvSpPr>
-            <a:spLocks noGrp="1"/>
-          </p:cNvSpPr>
-          <p:nvPr>
-            <p:ph type="dt" sz="half" idx="10"/>
-          </p:nvPr>
-        </p:nvSpPr>
-        <p:spPr/>
-        <p:txBody>
-          <a:bodyPr/>
-          <a:lstStyle/>
-          <a:p>
-            <a:r>
-              <a:rPr lang="de-AT" smtClean="0"/>
-              <a:t>20.03.2015</a:t>
-            </a:r>
-            <a:endParaRPr lang="de-AT"/>
-          </a:p>
-        </p:txBody>
-      </p:sp>
-      <p:sp>
-        <p:nvSpPr>
-          <p:cNvPr id="6" name="Footer Placeholder 5"/>
-          <p:cNvSpPr>
-            <a:spLocks noGrp="1"/>
-          </p:cNvSpPr>
-          <p:nvPr>
-            <p:ph type="ftr" sz="quarter" idx="11"/>
-          </p:nvPr>
-        </p:nvSpPr>
-        <p:spPr/>
-        <p:txBody>
-          <a:bodyPr/>
-          <a:lstStyle/>
-          <a:p>
-            <a:r>
-              <a:rPr lang="de-AT" smtClean="0"/>
-              <a:t>SOA, REST &amp; JSON</a:t>
-            </a:r>
-            <a:endParaRPr lang="de-AT"/>
-          </a:p>
-        </p:txBody>
-      </p:sp>
-      <p:sp>
-        <p:nvSpPr>
-          <p:cNvPr id="7" name="Slide Number Placeholder 6"/>
-          <p:cNvSpPr>
-            <a:spLocks noGrp="1"/>
-          </p:cNvSpPr>
-          <p:nvPr>
-            <p:ph type="sldNum" sz="quarter" idx="12"/>
-          </p:nvPr>
-        </p:nvSpPr>
-        <p:spPr/>
-        <p:txBody>
-          <a:bodyPr/>
-          <a:lstStyle/>
-          <a:p>
-            <a:fld id="{0582A2BA-FDDD-4C1C-9C58-E41C263E2DD2}" type="slidenum">
-              <a:rPr lang="de-AT" smtClean="0"/>
-              <a:t>9</a:t>
-            </a:fld>
-            <a:endParaRPr lang="de-AT"/>
-          </a:p>
-        </p:txBody>
-      </p:sp>
-    </p:spTree>
-    <p:extLst>
-      <p:ext uri="{BB962C8B-B14F-4D97-AF65-F5344CB8AC3E}">
-        <p14:creationId xmlns:p14="http://schemas.microsoft.com/office/powerpoint/2010/main" val="2173474422"/>
       </p:ext>
     </p:extLst>
   </p:cSld>

--- a/p2.pptx
+++ b/p2.pptx
@@ -589,6 +589,90 @@
 </file>
 
 <file path=ppt/notesSlides/notesSlide2.xml><?xml version="1.0" encoding="utf-8"?>
+<p:notes xmlns:a="http://schemas.openxmlformats.org/drawingml/2006/main" xmlns:r="http://schemas.openxmlformats.org/officeDocument/2006/relationships" xmlns:p="http://schemas.openxmlformats.org/presentationml/2006/main">
+  <p:cSld>
+    <p:spTree>
+      <p:nvGrpSpPr>
+        <p:cNvPr id="1" name=""/>
+        <p:cNvGrpSpPr/>
+        <p:nvPr/>
+      </p:nvGrpSpPr>
+      <p:grpSpPr>
+        <a:xfrm>
+          <a:off x="0" y="0"/>
+          <a:ext cx="0" cy="0"/>
+          <a:chOff x="0" y="0"/>
+          <a:chExt cx="0" cy="0"/>
+        </a:xfrm>
+      </p:grpSpPr>
+      <p:sp>
+        <p:nvSpPr>
+          <p:cNvPr id="2" name="Slide Image Placeholder 1"/>
+          <p:cNvSpPr>
+            <a:spLocks noGrp="1" noRot="1" noChangeAspect="1"/>
+          </p:cNvSpPr>
+          <p:nvPr>
+            <p:ph type="sldImg"/>
+          </p:nvPr>
+        </p:nvSpPr>
+        <p:spPr/>
+      </p:sp>
+      <p:sp>
+        <p:nvSpPr>
+          <p:cNvPr id="3" name="Notes Placeholder 2"/>
+          <p:cNvSpPr>
+            <a:spLocks noGrp="1"/>
+          </p:cNvSpPr>
+          <p:nvPr>
+            <p:ph type="body" idx="1"/>
+          </p:nvPr>
+        </p:nvSpPr>
+        <p:spPr/>
+        <p:txBody>
+          <a:bodyPr/>
+          <a:lstStyle/>
+          <a:p>
+            <a:endParaRPr lang="de-AT"/>
+          </a:p>
+        </p:txBody>
+      </p:sp>
+      <p:sp>
+        <p:nvSpPr>
+          <p:cNvPr id="4" name="Slide Number Placeholder 3"/>
+          <p:cNvSpPr>
+            <a:spLocks noGrp="1"/>
+          </p:cNvSpPr>
+          <p:nvPr>
+            <p:ph type="sldNum" sz="quarter" idx="10"/>
+          </p:nvPr>
+        </p:nvSpPr>
+        <p:spPr/>
+        <p:txBody>
+          <a:bodyPr/>
+          <a:lstStyle/>
+          <a:p>
+            <a:fld id="{894D4214-1CB4-4B06-8ECB-CDCB06B574BD}" type="slidenum">
+              <a:rPr lang="de-AT" smtClean="0"/>
+              <a:t>15</a:t>
+            </a:fld>
+            <a:endParaRPr lang="de-AT"/>
+          </a:p>
+        </p:txBody>
+      </p:sp>
+    </p:spTree>
+    <p:extLst>
+      <p:ext uri="{BB962C8B-B14F-4D97-AF65-F5344CB8AC3E}">
+        <p14:creationId xmlns:p14="http://schemas.microsoft.com/office/powerpoint/2010/main" val="1923143653"/>
+      </p:ext>
+    </p:extLst>
+  </p:cSld>
+  <p:clrMapOvr>
+    <a:masterClrMapping/>
+  </p:clrMapOvr>
+</p:notes>
+</file>
+
+<file path=ppt/notesSlides/notesSlide3.xml><?xml version="1.0" encoding="utf-8"?>
 <p:notes xmlns:a="http://schemas.openxmlformats.org/drawingml/2006/main" xmlns:r="http://schemas.openxmlformats.org/officeDocument/2006/relationships" xmlns:p="http://schemas.openxmlformats.org/presentationml/2006/main">
   <p:cSld>
     <p:spTree>
@@ -4308,8 +4392,8 @@
         </p:blipFill>
         <p:spPr>
           <a:xfrm>
-            <a:off x="3581400" y="582933"/>
-            <a:ext cx="7454267" cy="5665242"/>
+            <a:off x="3581401" y="582933"/>
+            <a:ext cx="7454265" cy="5665242"/>
           </a:xfrm>
           <a:prstGeom prst="rect">
             <a:avLst/>
@@ -4325,7 +4409,7 @@
           <p:nvPr/>
         </p:nvPicPr>
         <p:blipFill>
-          <a:blip r:embed="rId11" cstate="print">
+          <a:blip r:embed="rId11">
             <a:extLst>
               <a:ext uri="{28A0092B-C50C-407E-A947-70E740481C1C}">
                 <a14:useLocalDpi xmlns:a14="http://schemas.microsoft.com/office/drawing/2010/main" val="0"/>
@@ -4339,13 +4423,43 @@
         <p:spPr>
           <a:xfrm>
             <a:off x="617553" y="489413"/>
-            <a:ext cx="9497909" cy="4880465"/>
+            <a:ext cx="9497909" cy="4880464"/>
           </a:xfrm>
           <a:prstGeom prst="rect">
             <a:avLst/>
           </a:prstGeom>
         </p:spPr>
       </p:pic>
+      <p:sp>
+        <p:nvSpPr>
+          <p:cNvPr id="3" name="TextBox 2"/>
+          <p:cNvSpPr txBox="1"/>
+          <p:nvPr/>
+        </p:nvSpPr>
+        <p:spPr>
+          <a:xfrm>
+            <a:off x="8559084" y="4134118"/>
+            <a:ext cx="442750" cy="369332"/>
+          </a:xfrm>
+          <a:prstGeom prst="rect">
+            <a:avLst/>
+          </a:prstGeom>
+          <a:noFill/>
+        </p:spPr>
+        <p:txBody>
+          <a:bodyPr wrap="none" rtlCol="0">
+            <a:spAutoFit/>
+          </a:bodyPr>
+          <a:lstStyle/>
+          <a:p>
+            <a:r>
+              <a:rPr lang="de-AT" dirty="0" smtClean="0"/>
+              <a:t>[1]</a:t>
+            </a:r>
+            <a:endParaRPr lang="de-AT" dirty="0"/>
+          </a:p>
+        </p:txBody>
+      </p:sp>
     </p:spTree>
     <p:extLst>
       <p:ext uri="{BB962C8B-B14F-4D97-AF65-F5344CB8AC3E}">
@@ -5240,7 +5354,7 @@
         <p:spPr>
           <a:xfrm>
             <a:off x="3186698" y="-375305"/>
-            <a:ext cx="6795502" cy="7096780"/>
+            <a:ext cx="6795501" cy="7096780"/>
           </a:xfrm>
         </p:spPr>
       </p:pic>
@@ -5721,7 +5835,7 @@
           <p:nvPr/>
         </p:nvPicPr>
         <p:blipFill rotWithShape="1">
-          <a:blip r:embed="rId2">
+          <a:blip r:embed="rId3">
             <a:extLst>
               <a:ext uri="{28A0092B-C50C-407E-A947-70E740481C1C}">
                 <a14:useLocalDpi xmlns:a14="http://schemas.microsoft.com/office/drawing/2010/main" val="0"/>
@@ -5902,6 +6016,36 @@
                 </a:outerShdw>
               </a:effectLst>
             </a:endParaRPr>
+          </a:p>
+        </p:txBody>
+      </p:sp>
+      <p:sp>
+        <p:nvSpPr>
+          <p:cNvPr id="3" name="TextBox 2"/>
+          <p:cNvSpPr txBox="1"/>
+          <p:nvPr/>
+        </p:nvSpPr>
+        <p:spPr>
+          <a:xfrm>
+            <a:off x="9659156" y="5486401"/>
+            <a:ext cx="442750" cy="369332"/>
+          </a:xfrm>
+          <a:prstGeom prst="rect">
+            <a:avLst/>
+          </a:prstGeom>
+          <a:noFill/>
+        </p:spPr>
+        <p:txBody>
+          <a:bodyPr wrap="none" rtlCol="0">
+            <a:spAutoFit/>
+          </a:bodyPr>
+          <a:lstStyle/>
+          <a:p>
+            <a:r>
+              <a:rPr lang="de-AT" dirty="0" smtClean="0"/>
+              <a:t>[3]</a:t>
+            </a:r>
+            <a:endParaRPr lang="de-AT" dirty="0"/>
           </a:p>
         </p:txBody>
       </p:sp>
@@ -8311,15 +8455,7 @@
           <a:p>
             <a:r>
               <a:rPr lang="de-AT" dirty="0" smtClean="0"/>
-              <a:t>Service </a:t>
-            </a:r>
-            <a:r>
-              <a:rPr lang="de-AT" dirty="0" smtClean="0"/>
-              <a:t>Oriented </a:t>
-            </a:r>
-            <a:r>
-              <a:rPr lang="de-AT" dirty="0" smtClean="0"/>
-              <a:t>Computing</a:t>
+              <a:t>Service Oriented Computing</a:t>
             </a:r>
           </a:p>
           <a:p>
@@ -8346,11 +8482,7 @@
           <a:p>
             <a:r>
               <a:rPr lang="de-AT" dirty="0" smtClean="0"/>
-              <a:t>Success </a:t>
-            </a:r>
-            <a:r>
-              <a:rPr lang="de-AT" dirty="0" smtClean="0"/>
-              <a:t>Formula</a:t>
+              <a:t>Success Formula</a:t>
             </a:r>
           </a:p>
           <a:p>
@@ -9932,6 +10064,36 @@
           </a:prstGeom>
         </p:spPr>
       </p:pic>
+      <p:sp>
+        <p:nvSpPr>
+          <p:cNvPr id="10" name="TextBox 9"/>
+          <p:cNvSpPr txBox="1"/>
+          <p:nvPr/>
+        </p:nvSpPr>
+        <p:spPr>
+          <a:xfrm>
+            <a:off x="11471108" y="2780230"/>
+            <a:ext cx="442750" cy="369332"/>
+          </a:xfrm>
+          <a:prstGeom prst="rect">
+            <a:avLst/>
+          </a:prstGeom>
+          <a:noFill/>
+        </p:spPr>
+        <p:txBody>
+          <a:bodyPr wrap="none" rtlCol="0">
+            <a:spAutoFit/>
+          </a:bodyPr>
+          <a:lstStyle/>
+          <a:p>
+            <a:r>
+              <a:rPr lang="de-AT" dirty="0" smtClean="0"/>
+              <a:t>[2]</a:t>
+            </a:r>
+            <a:endParaRPr lang="de-AT" dirty="0"/>
+          </a:p>
+        </p:txBody>
+      </p:sp>
     </p:spTree>
     <p:extLst>
       <p:ext uri="{BB962C8B-B14F-4D97-AF65-F5344CB8AC3E}">
@@ -10658,7 +10820,6 @@
               <a:rPr lang="de-AT" dirty="0"/>
               <a:t>Conclusion</a:t>
             </a:r>
-            <a:endParaRPr lang="de-AT" dirty="0"/>
           </a:p>
         </p:txBody>
       </p:sp>
@@ -10683,7 +10844,6 @@
               <a:rPr lang="de-AT" dirty="0" smtClean="0"/>
               <a:t>Powerful</a:t>
             </a:r>
-            <a:endParaRPr lang="de-AT" dirty="0" smtClean="0"/>
           </a:p>
           <a:p>
             <a:endParaRPr lang="de-AT" sz="800" dirty="0" smtClean="0"/>
@@ -10693,7 +10853,6 @@
               <a:rPr lang="de-AT" dirty="0" smtClean="0"/>
               <a:t>Return of Investment</a:t>
             </a:r>
-            <a:endParaRPr lang="de-AT" dirty="0" smtClean="0"/>
           </a:p>
           <a:p>
             <a:endParaRPr lang="de-AT" sz="800" dirty="0" smtClean="0"/>
@@ -11514,6 +11673,116 @@
                 </a:outerShdw>
               </a:effectLst>
             </a:endParaRPr>
+          </a:p>
+        </p:txBody>
+      </p:sp>
+      <p:sp>
+        <p:nvSpPr>
+          <p:cNvPr id="3" name="TextBox 2"/>
+          <p:cNvSpPr txBox="1"/>
+          <p:nvPr/>
+        </p:nvSpPr>
+        <p:spPr>
+          <a:xfrm>
+            <a:off x="908497" y="1429553"/>
+            <a:ext cx="10375005" cy="2862322"/>
+          </a:xfrm>
+          <a:prstGeom prst="rect">
+            <a:avLst/>
+          </a:prstGeom>
+          <a:noFill/>
+        </p:spPr>
+        <p:txBody>
+          <a:bodyPr wrap="square" rtlCol="0">
+            <a:spAutoFit/>
+          </a:bodyPr>
+          <a:lstStyle/>
+          <a:p>
+            <a:r>
+              <a:rPr lang="de-AT" dirty="0"/>
+              <a:t>[1] </a:t>
+            </a:r>
+            <a:r>
+              <a:rPr lang="en-US" dirty="0"/>
+              <a:t>SOA Principles of Service Design, (c) Prentice </a:t>
+            </a:r>
+            <a:r>
+              <a:rPr lang="en-US" dirty="0" smtClean="0"/>
+              <a:t>Hall/</a:t>
+            </a:r>
+            <a:r>
+              <a:rPr lang="en-US" dirty="0" err="1" smtClean="0"/>
+              <a:t>PearsonPTR</a:t>
+            </a:r>
+            <a:r>
+              <a:rPr lang="en-US" dirty="0" smtClean="0"/>
+              <a:t> - </a:t>
+            </a:r>
+            <a:r>
+              <a:rPr lang="de-AT" dirty="0"/>
+              <a:t>http://serviceorientation.com</a:t>
+            </a:r>
+            <a:endParaRPr lang="en-US" dirty="0" smtClean="0"/>
+          </a:p>
+          <a:p>
+            <a:endParaRPr lang="de-AT" dirty="0" smtClean="0"/>
+          </a:p>
+          <a:p>
+            <a:r>
+              <a:rPr lang="de-AT" dirty="0" smtClean="0"/>
+              <a:t>[2] EAI </a:t>
+            </a:r>
+            <a:r>
+              <a:rPr lang="de-AT" dirty="0"/>
+              <a:t>Enterprise Application Integration,Thorsten Horn</a:t>
+            </a:r>
+          </a:p>
+          <a:p>
+            <a:r>
+              <a:rPr lang="de-AT" dirty="0"/>
+              <a:t>http://www.torsten-horn.de/techdocs/eai.htm</a:t>
+            </a:r>
+          </a:p>
+          <a:p>
+            <a:r>
+              <a:rPr lang="de-AT" dirty="0"/>
+              <a:t>last used : 28.02.2014, </a:t>
+            </a:r>
+            <a:r>
+              <a:rPr lang="de-AT" dirty="0" smtClean="0"/>
+              <a:t>20:25</a:t>
+            </a:r>
+          </a:p>
+          <a:p>
+            <a:endParaRPr lang="de-AT" dirty="0"/>
+          </a:p>
+          <a:p>
+            <a:r>
+              <a:rPr lang="de-AT" dirty="0" smtClean="0"/>
+              <a:t>[3] </a:t>
+            </a:r>
+            <a:r>
+              <a:rPr lang="de-AT" dirty="0">
+                <a:hlinkClick r:id="rId2"/>
+              </a:rPr>
+              <a:t>http://</a:t>
+            </a:r>
+            <a:r>
+              <a:rPr lang="de-AT" dirty="0" smtClean="0">
+                <a:hlinkClick r:id="rId2"/>
+              </a:rPr>
+              <a:t>documentation.progress.com/infocenter/sonic/8.5/index.jsp</a:t>
+            </a:r>
+            <a:endParaRPr lang="de-AT" dirty="0" smtClean="0"/>
+          </a:p>
+          <a:p>
+            <a:endParaRPr lang="de-AT" dirty="0"/>
+          </a:p>
+          <a:p>
+            <a:endParaRPr lang="de-AT" dirty="0"/>
+          </a:p>
+          <a:p>
+            <a:endParaRPr lang="de-AT" dirty="0"/>
           </a:p>
         </p:txBody>
       </p:sp>

--- a/p2.pptx
+++ b/p2.pptx
@@ -11,18 +11,18 @@
     <p:sldId id="256" r:id="rId2"/>
     <p:sldId id="258" r:id="rId3"/>
     <p:sldId id="264" r:id="rId4"/>
-    <p:sldId id="265" r:id="rId5"/>
-    <p:sldId id="280" r:id="rId6"/>
-    <p:sldId id="268" r:id="rId7"/>
-    <p:sldId id="269" r:id="rId8"/>
+    <p:sldId id="257" r:id="rId5"/>
+    <p:sldId id="265" r:id="rId6"/>
+    <p:sldId id="280" r:id="rId7"/>
+    <p:sldId id="268" r:id="rId8"/>
     <p:sldId id="259" r:id="rId9"/>
-    <p:sldId id="257" r:id="rId10"/>
-    <p:sldId id="260" r:id="rId11"/>
-    <p:sldId id="266" r:id="rId12"/>
-    <p:sldId id="261" r:id="rId13"/>
-    <p:sldId id="270" r:id="rId14"/>
-    <p:sldId id="275" r:id="rId15"/>
-    <p:sldId id="276" r:id="rId16"/>
+    <p:sldId id="260" r:id="rId10"/>
+    <p:sldId id="266" r:id="rId11"/>
+    <p:sldId id="261" r:id="rId12"/>
+    <p:sldId id="270" r:id="rId13"/>
+    <p:sldId id="275" r:id="rId14"/>
+    <p:sldId id="276" r:id="rId15"/>
+    <p:sldId id="269" r:id="rId16"/>
     <p:sldId id="273" r:id="rId17"/>
     <p:sldId id="289" r:id="rId18"/>
     <p:sldId id="290" r:id="rId19"/>
@@ -739,7 +739,7 @@
           <a:p>
             <a:fld id="{894D4214-1CB4-4B06-8ECB-CDCB06B574BD}" type="slidenum">
               <a:rPr lang="de-AT" smtClean="0"/>
-              <a:t>15</a:t>
+              <a:t>14</a:t>
             </a:fld>
             <a:endParaRPr lang="de-AT"/>
           </a:p>
@@ -916,7 +916,7 @@
     </p:spTree>
     <p:extLst>
       <p:ext uri="{BB962C8B-B14F-4D97-AF65-F5344CB8AC3E}">
-        <p14:creationId xmlns:p14="http://schemas.microsoft.com/office/powerpoint/2010/main" val="2108256809"/>
+        <p14:creationId xmlns:p14="http://schemas.microsoft.com/office/powerpoint/2010/main" val="2693117743"/>
       </p:ext>
     </p:extLst>
   </p:cSld>
@@ -1305,13 +1305,18 @@
         <p:spPr/>
         <p:txBody>
           <a:bodyPr/>
-          <a:lstStyle/>
-          <a:p>
-            <a:r>
+          <a:lstStyle>
+            <a:lvl1pPr>
+              <a:defRPr sz="1600"/>
+            </a:lvl1pPr>
+          </a:lstStyle>
+          <a:p>
+            <a:fld id="{06D42EB5-09BE-484E-A776-76EBF8E2BCAC}" type="datetime1">
               <a:rPr lang="de-DE" smtClean="0"/>
+              <a:pPr/>
               <a:t>20.03.2015</a:t>
-            </a:r>
-            <a:endParaRPr lang="de-AT"/>
+            </a:fld>
+            <a:endParaRPr lang="de-AT" dirty="0"/>
           </a:p>
         </p:txBody>
       </p:sp>
@@ -1328,13 +1333,17 @@
         <p:spPr/>
         <p:txBody>
           <a:bodyPr/>
-          <a:lstStyle/>
-          <a:p>
-            <a:r>
-              <a:rPr lang="de-AT" smtClean="0"/>
+          <a:lstStyle>
+            <a:lvl1pPr>
+              <a:defRPr sz="1600"/>
+            </a:lvl1pPr>
+          </a:lstStyle>
+          <a:p>
+            <a:r>
+              <a:rPr lang="de-AT" dirty="0" smtClean="0"/>
               <a:t>SOA, REST &amp; JSON</a:t>
             </a:r>
-            <a:endParaRPr lang="de-AT"/>
+            <a:endParaRPr lang="de-AT" dirty="0"/>
           </a:p>
         </p:txBody>
       </p:sp>
@@ -1351,13 +1360,18 @@
         <p:spPr/>
         <p:txBody>
           <a:bodyPr/>
-          <a:lstStyle/>
+          <a:lstStyle>
+            <a:lvl1pPr>
+              <a:defRPr sz="2000"/>
+            </a:lvl1pPr>
+          </a:lstStyle>
           <a:p>
             <a:fld id="{0582A2BA-FDDD-4C1C-9C58-E41C263E2DD2}" type="slidenum">
               <a:rPr lang="de-AT" smtClean="0"/>
+              <a:pPr/>
               <a:t>‹Nr.›</a:t>
             </a:fld>
-            <a:endParaRPr lang="de-AT"/>
+            <a:endParaRPr lang="de-AT" dirty="0"/>
           </a:p>
         </p:txBody>
       </p:sp>
@@ -1481,10 +1495,10 @@
           <a:bodyPr/>
           <a:lstStyle/>
           <a:p>
-            <a:r>
+            <a:fld id="{8D0E34B1-60A9-433D-BB70-09A40E51C5C9}" type="datetime1">
               <a:rPr lang="de-DE" smtClean="0"/>
               <a:t>20.03.2015</a:t>
-            </a:r>
+            </a:fld>
             <a:endParaRPr lang="de-AT"/>
           </a:p>
         </p:txBody>
@@ -1665,10 +1679,10 @@
           <a:bodyPr/>
           <a:lstStyle/>
           <a:p>
-            <a:r>
+            <a:fld id="{C30B2E29-D4A0-43FE-BF49-52CAF65E0454}" type="datetime1">
               <a:rPr lang="de-DE" smtClean="0"/>
               <a:t>20.03.2015</a:t>
-            </a:r>
+            </a:fld>
             <a:endParaRPr lang="de-AT"/>
           </a:p>
         </p:txBody>
@@ -1839,11 +1853,11 @@
           <a:bodyPr/>
           <a:lstStyle/>
           <a:p>
-            <a:r>
+            <a:fld id="{EA476F3A-562F-4D80-ACC9-BDB7E33CAF81}" type="datetime1">
               <a:rPr lang="de-DE" smtClean="0"/>
               <a:t>20.03.2015</a:t>
-            </a:r>
-            <a:endParaRPr lang="de-AT"/>
+            </a:fld>
+            <a:endParaRPr lang="de-AT" dirty="0"/>
           </a:p>
         </p:txBody>
       </p:sp>
@@ -1863,10 +1877,10 @@
           <a:lstStyle/>
           <a:p>
             <a:r>
-              <a:rPr lang="de-AT" smtClean="0"/>
+              <a:rPr lang="de-AT" dirty="0" smtClean="0"/>
               <a:t>SOA, REST &amp; JSON</a:t>
             </a:r>
-            <a:endParaRPr lang="de-AT"/>
+            <a:endParaRPr lang="de-AT" dirty="0"/>
           </a:p>
         </p:txBody>
       </p:sp>
@@ -1889,7 +1903,7 @@
               <a:rPr lang="de-AT" smtClean="0"/>
               <a:t>‹Nr.›</a:t>
             </a:fld>
-            <a:endParaRPr lang="de-AT"/>
+            <a:endParaRPr lang="de-AT" dirty="0"/>
           </a:p>
         </p:txBody>
       </p:sp>
@@ -2089,10 +2103,10 @@
           <a:bodyPr/>
           <a:lstStyle/>
           <a:p>
-            <a:r>
+            <a:fld id="{79510A05-E766-4C80-A15B-932788F1D9B3}" type="datetime1">
               <a:rPr lang="de-DE" smtClean="0"/>
               <a:t>20.03.2015</a:t>
-            </a:r>
+            </a:fld>
             <a:endParaRPr lang="de-AT"/>
           </a:p>
         </p:txBody>
@@ -2325,10 +2339,10 @@
           <a:bodyPr/>
           <a:lstStyle/>
           <a:p>
-            <a:r>
+            <a:fld id="{4ED7498E-A4A8-4CD2-9436-663F3D86814E}" type="datetime1">
               <a:rPr lang="de-DE" smtClean="0"/>
               <a:t>20.03.2015</a:t>
-            </a:r>
+            </a:fld>
             <a:endParaRPr lang="de-AT"/>
           </a:p>
         </p:txBody>
@@ -2696,10 +2710,10 @@
           <a:bodyPr/>
           <a:lstStyle/>
           <a:p>
-            <a:r>
+            <a:fld id="{E9683238-053C-44F3-87CA-C34E185F6E2F}" type="datetime1">
               <a:rPr lang="de-DE" smtClean="0"/>
               <a:t>20.03.2015</a:t>
-            </a:r>
+            </a:fld>
             <a:endParaRPr lang="de-AT"/>
           </a:p>
         </p:txBody>
@@ -2818,10 +2832,10 @@
           <a:bodyPr/>
           <a:lstStyle/>
           <a:p>
-            <a:r>
+            <a:fld id="{FA631CF8-AEDE-49AD-AEDF-254E53D8EFBF}" type="datetime1">
               <a:rPr lang="de-DE" smtClean="0"/>
               <a:t>20.03.2015</a:t>
-            </a:r>
+            </a:fld>
             <a:endParaRPr lang="de-AT"/>
           </a:p>
         </p:txBody>
@@ -2917,10 +2931,10 @@
           <a:bodyPr/>
           <a:lstStyle/>
           <a:p>
-            <a:r>
+            <a:fld id="{9D080728-1FA9-4CEC-A034-F65135B8348C}" type="datetime1">
               <a:rPr lang="de-DE" smtClean="0"/>
               <a:t>20.03.2015</a:t>
-            </a:r>
+            </a:fld>
             <a:endParaRPr lang="de-AT"/>
           </a:p>
         </p:txBody>
@@ -3198,10 +3212,10 @@
           <a:bodyPr/>
           <a:lstStyle/>
           <a:p>
-            <a:r>
+            <a:fld id="{8ECDF3A6-C7DA-4802-AF25-55BB9269F9CF}" type="datetime1">
               <a:rPr lang="de-DE" smtClean="0"/>
               <a:t>20.03.2015</a:t>
-            </a:r>
+            </a:fld>
             <a:endParaRPr lang="de-AT"/>
           </a:p>
         </p:txBody>
@@ -3455,10 +3469,10 @@
           <a:bodyPr/>
           <a:lstStyle/>
           <a:p>
-            <a:r>
+            <a:fld id="{EC319027-B240-4C22-95F8-C692D9D07967}" type="datetime1">
               <a:rPr lang="de-DE" smtClean="0"/>
               <a:t>20.03.2015</a:t>
-            </a:r>
+            </a:fld>
             <a:endParaRPr lang="de-AT"/>
           </a:p>
         </p:txBody>
@@ -3662,21 +3676,20 @@
           <a:bodyPr vert="horz" lIns="91440" tIns="45720" rIns="91440" bIns="45720" rtlCol="0" anchor="ctr"/>
           <a:lstStyle>
             <a:lvl1pPr algn="l">
-              <a:defRPr sz="1200">
+              <a:defRPr sz="1600">
                 <a:solidFill>
-                  <a:schemeClr val="tx1">
-                    <a:tint val="75000"/>
-                  </a:schemeClr>
+                  <a:schemeClr val="tx1"/>
                 </a:solidFill>
               </a:defRPr>
             </a:lvl1pPr>
           </a:lstStyle>
           <a:p>
-            <a:r>
+            <a:fld id="{10BA9223-3B89-4DF6-B490-582198680A33}" type="datetime1">
               <a:rPr lang="de-DE" smtClean="0"/>
+              <a:pPr/>
               <a:t>20.03.2015</a:t>
-            </a:r>
-            <a:endParaRPr lang="de-AT"/>
+            </a:fld>
+            <a:endParaRPr lang="de-AT" dirty="0"/>
           </a:p>
         </p:txBody>
       </p:sp>
@@ -3703,21 +3716,19 @@
           <a:bodyPr vert="horz" lIns="91440" tIns="45720" rIns="91440" bIns="45720" rtlCol="0" anchor="ctr"/>
           <a:lstStyle>
             <a:lvl1pPr algn="ctr">
-              <a:defRPr sz="1200">
+              <a:defRPr sz="1600">
                 <a:solidFill>
-                  <a:schemeClr val="tx1">
-                    <a:tint val="75000"/>
-                  </a:schemeClr>
+                  <a:schemeClr val="tx1"/>
                 </a:solidFill>
               </a:defRPr>
             </a:lvl1pPr>
           </a:lstStyle>
           <a:p>
             <a:r>
-              <a:rPr lang="de-AT" smtClean="0"/>
+              <a:rPr lang="de-AT" dirty="0" smtClean="0"/>
               <a:t>SOA, REST &amp; JSON</a:t>
             </a:r>
-            <a:endParaRPr lang="de-AT"/>
+            <a:endParaRPr lang="de-AT" dirty="0"/>
           </a:p>
         </p:txBody>
       </p:sp>
@@ -3744,11 +3755,9 @@
           <a:bodyPr vert="horz" lIns="91440" tIns="45720" rIns="91440" bIns="45720" rtlCol="0" anchor="ctr"/>
           <a:lstStyle>
             <a:lvl1pPr algn="r">
-              <a:defRPr sz="1200">
+              <a:defRPr sz="1600">
                 <a:solidFill>
-                  <a:schemeClr val="tx1">
-                    <a:tint val="75000"/>
-                  </a:schemeClr>
+                  <a:schemeClr val="tx1"/>
                 </a:solidFill>
               </a:defRPr>
             </a:lvl1pPr>
@@ -3756,9 +3765,10 @@
           <a:p>
             <a:fld id="{0582A2BA-FDDD-4C1C-9C58-E41C263E2DD2}" type="slidenum">
               <a:rPr lang="de-AT" smtClean="0"/>
+              <a:pPr/>
               <a:t>‹Nr.›</a:t>
             </a:fld>
-            <a:endParaRPr lang="de-AT"/>
+            <a:endParaRPr lang="de-AT" dirty="0"/>
           </a:p>
         </p:txBody>
       </p:sp>
@@ -4184,10 +4194,10 @@
           <a:lstStyle/>
           <a:p>
             <a:r>
-              <a:rPr lang="de-AT" smtClean="0"/>
+              <a:rPr lang="de-AT" dirty="0" smtClean="0"/>
               <a:t>SOA, REST &amp; JSON</a:t>
             </a:r>
-            <a:endParaRPr lang="de-AT"/>
+            <a:endParaRPr lang="de-AT" dirty="0"/>
           </a:p>
         </p:txBody>
       </p:sp>
@@ -4206,11 +4216,11 @@
           <a:bodyPr/>
           <a:lstStyle/>
           <a:p>
-            <a:r>
+            <a:fld id="{78D3ACA6-C849-4C95-B40D-70414C5BE5AD}" type="datetime1">
               <a:rPr lang="de-DE" smtClean="0"/>
               <a:t>20.03.2015</a:t>
-            </a:r>
-            <a:endParaRPr lang="de-AT"/>
+            </a:fld>
+            <a:endParaRPr lang="de-AT" dirty="0"/>
           </a:p>
         </p:txBody>
       </p:sp>
@@ -4238,176 +4248,6 @@
 </file>
 
 <file path=ppt/slides/slide10.xml><?xml version="1.0" encoding="utf-8"?>
-<p:sld xmlns:a="http://schemas.openxmlformats.org/drawingml/2006/main" xmlns:r="http://schemas.openxmlformats.org/officeDocument/2006/relationships" xmlns:p="http://schemas.openxmlformats.org/presentationml/2006/main" show="0">
-  <p:cSld>
-    <p:spTree>
-      <p:nvGrpSpPr>
-        <p:cNvPr id="1" name=""/>
-        <p:cNvGrpSpPr/>
-        <p:nvPr/>
-      </p:nvGrpSpPr>
-      <p:grpSpPr>
-        <a:xfrm>
-          <a:off x="0" y="0"/>
-          <a:ext cx="0" cy="0"/>
-          <a:chOff x="0" y="0"/>
-          <a:chExt cx="0" cy="0"/>
-        </a:xfrm>
-      </p:grpSpPr>
-      <p:sp>
-        <p:nvSpPr>
-          <p:cNvPr id="2" name="Title 1"/>
-          <p:cNvSpPr>
-            <a:spLocks noGrp="1"/>
-          </p:cNvSpPr>
-          <p:nvPr>
-            <p:ph type="title"/>
-          </p:nvPr>
-        </p:nvSpPr>
-        <p:spPr/>
-        <p:txBody>
-          <a:bodyPr/>
-          <a:lstStyle/>
-          <a:p>
-            <a:endParaRPr lang="de-AT"/>
-          </a:p>
-        </p:txBody>
-      </p:sp>
-      <p:sp>
-        <p:nvSpPr>
-          <p:cNvPr id="3" name="Content Placeholder 2"/>
-          <p:cNvSpPr>
-            <a:spLocks noGrp="1"/>
-          </p:cNvSpPr>
-          <p:nvPr>
-            <p:ph idx="1"/>
-          </p:nvPr>
-        </p:nvSpPr>
-        <p:spPr/>
-        <p:txBody>
-          <a:bodyPr/>
-          <a:lstStyle/>
-          <a:p>
-            <a:endParaRPr lang="de-AT"/>
-          </a:p>
-        </p:txBody>
-      </p:sp>
-      <p:pic>
-        <p:nvPicPr>
-          <p:cNvPr id="4" name="Picture 3"/>
-          <p:cNvPicPr>
-            <a:picLocks noChangeAspect="1"/>
-          </p:cNvPicPr>
-          <p:nvPr/>
-        </p:nvPicPr>
-        <p:blipFill rotWithShape="1">
-          <a:blip r:embed="rId2"/>
-          <a:srcRect l="7602" r="35384" b="35255"/>
-          <a:stretch/>
-        </p:blipFill>
-        <p:spPr>
-          <a:xfrm>
-            <a:off x="579549" y="-228600"/>
-            <a:ext cx="7418231" cy="4736206"/>
-          </a:xfrm>
-          <a:prstGeom prst="rect">
-            <a:avLst/>
-          </a:prstGeom>
-        </p:spPr>
-      </p:pic>
-      <p:sp>
-        <p:nvSpPr>
-          <p:cNvPr id="8" name="Foliennummernplatzhalter 7"/>
-          <p:cNvSpPr>
-            <a:spLocks noGrp="1"/>
-          </p:cNvSpPr>
-          <p:nvPr>
-            <p:ph type="sldNum" sz="quarter" idx="12"/>
-          </p:nvPr>
-        </p:nvSpPr>
-        <p:spPr/>
-        <p:txBody>
-          <a:bodyPr/>
-          <a:lstStyle/>
-          <a:p>
-            <a:fld id="{0582A2BA-FDDD-4C1C-9C58-E41C263E2DD2}" type="slidenum">
-              <a:rPr lang="de-AT" smtClean="0"/>
-              <a:t>10</a:t>
-            </a:fld>
-            <a:endParaRPr lang="de-AT"/>
-          </a:p>
-        </p:txBody>
-      </p:sp>
-      <p:sp>
-        <p:nvSpPr>
-          <p:cNvPr id="9" name="Fußzeilenplatzhalter 8"/>
-          <p:cNvSpPr>
-            <a:spLocks noGrp="1"/>
-          </p:cNvSpPr>
-          <p:nvPr>
-            <p:ph type="ftr" sz="quarter" idx="11"/>
-          </p:nvPr>
-        </p:nvSpPr>
-        <p:spPr/>
-        <p:txBody>
-          <a:bodyPr/>
-          <a:lstStyle/>
-          <a:p>
-            <a:r>
-              <a:rPr lang="de-AT" smtClean="0"/>
-              <a:t>SOA, REST &amp; JSON</a:t>
-            </a:r>
-            <a:endParaRPr lang="de-AT"/>
-          </a:p>
-        </p:txBody>
-      </p:sp>
-      <p:sp>
-        <p:nvSpPr>
-          <p:cNvPr id="10" name="Datumsplatzhalter 9"/>
-          <p:cNvSpPr>
-            <a:spLocks noGrp="1"/>
-          </p:cNvSpPr>
-          <p:nvPr>
-            <p:ph type="dt" sz="half" idx="10"/>
-          </p:nvPr>
-        </p:nvSpPr>
-        <p:spPr/>
-        <p:txBody>
-          <a:bodyPr/>
-          <a:lstStyle/>
-          <a:p>
-            <a:r>
-              <a:rPr lang="de-DE" smtClean="0"/>
-              <a:t>20.03.2015</a:t>
-            </a:r>
-            <a:endParaRPr lang="de-AT"/>
-          </a:p>
-        </p:txBody>
-      </p:sp>
-    </p:spTree>
-    <p:extLst>
-      <p:ext uri="{BB962C8B-B14F-4D97-AF65-F5344CB8AC3E}">
-        <p14:creationId xmlns:p14="http://schemas.microsoft.com/office/powerpoint/2010/main" val="2173474422"/>
-      </p:ext>
-    </p:extLst>
-  </p:cSld>
-  <p:clrMapOvr>
-    <a:masterClrMapping/>
-  </p:clrMapOvr>
-  <p:transition spd="slow">
-    <p:push dir="u"/>
-  </p:transition>
-  <p:timing>
-    <p:tnLst>
-      <p:par>
-        <p:cTn id="1" dur="indefinite" restart="never" nodeType="tmRoot"/>
-      </p:par>
-    </p:tnLst>
-  </p:timing>
-</p:sld>
-</file>
-
-<file path=ppt/slides/slide11.xml><?xml version="1.0" encoding="utf-8"?>
 <p:sld xmlns:a="http://schemas.openxmlformats.org/drawingml/2006/main" xmlns:r="http://schemas.openxmlformats.org/officeDocument/2006/relationships" xmlns:p="http://schemas.openxmlformats.org/presentationml/2006/main">
   <p:cSld>
     <p:spTree>
@@ -4822,7 +4662,7 @@
           <a:p>
             <a:fld id="{0582A2BA-FDDD-4C1C-9C58-E41C263E2DD2}" type="slidenum">
               <a:rPr lang="de-AT" smtClean="0"/>
-              <a:t>11</a:t>
+              <a:t>10</a:t>
             </a:fld>
             <a:endParaRPr lang="de-AT"/>
           </a:p>
@@ -4866,10 +4706,10 @@
           <a:bodyPr/>
           <a:lstStyle/>
           <a:p>
-            <a:r>
+            <a:fld id="{4C4045FB-B6E9-464A-A70C-671DD6CD222B}" type="datetime1">
               <a:rPr lang="de-DE" smtClean="0"/>
               <a:t>20.03.2015</a:t>
-            </a:r>
+            </a:fld>
             <a:endParaRPr lang="de-AT"/>
           </a:p>
         </p:txBody>
@@ -5556,7 +5396,7 @@
 </p:sld>
 </file>
 
-<file path=ppt/slides/slide12.xml><?xml version="1.0" encoding="utf-8"?>
+<file path=ppt/slides/slide11.xml><?xml version="1.0" encoding="utf-8"?>
 <p:sld xmlns:a="http://schemas.openxmlformats.org/drawingml/2006/main" xmlns:r="http://schemas.openxmlformats.org/officeDocument/2006/relationships" xmlns:p="http://schemas.openxmlformats.org/presentationml/2006/main" show="0">
   <p:cSld>
     <p:spTree>
@@ -5651,7 +5491,7 @@
           <a:p>
             <a:fld id="{0582A2BA-FDDD-4C1C-9C58-E41C263E2DD2}" type="slidenum">
               <a:rPr lang="de-AT" smtClean="0"/>
-              <a:t>12</a:t>
+              <a:t>11</a:t>
             </a:fld>
             <a:endParaRPr lang="de-AT"/>
           </a:p>
@@ -5695,10 +5535,10 @@
           <a:bodyPr/>
           <a:lstStyle/>
           <a:p>
-            <a:r>
+            <a:fld id="{8CCF4FB1-EF0E-4C54-AE9E-49E6EF020473}" type="datetime1">
               <a:rPr lang="de-DE" smtClean="0"/>
               <a:t>20.03.2015</a:t>
-            </a:r>
+            </a:fld>
             <a:endParaRPr lang="de-AT"/>
           </a:p>
         </p:txBody>
@@ -5707,6 +5547,163 @@
     <p:extLst>
       <p:ext uri="{BB962C8B-B14F-4D97-AF65-F5344CB8AC3E}">
         <p14:creationId xmlns:p14="http://schemas.microsoft.com/office/powerpoint/2010/main" val="2901394838"/>
+      </p:ext>
+    </p:extLst>
+  </p:cSld>
+  <p:clrMapOvr>
+    <a:masterClrMapping/>
+  </p:clrMapOvr>
+  <p:transition spd="slow">
+    <p:push dir="u"/>
+  </p:transition>
+  <p:timing>
+    <p:tnLst>
+      <p:par>
+        <p:cTn id="1" dur="indefinite" restart="never" nodeType="tmRoot"/>
+      </p:par>
+    </p:tnLst>
+  </p:timing>
+</p:sld>
+</file>
+
+<file path=ppt/slides/slide12.xml><?xml version="1.0" encoding="utf-8"?>
+<p:sld xmlns:a="http://schemas.openxmlformats.org/drawingml/2006/main" xmlns:r="http://schemas.openxmlformats.org/officeDocument/2006/relationships" xmlns:p="http://schemas.openxmlformats.org/presentationml/2006/main">
+  <p:cSld>
+    <p:spTree>
+      <p:nvGrpSpPr>
+        <p:cNvPr id="1" name=""/>
+        <p:cNvGrpSpPr/>
+        <p:nvPr/>
+      </p:nvGrpSpPr>
+      <p:grpSpPr>
+        <a:xfrm>
+          <a:off x="0" y="0"/>
+          <a:ext cx="0" cy="0"/>
+          <a:chOff x="0" y="0"/>
+          <a:chExt cx="0" cy="0"/>
+        </a:xfrm>
+      </p:grpSpPr>
+      <p:pic>
+        <p:nvPicPr>
+          <p:cNvPr id="4" name="Content Placeholder 3"/>
+          <p:cNvPicPr>
+            <a:picLocks noGrp="1" noChangeAspect="1"/>
+          </p:cNvPicPr>
+          <p:nvPr>
+            <p:ph idx="1"/>
+          </p:nvPr>
+        </p:nvPicPr>
+        <p:blipFill>
+          <a:blip r:embed="rId2">
+            <a:extLst>
+              <a:ext uri="{28A0092B-C50C-407E-A947-70E740481C1C}">
+                <a14:useLocalDpi xmlns:a14="http://schemas.microsoft.com/office/drawing/2010/main" val="0"/>
+              </a:ext>
+            </a:extLst>
+          </a:blip>
+          <a:stretch>
+            <a:fillRect/>
+          </a:stretch>
+        </p:blipFill>
+        <p:spPr>
+          <a:xfrm>
+            <a:off x="3186698" y="-375305"/>
+            <a:ext cx="6795501" cy="7096780"/>
+          </a:xfrm>
+        </p:spPr>
+      </p:pic>
+      <p:sp>
+        <p:nvSpPr>
+          <p:cNvPr id="2" name="Title 1"/>
+          <p:cNvSpPr>
+            <a:spLocks noGrp="1"/>
+          </p:cNvSpPr>
+          <p:nvPr>
+            <p:ph type="title"/>
+          </p:nvPr>
+        </p:nvSpPr>
+        <p:spPr/>
+        <p:txBody>
+          <a:bodyPr/>
+          <a:lstStyle/>
+          <a:p>
+            <a:endParaRPr lang="de-AT"/>
+          </a:p>
+        </p:txBody>
+      </p:sp>
+      <p:sp>
+        <p:nvSpPr>
+          <p:cNvPr id="3" name="Foliennummernplatzhalter 2"/>
+          <p:cNvSpPr>
+            <a:spLocks noGrp="1"/>
+          </p:cNvSpPr>
+          <p:nvPr>
+            <p:ph type="sldNum" sz="quarter" idx="12"/>
+          </p:nvPr>
+        </p:nvSpPr>
+        <p:spPr/>
+        <p:txBody>
+          <a:bodyPr/>
+          <a:lstStyle/>
+          <a:p>
+            <a:fld id="{0582A2BA-FDDD-4C1C-9C58-E41C263E2DD2}" type="slidenum">
+              <a:rPr lang="de-AT" smtClean="0"/>
+              <a:t>12</a:t>
+            </a:fld>
+            <a:endParaRPr lang="de-AT"/>
+          </a:p>
+        </p:txBody>
+      </p:sp>
+      <p:sp>
+        <p:nvSpPr>
+          <p:cNvPr id="8" name="Fußzeilenplatzhalter 7"/>
+          <p:cNvSpPr>
+            <a:spLocks noGrp="1"/>
+          </p:cNvSpPr>
+          <p:nvPr>
+            <p:ph type="ftr" sz="quarter" idx="11"/>
+          </p:nvPr>
+        </p:nvSpPr>
+        <p:spPr/>
+        <p:txBody>
+          <a:bodyPr/>
+          <a:lstStyle/>
+          <a:p>
+            <a:r>
+              <a:rPr lang="de-AT" smtClean="0"/>
+              <a:t>SOA, REST &amp; JSON</a:t>
+            </a:r>
+            <a:endParaRPr lang="de-AT"/>
+          </a:p>
+        </p:txBody>
+      </p:sp>
+      <p:sp>
+        <p:nvSpPr>
+          <p:cNvPr id="9" name="Datumsplatzhalter 8"/>
+          <p:cNvSpPr>
+            <a:spLocks noGrp="1"/>
+          </p:cNvSpPr>
+          <p:nvPr>
+            <p:ph type="dt" sz="half" idx="10"/>
+          </p:nvPr>
+        </p:nvSpPr>
+        <p:spPr/>
+        <p:txBody>
+          <a:bodyPr/>
+          <a:lstStyle/>
+          <a:p>
+            <a:fld id="{EBD2C46A-D96D-4AA7-A968-2692E4D18BA4}" type="datetime1">
+              <a:rPr lang="de-DE" smtClean="0"/>
+              <a:t>20.03.2015</a:t>
+            </a:fld>
+            <a:endParaRPr lang="de-AT"/>
+          </a:p>
+        </p:txBody>
+      </p:sp>
+    </p:spTree>
+    <p:extLst>
+      <p:ext uri="{BB962C8B-B14F-4D97-AF65-F5344CB8AC3E}">
+        <p14:creationId xmlns:p14="http://schemas.microsoft.com/office/powerpoint/2010/main" val="4215237943"/>
       </p:ext>
     </p:extLst>
   </p:cSld>
@@ -5743,57 +5740,96 @@
           <a:chExt cx="0" cy="0"/>
         </a:xfrm>
       </p:grpSpPr>
-      <p:pic>
-        <p:nvPicPr>
-          <p:cNvPr id="4" name="Content Placeholder 3"/>
-          <p:cNvPicPr>
-            <a:picLocks noGrp="1" noChangeAspect="1"/>
-          </p:cNvPicPr>
+      <p:sp>
+        <p:nvSpPr>
+          <p:cNvPr id="2" name="Title 1"/>
+          <p:cNvSpPr>
+            <a:spLocks noGrp="1"/>
+          </p:cNvSpPr>
+          <p:nvPr>
+            <p:ph type="title"/>
+          </p:nvPr>
+        </p:nvSpPr>
+        <p:spPr/>
+        <p:txBody>
+          <a:bodyPr/>
+          <a:lstStyle/>
+          <a:p>
+            <a:r>
+              <a:rPr lang="de-AT" dirty="0" smtClean="0"/>
+              <a:t>Orchestration</a:t>
+            </a:r>
+            <a:endParaRPr lang="de-AT" dirty="0"/>
+          </a:p>
+        </p:txBody>
+      </p:sp>
+      <p:sp>
+        <p:nvSpPr>
+          <p:cNvPr id="3" name="Content Placeholder 2"/>
+          <p:cNvSpPr>
+            <a:spLocks noGrp="1"/>
+          </p:cNvSpPr>
           <p:nvPr>
             <p:ph idx="1"/>
           </p:nvPr>
-        </p:nvPicPr>
-        <p:blipFill>
-          <a:blip r:embed="rId2">
-            <a:extLst>
-              <a:ext uri="{28A0092B-C50C-407E-A947-70E740481C1C}">
-                <a14:useLocalDpi xmlns:a14="http://schemas.microsoft.com/office/drawing/2010/main" val="0"/>
-              </a:ext>
-            </a:extLst>
-          </a:blip>
-          <a:stretch>
-            <a:fillRect/>
-          </a:stretch>
-        </p:blipFill>
-        <p:spPr>
-          <a:xfrm>
-            <a:off x="3186698" y="-375305"/>
-            <a:ext cx="6795501" cy="7096780"/>
-          </a:xfrm>
-        </p:spPr>
-      </p:pic>
-      <p:sp>
-        <p:nvSpPr>
-          <p:cNvPr id="2" name="Title 1"/>
-          <p:cNvSpPr>
-            <a:spLocks noGrp="1"/>
-          </p:cNvSpPr>
-          <p:nvPr>
-            <p:ph type="title"/>
-          </p:nvPr>
-        </p:nvSpPr>
-        <p:spPr/>
-        <p:txBody>
-          <a:bodyPr/>
-          <a:lstStyle/>
-          <a:p>
-            <a:endParaRPr lang="de-AT"/>
-          </a:p>
-        </p:txBody>
-      </p:sp>
-      <p:sp>
-        <p:nvSpPr>
-          <p:cNvPr id="3" name="Foliennummernplatzhalter 2"/>
+        </p:nvSpPr>
+        <p:spPr/>
+        <p:txBody>
+          <a:bodyPr>
+            <a:normAutofit/>
+          </a:bodyPr>
+          <a:lstStyle/>
+          <a:p>
+            <a:r>
+              <a:rPr lang="de-AT" dirty="0" smtClean="0"/>
+              <a:t>BPEL</a:t>
+            </a:r>
+          </a:p>
+          <a:p>
+            <a:endParaRPr lang="de-AT" sz="800" dirty="0"/>
+          </a:p>
+          <a:p>
+            <a:r>
+              <a:rPr lang="de-AT" dirty="0" smtClean="0"/>
+              <a:t>Graphically composing services from a very business process view</a:t>
+            </a:r>
+          </a:p>
+          <a:p>
+            <a:endParaRPr lang="de-AT" sz="800" dirty="0"/>
+          </a:p>
+          <a:p>
+            <a:r>
+              <a:rPr lang="de-AT" dirty="0" smtClean="0"/>
+              <a:t>Generating new processes without coding</a:t>
+            </a:r>
+          </a:p>
+          <a:p>
+            <a:endParaRPr lang="de-AT" sz="800" dirty="0"/>
+          </a:p>
+          <a:p>
+            <a:r>
+              <a:rPr lang="de-AT" dirty="0" smtClean="0"/>
+              <a:t>Generating compositions</a:t>
+            </a:r>
+          </a:p>
+          <a:p>
+            <a:endParaRPr lang="de-AT" sz="800" dirty="0" smtClean="0"/>
+          </a:p>
+          <a:p>
+            <a:r>
+              <a:rPr lang="de-AT" dirty="0" smtClean="0"/>
+              <a:t>Power of SOA</a:t>
+            </a:r>
+            <a:endParaRPr lang="de-AT" dirty="0"/>
+          </a:p>
+          <a:p>
+            <a:endParaRPr lang="de-AT" dirty="0"/>
+          </a:p>
+        </p:txBody>
+      </p:sp>
+      <p:sp>
+        <p:nvSpPr>
+          <p:cNvPr id="4" name="Foliennummernplatzhalter 3"/>
           <p:cNvSpPr>
             <a:spLocks noGrp="1"/>
           </p:cNvSpPr>
@@ -5852,206 +5888,10 @@
           <a:bodyPr/>
           <a:lstStyle/>
           <a:p>
-            <a:r>
+            <a:fld id="{28D23C10-9CB0-42E5-9600-9C9AFEA5AAC2}" type="datetime1">
               <a:rPr lang="de-DE" smtClean="0"/>
               <a:t>20.03.2015</a:t>
-            </a:r>
-            <a:endParaRPr lang="de-AT"/>
-          </a:p>
-        </p:txBody>
-      </p:sp>
-    </p:spTree>
-    <p:extLst>
-      <p:ext uri="{BB962C8B-B14F-4D97-AF65-F5344CB8AC3E}">
-        <p14:creationId xmlns:p14="http://schemas.microsoft.com/office/powerpoint/2010/main" val="4215237943"/>
-      </p:ext>
-    </p:extLst>
-  </p:cSld>
-  <p:clrMapOvr>
-    <a:masterClrMapping/>
-  </p:clrMapOvr>
-  <p:transition spd="slow">
-    <p:push dir="u"/>
-  </p:transition>
-  <p:timing>
-    <p:tnLst>
-      <p:par>
-        <p:cTn id="1" dur="indefinite" restart="never" nodeType="tmRoot"/>
-      </p:par>
-    </p:tnLst>
-  </p:timing>
-</p:sld>
-</file>
-
-<file path=ppt/slides/slide14.xml><?xml version="1.0" encoding="utf-8"?>
-<p:sld xmlns:a="http://schemas.openxmlformats.org/drawingml/2006/main" xmlns:r="http://schemas.openxmlformats.org/officeDocument/2006/relationships" xmlns:p="http://schemas.openxmlformats.org/presentationml/2006/main">
-  <p:cSld>
-    <p:spTree>
-      <p:nvGrpSpPr>
-        <p:cNvPr id="1" name=""/>
-        <p:cNvGrpSpPr/>
-        <p:nvPr/>
-      </p:nvGrpSpPr>
-      <p:grpSpPr>
-        <a:xfrm>
-          <a:off x="0" y="0"/>
-          <a:ext cx="0" cy="0"/>
-          <a:chOff x="0" y="0"/>
-          <a:chExt cx="0" cy="0"/>
-        </a:xfrm>
-      </p:grpSpPr>
-      <p:sp>
-        <p:nvSpPr>
-          <p:cNvPr id="2" name="Title 1"/>
-          <p:cNvSpPr>
-            <a:spLocks noGrp="1"/>
-          </p:cNvSpPr>
-          <p:nvPr>
-            <p:ph type="title"/>
-          </p:nvPr>
-        </p:nvSpPr>
-        <p:spPr/>
-        <p:txBody>
-          <a:bodyPr/>
-          <a:lstStyle/>
-          <a:p>
-            <a:r>
-              <a:rPr lang="de-AT" dirty="0" smtClean="0"/>
-              <a:t>Orchestration</a:t>
-            </a:r>
-            <a:endParaRPr lang="de-AT" dirty="0"/>
-          </a:p>
-        </p:txBody>
-      </p:sp>
-      <p:sp>
-        <p:nvSpPr>
-          <p:cNvPr id="3" name="Content Placeholder 2"/>
-          <p:cNvSpPr>
-            <a:spLocks noGrp="1"/>
-          </p:cNvSpPr>
-          <p:nvPr>
-            <p:ph idx="1"/>
-          </p:nvPr>
-        </p:nvSpPr>
-        <p:spPr/>
-        <p:txBody>
-          <a:bodyPr>
-            <a:normAutofit/>
-          </a:bodyPr>
-          <a:lstStyle/>
-          <a:p>
-            <a:r>
-              <a:rPr lang="de-AT" dirty="0" smtClean="0"/>
-              <a:t>BPEL</a:t>
-            </a:r>
-          </a:p>
-          <a:p>
-            <a:endParaRPr lang="de-AT" sz="800" dirty="0"/>
-          </a:p>
-          <a:p>
-            <a:r>
-              <a:rPr lang="de-AT" dirty="0" smtClean="0"/>
-              <a:t>Graphically composing services from a very business process view</a:t>
-            </a:r>
-          </a:p>
-          <a:p>
-            <a:endParaRPr lang="de-AT" sz="800" dirty="0"/>
-          </a:p>
-          <a:p>
-            <a:r>
-              <a:rPr lang="de-AT" dirty="0" smtClean="0"/>
-              <a:t>Generating new processes without coding</a:t>
-            </a:r>
-          </a:p>
-          <a:p>
-            <a:endParaRPr lang="de-AT" sz="800" dirty="0"/>
-          </a:p>
-          <a:p>
-            <a:r>
-              <a:rPr lang="de-AT" dirty="0" smtClean="0"/>
-              <a:t>Generating compositions</a:t>
-            </a:r>
-          </a:p>
-          <a:p>
-            <a:endParaRPr lang="de-AT" sz="800" dirty="0" smtClean="0"/>
-          </a:p>
-          <a:p>
-            <a:r>
-              <a:rPr lang="de-AT" dirty="0" smtClean="0"/>
-              <a:t>Power of SOA</a:t>
-            </a:r>
-            <a:endParaRPr lang="de-AT" dirty="0"/>
-          </a:p>
-          <a:p>
-            <a:endParaRPr lang="de-AT" dirty="0"/>
-          </a:p>
-        </p:txBody>
-      </p:sp>
-      <p:sp>
-        <p:nvSpPr>
-          <p:cNvPr id="4" name="Foliennummernplatzhalter 3"/>
-          <p:cNvSpPr>
-            <a:spLocks noGrp="1"/>
-          </p:cNvSpPr>
-          <p:nvPr>
-            <p:ph type="sldNum" sz="quarter" idx="12"/>
-          </p:nvPr>
-        </p:nvSpPr>
-        <p:spPr/>
-        <p:txBody>
-          <a:bodyPr/>
-          <a:lstStyle/>
-          <a:p>
-            <a:fld id="{0582A2BA-FDDD-4C1C-9C58-E41C263E2DD2}" type="slidenum">
-              <a:rPr lang="de-AT" smtClean="0"/>
-              <a:t>14</a:t>
             </a:fld>
-            <a:endParaRPr lang="de-AT"/>
-          </a:p>
-        </p:txBody>
-      </p:sp>
-      <p:sp>
-        <p:nvSpPr>
-          <p:cNvPr id="8" name="Fußzeilenplatzhalter 7"/>
-          <p:cNvSpPr>
-            <a:spLocks noGrp="1"/>
-          </p:cNvSpPr>
-          <p:nvPr>
-            <p:ph type="ftr" sz="quarter" idx="11"/>
-          </p:nvPr>
-        </p:nvSpPr>
-        <p:spPr/>
-        <p:txBody>
-          <a:bodyPr/>
-          <a:lstStyle/>
-          <a:p>
-            <a:r>
-              <a:rPr lang="de-AT" smtClean="0"/>
-              <a:t>SOA, REST &amp; JSON</a:t>
-            </a:r>
-            <a:endParaRPr lang="de-AT"/>
-          </a:p>
-        </p:txBody>
-      </p:sp>
-      <p:sp>
-        <p:nvSpPr>
-          <p:cNvPr id="9" name="Datumsplatzhalter 8"/>
-          <p:cNvSpPr>
-            <a:spLocks noGrp="1"/>
-          </p:cNvSpPr>
-          <p:nvPr>
-            <p:ph type="dt" sz="half" idx="10"/>
-          </p:nvPr>
-        </p:nvSpPr>
-        <p:spPr/>
-        <p:txBody>
-          <a:bodyPr/>
-          <a:lstStyle/>
-          <a:p>
-            <a:r>
-              <a:rPr lang="de-DE" smtClean="0"/>
-              <a:t>20.03.2015</a:t>
-            </a:r>
             <a:endParaRPr lang="de-AT"/>
           </a:p>
         </p:txBody>
@@ -6079,7 +5919,7 @@
 </p:sld>
 </file>
 
-<file path=ppt/slides/slide15.xml><?xml version="1.0" encoding="utf-8"?>
+<file path=ppt/slides/slide14.xml><?xml version="1.0" encoding="utf-8"?>
 <p:sld xmlns:a="http://schemas.openxmlformats.org/drawingml/2006/main" xmlns:r="http://schemas.openxmlformats.org/officeDocument/2006/relationships" xmlns:p="http://schemas.openxmlformats.org/presentationml/2006/main">
   <p:cSld>
     <p:spTree>
@@ -6195,7 +6035,7 @@
           <a:p>
             <a:fld id="{0582A2BA-FDDD-4C1C-9C58-E41C263E2DD2}" type="slidenum">
               <a:rPr lang="de-AT" smtClean="0"/>
-              <a:t>15</a:t>
+              <a:t>14</a:t>
             </a:fld>
             <a:endParaRPr lang="de-AT"/>
           </a:p>
@@ -6239,10 +6079,10 @@
           <a:bodyPr/>
           <a:lstStyle/>
           <a:p>
-            <a:r>
+            <a:fld id="{6F4971DF-33A8-4FD1-A9E6-B33ADC64C72E}" type="datetime1">
               <a:rPr lang="de-DE" smtClean="0"/>
               <a:t>20.03.2015</a:t>
-            </a:r>
+            </a:fld>
             <a:endParaRPr lang="de-AT"/>
           </a:p>
         </p:txBody>
@@ -6264,6 +6104,442 @@
     <p:tnLst>
       <p:par>
         <p:cTn id="1" dur="indefinite" restart="never" nodeType="tmRoot"/>
+      </p:par>
+    </p:tnLst>
+  </p:timing>
+</p:sld>
+</file>
+
+<file path=ppt/slides/slide15.xml><?xml version="1.0" encoding="utf-8"?>
+<p:sld xmlns:a="http://schemas.openxmlformats.org/drawingml/2006/main" xmlns:r="http://schemas.openxmlformats.org/officeDocument/2006/relationships" xmlns:p="http://schemas.openxmlformats.org/presentationml/2006/main">
+  <p:cSld>
+    <p:spTree>
+      <p:nvGrpSpPr>
+        <p:cNvPr id="1" name=""/>
+        <p:cNvGrpSpPr/>
+        <p:nvPr/>
+      </p:nvGrpSpPr>
+      <p:grpSpPr>
+        <a:xfrm>
+          <a:off x="0" y="0"/>
+          <a:ext cx="0" cy="0"/>
+          <a:chOff x="0" y="0"/>
+          <a:chExt cx="0" cy="0"/>
+        </a:xfrm>
+      </p:grpSpPr>
+      <p:sp>
+        <p:nvSpPr>
+          <p:cNvPr id="4" name="Content Placeholder 3"/>
+          <p:cNvSpPr>
+            <a:spLocks noGrp="1"/>
+          </p:cNvSpPr>
+          <p:nvPr>
+            <p:ph idx="1"/>
+          </p:nvPr>
+        </p:nvSpPr>
+        <p:spPr/>
+        <p:txBody>
+          <a:bodyPr/>
+          <a:lstStyle/>
+          <a:p>
+            <a:r>
+              <a:rPr lang="de-AT" dirty="0" smtClean="0"/>
+              <a:t>Normal Lifcycle + Service Lifecycle</a:t>
+            </a:r>
+          </a:p>
+          <a:p>
+            <a:endParaRPr lang="de-AT" sz="800" dirty="0" smtClean="0"/>
+          </a:p>
+          <a:p>
+            <a:r>
+              <a:rPr lang="de-AT" dirty="0" smtClean="0"/>
+              <a:t>Differences from normal software development:</a:t>
+            </a:r>
+          </a:p>
+          <a:p>
+            <a:pPr lvl="1"/>
+            <a:r>
+              <a:rPr lang="de-AT" dirty="0" smtClean="0"/>
+              <a:t>Identifying the Business Process</a:t>
+            </a:r>
+          </a:p>
+          <a:p>
+            <a:pPr lvl="1"/>
+            <a:r>
+              <a:rPr lang="de-AT" dirty="0" smtClean="0"/>
+              <a:t>Build and compose </a:t>
+            </a:r>
+          </a:p>
+          <a:p>
+            <a:pPr lvl="1"/>
+            <a:r>
+              <a:rPr lang="de-AT" dirty="0" smtClean="0"/>
+              <a:t>Change</a:t>
+            </a:r>
+          </a:p>
+          <a:p>
+            <a:pPr lvl="1"/>
+            <a:r>
+              <a:rPr lang="de-AT" dirty="0" smtClean="0"/>
+              <a:t>Retirement</a:t>
+            </a:r>
+            <a:endParaRPr lang="de-AT" dirty="0"/>
+          </a:p>
+          <a:p>
+            <a:endParaRPr lang="de-AT" dirty="0"/>
+          </a:p>
+        </p:txBody>
+      </p:sp>
+      <p:pic>
+        <p:nvPicPr>
+          <p:cNvPr id="8" name="Picture 7"/>
+          <p:cNvPicPr>
+            <a:picLocks noChangeAspect="1"/>
+          </p:cNvPicPr>
+          <p:nvPr/>
+        </p:nvPicPr>
+        <p:blipFill rotWithShape="1">
+          <a:blip r:embed="rId2">
+            <a:extLst>
+              <a:ext uri="{28A0092B-C50C-407E-A947-70E740481C1C}">
+                <a14:useLocalDpi xmlns:a14="http://schemas.microsoft.com/office/drawing/2010/main" val="0"/>
+              </a:ext>
+            </a:extLst>
+          </a:blip>
+          <a:srcRect b="37085"/>
+          <a:stretch/>
+        </p:blipFill>
+        <p:spPr>
+          <a:xfrm>
+            <a:off x="227347" y="1162654"/>
+            <a:ext cx="9110909" cy="5184373"/>
+          </a:xfrm>
+          <a:prstGeom prst="rect">
+            <a:avLst/>
+          </a:prstGeom>
+        </p:spPr>
+      </p:pic>
+      <p:sp>
+        <p:nvSpPr>
+          <p:cNvPr id="2" name="Title 1"/>
+          <p:cNvSpPr>
+            <a:spLocks noGrp="1"/>
+          </p:cNvSpPr>
+          <p:nvPr>
+            <p:ph type="title"/>
+          </p:nvPr>
+        </p:nvSpPr>
+        <p:spPr/>
+        <p:txBody>
+          <a:bodyPr/>
+          <a:lstStyle/>
+          <a:p>
+            <a:r>
+              <a:rPr lang="de-AT" dirty="0" err="1" smtClean="0"/>
+              <a:t>Lifecycle</a:t>
+            </a:r>
+            <a:endParaRPr lang="de-AT" dirty="0"/>
+          </a:p>
+        </p:txBody>
+      </p:sp>
+      <p:pic>
+        <p:nvPicPr>
+          <p:cNvPr id="3" name="Picture 2"/>
+          <p:cNvPicPr>
+            <a:picLocks noChangeAspect="1"/>
+          </p:cNvPicPr>
+          <p:nvPr/>
+        </p:nvPicPr>
+        <p:blipFill>
+          <a:blip r:embed="rId2">
+            <a:extLst>
+              <a:ext uri="{28A0092B-C50C-407E-A947-70E740481C1C}">
+                <a14:useLocalDpi xmlns:a14="http://schemas.microsoft.com/office/drawing/2010/main" val="0"/>
+              </a:ext>
+            </a:extLst>
+          </a:blip>
+          <a:stretch>
+            <a:fillRect/>
+          </a:stretch>
+        </p:blipFill>
+        <p:spPr>
+          <a:xfrm>
+            <a:off x="5918915" y="628370"/>
+            <a:ext cx="5582429" cy="5048955"/>
+          </a:xfrm>
+          <a:prstGeom prst="rect">
+            <a:avLst/>
+          </a:prstGeom>
+        </p:spPr>
+      </p:pic>
+      <p:sp>
+        <p:nvSpPr>
+          <p:cNvPr id="9" name="Foliennummernplatzhalter 8"/>
+          <p:cNvSpPr>
+            <a:spLocks noGrp="1"/>
+          </p:cNvSpPr>
+          <p:nvPr>
+            <p:ph type="sldNum" sz="quarter" idx="12"/>
+          </p:nvPr>
+        </p:nvSpPr>
+        <p:spPr/>
+        <p:txBody>
+          <a:bodyPr/>
+          <a:lstStyle/>
+          <a:p>
+            <a:fld id="{0582A2BA-FDDD-4C1C-9C58-E41C263E2DD2}" type="slidenum">
+              <a:rPr lang="de-AT" smtClean="0"/>
+              <a:t>15</a:t>
+            </a:fld>
+            <a:endParaRPr lang="de-AT"/>
+          </a:p>
+        </p:txBody>
+      </p:sp>
+      <p:sp>
+        <p:nvSpPr>
+          <p:cNvPr id="10" name="Fußzeilenplatzhalter 9"/>
+          <p:cNvSpPr>
+            <a:spLocks noGrp="1"/>
+          </p:cNvSpPr>
+          <p:nvPr>
+            <p:ph type="ftr" sz="quarter" idx="11"/>
+          </p:nvPr>
+        </p:nvSpPr>
+        <p:spPr/>
+        <p:txBody>
+          <a:bodyPr/>
+          <a:lstStyle/>
+          <a:p>
+            <a:r>
+              <a:rPr lang="de-AT" smtClean="0"/>
+              <a:t>SOA, REST &amp; JSON</a:t>
+            </a:r>
+            <a:endParaRPr lang="de-AT"/>
+          </a:p>
+        </p:txBody>
+      </p:sp>
+      <p:sp>
+        <p:nvSpPr>
+          <p:cNvPr id="11" name="Datumsplatzhalter 10"/>
+          <p:cNvSpPr>
+            <a:spLocks noGrp="1"/>
+          </p:cNvSpPr>
+          <p:nvPr>
+            <p:ph type="dt" sz="half" idx="10"/>
+          </p:nvPr>
+        </p:nvSpPr>
+        <p:spPr/>
+        <p:txBody>
+          <a:bodyPr/>
+          <a:lstStyle/>
+          <a:p>
+            <a:fld id="{9DBF8C9C-9278-496A-8E05-0ADABC1B0715}" type="datetime1">
+              <a:rPr lang="de-DE" smtClean="0"/>
+              <a:t>20.03.2015</a:t>
+            </a:fld>
+            <a:endParaRPr lang="de-AT"/>
+          </a:p>
+        </p:txBody>
+      </p:sp>
+    </p:spTree>
+    <p:extLst>
+      <p:ext uri="{BB962C8B-B14F-4D97-AF65-F5344CB8AC3E}">
+        <p14:creationId xmlns:p14="http://schemas.microsoft.com/office/powerpoint/2010/main" val="2296427799"/>
+      </p:ext>
+    </p:extLst>
+  </p:cSld>
+  <p:clrMapOvr>
+    <a:masterClrMapping/>
+  </p:clrMapOvr>
+  <p:transition spd="slow">
+    <p:push dir="u"/>
+  </p:transition>
+  <p:timing>
+    <p:tnLst>
+      <p:par>
+        <p:cTn id="1" dur="indefinite" restart="never" nodeType="tmRoot">
+          <p:childTnLst>
+            <p:seq concurrent="1" nextAc="seek">
+              <p:cTn id="2" dur="indefinite" nodeType="mainSeq">
+                <p:childTnLst>
+                  <p:par>
+                    <p:cTn id="3" fill="hold">
+                      <p:stCondLst>
+                        <p:cond delay="indefinite"/>
+                      </p:stCondLst>
+                      <p:childTnLst>
+                        <p:par>
+                          <p:cTn id="4" fill="hold">
+                            <p:stCondLst>
+                              <p:cond delay="0"/>
+                            </p:stCondLst>
+                            <p:childTnLst>
+                              <p:par>
+                                <p:cTn id="5" presetID="10" presetClass="entr" presetSubtype="0" fill="hold" nodeType="clickEffect">
+                                  <p:stCondLst>
+                                    <p:cond delay="0"/>
+                                  </p:stCondLst>
+                                  <p:childTnLst>
+                                    <p:set>
+                                      <p:cBhvr>
+                                        <p:cTn id="6" dur="1" fill="hold">
+                                          <p:stCondLst>
+                                            <p:cond delay="0"/>
+                                          </p:stCondLst>
+                                        </p:cTn>
+                                        <p:tgtEl>
+                                          <p:spTgt spid="8"/>
+                                        </p:tgtEl>
+                                        <p:attrNameLst>
+                                          <p:attrName>style.visibility</p:attrName>
+                                        </p:attrNameLst>
+                                      </p:cBhvr>
+                                      <p:to>
+                                        <p:strVal val="visible"/>
+                                      </p:to>
+                                    </p:set>
+                                    <p:animEffect transition="in" filter="fade">
+                                      <p:cBhvr>
+                                        <p:cTn id="7" dur="500"/>
+                                        <p:tgtEl>
+                                          <p:spTgt spid="8"/>
+                                        </p:tgtEl>
+                                      </p:cBhvr>
+                                    </p:animEffect>
+                                  </p:childTnLst>
+                                </p:cTn>
+                              </p:par>
+                            </p:childTnLst>
+                          </p:cTn>
+                        </p:par>
+                      </p:childTnLst>
+                    </p:cTn>
+                  </p:par>
+                  <p:par>
+                    <p:cTn id="8" fill="hold">
+                      <p:stCondLst>
+                        <p:cond delay="indefinite"/>
+                      </p:stCondLst>
+                      <p:childTnLst>
+                        <p:par>
+                          <p:cTn id="9" fill="hold">
+                            <p:stCondLst>
+                              <p:cond delay="0"/>
+                            </p:stCondLst>
+                            <p:childTnLst>
+                              <p:par>
+                                <p:cTn id="10" presetID="10" presetClass="exit" presetSubtype="0" fill="hold" nodeType="clickEffect">
+                                  <p:stCondLst>
+                                    <p:cond delay="0"/>
+                                  </p:stCondLst>
+                                  <p:childTnLst>
+                                    <p:animEffect transition="out" filter="fade">
+                                      <p:cBhvr>
+                                        <p:cTn id="11" dur="500"/>
+                                        <p:tgtEl>
+                                          <p:spTgt spid="8"/>
+                                        </p:tgtEl>
+                                      </p:cBhvr>
+                                    </p:animEffect>
+                                    <p:set>
+                                      <p:cBhvr>
+                                        <p:cTn id="12" dur="1" fill="hold">
+                                          <p:stCondLst>
+                                            <p:cond delay="499"/>
+                                          </p:stCondLst>
+                                        </p:cTn>
+                                        <p:tgtEl>
+                                          <p:spTgt spid="8"/>
+                                        </p:tgtEl>
+                                        <p:attrNameLst>
+                                          <p:attrName>style.visibility</p:attrName>
+                                        </p:attrNameLst>
+                                      </p:cBhvr>
+                                      <p:to>
+                                        <p:strVal val="hidden"/>
+                                      </p:to>
+                                    </p:set>
+                                  </p:childTnLst>
+                                </p:cTn>
+                              </p:par>
+                            </p:childTnLst>
+                          </p:cTn>
+                        </p:par>
+                      </p:childTnLst>
+                    </p:cTn>
+                  </p:par>
+                  <p:par>
+                    <p:cTn id="13" fill="hold">
+                      <p:stCondLst>
+                        <p:cond delay="indefinite"/>
+                      </p:stCondLst>
+                      <p:childTnLst>
+                        <p:par>
+                          <p:cTn id="14" fill="hold">
+                            <p:stCondLst>
+                              <p:cond delay="0"/>
+                            </p:stCondLst>
+                            <p:childTnLst>
+                              <p:par>
+                                <p:cTn id="15" presetID="10" presetClass="entr" presetSubtype="0" fill="hold" nodeType="clickEffect">
+                                  <p:stCondLst>
+                                    <p:cond delay="0"/>
+                                  </p:stCondLst>
+                                  <p:childTnLst>
+                                    <p:set>
+                                      <p:cBhvr>
+                                        <p:cTn id="16" dur="1" fill="hold">
+                                          <p:stCondLst>
+                                            <p:cond delay="0"/>
+                                          </p:stCondLst>
+                                        </p:cTn>
+                                        <p:tgtEl>
+                                          <p:spTgt spid="3"/>
+                                        </p:tgtEl>
+                                        <p:attrNameLst>
+                                          <p:attrName>style.visibility</p:attrName>
+                                        </p:attrNameLst>
+                                      </p:cBhvr>
+                                      <p:to>
+                                        <p:strVal val="visible"/>
+                                      </p:to>
+                                    </p:set>
+                                    <p:animEffect transition="in" filter="fade">
+                                      <p:cBhvr>
+                                        <p:cTn id="17" dur="500"/>
+                                        <p:tgtEl>
+                                          <p:spTgt spid="3"/>
+                                        </p:tgtEl>
+                                      </p:cBhvr>
+                                    </p:animEffect>
+                                  </p:childTnLst>
+                                </p:cTn>
+                              </p:par>
+                            </p:childTnLst>
+                          </p:cTn>
+                        </p:par>
+                      </p:childTnLst>
+                    </p:cTn>
+                  </p:par>
+                </p:childTnLst>
+              </p:cTn>
+              <p:prevCondLst>
+                <p:cond evt="onPrev" delay="0">
+                  <p:tgtEl>
+                    <p:sldTgt/>
+                  </p:tgtEl>
+                </p:cond>
+              </p:prevCondLst>
+              <p:nextCondLst>
+                <p:cond evt="onNext" delay="0">
+                  <p:tgtEl>
+                    <p:sldTgt/>
+                  </p:tgtEl>
+                </p:cond>
+              </p:nextCondLst>
+            </p:seq>
+          </p:childTnLst>
+        </p:cTn>
       </p:par>
     </p:tnLst>
   </p:timing>
@@ -6401,10 +6677,10 @@
           <a:bodyPr/>
           <a:lstStyle/>
           <a:p>
-            <a:r>
+            <a:fld id="{D6BA66C5-E80B-42E8-84E3-874A6734B58F}" type="datetime1">
               <a:rPr lang="de-DE" smtClean="0"/>
               <a:t>20.03.2015</a:t>
-            </a:r>
+            </a:fld>
             <a:endParaRPr lang="de-AT"/>
           </a:p>
         </p:txBody>
@@ -6597,10 +6873,10 @@
           <a:bodyPr/>
           <a:lstStyle/>
           <a:p>
-            <a:r>
+            <a:fld id="{ACE33675-C9A5-4897-B2FB-033D76263C2E}" type="datetime1">
               <a:rPr lang="de-DE" smtClean="0"/>
               <a:t>20.03.2015</a:t>
-            </a:r>
+            </a:fld>
             <a:endParaRPr lang="de-AT"/>
           </a:p>
         </p:txBody>
@@ -6776,10 +7052,10 @@
           <a:bodyPr/>
           <a:lstStyle/>
           <a:p>
-            <a:r>
+            <a:fld id="{88AD3B6B-D159-4283-BF61-3780B2F03993}" type="datetime1">
               <a:rPr lang="de-DE" smtClean="0"/>
               <a:t>20.03.2015</a:t>
-            </a:r>
+            </a:fld>
             <a:endParaRPr lang="de-AT"/>
           </a:p>
         </p:txBody>
@@ -6864,7 +7140,7 @@
         </p:blipFill>
         <p:spPr>
           <a:xfrm>
-            <a:off x="2354580" y="0"/>
+            <a:off x="1776575" y="-124837"/>
             <a:ext cx="6834025" cy="6261537"/>
           </a:xfrm>
         </p:spPr>
@@ -6877,8 +7153,8 @@
         </p:nvSpPr>
         <p:spPr>
           <a:xfrm>
-            <a:off x="5371171" y="6261537"/>
-            <a:ext cx="1449658" cy="584775"/>
+            <a:off x="4464011" y="6246524"/>
+            <a:ext cx="954292" cy="584775"/>
           </a:xfrm>
           <a:prstGeom prst="rect">
             <a:avLst/>
@@ -6960,11 +7236,11 @@
           <a:bodyPr/>
           <a:lstStyle/>
           <a:p>
-            <a:r>
+            <a:fld id="{7EB25007-6832-4587-A9C4-E4862A387D60}" type="datetime1">
               <a:rPr lang="de-DE" smtClean="0"/>
               <a:t>20.03.2015</a:t>
-            </a:r>
-            <a:endParaRPr lang="de-AT"/>
+            </a:fld>
+            <a:endParaRPr lang="de-AT" dirty="0"/>
           </a:p>
         </p:txBody>
       </p:sp>
@@ -7127,10 +7403,10 @@
           <a:bodyPr/>
           <a:lstStyle/>
           <a:p>
-            <a:r>
+            <a:fld id="{34E1EEDE-CA39-4E9E-A966-E5731202788D}" type="datetime1">
               <a:rPr lang="de-DE" smtClean="0"/>
               <a:t>20.03.2015</a:t>
-            </a:r>
+            </a:fld>
             <a:endParaRPr lang="de-AT"/>
           </a:p>
         </p:txBody>
@@ -7415,10 +7691,10 @@
           <a:bodyPr/>
           <a:lstStyle/>
           <a:p>
-            <a:r>
+            <a:fld id="{43A371B9-9827-44CF-A2CB-DBB425EE9243}" type="datetime1">
               <a:rPr lang="de-DE" smtClean="0"/>
               <a:t>20.03.2015</a:t>
-            </a:r>
+            </a:fld>
             <a:endParaRPr lang="de-AT"/>
           </a:p>
         </p:txBody>
@@ -7686,10 +7962,10 @@
           <a:bodyPr/>
           <a:lstStyle/>
           <a:p>
-            <a:r>
+            <a:fld id="{B2659454-A7AF-46C9-AA41-E391B5E40289}" type="datetime1">
               <a:rPr lang="de-DE" smtClean="0"/>
               <a:t>20.03.2015</a:t>
-            </a:r>
+            </a:fld>
             <a:endParaRPr lang="de-AT"/>
           </a:p>
         </p:txBody>
@@ -7887,10 +8163,10 @@
           <a:bodyPr/>
           <a:lstStyle/>
           <a:p>
-            <a:r>
+            <a:fld id="{C1C51985-1281-45AF-963F-05EC6D2EE6D6}" type="datetime1">
               <a:rPr lang="de-DE" smtClean="0"/>
               <a:t>20.03.2015</a:t>
-            </a:r>
+            </a:fld>
             <a:endParaRPr lang="de-AT"/>
           </a:p>
         </p:txBody>
@@ -8150,10 +8426,10 @@
           <a:bodyPr/>
           <a:lstStyle/>
           <a:p>
-            <a:r>
+            <a:fld id="{01062D84-B6F1-4810-9B7F-8063C42E076D}" type="datetime1">
               <a:rPr lang="de-DE" smtClean="0"/>
               <a:t>20.03.2015</a:t>
-            </a:r>
+            </a:fld>
             <a:endParaRPr lang="de-AT"/>
           </a:p>
         </p:txBody>
@@ -8370,10 +8646,10 @@
           <a:bodyPr/>
           <a:lstStyle/>
           <a:p>
-            <a:r>
+            <a:fld id="{E33BB310-DEC1-4619-804A-73C44F354A87}" type="datetime1">
               <a:rPr lang="de-DE" smtClean="0"/>
               <a:t>20.03.2015</a:t>
-            </a:r>
+            </a:fld>
             <a:endParaRPr lang="de-AT"/>
           </a:p>
         </p:txBody>
@@ -8493,7 +8769,7 @@
       </p:sp>
       <p:sp>
         <p:nvSpPr>
-          <p:cNvPr id="5" name="Fußzeilenplatzhalter 4"/>
+          <p:cNvPr id="8" name="Fußzeilenplatzhalter 7"/>
           <p:cNvSpPr>
             <a:spLocks noGrp="1"/>
           </p:cNvSpPr>
@@ -8516,7 +8792,7 @@
       </p:sp>
       <p:sp>
         <p:nvSpPr>
-          <p:cNvPr id="6" name="Datumsplatzhalter 5"/>
+          <p:cNvPr id="9" name="Datumsplatzhalter 8"/>
           <p:cNvSpPr>
             <a:spLocks noGrp="1"/>
           </p:cNvSpPr>
@@ -8529,10 +8805,10 @@
           <a:bodyPr/>
           <a:lstStyle/>
           <a:p>
-            <a:r>
+            <a:fld id="{D6BA66C5-E80B-42E8-84E3-874A6734B58F}" type="datetime1">
               <a:rPr lang="de-DE" smtClean="0"/>
               <a:t>20.03.2015</a:t>
-            </a:r>
+            </a:fld>
             <a:endParaRPr lang="de-AT"/>
           </a:p>
         </p:txBody>
@@ -8540,7 +8816,7 @@
     </p:spTree>
     <p:extLst>
       <p:ext uri="{BB962C8B-B14F-4D97-AF65-F5344CB8AC3E}">
-        <p14:creationId xmlns:p14="http://schemas.microsoft.com/office/powerpoint/2010/main" val="3678899283"/>
+        <p14:creationId xmlns:p14="http://schemas.microsoft.com/office/powerpoint/2010/main" val="2534362909"/>
       </p:ext>
     </p:extLst>
   </p:cSld>
@@ -8699,10 +8975,10 @@
           <a:bodyPr/>
           <a:lstStyle/>
           <a:p>
-            <a:r>
+            <a:fld id="{F7FDF624-5214-453A-A54E-7ED130C1C382}" type="datetime1">
               <a:rPr lang="de-DE" smtClean="0"/>
               <a:t>20.03.2015</a:t>
-            </a:r>
+            </a:fld>
             <a:endParaRPr lang="de-AT"/>
           </a:p>
         </p:txBody>
@@ -8869,10 +9145,10 @@
           <a:bodyPr/>
           <a:lstStyle/>
           <a:p>
-            <a:r>
+            <a:fld id="{85E9049F-2940-4788-AE75-1D798FAA5066}" type="datetime1">
               <a:rPr lang="de-DE" smtClean="0"/>
               <a:t>20.03.2015</a:t>
-            </a:r>
+            </a:fld>
             <a:endParaRPr lang="de-AT"/>
           </a:p>
         </p:txBody>
@@ -9085,10 +9361,10 @@
           <a:bodyPr/>
           <a:lstStyle/>
           <a:p>
-            <a:r>
+            <a:fld id="{361EFA62-FFCA-464E-80D3-F0662AB43B3B}" type="datetime1">
               <a:rPr lang="de-DE" smtClean="0"/>
               <a:t>20.03.2015</a:t>
-            </a:r>
+            </a:fld>
             <a:endParaRPr lang="de-AT"/>
           </a:p>
         </p:txBody>
@@ -9249,15 +9525,7 @@
           <a:p>
             <a:r>
               <a:rPr lang="en-US" dirty="0" smtClean="0"/>
-              <a:t> Rest is </a:t>
-            </a:r>
-            <a:r>
-              <a:rPr lang="en-US" dirty="0" smtClean="0"/>
-              <a:t>basically </a:t>
-            </a:r>
-            <a:r>
-              <a:rPr lang="en-US" dirty="0" smtClean="0"/>
-              <a:t>using HTTP Requests </a:t>
+              <a:t> Rest is basically using HTTP Requests </a:t>
             </a:r>
             <a:endParaRPr lang="de-AT" dirty="0"/>
           </a:p>
@@ -9324,10 +9592,10 @@
           <a:bodyPr/>
           <a:lstStyle/>
           <a:p>
-            <a:r>
+            <a:fld id="{ED9B8C42-8A7A-40AE-A096-7A3BA152C118}" type="datetime1">
               <a:rPr lang="de-DE" smtClean="0"/>
               <a:t>20.03.2015</a:t>
-            </a:r>
+            </a:fld>
             <a:endParaRPr lang="de-AT"/>
           </a:p>
         </p:txBody>
@@ -9553,10 +9821,10 @@
           <a:bodyPr/>
           <a:lstStyle/>
           <a:p>
-            <a:r>
-              <a:rPr lang="de-DE" dirty="0" smtClean="0"/>
+            <a:fld id="{B0A18857-E257-4BAE-8ABE-20BB9FF6348A}" type="datetime1">
+              <a:rPr lang="de-DE" smtClean="0"/>
               <a:t>20.03.2015</a:t>
-            </a:r>
+            </a:fld>
             <a:endParaRPr lang="de-AT" dirty="0"/>
           </a:p>
         </p:txBody>
@@ -9851,10 +10119,10 @@
           <a:bodyPr/>
           <a:lstStyle/>
           <a:p>
-            <a:r>
+            <a:fld id="{59536F56-A2C7-4B90-BF4F-539739D37D3F}" type="datetime1">
               <a:rPr lang="de-DE" smtClean="0"/>
               <a:t>20.03.2015</a:t>
-            </a:r>
+            </a:fld>
             <a:endParaRPr lang="de-AT"/>
           </a:p>
         </p:txBody>
@@ -10135,10 +10403,10 @@
           <a:bodyPr/>
           <a:lstStyle/>
           <a:p>
-            <a:r>
+            <a:fld id="{340D86FC-D38B-4409-B200-A9DFC91C1D37}" type="datetime1">
               <a:rPr lang="de-DE" smtClean="0"/>
               <a:t>20.03.2015</a:t>
-            </a:r>
+            </a:fld>
             <a:endParaRPr lang="de-AT"/>
           </a:p>
         </p:txBody>
@@ -10282,10 +10550,10 @@
           <a:bodyPr/>
           <a:lstStyle/>
           <a:p>
-            <a:r>
+            <a:fld id="{8753545B-CD37-44F3-AA7B-DA6D202C67EC}" type="datetime1">
               <a:rPr lang="de-DE" smtClean="0"/>
               <a:t>20.03.2015</a:t>
-            </a:r>
+            </a:fld>
             <a:endParaRPr lang="de-AT"/>
           </a:p>
         </p:txBody>
@@ -10524,10 +10792,10 @@
           <a:bodyPr/>
           <a:lstStyle/>
           <a:p>
-            <a:r>
+            <a:fld id="{F11BB41C-F984-450A-BD8B-3D36328E90A0}" type="datetime1">
               <a:rPr lang="de-DE" smtClean="0"/>
               <a:t>20.03.2015</a:t>
-            </a:r>
+            </a:fld>
             <a:endParaRPr lang="de-AT"/>
           </a:p>
         </p:txBody>
@@ -10949,10 +11217,10 @@
           <a:bodyPr/>
           <a:lstStyle/>
           <a:p>
-            <a:r>
+            <a:fld id="{5306ED8B-63D2-4EA8-B960-FAAA9092969D}" type="datetime1">
               <a:rPr lang="de-DE" smtClean="0"/>
               <a:t>20.03.2015</a:t>
-            </a:r>
+            </a:fld>
             <a:endParaRPr lang="de-AT"/>
           </a:p>
         </p:txBody>
@@ -11153,10 +11421,10 @@
           <a:bodyPr/>
           <a:lstStyle/>
           <a:p>
-            <a:r>
+            <a:fld id="{27921C9D-E670-411C-85BF-B87B25B0B305}" type="datetime1">
               <a:rPr lang="de-DE" smtClean="0"/>
               <a:t>20.03.2015</a:t>
-            </a:r>
+            </a:fld>
             <a:endParaRPr lang="de-AT"/>
           </a:p>
         </p:txBody>
@@ -11393,10 +11661,10 @@
           <a:bodyPr/>
           <a:lstStyle/>
           <a:p>
-            <a:r>
+            <a:fld id="{B89308BA-6136-4133-9C1A-59FBA1CF2189}" type="datetime1">
               <a:rPr lang="de-DE" smtClean="0"/>
               <a:t>20.03.2015</a:t>
-            </a:r>
+            </a:fld>
             <a:endParaRPr lang="de-AT"/>
           </a:p>
         </p:txBody>
@@ -11476,10 +11744,9 @@
           <a:bodyPr/>
           <a:lstStyle/>
           <a:p>
-            <a:r>
-              <a:rPr lang="de-AT" dirty="0" smtClean="0"/>
-              <a:t>[</a:t>
-            </a:r>
+            <a:pPr marL="0" indent="0">
+              <a:buNone/>
+            </a:pPr>
             <a:endParaRPr lang="de-AT" dirty="0"/>
           </a:p>
         </p:txBody>
@@ -11586,10 +11853,10 @@
           <a:bodyPr/>
           <a:lstStyle/>
           <a:p>
-            <a:r>
+            <a:fld id="{5B8E7CA3-CE95-4D4E-A863-84E9CCB2FEB9}" type="datetime1">
               <a:rPr lang="de-DE" smtClean="0"/>
               <a:t>20.03.2015</a:t>
-            </a:r>
+            </a:fld>
             <a:endParaRPr lang="de-AT"/>
           </a:p>
         </p:txBody>
@@ -11926,10 +12193,10 @@
           <a:bodyPr/>
           <a:lstStyle/>
           <a:p>
-            <a:r>
+            <a:fld id="{741BD53E-D256-44B5-A6A4-0B6792B90209}" type="datetime1">
               <a:rPr lang="de-DE" smtClean="0"/>
               <a:t>20.03.2015</a:t>
-            </a:r>
+            </a:fld>
             <a:endParaRPr lang="de-AT"/>
           </a:p>
         </p:txBody>
@@ -12410,10 +12677,10 @@
           <a:bodyPr/>
           <a:lstStyle/>
           <a:p>
-            <a:r>
+            <a:fld id="{F3B31E98-2116-4E50-BA66-70CA41D54814}" type="datetime1">
               <a:rPr lang="de-DE" smtClean="0"/>
               <a:t>20.03.2015</a:t>
-            </a:r>
+            </a:fld>
             <a:endParaRPr lang="de-AT"/>
           </a:p>
         </p:txBody>
@@ -12569,9 +12836,39 @@
           <a:chExt cx="0" cy="0"/>
         </a:xfrm>
       </p:grpSpPr>
-      <p:sp>
-        <p:nvSpPr>
-          <p:cNvPr id="2" name="Title 1"/>
+      <p:pic>
+        <p:nvPicPr>
+          <p:cNvPr id="11" name="Picture 10"/>
+          <p:cNvPicPr>
+            <a:picLocks noChangeAspect="1"/>
+          </p:cNvPicPr>
+          <p:nvPr/>
+        </p:nvPicPr>
+        <p:blipFill>
+          <a:blip r:embed="rId2">
+            <a:extLst>
+              <a:ext uri="{28A0092B-C50C-407E-A947-70E740481C1C}">
+                <a14:useLocalDpi xmlns:a14="http://schemas.microsoft.com/office/drawing/2010/main" val="0"/>
+              </a:ext>
+            </a:extLst>
+          </a:blip>
+          <a:stretch>
+            <a:fillRect/>
+          </a:stretch>
+        </p:blipFill>
+        <p:spPr>
+          <a:xfrm>
+            <a:off x="5343159" y="-1"/>
+            <a:ext cx="6010641" cy="4365939"/>
+          </a:xfrm>
+          <a:prstGeom prst="rect">
+            <a:avLst/>
+          </a:prstGeom>
+        </p:spPr>
+      </p:pic>
+      <p:sp>
+        <p:nvSpPr>
+          <p:cNvPr id="5" name="Title 4"/>
           <p:cNvSpPr>
             <a:spLocks noGrp="1"/>
           </p:cNvSpPr>
@@ -12586,7 +12883,7 @@
           <a:p>
             <a:r>
               <a:rPr lang="de-AT" dirty="0" smtClean="0"/>
-              <a:t>Problems?</a:t>
+              <a:t>Service</a:t>
             </a:r>
             <a:endParaRPr lang="de-AT" dirty="0"/>
           </a:p>
@@ -12594,7 +12891,7 @@
       </p:sp>
       <p:sp>
         <p:nvSpPr>
-          <p:cNvPr id="3" name="Content Placeholder 2"/>
+          <p:cNvPr id="10" name="Content Placeholder 9"/>
           <p:cNvSpPr>
             <a:spLocks noGrp="1"/>
           </p:cNvSpPr>
@@ -12609,34 +12906,34 @@
           <a:p>
             <a:r>
               <a:rPr lang="de-AT" dirty="0" smtClean="0"/>
-              <a:t>Resistant to change</a:t>
-            </a:r>
-          </a:p>
-          <a:p>
-            <a:endParaRPr lang="de-AT" sz="800" dirty="0" smtClean="0"/>
+              <a:t>Unit of logic</a:t>
+            </a:r>
+          </a:p>
+          <a:p>
+            <a:endParaRPr lang="de-AT" dirty="0"/>
           </a:p>
           <a:p>
             <a:r>
               <a:rPr lang="de-AT" dirty="0" smtClean="0"/>
-              <a:t>Communication and data transmission</a:t>
-            </a:r>
-          </a:p>
-          <a:p>
-            <a:endParaRPr lang="de-AT" sz="800" dirty="0" smtClean="0"/>
+              <a:t>SOA Design Principles Applied</a:t>
+            </a:r>
+          </a:p>
+          <a:p>
+            <a:endParaRPr lang="de-AT" dirty="0"/>
           </a:p>
           <a:p>
             <a:r>
               <a:rPr lang="de-AT" dirty="0" smtClean="0"/>
-              <a:t>Vendor dependency</a:t>
-            </a:r>
-          </a:p>
-          <a:p>
-            <a:endParaRPr lang="de-AT" sz="800" dirty="0" smtClean="0"/>
+              <a:t>Clearly defined function</a:t>
+            </a:r>
+          </a:p>
+          <a:p>
+            <a:endParaRPr lang="de-AT" dirty="0"/>
           </a:p>
           <a:p>
             <a:r>
               <a:rPr lang="de-AT" dirty="0" smtClean="0"/>
-              <a:t>Not enough support to BPM</a:t>
+              <a:t>Description of the functionality</a:t>
             </a:r>
             <a:endParaRPr lang="de-AT" dirty="0"/>
           </a:p>
@@ -12644,7 +12941,7 @@
       </p:sp>
       <p:sp>
         <p:nvSpPr>
-          <p:cNvPr id="4" name="Foliennummernplatzhalter 3"/>
+          <p:cNvPr id="2" name="Foliennummernplatzhalter 1"/>
           <p:cNvSpPr>
             <a:spLocks noGrp="1"/>
           </p:cNvSpPr>
@@ -12667,7 +12964,7 @@
       </p:sp>
       <p:sp>
         <p:nvSpPr>
-          <p:cNvPr id="8" name="Fußzeilenplatzhalter 7"/>
+          <p:cNvPr id="3" name="Fußzeilenplatzhalter 2"/>
           <p:cNvSpPr>
             <a:spLocks noGrp="1"/>
           </p:cNvSpPr>
@@ -12690,7 +12987,7 @@
       </p:sp>
       <p:sp>
         <p:nvSpPr>
-          <p:cNvPr id="9" name="Datumsplatzhalter 8"/>
+          <p:cNvPr id="4" name="Datumsplatzhalter 3"/>
           <p:cNvSpPr>
             <a:spLocks noGrp="1"/>
           </p:cNvSpPr>
@@ -12703,10 +13000,10 @@
           <a:bodyPr/>
           <a:lstStyle/>
           <a:p>
-            <a:r>
+            <a:fld id="{5C92D8B0-B5F4-4B71-8301-3D703AF265B3}" type="datetime1">
               <a:rPr lang="de-DE" smtClean="0"/>
               <a:t>20.03.2015</a:t>
-            </a:r>
+            </a:fld>
             <a:endParaRPr lang="de-AT"/>
           </a:p>
         </p:txBody>
@@ -12714,7 +13011,7 @@
     </p:spTree>
     <p:extLst>
       <p:ext uri="{BB962C8B-B14F-4D97-AF65-F5344CB8AC3E}">
-        <p14:creationId xmlns:p14="http://schemas.microsoft.com/office/powerpoint/2010/main" val="2558781691"/>
+        <p14:creationId xmlns:p14="http://schemas.microsoft.com/office/powerpoint/2010/main" val="137191320"/>
       </p:ext>
     </p:extLst>
   </p:cSld>
@@ -12761,15 +13058,25 @@
             <p:ph type="title"/>
           </p:nvPr>
         </p:nvSpPr>
-        <p:spPr/>
-        <p:txBody>
-          <a:bodyPr/>
-          <a:lstStyle/>
-          <a:p>
-            <a:r>
-              <a:rPr lang="de-AT" dirty="0"/>
+        <p:spPr>
+          <a:xfrm>
+            <a:off x="2895600" y="2675731"/>
+            <a:ext cx="10515600" cy="1325563"/>
+          </a:xfrm>
+        </p:spPr>
+        <p:txBody>
+          <a:bodyPr/>
+          <a:lstStyle/>
+          <a:p>
+            <a:r>
+              <a:rPr lang="de-AT" dirty="0" smtClean="0"/>
+              <a:t>Summary &amp; </a:t>
+            </a:r>
+            <a:r>
+              <a:rPr lang="de-AT" dirty="0" err="1" smtClean="0"/>
               <a:t>Conclusion</a:t>
             </a:r>
+            <a:endParaRPr lang="de-AT" dirty="0"/>
           </a:p>
         </p:txBody>
       </p:sp>
@@ -12790,28 +13097,6 @@
           </a:bodyPr>
           <a:lstStyle/>
           <a:p>
-            <a:r>
-              <a:rPr lang="de-AT" dirty="0" smtClean="0"/>
-              <a:t>Powerful</a:t>
-            </a:r>
-          </a:p>
-          <a:p>
-            <a:endParaRPr lang="de-AT" sz="800" dirty="0" smtClean="0"/>
-          </a:p>
-          <a:p>
-            <a:r>
-              <a:rPr lang="de-AT" dirty="0" smtClean="0"/>
-              <a:t>Return of Investment</a:t>
-            </a:r>
-          </a:p>
-          <a:p>
-            <a:endParaRPr lang="de-AT" sz="800" dirty="0" smtClean="0"/>
-          </a:p>
-          <a:p>
-            <a:r>
-              <a:rPr lang="de-AT" dirty="0" smtClean="0"/>
-              <a:t>System might be hard to debug / manage </a:t>
-            </a:r>
             <a:endParaRPr lang="de-AT" dirty="0"/>
           </a:p>
         </p:txBody>
@@ -12877,10 +13162,10 @@
           <a:bodyPr/>
           <a:lstStyle/>
           <a:p>
-            <a:r>
+            <a:fld id="{5EB6BC8D-5C6D-4DF4-8F7B-C274E51B76EB}" type="datetime1">
               <a:rPr lang="de-DE" smtClean="0"/>
               <a:t>20.03.2015</a:t>
-            </a:r>
+            </a:fld>
             <a:endParaRPr lang="de-AT"/>
           </a:p>
         </p:txBody>
@@ -13031,11 +13316,11 @@
           <a:bodyPr/>
           <a:lstStyle/>
           <a:p>
-            <a:r>
+            <a:fld id="{0A375518-3447-4709-BC1A-8F72796883D9}" type="datetime1">
               <a:rPr lang="de-DE" smtClean="0"/>
               <a:t>20.03.2015</a:t>
-            </a:r>
-            <a:endParaRPr lang="de-AT"/>
+            </a:fld>
+            <a:endParaRPr lang="de-AT" dirty="0"/>
           </a:p>
         </p:txBody>
       </p:sp>
@@ -13345,10 +13630,10 @@
           <a:bodyPr/>
           <a:lstStyle/>
           <a:p>
-            <a:r>
+            <a:fld id="{A4C699B2-DDFA-4EF1-ADC9-ADE774320246}" type="datetime1">
               <a:rPr lang="de-DE" smtClean="0"/>
               <a:t>20.03.2015</a:t>
-            </a:r>
+            </a:fld>
             <a:endParaRPr lang="de-AT"/>
           </a:p>
         </p:txBody>
@@ -13407,6 +13692,188 @@
           <a:p>
             <a:r>
               <a:rPr lang="de-AT" dirty="0" smtClean="0"/>
+              <a:t>Problems?</a:t>
+            </a:r>
+            <a:endParaRPr lang="de-AT" dirty="0"/>
+          </a:p>
+        </p:txBody>
+      </p:sp>
+      <p:sp>
+        <p:nvSpPr>
+          <p:cNvPr id="3" name="Content Placeholder 2"/>
+          <p:cNvSpPr>
+            <a:spLocks noGrp="1"/>
+          </p:cNvSpPr>
+          <p:nvPr>
+            <p:ph idx="1"/>
+          </p:nvPr>
+        </p:nvSpPr>
+        <p:spPr/>
+        <p:txBody>
+          <a:bodyPr/>
+          <a:lstStyle/>
+          <a:p>
+            <a:r>
+              <a:rPr lang="de-AT" dirty="0" smtClean="0"/>
+              <a:t>Resistant to change</a:t>
+            </a:r>
+          </a:p>
+          <a:p>
+            <a:endParaRPr lang="de-AT" sz="800" dirty="0" smtClean="0"/>
+          </a:p>
+          <a:p>
+            <a:r>
+              <a:rPr lang="de-AT" dirty="0" smtClean="0"/>
+              <a:t>Communication and data transmission</a:t>
+            </a:r>
+          </a:p>
+          <a:p>
+            <a:endParaRPr lang="de-AT" sz="800" dirty="0" smtClean="0"/>
+          </a:p>
+          <a:p>
+            <a:r>
+              <a:rPr lang="de-AT" dirty="0" smtClean="0"/>
+              <a:t>Vendor dependency</a:t>
+            </a:r>
+          </a:p>
+          <a:p>
+            <a:endParaRPr lang="de-AT" sz="800" dirty="0" smtClean="0"/>
+          </a:p>
+          <a:p>
+            <a:r>
+              <a:rPr lang="de-AT" dirty="0" smtClean="0"/>
+              <a:t>Not enough support to BPM</a:t>
+            </a:r>
+            <a:endParaRPr lang="de-AT" dirty="0"/>
+          </a:p>
+        </p:txBody>
+      </p:sp>
+      <p:sp>
+        <p:nvSpPr>
+          <p:cNvPr id="4" name="Foliennummernplatzhalter 3"/>
+          <p:cNvSpPr>
+            <a:spLocks noGrp="1"/>
+          </p:cNvSpPr>
+          <p:nvPr>
+            <p:ph type="sldNum" sz="quarter" idx="12"/>
+          </p:nvPr>
+        </p:nvSpPr>
+        <p:spPr/>
+        <p:txBody>
+          <a:bodyPr/>
+          <a:lstStyle/>
+          <a:p>
+            <a:fld id="{0582A2BA-FDDD-4C1C-9C58-E41C263E2DD2}" type="slidenum">
+              <a:rPr lang="de-AT" smtClean="0"/>
+              <a:t>5</a:t>
+            </a:fld>
+            <a:endParaRPr lang="de-AT"/>
+          </a:p>
+        </p:txBody>
+      </p:sp>
+      <p:sp>
+        <p:nvSpPr>
+          <p:cNvPr id="8" name="Fußzeilenplatzhalter 7"/>
+          <p:cNvSpPr>
+            <a:spLocks noGrp="1"/>
+          </p:cNvSpPr>
+          <p:nvPr>
+            <p:ph type="ftr" sz="quarter" idx="11"/>
+          </p:nvPr>
+        </p:nvSpPr>
+        <p:spPr/>
+        <p:txBody>
+          <a:bodyPr/>
+          <a:lstStyle/>
+          <a:p>
+            <a:r>
+              <a:rPr lang="de-AT" smtClean="0"/>
+              <a:t>SOA, REST &amp; JSON</a:t>
+            </a:r>
+            <a:endParaRPr lang="de-AT"/>
+          </a:p>
+        </p:txBody>
+      </p:sp>
+      <p:sp>
+        <p:nvSpPr>
+          <p:cNvPr id="9" name="Datumsplatzhalter 8"/>
+          <p:cNvSpPr>
+            <a:spLocks noGrp="1"/>
+          </p:cNvSpPr>
+          <p:nvPr>
+            <p:ph type="dt" sz="half" idx="10"/>
+          </p:nvPr>
+        </p:nvSpPr>
+        <p:spPr/>
+        <p:txBody>
+          <a:bodyPr/>
+          <a:lstStyle/>
+          <a:p>
+            <a:fld id="{718145B4-6776-496C-9E84-296BE9506C6E}" type="datetime1">
+              <a:rPr lang="de-DE" smtClean="0"/>
+              <a:t>20.03.2015</a:t>
+            </a:fld>
+            <a:endParaRPr lang="de-AT"/>
+          </a:p>
+        </p:txBody>
+      </p:sp>
+    </p:spTree>
+    <p:extLst>
+      <p:ext uri="{BB962C8B-B14F-4D97-AF65-F5344CB8AC3E}">
+        <p14:creationId xmlns:p14="http://schemas.microsoft.com/office/powerpoint/2010/main" val="2558781691"/>
+      </p:ext>
+    </p:extLst>
+  </p:cSld>
+  <p:clrMapOvr>
+    <a:masterClrMapping/>
+  </p:clrMapOvr>
+  <p:transition spd="slow">
+    <p:push dir="u"/>
+  </p:transition>
+  <p:timing>
+    <p:tnLst>
+      <p:par>
+        <p:cTn id="1" dur="indefinite" restart="never" nodeType="tmRoot"/>
+      </p:par>
+    </p:tnLst>
+  </p:timing>
+</p:sld>
+</file>
+
+<file path=ppt/slides/slide6.xml><?xml version="1.0" encoding="utf-8"?>
+<p:sld xmlns:a="http://schemas.openxmlformats.org/drawingml/2006/main" xmlns:r="http://schemas.openxmlformats.org/officeDocument/2006/relationships" xmlns:p="http://schemas.openxmlformats.org/presentationml/2006/main" show="0">
+  <p:cSld>
+    <p:spTree>
+      <p:nvGrpSpPr>
+        <p:cNvPr id="1" name=""/>
+        <p:cNvGrpSpPr/>
+        <p:nvPr/>
+      </p:nvGrpSpPr>
+      <p:grpSpPr>
+        <a:xfrm>
+          <a:off x="0" y="0"/>
+          <a:ext cx="0" cy="0"/>
+          <a:chOff x="0" y="0"/>
+          <a:chExt cx="0" cy="0"/>
+        </a:xfrm>
+      </p:grpSpPr>
+      <p:sp>
+        <p:nvSpPr>
+          <p:cNvPr id="2" name="Title 1"/>
+          <p:cNvSpPr>
+            <a:spLocks noGrp="1"/>
+          </p:cNvSpPr>
+          <p:nvPr>
+            <p:ph type="title"/>
+          </p:nvPr>
+        </p:nvSpPr>
+        <p:spPr/>
+        <p:txBody>
+          <a:bodyPr/>
+          <a:lstStyle/>
+          <a:p>
+            <a:r>
+              <a:rPr lang="de-AT" dirty="0" smtClean="0"/>
               <a:t>Solution</a:t>
             </a:r>
             <a:endParaRPr lang="de-AT" dirty="0"/>
@@ -13460,7 +13927,7 @@
           <a:p>
             <a:fld id="{0582A2BA-FDDD-4C1C-9C58-E41C263E2DD2}" type="slidenum">
               <a:rPr lang="de-AT" smtClean="0"/>
-              <a:t>5</a:t>
+              <a:t>6</a:t>
             </a:fld>
             <a:endParaRPr lang="de-AT"/>
           </a:p>
@@ -13504,10 +13971,10 @@
           <a:bodyPr/>
           <a:lstStyle/>
           <a:p>
-            <a:r>
+            <a:fld id="{11EFD1E8-8F78-4E66-9934-F7BECC788165}" type="datetime1">
               <a:rPr lang="de-DE" smtClean="0"/>
               <a:t>20.03.2015</a:t>
-            </a:r>
+            </a:fld>
             <a:endParaRPr lang="de-AT"/>
           </a:p>
         </p:txBody>
@@ -13603,7 +14070,7 @@
 </p:sld>
 </file>
 
-<file path=ppt/slides/slide6.xml><?xml version="1.0" encoding="utf-8"?>
+<file path=ppt/slides/slide7.xml><?xml version="1.0" encoding="utf-8"?>
 <p:sld xmlns:a="http://schemas.openxmlformats.org/drawingml/2006/main" xmlns:r="http://schemas.openxmlformats.org/officeDocument/2006/relationships" xmlns:p="http://schemas.openxmlformats.org/presentationml/2006/main">
   <p:cSld>
     <p:spTree>
@@ -13730,7 +14197,7 @@
           <a:p>
             <a:fld id="{0582A2BA-FDDD-4C1C-9C58-E41C263E2DD2}" type="slidenum">
               <a:rPr lang="de-AT" smtClean="0"/>
-              <a:t>6</a:t>
+              <a:t>7</a:t>
             </a:fld>
             <a:endParaRPr lang="de-AT"/>
           </a:p>
@@ -13774,10 +14241,10 @@
           <a:bodyPr/>
           <a:lstStyle/>
           <a:p>
-            <a:r>
+            <a:fld id="{DEF3A663-69C5-4578-AAD9-EFD821ABF3ED}" type="datetime1">
               <a:rPr lang="de-DE" smtClean="0"/>
               <a:t>20.03.2015</a:t>
-            </a:r>
+            </a:fld>
             <a:endParaRPr lang="de-AT"/>
           </a:p>
         </p:txBody>
@@ -13805,442 +14272,6 @@
 </p:sld>
 </file>
 
-<file path=ppt/slides/slide7.xml><?xml version="1.0" encoding="utf-8"?>
-<p:sld xmlns:a="http://schemas.openxmlformats.org/drawingml/2006/main" xmlns:r="http://schemas.openxmlformats.org/officeDocument/2006/relationships" xmlns:p="http://schemas.openxmlformats.org/presentationml/2006/main">
-  <p:cSld>
-    <p:spTree>
-      <p:nvGrpSpPr>
-        <p:cNvPr id="1" name=""/>
-        <p:cNvGrpSpPr/>
-        <p:nvPr/>
-      </p:nvGrpSpPr>
-      <p:grpSpPr>
-        <a:xfrm>
-          <a:off x="0" y="0"/>
-          <a:ext cx="0" cy="0"/>
-          <a:chOff x="0" y="0"/>
-          <a:chExt cx="0" cy="0"/>
-        </a:xfrm>
-      </p:grpSpPr>
-      <p:sp>
-        <p:nvSpPr>
-          <p:cNvPr id="4" name="Content Placeholder 3"/>
-          <p:cNvSpPr>
-            <a:spLocks noGrp="1"/>
-          </p:cNvSpPr>
-          <p:nvPr>
-            <p:ph idx="1"/>
-          </p:nvPr>
-        </p:nvSpPr>
-        <p:spPr/>
-        <p:txBody>
-          <a:bodyPr/>
-          <a:lstStyle/>
-          <a:p>
-            <a:r>
-              <a:rPr lang="de-AT" dirty="0" smtClean="0"/>
-              <a:t>Normal Lifcycle + Service Lifecycle</a:t>
-            </a:r>
-          </a:p>
-          <a:p>
-            <a:endParaRPr lang="de-AT" sz="800" dirty="0" smtClean="0"/>
-          </a:p>
-          <a:p>
-            <a:r>
-              <a:rPr lang="de-AT" dirty="0" smtClean="0"/>
-              <a:t>Differences from normal software development:</a:t>
-            </a:r>
-          </a:p>
-          <a:p>
-            <a:pPr lvl="1"/>
-            <a:r>
-              <a:rPr lang="de-AT" dirty="0" smtClean="0"/>
-              <a:t>Identifying the Business Process</a:t>
-            </a:r>
-          </a:p>
-          <a:p>
-            <a:pPr lvl="1"/>
-            <a:r>
-              <a:rPr lang="de-AT" dirty="0" smtClean="0"/>
-              <a:t>Build and compose </a:t>
-            </a:r>
-          </a:p>
-          <a:p>
-            <a:pPr lvl="1"/>
-            <a:r>
-              <a:rPr lang="de-AT" dirty="0" smtClean="0"/>
-              <a:t>Change</a:t>
-            </a:r>
-          </a:p>
-          <a:p>
-            <a:pPr lvl="1"/>
-            <a:r>
-              <a:rPr lang="de-AT" dirty="0" smtClean="0"/>
-              <a:t>Retirement</a:t>
-            </a:r>
-            <a:endParaRPr lang="de-AT" dirty="0"/>
-          </a:p>
-          <a:p>
-            <a:endParaRPr lang="de-AT" dirty="0"/>
-          </a:p>
-        </p:txBody>
-      </p:sp>
-      <p:pic>
-        <p:nvPicPr>
-          <p:cNvPr id="8" name="Picture 7"/>
-          <p:cNvPicPr>
-            <a:picLocks noChangeAspect="1"/>
-          </p:cNvPicPr>
-          <p:nvPr/>
-        </p:nvPicPr>
-        <p:blipFill rotWithShape="1">
-          <a:blip r:embed="rId2">
-            <a:extLst>
-              <a:ext uri="{28A0092B-C50C-407E-A947-70E740481C1C}">
-                <a14:useLocalDpi xmlns:a14="http://schemas.microsoft.com/office/drawing/2010/main" val="0"/>
-              </a:ext>
-            </a:extLst>
-          </a:blip>
-          <a:srcRect b="37085"/>
-          <a:stretch/>
-        </p:blipFill>
-        <p:spPr>
-          <a:xfrm>
-            <a:off x="227347" y="1162654"/>
-            <a:ext cx="9110909" cy="5184373"/>
-          </a:xfrm>
-          <a:prstGeom prst="rect">
-            <a:avLst/>
-          </a:prstGeom>
-        </p:spPr>
-      </p:pic>
-      <p:sp>
-        <p:nvSpPr>
-          <p:cNvPr id="2" name="Title 1"/>
-          <p:cNvSpPr>
-            <a:spLocks noGrp="1"/>
-          </p:cNvSpPr>
-          <p:nvPr>
-            <p:ph type="title"/>
-          </p:nvPr>
-        </p:nvSpPr>
-        <p:spPr/>
-        <p:txBody>
-          <a:bodyPr/>
-          <a:lstStyle/>
-          <a:p>
-            <a:r>
-              <a:rPr lang="de-AT" dirty="0" smtClean="0"/>
-              <a:t>SOA Lifecycle</a:t>
-            </a:r>
-            <a:endParaRPr lang="de-AT" dirty="0"/>
-          </a:p>
-        </p:txBody>
-      </p:sp>
-      <p:pic>
-        <p:nvPicPr>
-          <p:cNvPr id="3" name="Picture 2"/>
-          <p:cNvPicPr>
-            <a:picLocks noChangeAspect="1"/>
-          </p:cNvPicPr>
-          <p:nvPr/>
-        </p:nvPicPr>
-        <p:blipFill>
-          <a:blip r:embed="rId2">
-            <a:extLst>
-              <a:ext uri="{28A0092B-C50C-407E-A947-70E740481C1C}">
-                <a14:useLocalDpi xmlns:a14="http://schemas.microsoft.com/office/drawing/2010/main" val="0"/>
-              </a:ext>
-            </a:extLst>
-          </a:blip>
-          <a:stretch>
-            <a:fillRect/>
-          </a:stretch>
-        </p:blipFill>
-        <p:spPr>
-          <a:xfrm>
-            <a:off x="5918915" y="628370"/>
-            <a:ext cx="5582429" cy="5048955"/>
-          </a:xfrm>
-          <a:prstGeom prst="rect">
-            <a:avLst/>
-          </a:prstGeom>
-        </p:spPr>
-      </p:pic>
-      <p:sp>
-        <p:nvSpPr>
-          <p:cNvPr id="9" name="Foliennummernplatzhalter 8"/>
-          <p:cNvSpPr>
-            <a:spLocks noGrp="1"/>
-          </p:cNvSpPr>
-          <p:nvPr>
-            <p:ph type="sldNum" sz="quarter" idx="12"/>
-          </p:nvPr>
-        </p:nvSpPr>
-        <p:spPr/>
-        <p:txBody>
-          <a:bodyPr/>
-          <a:lstStyle/>
-          <a:p>
-            <a:fld id="{0582A2BA-FDDD-4C1C-9C58-E41C263E2DD2}" type="slidenum">
-              <a:rPr lang="de-AT" smtClean="0"/>
-              <a:t>7</a:t>
-            </a:fld>
-            <a:endParaRPr lang="de-AT"/>
-          </a:p>
-        </p:txBody>
-      </p:sp>
-      <p:sp>
-        <p:nvSpPr>
-          <p:cNvPr id="10" name="Fußzeilenplatzhalter 9"/>
-          <p:cNvSpPr>
-            <a:spLocks noGrp="1"/>
-          </p:cNvSpPr>
-          <p:nvPr>
-            <p:ph type="ftr" sz="quarter" idx="11"/>
-          </p:nvPr>
-        </p:nvSpPr>
-        <p:spPr/>
-        <p:txBody>
-          <a:bodyPr/>
-          <a:lstStyle/>
-          <a:p>
-            <a:r>
-              <a:rPr lang="de-AT" smtClean="0"/>
-              <a:t>SOA, REST &amp; JSON</a:t>
-            </a:r>
-            <a:endParaRPr lang="de-AT"/>
-          </a:p>
-        </p:txBody>
-      </p:sp>
-      <p:sp>
-        <p:nvSpPr>
-          <p:cNvPr id="11" name="Datumsplatzhalter 10"/>
-          <p:cNvSpPr>
-            <a:spLocks noGrp="1"/>
-          </p:cNvSpPr>
-          <p:nvPr>
-            <p:ph type="dt" sz="half" idx="10"/>
-          </p:nvPr>
-        </p:nvSpPr>
-        <p:spPr/>
-        <p:txBody>
-          <a:bodyPr/>
-          <a:lstStyle/>
-          <a:p>
-            <a:r>
-              <a:rPr lang="de-DE" smtClean="0"/>
-              <a:t>20.03.2015</a:t>
-            </a:r>
-            <a:endParaRPr lang="de-AT"/>
-          </a:p>
-        </p:txBody>
-      </p:sp>
-    </p:spTree>
-    <p:extLst>
-      <p:ext uri="{BB962C8B-B14F-4D97-AF65-F5344CB8AC3E}">
-        <p14:creationId xmlns:p14="http://schemas.microsoft.com/office/powerpoint/2010/main" val="2296427799"/>
-      </p:ext>
-    </p:extLst>
-  </p:cSld>
-  <p:clrMapOvr>
-    <a:masterClrMapping/>
-  </p:clrMapOvr>
-  <p:transition spd="slow">
-    <p:push dir="u"/>
-  </p:transition>
-  <p:timing>
-    <p:tnLst>
-      <p:par>
-        <p:cTn id="1" dur="indefinite" restart="never" nodeType="tmRoot">
-          <p:childTnLst>
-            <p:seq concurrent="1" nextAc="seek">
-              <p:cTn id="2" dur="indefinite" nodeType="mainSeq">
-                <p:childTnLst>
-                  <p:par>
-                    <p:cTn id="3" fill="hold">
-                      <p:stCondLst>
-                        <p:cond delay="indefinite"/>
-                      </p:stCondLst>
-                      <p:childTnLst>
-                        <p:par>
-                          <p:cTn id="4" fill="hold">
-                            <p:stCondLst>
-                              <p:cond delay="0"/>
-                            </p:stCondLst>
-                            <p:childTnLst>
-                              <p:par>
-                                <p:cTn id="5" presetID="10" presetClass="entr" presetSubtype="0" fill="hold" nodeType="clickEffect">
-                                  <p:stCondLst>
-                                    <p:cond delay="0"/>
-                                  </p:stCondLst>
-                                  <p:childTnLst>
-                                    <p:set>
-                                      <p:cBhvr>
-                                        <p:cTn id="6" dur="1" fill="hold">
-                                          <p:stCondLst>
-                                            <p:cond delay="0"/>
-                                          </p:stCondLst>
-                                        </p:cTn>
-                                        <p:tgtEl>
-                                          <p:spTgt spid="8"/>
-                                        </p:tgtEl>
-                                        <p:attrNameLst>
-                                          <p:attrName>style.visibility</p:attrName>
-                                        </p:attrNameLst>
-                                      </p:cBhvr>
-                                      <p:to>
-                                        <p:strVal val="visible"/>
-                                      </p:to>
-                                    </p:set>
-                                    <p:animEffect transition="in" filter="fade">
-                                      <p:cBhvr>
-                                        <p:cTn id="7" dur="500"/>
-                                        <p:tgtEl>
-                                          <p:spTgt spid="8"/>
-                                        </p:tgtEl>
-                                      </p:cBhvr>
-                                    </p:animEffect>
-                                  </p:childTnLst>
-                                </p:cTn>
-                              </p:par>
-                            </p:childTnLst>
-                          </p:cTn>
-                        </p:par>
-                      </p:childTnLst>
-                    </p:cTn>
-                  </p:par>
-                  <p:par>
-                    <p:cTn id="8" fill="hold">
-                      <p:stCondLst>
-                        <p:cond delay="indefinite"/>
-                      </p:stCondLst>
-                      <p:childTnLst>
-                        <p:par>
-                          <p:cTn id="9" fill="hold">
-                            <p:stCondLst>
-                              <p:cond delay="0"/>
-                            </p:stCondLst>
-                            <p:childTnLst>
-                              <p:par>
-                                <p:cTn id="10" presetID="10" presetClass="exit" presetSubtype="0" fill="hold" nodeType="clickEffect">
-                                  <p:stCondLst>
-                                    <p:cond delay="0"/>
-                                  </p:stCondLst>
-                                  <p:childTnLst>
-                                    <p:animEffect transition="out" filter="fade">
-                                      <p:cBhvr>
-                                        <p:cTn id="11" dur="500"/>
-                                        <p:tgtEl>
-                                          <p:spTgt spid="8"/>
-                                        </p:tgtEl>
-                                      </p:cBhvr>
-                                    </p:animEffect>
-                                    <p:set>
-                                      <p:cBhvr>
-                                        <p:cTn id="12" dur="1" fill="hold">
-                                          <p:stCondLst>
-                                            <p:cond delay="499"/>
-                                          </p:stCondLst>
-                                        </p:cTn>
-                                        <p:tgtEl>
-                                          <p:spTgt spid="8"/>
-                                        </p:tgtEl>
-                                        <p:attrNameLst>
-                                          <p:attrName>style.visibility</p:attrName>
-                                        </p:attrNameLst>
-                                      </p:cBhvr>
-                                      <p:to>
-                                        <p:strVal val="hidden"/>
-                                      </p:to>
-                                    </p:set>
-                                  </p:childTnLst>
-                                </p:cTn>
-                              </p:par>
-                            </p:childTnLst>
-                          </p:cTn>
-                        </p:par>
-                      </p:childTnLst>
-                    </p:cTn>
-                  </p:par>
-                  <p:par>
-                    <p:cTn id="13" fill="hold">
-                      <p:stCondLst>
-                        <p:cond delay="indefinite"/>
-                      </p:stCondLst>
-                      <p:childTnLst>
-                        <p:par>
-                          <p:cTn id="14" fill="hold">
-                            <p:stCondLst>
-                              <p:cond delay="0"/>
-                            </p:stCondLst>
-                            <p:childTnLst>
-                              <p:par>
-                                <p:cTn id="15" presetID="10" presetClass="entr" presetSubtype="0" fill="hold" nodeType="clickEffect">
-                                  <p:stCondLst>
-                                    <p:cond delay="0"/>
-                                  </p:stCondLst>
-                                  <p:childTnLst>
-                                    <p:set>
-                                      <p:cBhvr>
-                                        <p:cTn id="16" dur="1" fill="hold">
-                                          <p:stCondLst>
-                                            <p:cond delay="0"/>
-                                          </p:stCondLst>
-                                        </p:cTn>
-                                        <p:tgtEl>
-                                          <p:spTgt spid="3"/>
-                                        </p:tgtEl>
-                                        <p:attrNameLst>
-                                          <p:attrName>style.visibility</p:attrName>
-                                        </p:attrNameLst>
-                                      </p:cBhvr>
-                                      <p:to>
-                                        <p:strVal val="visible"/>
-                                      </p:to>
-                                    </p:set>
-                                    <p:animEffect transition="in" filter="fade">
-                                      <p:cBhvr>
-                                        <p:cTn id="17" dur="500"/>
-                                        <p:tgtEl>
-                                          <p:spTgt spid="3"/>
-                                        </p:tgtEl>
-                                      </p:cBhvr>
-                                    </p:animEffect>
-                                  </p:childTnLst>
-                                </p:cTn>
-                              </p:par>
-                            </p:childTnLst>
-                          </p:cTn>
-                        </p:par>
-                      </p:childTnLst>
-                    </p:cTn>
-                  </p:par>
-                </p:childTnLst>
-              </p:cTn>
-              <p:prevCondLst>
-                <p:cond evt="onPrev" delay="0">
-                  <p:tgtEl>
-                    <p:sldTgt/>
-                  </p:tgtEl>
-                </p:cond>
-              </p:prevCondLst>
-              <p:nextCondLst>
-                <p:cond evt="onNext" delay="0">
-                  <p:tgtEl>
-                    <p:sldTgt/>
-                  </p:tgtEl>
-                </p:cond>
-              </p:nextCondLst>
-            </p:seq>
-          </p:childTnLst>
-        </p:cTn>
-      </p:par>
-    </p:tnLst>
-  </p:timing>
-</p:sld>
-</file>
-
 <file path=ppt/slides/slide8.xml><?xml version="1.0" encoding="utf-8"?>
 <p:sld xmlns:a="http://schemas.openxmlformats.org/drawingml/2006/main" xmlns:r="http://schemas.openxmlformats.org/officeDocument/2006/relationships" xmlns:p="http://schemas.openxmlformats.org/presentationml/2006/main" show="0">
   <p:cSld>
@@ -14380,10 +14411,10 @@
           <a:bodyPr/>
           <a:lstStyle/>
           <a:p>
-            <a:r>
+            <a:fld id="{88FA3088-DB44-4133-BD06-DCED81403DD1}" type="datetime1">
               <a:rPr lang="de-DE" smtClean="0"/>
               <a:t>20.03.2015</a:t>
-            </a:r>
+            </a:fld>
             <a:endParaRPr lang="de-AT"/>
           </a:p>
         </p:txBody>
@@ -14412,7 +14443,7 @@
 </file>
 
 <file path=ppt/slides/slide9.xml><?xml version="1.0" encoding="utf-8"?>
-<p:sld xmlns:a="http://schemas.openxmlformats.org/drawingml/2006/main" xmlns:r="http://schemas.openxmlformats.org/officeDocument/2006/relationships" xmlns:p="http://schemas.openxmlformats.org/presentationml/2006/main">
+<p:sld xmlns:a="http://schemas.openxmlformats.org/drawingml/2006/main" xmlns:r="http://schemas.openxmlformats.org/officeDocument/2006/relationships" xmlns:p="http://schemas.openxmlformats.org/presentationml/2006/main" show="0">
   <p:cSld>
     <p:spTree>
       <p:nvGrpSpPr>
@@ -14428,30 +14459,61 @@
           <a:chExt cx="0" cy="0"/>
         </a:xfrm>
       </p:grpSpPr>
+      <p:sp>
+        <p:nvSpPr>
+          <p:cNvPr id="2" name="Title 1"/>
+          <p:cNvSpPr>
+            <a:spLocks noGrp="1"/>
+          </p:cNvSpPr>
+          <p:nvPr>
+            <p:ph type="title"/>
+          </p:nvPr>
+        </p:nvSpPr>
+        <p:spPr/>
+        <p:txBody>
+          <a:bodyPr/>
+          <a:lstStyle/>
+          <a:p>
+            <a:endParaRPr lang="de-AT"/>
+          </a:p>
+        </p:txBody>
+      </p:sp>
+      <p:sp>
+        <p:nvSpPr>
+          <p:cNvPr id="3" name="Content Placeholder 2"/>
+          <p:cNvSpPr>
+            <a:spLocks noGrp="1"/>
+          </p:cNvSpPr>
+          <p:nvPr>
+            <p:ph idx="1"/>
+          </p:nvPr>
+        </p:nvSpPr>
+        <p:spPr/>
+        <p:txBody>
+          <a:bodyPr/>
+          <a:lstStyle/>
+          <a:p>
+            <a:endParaRPr lang="de-AT"/>
+          </a:p>
+        </p:txBody>
+      </p:sp>
       <p:pic>
         <p:nvPicPr>
-          <p:cNvPr id="11" name="Picture 10"/>
+          <p:cNvPr id="4" name="Picture 3"/>
           <p:cNvPicPr>
             <a:picLocks noChangeAspect="1"/>
           </p:cNvPicPr>
           <p:nvPr/>
         </p:nvPicPr>
-        <p:blipFill>
-          <a:blip r:embed="rId2">
-            <a:extLst>
-              <a:ext uri="{28A0092B-C50C-407E-A947-70E740481C1C}">
-                <a14:useLocalDpi xmlns:a14="http://schemas.microsoft.com/office/drawing/2010/main" val="0"/>
-              </a:ext>
-            </a:extLst>
-          </a:blip>
-          <a:stretch>
-            <a:fillRect/>
-          </a:stretch>
+        <p:blipFill rotWithShape="1">
+          <a:blip r:embed="rId2"/>
+          <a:srcRect l="7602" r="35384" b="35255"/>
+          <a:stretch/>
         </p:blipFill>
         <p:spPr>
           <a:xfrm>
-            <a:off x="5343159" y="-1"/>
-            <a:ext cx="6010641" cy="4365939"/>
+            <a:off x="579549" y="-228600"/>
+            <a:ext cx="7418231" cy="4736206"/>
           </a:xfrm>
           <a:prstGeom prst="rect">
             <a:avLst/>
@@ -14460,80 +14522,7 @@
       </p:pic>
       <p:sp>
         <p:nvSpPr>
-          <p:cNvPr id="5" name="Title 4"/>
-          <p:cNvSpPr>
-            <a:spLocks noGrp="1"/>
-          </p:cNvSpPr>
-          <p:nvPr>
-            <p:ph type="title"/>
-          </p:nvPr>
-        </p:nvSpPr>
-        <p:spPr/>
-        <p:txBody>
-          <a:bodyPr/>
-          <a:lstStyle/>
-          <a:p>
-            <a:r>
-              <a:rPr lang="de-AT" dirty="0" smtClean="0"/>
-              <a:t>Service</a:t>
-            </a:r>
-            <a:endParaRPr lang="de-AT" dirty="0"/>
-          </a:p>
-        </p:txBody>
-      </p:sp>
-      <p:sp>
-        <p:nvSpPr>
-          <p:cNvPr id="10" name="Content Placeholder 9"/>
-          <p:cNvSpPr>
-            <a:spLocks noGrp="1"/>
-          </p:cNvSpPr>
-          <p:nvPr>
-            <p:ph idx="1"/>
-          </p:nvPr>
-        </p:nvSpPr>
-        <p:spPr/>
-        <p:txBody>
-          <a:bodyPr/>
-          <a:lstStyle/>
-          <a:p>
-            <a:r>
-              <a:rPr lang="de-AT" dirty="0" smtClean="0"/>
-              <a:t>Unit of logic</a:t>
-            </a:r>
-          </a:p>
-          <a:p>
-            <a:endParaRPr lang="de-AT" dirty="0"/>
-          </a:p>
-          <a:p>
-            <a:r>
-              <a:rPr lang="de-AT" dirty="0" smtClean="0"/>
-              <a:t>SOA Design Principles Applied</a:t>
-            </a:r>
-          </a:p>
-          <a:p>
-            <a:endParaRPr lang="de-AT" dirty="0"/>
-          </a:p>
-          <a:p>
-            <a:r>
-              <a:rPr lang="de-AT" dirty="0" smtClean="0"/>
-              <a:t>Clearly defined function</a:t>
-            </a:r>
-          </a:p>
-          <a:p>
-            <a:endParaRPr lang="de-AT" dirty="0"/>
-          </a:p>
-          <a:p>
-            <a:r>
-              <a:rPr lang="de-AT" dirty="0" smtClean="0"/>
-              <a:t>Description of the functionality</a:t>
-            </a:r>
-            <a:endParaRPr lang="de-AT" dirty="0"/>
-          </a:p>
-        </p:txBody>
-      </p:sp>
-      <p:sp>
-        <p:nvSpPr>
-          <p:cNvPr id="2" name="Foliennummernplatzhalter 1"/>
+          <p:cNvPr id="8" name="Foliennummernplatzhalter 7"/>
           <p:cNvSpPr>
             <a:spLocks noGrp="1"/>
           </p:cNvSpPr>
@@ -14556,7 +14545,7 @@
       </p:sp>
       <p:sp>
         <p:nvSpPr>
-          <p:cNvPr id="3" name="Fußzeilenplatzhalter 2"/>
+          <p:cNvPr id="9" name="Fußzeilenplatzhalter 8"/>
           <p:cNvSpPr>
             <a:spLocks noGrp="1"/>
           </p:cNvSpPr>
@@ -14579,7 +14568,7 @@
       </p:sp>
       <p:sp>
         <p:nvSpPr>
-          <p:cNvPr id="4" name="Datumsplatzhalter 3"/>
+          <p:cNvPr id="10" name="Datumsplatzhalter 9"/>
           <p:cNvSpPr>
             <a:spLocks noGrp="1"/>
           </p:cNvSpPr>
@@ -14592,10 +14581,10 @@
           <a:bodyPr/>
           <a:lstStyle/>
           <a:p>
-            <a:r>
+            <a:fld id="{BD66C334-7484-4E79-8091-0F622832BC14}" type="datetime1">
               <a:rPr lang="de-DE" smtClean="0"/>
               <a:t>20.03.2015</a:t>
-            </a:r>
+            </a:fld>
             <a:endParaRPr lang="de-AT"/>
           </a:p>
         </p:txBody>
@@ -14603,7 +14592,7 @@
     </p:spTree>
     <p:extLst>
       <p:ext uri="{BB962C8B-B14F-4D97-AF65-F5344CB8AC3E}">
-        <p14:creationId xmlns:p14="http://schemas.microsoft.com/office/powerpoint/2010/main" val="137191320"/>
+        <p14:creationId xmlns:p14="http://schemas.microsoft.com/office/powerpoint/2010/main" val="2173474422"/>
       </p:ext>
     </p:extLst>
   </p:cSld>
